--- a/DD.pptx
+++ b/DD.pptx
@@ -226,7 +226,7 @@
           <a:p>
             <a:fld id="{ED92C02F-46E9-4319-AE92-CFF24FDD2824}" type="datetimeFigureOut">
               <a:rPr lang="en-GB" smtClean="0"/>
-              <a:t>26/01/2021</a:t>
+              <a:t>28/01/2021</a:t>
             </a:fld>
             <a:endParaRPr lang="en-GB" dirty="0"/>
           </a:p>
@@ -1145,7 +1145,7 @@
           <a:p>
             <a:fld id="{4CAA9714-E498-4BB1-946F-9B4AA3A4C648}" type="datetimeFigureOut">
               <a:rPr lang="en-GB" smtClean="0"/>
-              <a:t>26/01/2021</a:t>
+              <a:t>28/01/2021</a:t>
             </a:fld>
             <a:endParaRPr lang="en-GB" dirty="0"/>
           </a:p>
@@ -1315,7 +1315,7 @@
           <a:p>
             <a:fld id="{4CAA9714-E498-4BB1-946F-9B4AA3A4C648}" type="datetimeFigureOut">
               <a:rPr lang="en-GB" smtClean="0"/>
-              <a:t>26/01/2021</a:t>
+              <a:t>28/01/2021</a:t>
             </a:fld>
             <a:endParaRPr lang="en-GB" dirty="0"/>
           </a:p>
@@ -1495,7 +1495,7 @@
           <a:p>
             <a:fld id="{4CAA9714-E498-4BB1-946F-9B4AA3A4C648}" type="datetimeFigureOut">
               <a:rPr lang="en-GB" smtClean="0"/>
-              <a:t>26/01/2021</a:t>
+              <a:t>28/01/2021</a:t>
             </a:fld>
             <a:endParaRPr lang="en-GB" dirty="0"/>
           </a:p>
@@ -1665,7 +1665,7 @@
           <a:p>
             <a:fld id="{4CAA9714-E498-4BB1-946F-9B4AA3A4C648}" type="datetimeFigureOut">
               <a:rPr lang="en-GB" smtClean="0"/>
-              <a:t>26/01/2021</a:t>
+              <a:t>28/01/2021</a:t>
             </a:fld>
             <a:endParaRPr lang="en-GB" dirty="0"/>
           </a:p>
@@ -1909,7 +1909,7 @@
           <a:p>
             <a:fld id="{4CAA9714-E498-4BB1-946F-9B4AA3A4C648}" type="datetimeFigureOut">
               <a:rPr lang="en-GB" smtClean="0"/>
-              <a:t>26/01/2021</a:t>
+              <a:t>28/01/2021</a:t>
             </a:fld>
             <a:endParaRPr lang="en-GB" dirty="0"/>
           </a:p>
@@ -2141,7 +2141,7 @@
           <a:p>
             <a:fld id="{4CAA9714-E498-4BB1-946F-9B4AA3A4C648}" type="datetimeFigureOut">
               <a:rPr lang="en-GB" smtClean="0"/>
-              <a:t>26/01/2021</a:t>
+              <a:t>28/01/2021</a:t>
             </a:fld>
             <a:endParaRPr lang="en-GB" dirty="0"/>
           </a:p>
@@ -2508,7 +2508,7 @@
           <a:p>
             <a:fld id="{4CAA9714-E498-4BB1-946F-9B4AA3A4C648}" type="datetimeFigureOut">
               <a:rPr lang="en-GB" smtClean="0"/>
-              <a:t>26/01/2021</a:t>
+              <a:t>28/01/2021</a:t>
             </a:fld>
             <a:endParaRPr lang="en-GB" dirty="0"/>
           </a:p>
@@ -2626,7 +2626,7 @@
           <a:p>
             <a:fld id="{4CAA9714-E498-4BB1-946F-9B4AA3A4C648}" type="datetimeFigureOut">
               <a:rPr lang="en-GB" smtClean="0"/>
-              <a:t>26/01/2021</a:t>
+              <a:t>28/01/2021</a:t>
             </a:fld>
             <a:endParaRPr lang="en-GB" dirty="0"/>
           </a:p>
@@ -2721,7 +2721,7 @@
           <a:p>
             <a:fld id="{4CAA9714-E498-4BB1-946F-9B4AA3A4C648}" type="datetimeFigureOut">
               <a:rPr lang="en-GB" smtClean="0"/>
-              <a:t>26/01/2021</a:t>
+              <a:t>28/01/2021</a:t>
             </a:fld>
             <a:endParaRPr lang="en-GB" dirty="0"/>
           </a:p>
@@ -2998,7 +2998,7 @@
           <a:p>
             <a:fld id="{4CAA9714-E498-4BB1-946F-9B4AA3A4C648}" type="datetimeFigureOut">
               <a:rPr lang="en-GB" smtClean="0"/>
-              <a:t>26/01/2021</a:t>
+              <a:t>28/01/2021</a:t>
             </a:fld>
             <a:endParaRPr lang="en-GB" dirty="0"/>
           </a:p>
@@ -3254,7 +3254,7 @@
           <a:p>
             <a:fld id="{4CAA9714-E498-4BB1-946F-9B4AA3A4C648}" type="datetimeFigureOut">
               <a:rPr lang="en-GB" smtClean="0"/>
-              <a:t>26/01/2021</a:t>
+              <a:t>28/01/2021</a:t>
             </a:fld>
             <a:endParaRPr lang="en-GB" dirty="0"/>
           </a:p>
@@ -3467,7 +3467,7 @@
           <a:p>
             <a:fld id="{4CAA9714-E498-4BB1-946F-9B4AA3A4C648}" type="datetimeFigureOut">
               <a:rPr lang="en-GB" smtClean="0"/>
-              <a:t>26/01/2021</a:t>
+              <a:t>28/01/2021</a:t>
             </a:fld>
             <a:endParaRPr lang="en-GB" dirty="0"/>
           </a:p>
@@ -10539,7 +10539,7 @@
             <a:pPr lvl="1"/>
             <a:r>
               <a:rPr lang="en-GB" sz="2000" dirty="0"/>
-              <a:t>@Statefull </a:t>
+              <a:t>@Stateful </a:t>
             </a:r>
             <a:r>
               <a:rPr lang="en-GB" sz="2000" dirty="0" err="1"/>
@@ -10582,7 +10582,7 @@
             </a:r>
             <a:r>
               <a:rPr lang="en-GB" sz="1600" dirty="0"/>
-              <a:t>(int id, List&lt;</a:t>
+              <a:t>(List&lt;</a:t>
             </a:r>
             <a:r>
               <a:rPr lang="en-GB" sz="1600" dirty="0" err="1"/>
@@ -10596,12 +10596,8 @@
           <a:p>
             <a:pPr lvl="2"/>
             <a:r>
-              <a:rPr lang="en-GB" sz="1600" dirty="0" err="1"/>
-              <a:t>QuestionnaireAnswer</a:t>
-            </a:r>
-            <a:r>
               <a:rPr lang="en-GB" sz="1600" dirty="0"/>
-              <a:t> </a:t>
+              <a:t>void </a:t>
             </a:r>
             <a:r>
               <a:rPr lang="en-GB" sz="1600" dirty="0" err="1"/>
@@ -10624,7 +10620,7 @@
             </a:r>
             <a:r>
               <a:rPr lang="en-GB" sz="1600" dirty="0"/>
-              <a:t>(int id);</a:t>
+              <a:t>();</a:t>
             </a:r>
           </a:p>
           <a:p>

--- a/DD.pptx
+++ b/DD.pptx
@@ -226,7 +226,7 @@
           <a:p>
             <a:fld id="{ED92C02F-46E9-4319-AE92-CFF24FDD2824}" type="datetimeFigureOut">
               <a:rPr lang="en-GB" smtClean="0"/>
-              <a:t>28/01/2021</a:t>
+              <a:t>29/01/2021</a:t>
             </a:fld>
             <a:endParaRPr lang="en-GB" dirty="0"/>
           </a:p>
@@ -1145,7 +1145,7 @@
           <a:p>
             <a:fld id="{4CAA9714-E498-4BB1-946F-9B4AA3A4C648}" type="datetimeFigureOut">
               <a:rPr lang="en-GB" smtClean="0"/>
-              <a:t>28/01/2021</a:t>
+              <a:t>29/01/2021</a:t>
             </a:fld>
             <a:endParaRPr lang="en-GB" dirty="0"/>
           </a:p>
@@ -1315,7 +1315,7 @@
           <a:p>
             <a:fld id="{4CAA9714-E498-4BB1-946F-9B4AA3A4C648}" type="datetimeFigureOut">
               <a:rPr lang="en-GB" smtClean="0"/>
-              <a:t>28/01/2021</a:t>
+              <a:t>29/01/2021</a:t>
             </a:fld>
             <a:endParaRPr lang="en-GB" dirty="0"/>
           </a:p>
@@ -1495,7 +1495,7 @@
           <a:p>
             <a:fld id="{4CAA9714-E498-4BB1-946F-9B4AA3A4C648}" type="datetimeFigureOut">
               <a:rPr lang="en-GB" smtClean="0"/>
-              <a:t>28/01/2021</a:t>
+              <a:t>29/01/2021</a:t>
             </a:fld>
             <a:endParaRPr lang="en-GB" dirty="0"/>
           </a:p>
@@ -1665,7 +1665,7 @@
           <a:p>
             <a:fld id="{4CAA9714-E498-4BB1-946F-9B4AA3A4C648}" type="datetimeFigureOut">
               <a:rPr lang="en-GB" smtClean="0"/>
-              <a:t>28/01/2021</a:t>
+              <a:t>29/01/2021</a:t>
             </a:fld>
             <a:endParaRPr lang="en-GB" dirty="0"/>
           </a:p>
@@ -1909,7 +1909,7 @@
           <a:p>
             <a:fld id="{4CAA9714-E498-4BB1-946F-9B4AA3A4C648}" type="datetimeFigureOut">
               <a:rPr lang="en-GB" smtClean="0"/>
-              <a:t>28/01/2021</a:t>
+              <a:t>29/01/2021</a:t>
             </a:fld>
             <a:endParaRPr lang="en-GB" dirty="0"/>
           </a:p>
@@ -2141,7 +2141,7 @@
           <a:p>
             <a:fld id="{4CAA9714-E498-4BB1-946F-9B4AA3A4C648}" type="datetimeFigureOut">
               <a:rPr lang="en-GB" smtClean="0"/>
-              <a:t>28/01/2021</a:t>
+              <a:t>29/01/2021</a:t>
             </a:fld>
             <a:endParaRPr lang="en-GB" dirty="0"/>
           </a:p>
@@ -2508,7 +2508,7 @@
           <a:p>
             <a:fld id="{4CAA9714-E498-4BB1-946F-9B4AA3A4C648}" type="datetimeFigureOut">
               <a:rPr lang="en-GB" smtClean="0"/>
-              <a:t>28/01/2021</a:t>
+              <a:t>29/01/2021</a:t>
             </a:fld>
             <a:endParaRPr lang="en-GB" dirty="0"/>
           </a:p>
@@ -2626,7 +2626,7 @@
           <a:p>
             <a:fld id="{4CAA9714-E498-4BB1-946F-9B4AA3A4C648}" type="datetimeFigureOut">
               <a:rPr lang="en-GB" smtClean="0"/>
-              <a:t>28/01/2021</a:t>
+              <a:t>29/01/2021</a:t>
             </a:fld>
             <a:endParaRPr lang="en-GB" dirty="0"/>
           </a:p>
@@ -2721,7 +2721,7 @@
           <a:p>
             <a:fld id="{4CAA9714-E498-4BB1-946F-9B4AA3A4C648}" type="datetimeFigureOut">
               <a:rPr lang="en-GB" smtClean="0"/>
-              <a:t>28/01/2021</a:t>
+              <a:t>29/01/2021</a:t>
             </a:fld>
             <a:endParaRPr lang="en-GB" dirty="0"/>
           </a:p>
@@ -2998,7 +2998,7 @@
           <a:p>
             <a:fld id="{4CAA9714-E498-4BB1-946F-9B4AA3A4C648}" type="datetimeFigureOut">
               <a:rPr lang="en-GB" smtClean="0"/>
-              <a:t>28/01/2021</a:t>
+              <a:t>29/01/2021</a:t>
             </a:fld>
             <a:endParaRPr lang="en-GB" dirty="0"/>
           </a:p>
@@ -3254,7 +3254,7 @@
           <a:p>
             <a:fld id="{4CAA9714-E498-4BB1-946F-9B4AA3A4C648}" type="datetimeFigureOut">
               <a:rPr lang="en-GB" smtClean="0"/>
-              <a:t>28/01/2021</a:t>
+              <a:t>29/01/2021</a:t>
             </a:fld>
             <a:endParaRPr lang="en-GB" dirty="0"/>
           </a:p>
@@ -3467,7 +3467,7 @@
           <a:p>
             <a:fld id="{4CAA9714-E498-4BB1-946F-9B4AA3A4C648}" type="datetimeFigureOut">
               <a:rPr lang="en-GB" smtClean="0"/>
-              <a:t>28/01/2021</a:t>
+              <a:t>29/01/2021</a:t>
             </a:fld>
             <a:endParaRPr lang="en-GB" dirty="0"/>
           </a:p>
@@ -9865,42 +9865,42 @@
           <a:p>
             <a:pPr lvl="1"/>
             <a:r>
-              <a:rPr lang="en-GB" dirty="0" err="1"/>
+              <a:rPr lang="en-GB" b="1" dirty="0" err="1"/>
               <a:t>GoToMarketingQuestionnaire</a:t>
             </a:r>
-            <a:endParaRPr lang="en-GB" dirty="0"/>
+            <a:endParaRPr lang="en-GB" b="1" dirty="0"/>
           </a:p>
           <a:p>
             <a:pPr lvl="1"/>
             <a:r>
-              <a:rPr lang="en-GB" dirty="0" err="1"/>
+              <a:rPr lang="en-GB" b="1" dirty="0" err="1"/>
               <a:t>GoToStatisticalQuestionnaire</a:t>
             </a:r>
-            <a:endParaRPr lang="en-GB" dirty="0"/>
+            <a:endParaRPr lang="en-GB" b="1" dirty="0"/>
           </a:p>
           <a:p>
             <a:pPr lvl="1"/>
             <a:r>
-              <a:rPr lang="en-GB" dirty="0" err="1"/>
+              <a:rPr lang="en-GB" u="sng" dirty="0" err="1"/>
               <a:t>CreateAnswer</a:t>
             </a:r>
-            <a:endParaRPr lang="en-GB" dirty="0"/>
+            <a:endParaRPr lang="en-GB" u="sng" dirty="0"/>
           </a:p>
           <a:p>
             <a:pPr lvl="1"/>
             <a:r>
-              <a:rPr lang="en-GB" dirty="0" err="1"/>
+              <a:rPr lang="en-GB" u="sng" dirty="0" err="1"/>
               <a:t>CancelAnswer</a:t>
             </a:r>
-            <a:endParaRPr lang="en-GB" dirty="0"/>
+            <a:endParaRPr lang="en-GB" u="sng" dirty="0"/>
           </a:p>
           <a:p>
             <a:pPr lvl="1"/>
             <a:r>
-              <a:rPr lang="en-GB" dirty="0" err="1"/>
+              <a:rPr lang="en-GB" u="sng" dirty="0" err="1"/>
               <a:t>GoToGreetingsPage</a:t>
             </a:r>
-            <a:endParaRPr lang="en-GB" dirty="0"/>
+            <a:endParaRPr lang="en-GB" u="sng" dirty="0"/>
           </a:p>
           <a:p>
             <a:pPr lvl="1"/>
@@ -10019,22 +10019,26 @@
           <a:p>
             <a:pPr lvl="1"/>
             <a:r>
+              <a:rPr lang="en-GB" b="1" dirty="0"/>
+              <a:t>Marketing.html</a:t>
+            </a:r>
+          </a:p>
+          <a:p>
+            <a:pPr lvl="1"/>
+            <a:r>
+              <a:rPr lang="en-GB" b="1" dirty="0"/>
+              <a:t>Statistical.html</a:t>
+            </a:r>
+          </a:p>
+          <a:p>
+            <a:pPr lvl="1"/>
+            <a:r>
+              <a:rPr lang="en-GB" u="sng" dirty="0"/>
+              <a:t>Greetings</a:t>
+            </a:r>
+            <a:r>
               <a:rPr lang="en-GB" dirty="0"/>
-              <a:t>Marketing.html</a:t>
-            </a:r>
-          </a:p>
-          <a:p>
-            <a:pPr lvl="1"/>
-            <a:r>
-              <a:rPr lang="en-GB" dirty="0"/>
-              <a:t>Statistical.html</a:t>
-            </a:r>
-          </a:p>
-          <a:p>
-            <a:pPr lvl="1"/>
-            <a:r>
-              <a:rPr lang="en-GB" dirty="0"/>
-              <a:t>Greetings.html</a:t>
+              <a:t>.html</a:t>
             </a:r>
           </a:p>
           <a:p>

--- a/DD.pptx
+++ b/DD.pptx
@@ -15883,8 +15883,8 @@
         </p:nvSpPr>
         <p:spPr>
           <a:xfrm>
-            <a:off x="1041620" y="1690689"/>
-            <a:ext cx="7617349" cy="4296643"/>
+            <a:off x="205945" y="1674213"/>
+            <a:ext cx="4555524" cy="4907819"/>
           </a:xfrm>
         </p:spPr>
         <p:txBody>
@@ -16139,6 +16139,121 @@
               </a:rPr>
               <a:t>)</a:t>
             </a:r>
+          </a:p>
+        </p:txBody>
+      </p:sp>
+      <p:sp>
+        <p:nvSpPr>
+          <p:cNvPr id="2" name="CasellaDiTesto 1">
+            <a:extLst>
+              <a:ext uri="{FF2B5EF4-FFF2-40B4-BE49-F238E27FC236}">
+                <a16:creationId xmlns:a16="http://schemas.microsoft.com/office/drawing/2014/main" id="{338462ED-698C-44FE-AA52-1CCDB180270E}"/>
+              </a:ext>
+            </a:extLst>
+          </p:cNvPr>
+          <p:cNvSpPr txBox="1"/>
+          <p:nvPr/>
+        </p:nvSpPr>
+        <p:spPr>
+          <a:xfrm>
+            <a:off x="4588476" y="3016252"/>
+            <a:ext cx="4555524" cy="1369606"/>
+          </a:xfrm>
+          <a:prstGeom prst="rect">
+            <a:avLst/>
+          </a:prstGeom>
+          <a:noFill/>
+        </p:spPr>
+        <p:txBody>
+          <a:bodyPr wrap="square" rtlCol="0">
+            <a:spAutoFit/>
+          </a:bodyPr>
+          <a:lstStyle/>
+          <a:p>
+            <a:pPr>
+              <a:lnSpc>
+                <a:spcPct val="90000"/>
+              </a:lnSpc>
+              <a:spcBef>
+                <a:spcPts val="1000"/>
+              </a:spcBef>
+            </a:pPr>
+            <a:r>
+              <a:rPr lang="en-US" sz="1600" dirty="0">
+                <a:latin typeface="Courier New" panose="02070309020205020404" pitchFamily="49" charset="0"/>
+                <a:cs typeface="Courier New" panose="02070309020205020404" pitchFamily="49" charset="0"/>
+              </a:rPr>
+              <a:t>CREATE TABLE `</a:t>
+            </a:r>
+            <a:r>
+              <a:rPr lang="en-US" sz="1600" b="1" dirty="0" err="1">
+                <a:latin typeface="Courier New" panose="02070309020205020404" pitchFamily="49" charset="0"/>
+                <a:cs typeface="Courier New" panose="02070309020205020404" pitchFamily="49" charset="0"/>
+              </a:rPr>
+              <a:t>offensive_word</a:t>
+            </a:r>
+            <a:r>
+              <a:rPr lang="en-US" sz="1600" dirty="0">
+                <a:latin typeface="Courier New" panose="02070309020205020404" pitchFamily="49" charset="0"/>
+                <a:cs typeface="Courier New" panose="02070309020205020404" pitchFamily="49" charset="0"/>
+              </a:rPr>
+              <a:t>` (</a:t>
+            </a:r>
+          </a:p>
+          <a:p>
+            <a:pPr>
+              <a:lnSpc>
+                <a:spcPct val="90000"/>
+              </a:lnSpc>
+              <a:spcBef>
+                <a:spcPts val="1000"/>
+              </a:spcBef>
+            </a:pPr>
+            <a:r>
+              <a:rPr lang="en-US" sz="1600" dirty="0">
+                <a:latin typeface="Courier New" panose="02070309020205020404" pitchFamily="49" charset="0"/>
+                <a:cs typeface="Courier New" panose="02070309020205020404" pitchFamily="49" charset="0"/>
+              </a:rPr>
+              <a:t>  `id` int NOT NULL AUTO_INCREMENT,</a:t>
+            </a:r>
+          </a:p>
+          <a:p>
+            <a:pPr>
+              <a:lnSpc>
+                <a:spcPct val="90000"/>
+              </a:lnSpc>
+              <a:spcBef>
+                <a:spcPts val="1000"/>
+              </a:spcBef>
+            </a:pPr>
+            <a:r>
+              <a:rPr lang="en-US" sz="1600" dirty="0">
+                <a:latin typeface="Courier New" panose="02070309020205020404" pitchFamily="49" charset="0"/>
+                <a:cs typeface="Courier New" panose="02070309020205020404" pitchFamily="49" charset="0"/>
+              </a:rPr>
+              <a:t>  `word` varchar(50) NOT NULL, </a:t>
+            </a:r>
+          </a:p>
+          <a:p>
+            <a:pPr>
+              <a:lnSpc>
+                <a:spcPct val="90000"/>
+              </a:lnSpc>
+              <a:spcBef>
+                <a:spcPts val="1000"/>
+              </a:spcBef>
+            </a:pPr>
+            <a:r>
+              <a:rPr lang="en-US" sz="1600" dirty="0">
+                <a:latin typeface="Courier New" panose="02070309020205020404" pitchFamily="49" charset="0"/>
+                <a:cs typeface="Courier New" panose="02070309020205020404" pitchFamily="49" charset="0"/>
+              </a:rPr>
+              <a:t> PRIMARY KEY (`id`))</a:t>
+            </a:r>
+            <a:endParaRPr lang="it-IT" sz="1600" dirty="0">
+              <a:latin typeface="Courier New" panose="02070309020205020404" pitchFamily="49" charset="0"/>
+              <a:cs typeface="Courier New" panose="02070309020205020404" pitchFamily="49" charset="0"/>
+            </a:endParaRPr>
           </a:p>
         </p:txBody>
       </p:sp>

--- a/DD.pptx
+++ b/DD.pptx
@@ -226,7 +226,7 @@
           <a:p>
             <a:fld id="{ED92C02F-46E9-4319-AE92-CFF24FDD2824}" type="datetimeFigureOut">
               <a:rPr lang="en-GB" smtClean="0"/>
-              <a:t>29/01/2021</a:t>
+              <a:t>30/01/2021</a:t>
             </a:fld>
             <a:endParaRPr lang="en-GB" dirty="0"/>
           </a:p>
@@ -1145,7 +1145,7 @@
           <a:p>
             <a:fld id="{4CAA9714-E498-4BB1-946F-9B4AA3A4C648}" type="datetimeFigureOut">
               <a:rPr lang="en-GB" smtClean="0"/>
-              <a:t>29/01/2021</a:t>
+              <a:t>30/01/2021</a:t>
             </a:fld>
             <a:endParaRPr lang="en-GB" dirty="0"/>
           </a:p>
@@ -1315,7 +1315,7 @@
           <a:p>
             <a:fld id="{4CAA9714-E498-4BB1-946F-9B4AA3A4C648}" type="datetimeFigureOut">
               <a:rPr lang="en-GB" smtClean="0"/>
-              <a:t>29/01/2021</a:t>
+              <a:t>30/01/2021</a:t>
             </a:fld>
             <a:endParaRPr lang="en-GB" dirty="0"/>
           </a:p>
@@ -1495,7 +1495,7 @@
           <a:p>
             <a:fld id="{4CAA9714-E498-4BB1-946F-9B4AA3A4C648}" type="datetimeFigureOut">
               <a:rPr lang="en-GB" smtClean="0"/>
-              <a:t>29/01/2021</a:t>
+              <a:t>30/01/2021</a:t>
             </a:fld>
             <a:endParaRPr lang="en-GB" dirty="0"/>
           </a:p>
@@ -1665,7 +1665,7 @@
           <a:p>
             <a:fld id="{4CAA9714-E498-4BB1-946F-9B4AA3A4C648}" type="datetimeFigureOut">
               <a:rPr lang="en-GB" smtClean="0"/>
-              <a:t>29/01/2021</a:t>
+              <a:t>30/01/2021</a:t>
             </a:fld>
             <a:endParaRPr lang="en-GB" dirty="0"/>
           </a:p>
@@ -1909,7 +1909,7 @@
           <a:p>
             <a:fld id="{4CAA9714-E498-4BB1-946F-9B4AA3A4C648}" type="datetimeFigureOut">
               <a:rPr lang="en-GB" smtClean="0"/>
-              <a:t>29/01/2021</a:t>
+              <a:t>30/01/2021</a:t>
             </a:fld>
             <a:endParaRPr lang="en-GB" dirty="0"/>
           </a:p>
@@ -2141,7 +2141,7 @@
           <a:p>
             <a:fld id="{4CAA9714-E498-4BB1-946F-9B4AA3A4C648}" type="datetimeFigureOut">
               <a:rPr lang="en-GB" smtClean="0"/>
-              <a:t>29/01/2021</a:t>
+              <a:t>30/01/2021</a:t>
             </a:fld>
             <a:endParaRPr lang="en-GB" dirty="0"/>
           </a:p>
@@ -2508,7 +2508,7 @@
           <a:p>
             <a:fld id="{4CAA9714-E498-4BB1-946F-9B4AA3A4C648}" type="datetimeFigureOut">
               <a:rPr lang="en-GB" smtClean="0"/>
-              <a:t>29/01/2021</a:t>
+              <a:t>30/01/2021</a:t>
             </a:fld>
             <a:endParaRPr lang="en-GB" dirty="0"/>
           </a:p>
@@ -2626,7 +2626,7 @@
           <a:p>
             <a:fld id="{4CAA9714-E498-4BB1-946F-9B4AA3A4C648}" type="datetimeFigureOut">
               <a:rPr lang="en-GB" smtClean="0"/>
-              <a:t>29/01/2021</a:t>
+              <a:t>30/01/2021</a:t>
             </a:fld>
             <a:endParaRPr lang="en-GB" dirty="0"/>
           </a:p>
@@ -2721,7 +2721,7 @@
           <a:p>
             <a:fld id="{4CAA9714-E498-4BB1-946F-9B4AA3A4C648}" type="datetimeFigureOut">
               <a:rPr lang="en-GB" smtClean="0"/>
-              <a:t>29/01/2021</a:t>
+              <a:t>30/01/2021</a:t>
             </a:fld>
             <a:endParaRPr lang="en-GB" dirty="0"/>
           </a:p>
@@ -2998,7 +2998,7 @@
           <a:p>
             <a:fld id="{4CAA9714-E498-4BB1-946F-9B4AA3A4C648}" type="datetimeFigureOut">
               <a:rPr lang="en-GB" smtClean="0"/>
-              <a:t>29/01/2021</a:t>
+              <a:t>30/01/2021</a:t>
             </a:fld>
             <a:endParaRPr lang="en-GB" dirty="0"/>
           </a:p>
@@ -3254,7 +3254,7 @@
           <a:p>
             <a:fld id="{4CAA9714-E498-4BB1-946F-9B4AA3A4C648}" type="datetimeFigureOut">
               <a:rPr lang="en-GB" smtClean="0"/>
-              <a:t>29/01/2021</a:t>
+              <a:t>30/01/2021</a:t>
             </a:fld>
             <a:endParaRPr lang="en-GB" dirty="0"/>
           </a:p>
@@ -3467,7 +3467,7 @@
           <a:p>
             <a:fld id="{4CAA9714-E498-4BB1-946F-9B4AA3A4C648}" type="datetimeFigureOut">
               <a:rPr lang="en-GB" smtClean="0"/>
-              <a:t>29/01/2021</a:t>
+              <a:t>30/01/2021</a:t>
             </a:fld>
             <a:endParaRPr lang="en-GB" dirty="0"/>
           </a:p>
@@ -9865,42 +9865,42 @@
           <a:p>
             <a:pPr lvl="1"/>
             <a:r>
-              <a:rPr lang="en-GB" b="1" dirty="0" err="1"/>
+              <a:rPr lang="en-GB" dirty="0" err="1"/>
               <a:t>GoToMarketingQuestionnaire</a:t>
             </a:r>
-            <a:endParaRPr lang="en-GB" b="1" dirty="0"/>
+            <a:endParaRPr lang="en-GB" dirty="0"/>
           </a:p>
           <a:p>
             <a:pPr lvl="1"/>
             <a:r>
-              <a:rPr lang="en-GB" b="1" dirty="0" err="1"/>
+              <a:rPr lang="en-GB" dirty="0" err="1"/>
               <a:t>GoToStatisticalQuestionnaire</a:t>
             </a:r>
-            <a:endParaRPr lang="en-GB" b="1" dirty="0"/>
+            <a:endParaRPr lang="en-GB" dirty="0"/>
           </a:p>
           <a:p>
             <a:pPr lvl="1"/>
             <a:r>
-              <a:rPr lang="en-GB" u="sng" dirty="0" err="1"/>
+              <a:rPr lang="en-GB" dirty="0" err="1"/>
               <a:t>CreateAnswer</a:t>
             </a:r>
-            <a:endParaRPr lang="en-GB" u="sng" dirty="0"/>
+            <a:endParaRPr lang="en-GB" dirty="0"/>
           </a:p>
           <a:p>
             <a:pPr lvl="1"/>
             <a:r>
-              <a:rPr lang="en-GB" u="sng" dirty="0" err="1"/>
+              <a:rPr lang="en-GB" dirty="0" err="1"/>
               <a:t>CancelAnswer</a:t>
             </a:r>
-            <a:endParaRPr lang="en-GB" u="sng" dirty="0"/>
+            <a:endParaRPr lang="en-GB" dirty="0"/>
           </a:p>
           <a:p>
             <a:pPr lvl="1"/>
             <a:r>
-              <a:rPr lang="en-GB" u="sng" dirty="0" err="1"/>
+              <a:rPr lang="en-GB" dirty="0" err="1"/>
               <a:t>GoToGreetingsPage</a:t>
             </a:r>
-            <a:endParaRPr lang="en-GB" u="sng" dirty="0"/>
+            <a:endParaRPr lang="en-GB" dirty="0"/>
           </a:p>
           <a:p>
             <a:pPr lvl="1"/>
@@ -9914,7 +9914,7 @@
             <a:pPr lvl="1"/>
             <a:r>
               <a:rPr lang="en-GB" dirty="0" err="1"/>
-              <a:t>GoToAdminHome</a:t>
+              <a:t>GoToAdmin</a:t>
             </a:r>
             <a:endParaRPr lang="en-GB" dirty="0"/>
           </a:p>
@@ -10019,26 +10019,38 @@
           <a:p>
             <a:pPr lvl="1"/>
             <a:r>
+              <a:rPr lang="en-GB" dirty="0"/>
+              <a:t>Marketing</a:t>
+            </a:r>
+            <a:r>
               <a:rPr lang="en-GB" b="1" dirty="0"/>
-              <a:t>Marketing.html</a:t>
+              <a:t>.</a:t>
+            </a:r>
+            <a:r>
+              <a:rPr lang="en-GB" dirty="0"/>
+              <a:t>html</a:t>
             </a:r>
           </a:p>
           <a:p>
             <a:pPr lvl="1"/>
             <a:r>
+              <a:rPr lang="en-GB" dirty="0"/>
+              <a:t>Statistical</a:t>
+            </a:r>
+            <a:r>
               <a:rPr lang="en-GB" b="1" dirty="0"/>
-              <a:t>Statistical.html</a:t>
+              <a:t>.</a:t>
+            </a:r>
+            <a:r>
+              <a:rPr lang="en-GB" dirty="0"/>
+              <a:t>html</a:t>
             </a:r>
           </a:p>
           <a:p>
             <a:pPr lvl="1"/>
             <a:r>
-              <a:rPr lang="en-GB" u="sng" dirty="0"/>
-              <a:t>Greetings</a:t>
-            </a:r>
-            <a:r>
               <a:rPr lang="en-GB" dirty="0"/>
-              <a:t>.html</a:t>
+              <a:t>Greetings.html</a:t>
             </a:r>
           </a:p>
           <a:p>

--- a/DD.pptx
+++ b/DD.pptx
@@ -226,7 +226,7 @@
           <a:p>
             <a:fld id="{ED92C02F-46E9-4319-AE92-CFF24FDD2824}" type="datetimeFigureOut">
               <a:rPr lang="en-GB" smtClean="0"/>
-              <a:t>30/01/2021</a:t>
+              <a:t>31/01/2021</a:t>
             </a:fld>
             <a:endParaRPr lang="en-GB" dirty="0"/>
           </a:p>
@@ -1145,7 +1145,7 @@
           <a:p>
             <a:fld id="{4CAA9714-E498-4BB1-946F-9B4AA3A4C648}" type="datetimeFigureOut">
               <a:rPr lang="en-GB" smtClean="0"/>
-              <a:t>30/01/2021</a:t>
+              <a:t>31/01/2021</a:t>
             </a:fld>
             <a:endParaRPr lang="en-GB" dirty="0"/>
           </a:p>
@@ -1315,7 +1315,7 @@
           <a:p>
             <a:fld id="{4CAA9714-E498-4BB1-946F-9B4AA3A4C648}" type="datetimeFigureOut">
               <a:rPr lang="en-GB" smtClean="0"/>
-              <a:t>30/01/2021</a:t>
+              <a:t>31/01/2021</a:t>
             </a:fld>
             <a:endParaRPr lang="en-GB" dirty="0"/>
           </a:p>
@@ -1495,7 +1495,7 @@
           <a:p>
             <a:fld id="{4CAA9714-E498-4BB1-946F-9B4AA3A4C648}" type="datetimeFigureOut">
               <a:rPr lang="en-GB" smtClean="0"/>
-              <a:t>30/01/2021</a:t>
+              <a:t>31/01/2021</a:t>
             </a:fld>
             <a:endParaRPr lang="en-GB" dirty="0"/>
           </a:p>
@@ -1665,7 +1665,7 @@
           <a:p>
             <a:fld id="{4CAA9714-E498-4BB1-946F-9B4AA3A4C648}" type="datetimeFigureOut">
               <a:rPr lang="en-GB" smtClean="0"/>
-              <a:t>30/01/2021</a:t>
+              <a:t>31/01/2021</a:t>
             </a:fld>
             <a:endParaRPr lang="en-GB" dirty="0"/>
           </a:p>
@@ -1909,7 +1909,7 @@
           <a:p>
             <a:fld id="{4CAA9714-E498-4BB1-946F-9B4AA3A4C648}" type="datetimeFigureOut">
               <a:rPr lang="en-GB" smtClean="0"/>
-              <a:t>30/01/2021</a:t>
+              <a:t>31/01/2021</a:t>
             </a:fld>
             <a:endParaRPr lang="en-GB" dirty="0"/>
           </a:p>
@@ -2141,7 +2141,7 @@
           <a:p>
             <a:fld id="{4CAA9714-E498-4BB1-946F-9B4AA3A4C648}" type="datetimeFigureOut">
               <a:rPr lang="en-GB" smtClean="0"/>
-              <a:t>30/01/2021</a:t>
+              <a:t>31/01/2021</a:t>
             </a:fld>
             <a:endParaRPr lang="en-GB" dirty="0"/>
           </a:p>
@@ -2508,7 +2508,7 @@
           <a:p>
             <a:fld id="{4CAA9714-E498-4BB1-946F-9B4AA3A4C648}" type="datetimeFigureOut">
               <a:rPr lang="en-GB" smtClean="0"/>
-              <a:t>30/01/2021</a:t>
+              <a:t>31/01/2021</a:t>
             </a:fld>
             <a:endParaRPr lang="en-GB" dirty="0"/>
           </a:p>
@@ -2626,7 +2626,7 @@
           <a:p>
             <a:fld id="{4CAA9714-E498-4BB1-946F-9B4AA3A4C648}" type="datetimeFigureOut">
               <a:rPr lang="en-GB" smtClean="0"/>
-              <a:t>30/01/2021</a:t>
+              <a:t>31/01/2021</a:t>
             </a:fld>
             <a:endParaRPr lang="en-GB" dirty="0"/>
           </a:p>
@@ -2721,7 +2721,7 @@
           <a:p>
             <a:fld id="{4CAA9714-E498-4BB1-946F-9B4AA3A4C648}" type="datetimeFigureOut">
               <a:rPr lang="en-GB" smtClean="0"/>
-              <a:t>30/01/2021</a:t>
+              <a:t>31/01/2021</a:t>
             </a:fld>
             <a:endParaRPr lang="en-GB" dirty="0"/>
           </a:p>
@@ -2998,7 +2998,7 @@
           <a:p>
             <a:fld id="{4CAA9714-E498-4BB1-946F-9B4AA3A4C648}" type="datetimeFigureOut">
               <a:rPr lang="en-GB" smtClean="0"/>
-              <a:t>30/01/2021</a:t>
+              <a:t>31/01/2021</a:t>
             </a:fld>
             <a:endParaRPr lang="en-GB" dirty="0"/>
           </a:p>
@@ -3254,7 +3254,7 @@
           <a:p>
             <a:fld id="{4CAA9714-E498-4BB1-946F-9B4AA3A4C648}" type="datetimeFigureOut">
               <a:rPr lang="en-GB" smtClean="0"/>
-              <a:t>30/01/2021</a:t>
+              <a:t>31/01/2021</a:t>
             </a:fld>
             <a:endParaRPr lang="en-GB" dirty="0"/>
           </a:p>
@@ -3467,7 +3467,7 @@
           <a:p>
             <a:fld id="{4CAA9714-E498-4BB1-946F-9B4AA3A4C648}" type="datetimeFigureOut">
               <a:rPr lang="en-GB" smtClean="0"/>
-              <a:t>30/01/2021</a:t>
+              <a:t>31/01/2021</a:t>
             </a:fld>
             <a:endParaRPr lang="en-GB" dirty="0"/>
           </a:p>

--- a/DD.pptx
+++ b/DD.pptx
@@ -228,7 +228,7 @@
           <a:p>
             <a:fld id="{ED92C02F-46E9-4319-AE92-CFF24FDD2824}" type="datetimeFigureOut">
               <a:rPr lang="en-GB" smtClean="0"/>
-              <a:t>08/02/2021</a:t>
+              <a:t>10/02/2021</a:t>
             </a:fld>
             <a:endParaRPr lang="en-GB" dirty="0"/>
           </a:p>
@@ -1231,7 +1231,7 @@
           <a:p>
             <a:fld id="{4CAA9714-E498-4BB1-946F-9B4AA3A4C648}" type="datetimeFigureOut">
               <a:rPr lang="en-GB" smtClean="0"/>
-              <a:t>08/02/2021</a:t>
+              <a:t>10/02/2021</a:t>
             </a:fld>
             <a:endParaRPr lang="en-GB" dirty="0"/>
           </a:p>
@@ -1401,7 +1401,7 @@
           <a:p>
             <a:fld id="{4CAA9714-E498-4BB1-946F-9B4AA3A4C648}" type="datetimeFigureOut">
               <a:rPr lang="en-GB" smtClean="0"/>
-              <a:t>08/02/2021</a:t>
+              <a:t>10/02/2021</a:t>
             </a:fld>
             <a:endParaRPr lang="en-GB" dirty="0"/>
           </a:p>
@@ -1581,7 +1581,7 @@
           <a:p>
             <a:fld id="{4CAA9714-E498-4BB1-946F-9B4AA3A4C648}" type="datetimeFigureOut">
               <a:rPr lang="en-GB" smtClean="0"/>
-              <a:t>08/02/2021</a:t>
+              <a:t>10/02/2021</a:t>
             </a:fld>
             <a:endParaRPr lang="en-GB" dirty="0"/>
           </a:p>
@@ -1751,7 +1751,7 @@
           <a:p>
             <a:fld id="{4CAA9714-E498-4BB1-946F-9B4AA3A4C648}" type="datetimeFigureOut">
               <a:rPr lang="en-GB" smtClean="0"/>
-              <a:t>08/02/2021</a:t>
+              <a:t>10/02/2021</a:t>
             </a:fld>
             <a:endParaRPr lang="en-GB" dirty="0"/>
           </a:p>
@@ -1995,7 +1995,7 @@
           <a:p>
             <a:fld id="{4CAA9714-E498-4BB1-946F-9B4AA3A4C648}" type="datetimeFigureOut">
               <a:rPr lang="en-GB" smtClean="0"/>
-              <a:t>08/02/2021</a:t>
+              <a:t>10/02/2021</a:t>
             </a:fld>
             <a:endParaRPr lang="en-GB" dirty="0"/>
           </a:p>
@@ -2227,7 +2227,7 @@
           <a:p>
             <a:fld id="{4CAA9714-E498-4BB1-946F-9B4AA3A4C648}" type="datetimeFigureOut">
               <a:rPr lang="en-GB" smtClean="0"/>
-              <a:t>08/02/2021</a:t>
+              <a:t>10/02/2021</a:t>
             </a:fld>
             <a:endParaRPr lang="en-GB" dirty="0"/>
           </a:p>
@@ -2594,7 +2594,7 @@
           <a:p>
             <a:fld id="{4CAA9714-E498-4BB1-946F-9B4AA3A4C648}" type="datetimeFigureOut">
               <a:rPr lang="en-GB" smtClean="0"/>
-              <a:t>08/02/2021</a:t>
+              <a:t>10/02/2021</a:t>
             </a:fld>
             <a:endParaRPr lang="en-GB" dirty="0"/>
           </a:p>
@@ -2712,7 +2712,7 @@
           <a:p>
             <a:fld id="{4CAA9714-E498-4BB1-946F-9B4AA3A4C648}" type="datetimeFigureOut">
               <a:rPr lang="en-GB" smtClean="0"/>
-              <a:t>08/02/2021</a:t>
+              <a:t>10/02/2021</a:t>
             </a:fld>
             <a:endParaRPr lang="en-GB" dirty="0"/>
           </a:p>
@@ -2807,7 +2807,7 @@
           <a:p>
             <a:fld id="{4CAA9714-E498-4BB1-946F-9B4AA3A4C648}" type="datetimeFigureOut">
               <a:rPr lang="en-GB" smtClean="0"/>
-              <a:t>08/02/2021</a:t>
+              <a:t>10/02/2021</a:t>
             </a:fld>
             <a:endParaRPr lang="en-GB" dirty="0"/>
           </a:p>
@@ -3084,7 +3084,7 @@
           <a:p>
             <a:fld id="{4CAA9714-E498-4BB1-946F-9B4AA3A4C648}" type="datetimeFigureOut">
               <a:rPr lang="en-GB" smtClean="0"/>
-              <a:t>08/02/2021</a:t>
+              <a:t>10/02/2021</a:t>
             </a:fld>
             <a:endParaRPr lang="en-GB" dirty="0"/>
           </a:p>
@@ -3340,7 +3340,7 @@
           <a:p>
             <a:fld id="{4CAA9714-E498-4BB1-946F-9B4AA3A4C648}" type="datetimeFigureOut">
               <a:rPr lang="en-GB" smtClean="0"/>
-              <a:t>08/02/2021</a:t>
+              <a:t>10/02/2021</a:t>
             </a:fld>
             <a:endParaRPr lang="en-GB" dirty="0"/>
           </a:p>
@@ -3553,7 +3553,7 @@
           <a:p>
             <a:fld id="{4CAA9714-E498-4BB1-946F-9B4AA3A4C648}" type="datetimeFigureOut">
               <a:rPr lang="en-GB" smtClean="0"/>
-              <a:t>08/02/2021</a:t>
+              <a:t>10/02/2021</a:t>
             </a:fld>
             <a:endParaRPr lang="en-GB" dirty="0"/>
           </a:p>
@@ -9669,7 +9669,7 @@
               <a:rPr lang="it-IT" sz="1800" dirty="0" err="1">
                 <a:latin typeface="Consolas" panose="020B0609020204030204" pitchFamily="49" charset="0"/>
               </a:rPr>
-              <a:t>findProductById</a:t>
+              <a:t>findPastProducts</a:t>
             </a:r>
             <a:r>
               <a:rPr lang="it-IT" sz="1800" dirty="0">

--- a/DD.pptx
+++ b/DD.pptx
@@ -5,7 +5,7 @@
     <p:sldMasterId id="2147483660" r:id="rId1"/>
   </p:sldMasterIdLst>
   <p:notesMasterIdLst>
-    <p:notesMasterId r:id="rId23"/>
+    <p:notesMasterId r:id="rId24"/>
   </p:notesMasterIdLst>
   <p:sldIdLst>
     <p:sldId id="256" r:id="rId2"/>
@@ -13,22 +13,23 @@
     <p:sldId id="288" r:id="rId4"/>
     <p:sldId id="289" r:id="rId5"/>
     <p:sldId id="276" r:id="rId6"/>
-    <p:sldId id="262" r:id="rId7"/>
-    <p:sldId id="297" r:id="rId8"/>
-    <p:sldId id="298" r:id="rId9"/>
-    <p:sldId id="299" r:id="rId10"/>
-    <p:sldId id="278" r:id="rId11"/>
-    <p:sldId id="290" r:id="rId12"/>
-    <p:sldId id="291" r:id="rId13"/>
-    <p:sldId id="292" r:id="rId14"/>
-    <p:sldId id="293" r:id="rId15"/>
-    <p:sldId id="294" r:id="rId16"/>
-    <p:sldId id="286" r:id="rId17"/>
-    <p:sldId id="296" r:id="rId18"/>
-    <p:sldId id="300" r:id="rId19"/>
-    <p:sldId id="301" r:id="rId20"/>
-    <p:sldId id="303" r:id="rId21"/>
-    <p:sldId id="302" r:id="rId22"/>
+    <p:sldId id="304" r:id="rId7"/>
+    <p:sldId id="262" r:id="rId8"/>
+    <p:sldId id="297" r:id="rId9"/>
+    <p:sldId id="298" r:id="rId10"/>
+    <p:sldId id="299" r:id="rId11"/>
+    <p:sldId id="278" r:id="rId12"/>
+    <p:sldId id="290" r:id="rId13"/>
+    <p:sldId id="291" r:id="rId14"/>
+    <p:sldId id="292" r:id="rId15"/>
+    <p:sldId id="293" r:id="rId16"/>
+    <p:sldId id="294" r:id="rId17"/>
+    <p:sldId id="286" r:id="rId18"/>
+    <p:sldId id="296" r:id="rId19"/>
+    <p:sldId id="300" r:id="rId20"/>
+    <p:sldId id="301" r:id="rId21"/>
+    <p:sldId id="303" r:id="rId22"/>
+    <p:sldId id="302" r:id="rId23"/>
   </p:sldIdLst>
   <p:sldSz cx="9144000" cy="6858000" type="screen4x3"/>
   <p:notesSz cx="6858000" cy="9144000"/>
@@ -1081,7 +1082,7 @@
           <a:p>
             <a:fld id="{BC687BD1-250A-4D3C-93F8-CE8E4620A598}" type="slidenum">
               <a:rPr lang="en-GB" smtClean="0"/>
-              <a:t>16</a:t>
+              <a:t>17</a:t>
             </a:fld>
             <a:endParaRPr lang="en-GB" dirty="0"/>
           </a:p>
@@ -4020,7 +4021,7 @@
   <p:cSld>
     <p:spTree>
       <p:nvGrpSpPr>
-        <p:cNvPr id="1" name=""/>
+        <p:cNvPr id="1" name="Shape 170"/>
         <p:cNvGrpSpPr/>
         <p:nvPr/>
       </p:nvGrpSpPr>
@@ -4034,8 +4035,8 @@
       </p:grpSpPr>
       <p:sp>
         <p:nvSpPr>
-          <p:cNvPr id="2" name="Title 1"/>
-          <p:cNvSpPr>
+          <p:cNvPr id="171" name="Google Shape;171;p29"/>
+          <p:cNvSpPr txBox="1">
             <a:spLocks noGrp="1"/>
           </p:cNvSpPr>
           <p:nvPr>
@@ -4048,697 +4049,299 @@
           <a:lstStyle/>
           <a:p>
             <a:r>
-              <a:rPr lang="en-GB" dirty="0"/>
-              <a:t>Relationship “Logs” </a:t>
-            </a:r>
-          </a:p>
-        </p:txBody>
-      </p:sp>
-      <p:sp>
-        <p:nvSpPr>
-          <p:cNvPr id="5" name="Content Placeholder 4"/>
-          <p:cNvSpPr>
+              <a:rPr lang="es-419" dirty="0"/>
+              <a:t>SQL DDL</a:t>
+            </a:r>
+          </a:p>
+        </p:txBody>
+      </p:sp>
+      <p:sp>
+        <p:nvSpPr>
+          <p:cNvPr id="172" name="Google Shape;172;p29"/>
+          <p:cNvSpPr txBox="1">
             <a:spLocks noGrp="1"/>
           </p:cNvSpPr>
           <p:nvPr>
-            <p:ph sz="half" idx="2"/>
+            <p:ph type="body" idx="1"/>
           </p:nvPr>
         </p:nvSpPr>
         <p:spPr>
           <a:xfrm>
-            <a:off x="5007220" y="1782731"/>
-            <a:ext cx="3886200" cy="4592930"/>
+            <a:off x="205945" y="1674213"/>
+            <a:ext cx="4555524" cy="4907819"/>
           </a:xfrm>
         </p:spPr>
         <p:txBody>
           <a:bodyPr>
-            <a:normAutofit fontScale="92500" lnSpcReduction="20000"/>
+            <a:normAutofit/>
           </a:bodyPr>
           <a:lstStyle/>
           <a:p>
-            <a:r>
-              <a:rPr lang="en-GB" dirty="0"/>
-              <a:t>User </a:t>
-            </a:r>
-            <a:r>
-              <a:rPr lang="en-GB" dirty="0">
-                <a:sym typeface="Wingdings" panose="05000000000000000000" pitchFamily="2" charset="2"/>
-              </a:rPr>
-              <a:t></a:t>
-            </a:r>
-            <a:r>
-              <a:rPr lang="en-GB" dirty="0"/>
-              <a:t> Log </a:t>
-            </a:r>
-            <a:br>
-              <a:rPr lang="en-GB" dirty="0"/>
-            </a:br>
-            <a:r>
-              <a:rPr lang="en-GB" dirty="0"/>
-              <a:t>@OneToMany</a:t>
-            </a:r>
-          </a:p>
-          <a:p>
-            <a:pPr lvl="1"/>
-            <a:r>
-              <a:rPr lang="en-GB" dirty="0"/>
-              <a:t>Not requested by the specification</a:t>
-            </a:r>
-          </a:p>
-          <a:p>
-            <a:r>
-              <a:rPr lang="en-GB" dirty="0"/>
-              <a:t>Log </a:t>
-            </a:r>
-            <a:r>
-              <a:rPr lang="en-GB" dirty="0">
-                <a:sym typeface="Wingdings" panose="05000000000000000000" pitchFamily="2" charset="2"/>
-              </a:rPr>
-              <a:t> User </a:t>
-            </a:r>
-            <a:br>
-              <a:rPr lang="en-GB" dirty="0">
-                <a:sym typeface="Wingdings" panose="05000000000000000000" pitchFamily="2" charset="2"/>
-              </a:rPr>
-            </a:br>
-            <a:r>
-              <a:rPr lang="en-GB" dirty="0">
-                <a:sym typeface="Wingdings" panose="05000000000000000000" pitchFamily="2" charset="2"/>
-              </a:rPr>
-              <a:t>@ManyToOne</a:t>
-            </a:r>
-          </a:p>
-          <a:p>
-            <a:pPr lvl="1"/>
-            <a:r>
-              <a:rPr lang="en-GB" dirty="0"/>
-              <a:t>Necessary to add to new log info as the user logs in</a:t>
-            </a:r>
-          </a:p>
-          <a:p>
-            <a:pPr>
-              <a:lnSpc>
-                <a:spcPct val="100000"/>
-              </a:lnSpc>
+            <a:pPr marL="0" indent="0">
+              <a:buNone/>
             </a:pPr>
             <a:r>
-              <a:rPr lang="it-IT" dirty="0" err="1"/>
-              <a:t>Unidirectional</a:t>
-            </a:r>
-            <a:r>
-              <a:rPr lang="it-IT" dirty="0"/>
-              <a:t> 0:N</a:t>
-            </a:r>
-          </a:p>
-          <a:p>
-            <a:pPr lvl="1"/>
-            <a:r>
-              <a:rPr lang="en-GB" dirty="0">
-                <a:sym typeface="Wingdings" panose="05000000000000000000" pitchFamily="2" charset="2"/>
-              </a:rPr>
-              <a:t>Do not map the @ToMany side of the relationship as a collection data member and use (named) JPQL queries to retrieve the correlated objects when needed</a:t>
-            </a:r>
-          </a:p>
-          <a:p>
-            <a:pPr lvl="1"/>
-            <a:endParaRPr lang="en-GB" dirty="0">
-              <a:sym typeface="Wingdings" panose="05000000000000000000" pitchFamily="2" charset="2"/>
-            </a:endParaRPr>
-          </a:p>
-          <a:p>
-            <a:endParaRPr lang="en-GB" dirty="0"/>
-          </a:p>
-          <a:p>
-            <a:endParaRPr lang="en-GB" dirty="0"/>
-          </a:p>
-        </p:txBody>
-      </p:sp>
-      <p:sp>
-        <p:nvSpPr>
-          <p:cNvPr id="6" name="Rectangle 5"/>
-          <p:cNvSpPr/>
-          <p:nvPr/>
-        </p:nvSpPr>
-        <p:spPr>
-          <a:xfrm>
-            <a:off x="2968593" y="1744230"/>
-            <a:ext cx="1568918" cy="471638"/>
-          </a:xfrm>
-          <a:prstGeom prst="rect">
-            <a:avLst/>
-          </a:prstGeom>
-          <a:ln w="38100"/>
-        </p:spPr>
-        <p:style>
-          <a:lnRef idx="2">
-            <a:schemeClr val="accent1"/>
-          </a:lnRef>
-          <a:fillRef idx="1">
-            <a:schemeClr val="lt1"/>
-          </a:fillRef>
-          <a:effectRef idx="0">
-            <a:schemeClr val="accent1"/>
-          </a:effectRef>
-          <a:fontRef idx="minor">
-            <a:schemeClr val="dk1"/>
-          </a:fontRef>
-        </p:style>
-        <p:txBody>
-          <a:bodyPr rtlCol="0" anchor="ctr"/>
-          <a:lstStyle/>
-          <a:p>
-            <a:pPr algn="ctr"/>
-            <a:r>
-              <a:rPr lang="en-GB" dirty="0"/>
-              <a:t>User</a:t>
-            </a:r>
-          </a:p>
-        </p:txBody>
-      </p:sp>
-      <p:sp>
-        <p:nvSpPr>
-          <p:cNvPr id="7" name="Rectangle 6"/>
-          <p:cNvSpPr/>
-          <p:nvPr/>
-        </p:nvSpPr>
-        <p:spPr>
-          <a:xfrm>
-            <a:off x="204531" y="1744230"/>
-            <a:ext cx="1568918" cy="471638"/>
-          </a:xfrm>
-          <a:prstGeom prst="rect">
-            <a:avLst/>
-          </a:prstGeom>
-          <a:ln w="38100"/>
-        </p:spPr>
-        <p:style>
-          <a:lnRef idx="2">
-            <a:schemeClr val="accent1"/>
-          </a:lnRef>
-          <a:fillRef idx="1">
-            <a:schemeClr val="lt1"/>
-          </a:fillRef>
-          <a:effectRef idx="0">
-            <a:schemeClr val="accent1"/>
-          </a:effectRef>
-          <a:fontRef idx="minor">
-            <a:schemeClr val="dk1"/>
-          </a:fontRef>
-        </p:style>
-        <p:txBody>
-          <a:bodyPr rtlCol="0" anchor="ctr"/>
-          <a:lstStyle/>
-          <a:p>
-            <a:pPr algn="ctr"/>
-            <a:r>
-              <a:rPr lang="en-GB" dirty="0"/>
-              <a:t>Log</a:t>
-            </a:r>
-          </a:p>
-        </p:txBody>
-      </p:sp>
-      <p:sp>
-        <p:nvSpPr>
-          <p:cNvPr id="8" name="Diamond 7"/>
-          <p:cNvSpPr/>
-          <p:nvPr/>
-        </p:nvSpPr>
-        <p:spPr>
-          <a:xfrm rot="5400000">
-            <a:off x="2204983" y="1771428"/>
-            <a:ext cx="394638" cy="417244"/>
-          </a:xfrm>
-          <a:prstGeom prst="diamond">
-            <a:avLst/>
-          </a:prstGeom>
-          <a:ln w="38100"/>
-        </p:spPr>
-        <p:style>
-          <a:lnRef idx="2">
-            <a:schemeClr val="accent1"/>
-          </a:lnRef>
-          <a:fillRef idx="1">
-            <a:schemeClr val="lt1"/>
-          </a:fillRef>
-          <a:effectRef idx="0">
-            <a:schemeClr val="accent1"/>
-          </a:effectRef>
-          <a:fontRef idx="minor">
-            <a:schemeClr val="dk1"/>
-          </a:fontRef>
-        </p:style>
-        <p:txBody>
-          <a:bodyPr rtlCol="0" anchor="ctr"/>
-          <a:lstStyle/>
-          <a:p>
-            <a:pPr algn="ctr"/>
-            <a:endParaRPr lang="en-GB">
-              <a:solidFill>
-                <a:schemeClr val="dk1"/>
-              </a:solidFill>
-            </a:endParaRPr>
-          </a:p>
-        </p:txBody>
-      </p:sp>
-      <p:cxnSp>
-        <p:nvCxnSpPr>
-          <p:cNvPr id="9" name="Straight Connector 8"/>
-          <p:cNvCxnSpPr>
-            <a:stCxn id="6" idx="1"/>
-          </p:cNvCxnSpPr>
-          <p:nvPr/>
-        </p:nvCxnSpPr>
-        <p:spPr>
-          <a:xfrm flipH="1">
-            <a:off x="2639800" y="1980049"/>
-            <a:ext cx="328793" cy="1"/>
-          </a:xfrm>
-          <a:prstGeom prst="line">
-            <a:avLst/>
-          </a:prstGeom>
-          <a:ln w="28575">
-            <a:solidFill>
-              <a:schemeClr val="accent1"/>
-            </a:solidFill>
-          </a:ln>
-        </p:spPr>
-        <p:style>
-          <a:lnRef idx="1">
-            <a:schemeClr val="accent1"/>
-          </a:lnRef>
-          <a:fillRef idx="0">
-            <a:schemeClr val="accent1"/>
-          </a:fillRef>
-          <a:effectRef idx="0">
-            <a:schemeClr val="accent1"/>
-          </a:effectRef>
-          <a:fontRef idx="minor">
-            <a:schemeClr val="tx1"/>
-          </a:fontRef>
-        </p:style>
-      </p:cxnSp>
-      <p:cxnSp>
-        <p:nvCxnSpPr>
-          <p:cNvPr id="10" name="Straight Connector 9"/>
-          <p:cNvCxnSpPr>
-            <a:stCxn id="8" idx="2"/>
-          </p:cNvCxnSpPr>
-          <p:nvPr/>
-        </p:nvCxnSpPr>
-        <p:spPr>
-          <a:xfrm flipH="1">
-            <a:off x="1773450" y="1980050"/>
-            <a:ext cx="420230" cy="0"/>
-          </a:xfrm>
-          <a:prstGeom prst="line">
-            <a:avLst/>
-          </a:prstGeom>
-          <a:ln w="28575">
-            <a:solidFill>
-              <a:schemeClr val="accent1"/>
-            </a:solidFill>
-          </a:ln>
-        </p:spPr>
-        <p:style>
-          <a:lnRef idx="1">
-            <a:schemeClr val="accent1"/>
-          </a:lnRef>
-          <a:fillRef idx="0">
-            <a:schemeClr val="accent1"/>
-          </a:fillRef>
-          <a:effectRef idx="0">
-            <a:schemeClr val="accent1"/>
-          </a:effectRef>
-          <a:fontRef idx="minor">
-            <a:schemeClr val="tx1"/>
-          </a:fontRef>
-        </p:style>
-      </p:cxnSp>
-      <p:sp>
-        <p:nvSpPr>
-          <p:cNvPr id="11" name="TextBox 10"/>
+              <a:rPr lang="en-US" sz="1600" dirty="0">
+                <a:latin typeface="Courier New" panose="02070309020205020404" pitchFamily="49" charset="0"/>
+                <a:cs typeface="Courier New" panose="02070309020205020404" pitchFamily="49" charset="0"/>
+                <a:sym typeface="Courier New"/>
+              </a:rPr>
+              <a:t>CREATE TABLE `</a:t>
+            </a:r>
+            <a:r>
+              <a:rPr lang="en-US" sz="1600" b="1" dirty="0" err="1">
+                <a:latin typeface="Courier New" panose="02070309020205020404" pitchFamily="49" charset="0"/>
+                <a:cs typeface="Courier New" panose="02070309020205020404" pitchFamily="49" charset="0"/>
+                <a:sym typeface="Courier New"/>
+              </a:rPr>
+              <a:t>variableAnswer</a:t>
+            </a:r>
+            <a:r>
+              <a:rPr lang="en-US" sz="1600" dirty="0">
+                <a:latin typeface="Courier New" panose="02070309020205020404" pitchFamily="49" charset="0"/>
+                <a:cs typeface="Courier New" panose="02070309020205020404" pitchFamily="49" charset="0"/>
+                <a:sym typeface="Courier New"/>
+              </a:rPr>
+              <a:t>` (  </a:t>
+            </a:r>
+          </a:p>
+          <a:p>
+            <a:pPr marL="0" indent="0">
+              <a:buNone/>
+            </a:pPr>
+            <a:r>
+              <a:rPr lang="en-US" sz="1600" dirty="0">
+                <a:latin typeface="Courier New" panose="02070309020205020404" pitchFamily="49" charset="0"/>
+                <a:cs typeface="Courier New" panose="02070309020205020404" pitchFamily="49" charset="0"/>
+                <a:sym typeface="Courier New"/>
+              </a:rPr>
+              <a:t>`</a:t>
+            </a:r>
+            <a:r>
+              <a:rPr lang="en-US" sz="1600" dirty="0" err="1">
+                <a:latin typeface="Courier New" panose="02070309020205020404" pitchFamily="49" charset="0"/>
+                <a:cs typeface="Courier New" panose="02070309020205020404" pitchFamily="49" charset="0"/>
+                <a:sym typeface="Courier New"/>
+              </a:rPr>
+              <a:t>answerIDINCREMENT</a:t>
+            </a:r>
+            <a:r>
+              <a:rPr lang="en-US" sz="1600" dirty="0">
+                <a:latin typeface="Courier New" panose="02070309020205020404" pitchFamily="49" charset="0"/>
+                <a:cs typeface="Courier New" panose="02070309020205020404" pitchFamily="49" charset="0"/>
+                <a:sym typeface="Courier New"/>
+              </a:rPr>
+              <a:t>,  </a:t>
+            </a:r>
+          </a:p>
+          <a:p>
+            <a:pPr marL="0" indent="0">
+              <a:buNone/>
+            </a:pPr>
+            <a:r>
+              <a:rPr lang="en-US" sz="1600" dirty="0">
+                <a:latin typeface="Courier New" panose="02070309020205020404" pitchFamily="49" charset="0"/>
+                <a:cs typeface="Courier New" panose="02070309020205020404" pitchFamily="49" charset="0"/>
+                <a:sym typeface="Courier New"/>
+              </a:rPr>
+              <a:t>`</a:t>
+            </a:r>
+            <a:r>
+              <a:rPr lang="en-US" sz="1600" dirty="0" err="1">
+                <a:latin typeface="Courier New" panose="02070309020205020404" pitchFamily="49" charset="0"/>
+                <a:cs typeface="Courier New" panose="02070309020205020404" pitchFamily="49" charset="0"/>
+                <a:sym typeface="Courier New"/>
+              </a:rPr>
+              <a:t>variableQuestionID</a:t>
+            </a:r>
+            <a:r>
+              <a:rPr lang="en-US" sz="1600" dirty="0">
+                <a:latin typeface="Courier New" panose="02070309020205020404" pitchFamily="49" charset="0"/>
+                <a:cs typeface="Courier New" panose="02070309020205020404" pitchFamily="49" charset="0"/>
+                <a:sym typeface="Courier New"/>
+              </a:rPr>
+              <a:t>` int NOT NULL,  </a:t>
+            </a:r>
+          </a:p>
+          <a:p>
+            <a:pPr marL="0" indent="0">
+              <a:buNone/>
+            </a:pPr>
+            <a:r>
+              <a:rPr lang="en-US" sz="1600" dirty="0">
+                <a:latin typeface="Courier New" panose="02070309020205020404" pitchFamily="49" charset="0"/>
+                <a:cs typeface="Courier New" panose="02070309020205020404" pitchFamily="49" charset="0"/>
+                <a:sym typeface="Courier New"/>
+              </a:rPr>
+              <a:t>`answer` varchar(500) NOT NULL,  </a:t>
+            </a:r>
+          </a:p>
+          <a:p>
+            <a:pPr marL="0" indent="0">
+              <a:buNone/>
+            </a:pPr>
+            <a:r>
+              <a:rPr lang="en-US" sz="1600" dirty="0">
+                <a:latin typeface="Courier New" panose="02070309020205020404" pitchFamily="49" charset="0"/>
+                <a:cs typeface="Courier New" panose="02070309020205020404" pitchFamily="49" charset="0"/>
+                <a:sym typeface="Courier New"/>
+              </a:rPr>
+              <a:t>PRIMARY KEY (`</a:t>
+            </a:r>
+            <a:r>
+              <a:rPr lang="en-US" sz="1600" dirty="0" err="1">
+                <a:latin typeface="Courier New" panose="02070309020205020404" pitchFamily="49" charset="0"/>
+                <a:cs typeface="Courier New" panose="02070309020205020404" pitchFamily="49" charset="0"/>
+                <a:sym typeface="Courier New"/>
+              </a:rPr>
+              <a:t>answerID</a:t>
+            </a:r>
+            <a:r>
+              <a:rPr lang="en-US" sz="1600" dirty="0">
+                <a:latin typeface="Courier New" panose="02070309020205020404" pitchFamily="49" charset="0"/>
+                <a:cs typeface="Courier New" panose="02070309020205020404" pitchFamily="49" charset="0"/>
+                <a:sym typeface="Courier New"/>
+              </a:rPr>
+              <a:t>`, ` </a:t>
+            </a:r>
+            <a:r>
+              <a:rPr lang="en-US" sz="1600" dirty="0" err="1">
+                <a:latin typeface="Courier New" panose="02070309020205020404" pitchFamily="49" charset="0"/>
+                <a:cs typeface="Courier New" panose="02070309020205020404" pitchFamily="49" charset="0"/>
+                <a:sym typeface="Courier New"/>
+              </a:rPr>
+              <a:t>variableQuestionID</a:t>
+            </a:r>
+            <a:r>
+              <a:rPr lang="en-US" sz="1600" dirty="0">
+                <a:latin typeface="Courier New" panose="02070309020205020404" pitchFamily="49" charset="0"/>
+                <a:cs typeface="Courier New" panose="02070309020205020404" pitchFamily="49" charset="0"/>
+                <a:sym typeface="Courier New"/>
+              </a:rPr>
+              <a:t>`),</a:t>
+            </a:r>
+          </a:p>
+          <a:p>
+            <a:pPr marL="0" indent="0">
+              <a:buNone/>
+            </a:pPr>
+            <a:r>
+              <a:rPr lang="en-US" sz="1600" dirty="0">
+                <a:latin typeface="Courier New" panose="02070309020205020404" pitchFamily="49" charset="0"/>
+                <a:cs typeface="Courier New" panose="02070309020205020404" pitchFamily="49" charset="0"/>
+                <a:sym typeface="Courier New"/>
+              </a:rPr>
+              <a:t>CONSTRAINT `answers` FOREIGN KEY (`</a:t>
+            </a:r>
+            <a:r>
+              <a:rPr lang="en-US" sz="1600" dirty="0" err="1">
+                <a:latin typeface="Courier New" panose="02070309020205020404" pitchFamily="49" charset="0"/>
+                <a:cs typeface="Courier New" panose="02070309020205020404" pitchFamily="49" charset="0"/>
+                <a:sym typeface="Courier New"/>
+              </a:rPr>
+              <a:t>answerID</a:t>
+            </a:r>
+            <a:r>
+              <a:rPr lang="en-US" sz="1600" dirty="0">
+                <a:latin typeface="Courier New" panose="02070309020205020404" pitchFamily="49" charset="0"/>
+                <a:cs typeface="Courier New" panose="02070309020205020404" pitchFamily="49" charset="0"/>
+                <a:sym typeface="Courier New"/>
+              </a:rPr>
+              <a:t>`) REFERENCES `</a:t>
+            </a:r>
+            <a:r>
+              <a:rPr lang="en-US" sz="1600" dirty="0" err="1">
+                <a:latin typeface="Courier New" panose="02070309020205020404" pitchFamily="49" charset="0"/>
+                <a:cs typeface="Courier New" panose="02070309020205020404" pitchFamily="49" charset="0"/>
+                <a:sym typeface="Courier New"/>
+              </a:rPr>
+              <a:t>questionnarieAnswer</a:t>
+            </a:r>
+            <a:r>
+              <a:rPr lang="en-US" sz="1600" dirty="0">
+                <a:latin typeface="Courier New" panose="02070309020205020404" pitchFamily="49" charset="0"/>
+                <a:cs typeface="Courier New" panose="02070309020205020404" pitchFamily="49" charset="0"/>
+                <a:sym typeface="Courier New"/>
+              </a:rPr>
+              <a:t>` (`id`) ON DELETE CASCADE ON UPDATE CASCADE,</a:t>
+            </a:r>
+          </a:p>
+          <a:p>
+            <a:pPr marL="0" indent="0">
+              <a:buNone/>
+            </a:pPr>
+            <a:r>
+              <a:rPr lang="en-US" sz="1600" dirty="0">
+                <a:latin typeface="Courier New" panose="02070309020205020404" pitchFamily="49" charset="0"/>
+                <a:cs typeface="Courier New" panose="02070309020205020404" pitchFamily="49" charset="0"/>
+                <a:sym typeface="Courier New"/>
+              </a:rPr>
+              <a:t>CONSTRAINT `question` int NOT NULL AUTO_` FOREIGN KEY ( </a:t>
+            </a:r>
+            <a:r>
+              <a:rPr lang="en-US" sz="1600" dirty="0" err="1">
+                <a:latin typeface="Courier New" panose="02070309020205020404" pitchFamily="49" charset="0"/>
+                <a:cs typeface="Courier New" panose="02070309020205020404" pitchFamily="49" charset="0"/>
+                <a:sym typeface="Courier New"/>
+              </a:rPr>
+              <a:t>variableQuestionID</a:t>
+            </a:r>
+            <a:r>
+              <a:rPr lang="en-US" sz="1600" dirty="0">
+                <a:latin typeface="Courier New" panose="02070309020205020404" pitchFamily="49" charset="0"/>
+                <a:cs typeface="Courier New" panose="02070309020205020404" pitchFamily="49" charset="0"/>
+                <a:sym typeface="Courier New"/>
+              </a:rPr>
+              <a:t>`) REFERENCES `</a:t>
+            </a:r>
+            <a:r>
+              <a:rPr lang="en-US" sz="1600" dirty="0" err="1">
+                <a:latin typeface="Courier New" panose="02070309020205020404" pitchFamily="49" charset="0"/>
+                <a:cs typeface="Courier New" panose="02070309020205020404" pitchFamily="49" charset="0"/>
+                <a:sym typeface="Courier New"/>
+              </a:rPr>
+              <a:t>variableQuestion</a:t>
+            </a:r>
+            <a:r>
+              <a:rPr lang="en-US" sz="1600" dirty="0">
+                <a:latin typeface="Courier New" panose="02070309020205020404" pitchFamily="49" charset="0"/>
+                <a:cs typeface="Courier New" panose="02070309020205020404" pitchFamily="49" charset="0"/>
+                <a:sym typeface="Courier New"/>
+              </a:rPr>
+              <a:t>` (`id`) ON DELETE CASCADE ON UPDATE CASCADE</a:t>
+            </a:r>
+          </a:p>
+          <a:p>
+            <a:pPr marL="0" indent="0">
+              <a:buNone/>
+            </a:pPr>
+            <a:r>
+              <a:rPr lang="en-US" sz="1600" dirty="0">
+                <a:latin typeface="Courier New" panose="02070309020205020404" pitchFamily="49" charset="0"/>
+                <a:cs typeface="Courier New" panose="02070309020205020404" pitchFamily="49" charset="0"/>
+                <a:sym typeface="Courier New"/>
+              </a:rPr>
+              <a:t>)</a:t>
+            </a:r>
+          </a:p>
+        </p:txBody>
+      </p:sp>
+      <p:sp>
+        <p:nvSpPr>
+          <p:cNvPr id="2" name="CasellaDiTesto 1">
+            <a:extLst>
+              <a:ext uri="{FF2B5EF4-FFF2-40B4-BE49-F238E27FC236}">
+                <a16:creationId xmlns:a16="http://schemas.microsoft.com/office/drawing/2014/main" id="{338462ED-698C-44FE-AA52-1CCDB180270E}"/>
+              </a:ext>
+            </a:extLst>
+          </p:cNvPr>
           <p:cNvSpPr txBox="1"/>
           <p:nvPr/>
         </p:nvSpPr>
         <p:spPr>
           <a:xfrm>
-            <a:off x="2486822" y="2112865"/>
-            <a:ext cx="513282" cy="369332"/>
-          </a:xfrm>
-          <a:prstGeom prst="rect">
-            <a:avLst/>
-          </a:prstGeom>
-          <a:noFill/>
-        </p:spPr>
-        <p:txBody>
-          <a:bodyPr wrap="none" rtlCol="0">
-            <a:spAutoFit/>
-          </a:bodyPr>
-          <a:lstStyle/>
-          <a:p>
-            <a:r>
-              <a:rPr lang="en-GB" dirty="0"/>
-              <a:t>0:N</a:t>
-            </a:r>
-          </a:p>
-        </p:txBody>
-      </p:sp>
-      <p:sp>
-        <p:nvSpPr>
-          <p:cNvPr id="12" name="TextBox 11"/>
-          <p:cNvSpPr txBox="1"/>
-          <p:nvPr/>
-        </p:nvSpPr>
-        <p:spPr>
-          <a:xfrm>
-            <a:off x="1759710" y="2105721"/>
-            <a:ext cx="481222" cy="369332"/>
-          </a:xfrm>
-          <a:prstGeom prst="rect">
-            <a:avLst/>
-          </a:prstGeom>
-          <a:noFill/>
-        </p:spPr>
-        <p:txBody>
-          <a:bodyPr wrap="none" rtlCol="0">
-            <a:spAutoFit/>
-          </a:bodyPr>
-          <a:lstStyle/>
-          <a:p>
-            <a:r>
-              <a:rPr lang="en-GB" dirty="0"/>
-              <a:t>1:1</a:t>
-            </a:r>
-          </a:p>
-        </p:txBody>
-      </p:sp>
-      <p:sp>
-        <p:nvSpPr>
-          <p:cNvPr id="13" name="TextBox 12"/>
-          <p:cNvSpPr txBox="1"/>
-          <p:nvPr/>
-        </p:nvSpPr>
-        <p:spPr>
-          <a:xfrm>
-            <a:off x="2081419" y="1380618"/>
-            <a:ext cx="603050" cy="369332"/>
-          </a:xfrm>
-          <a:prstGeom prst="rect">
-            <a:avLst/>
-          </a:prstGeom>
-          <a:noFill/>
-        </p:spPr>
-        <p:txBody>
-          <a:bodyPr wrap="none" rtlCol="0">
-            <a:spAutoFit/>
-          </a:bodyPr>
-          <a:lstStyle/>
-          <a:p>
-            <a:r>
-              <a:rPr lang="en-GB" dirty="0"/>
-              <a:t>Logs</a:t>
-            </a:r>
-          </a:p>
-        </p:txBody>
-      </p:sp>
-      <p:sp>
-        <p:nvSpPr>
-          <p:cNvPr id="14" name="Rectangle 13"/>
-          <p:cNvSpPr/>
-          <p:nvPr/>
-        </p:nvSpPr>
-        <p:spPr>
-          <a:xfrm>
-            <a:off x="2986239" y="3167167"/>
-            <a:ext cx="1568918" cy="471638"/>
-          </a:xfrm>
-          <a:prstGeom prst="rect">
-            <a:avLst/>
-          </a:prstGeom>
-          <a:noFill/>
-          <a:ln w="38100">
-            <a:solidFill>
-              <a:srgbClr val="00B050"/>
-            </a:solidFill>
-          </a:ln>
-        </p:spPr>
-        <p:style>
-          <a:lnRef idx="2">
-            <a:schemeClr val="accent1"/>
-          </a:lnRef>
-          <a:fillRef idx="1">
-            <a:schemeClr val="lt1"/>
-          </a:fillRef>
-          <a:effectRef idx="0">
-            <a:schemeClr val="accent1"/>
-          </a:effectRef>
-          <a:fontRef idx="minor">
-            <a:schemeClr val="dk1"/>
-          </a:fontRef>
-        </p:style>
-        <p:txBody>
-          <a:bodyPr rtlCol="0" anchor="ctr"/>
-          <a:lstStyle/>
-          <a:p>
-            <a:pPr algn="ctr"/>
-            <a:r>
-              <a:rPr lang="en-GB" dirty="0"/>
-              <a:t>User</a:t>
-            </a:r>
-          </a:p>
-        </p:txBody>
-      </p:sp>
-      <p:sp>
-        <p:nvSpPr>
-          <p:cNvPr id="15" name="Rectangle 14"/>
-          <p:cNvSpPr/>
-          <p:nvPr/>
-        </p:nvSpPr>
-        <p:spPr>
-          <a:xfrm>
-            <a:off x="222177" y="3167167"/>
-            <a:ext cx="1568918" cy="471638"/>
-          </a:xfrm>
-          <a:prstGeom prst="rect">
-            <a:avLst/>
-          </a:prstGeom>
-          <a:noFill/>
-          <a:ln w="38100">
-            <a:solidFill>
-              <a:srgbClr val="00B050"/>
-            </a:solidFill>
-          </a:ln>
-        </p:spPr>
-        <p:style>
-          <a:lnRef idx="2">
-            <a:schemeClr val="accent1"/>
-          </a:lnRef>
-          <a:fillRef idx="1">
-            <a:schemeClr val="lt1"/>
-          </a:fillRef>
-          <a:effectRef idx="0">
-            <a:schemeClr val="accent1"/>
-          </a:effectRef>
-          <a:fontRef idx="minor">
-            <a:schemeClr val="dk1"/>
-          </a:fontRef>
-        </p:style>
-        <p:txBody>
-          <a:bodyPr rtlCol="0" anchor="ctr"/>
-          <a:lstStyle/>
-          <a:p>
-            <a:pPr algn="ctr"/>
-            <a:r>
-              <a:rPr lang="en-GB" dirty="0"/>
-              <a:t>Log</a:t>
-            </a:r>
-          </a:p>
-        </p:txBody>
-      </p:sp>
-      <p:cxnSp>
-        <p:nvCxnSpPr>
-          <p:cNvPr id="16" name="Straight Connector 15"/>
-          <p:cNvCxnSpPr>
-            <a:stCxn id="14" idx="1"/>
-            <a:endCxn id="15" idx="3"/>
-          </p:cNvCxnSpPr>
-          <p:nvPr/>
-        </p:nvCxnSpPr>
-        <p:spPr>
-          <a:xfrm flipH="1">
-            <a:off x="1791095" y="3402986"/>
-            <a:ext cx="1195144" cy="0"/>
-          </a:xfrm>
-          <a:prstGeom prst="line">
-            <a:avLst/>
-          </a:prstGeom>
-          <a:ln w="38100">
-            <a:solidFill>
-              <a:srgbClr val="00B050"/>
-            </a:solidFill>
-            <a:headEnd type="triangle" w="med" len="med"/>
-            <a:tailEnd type="none" w="med" len="med"/>
-          </a:ln>
-        </p:spPr>
-        <p:style>
-          <a:lnRef idx="1">
-            <a:schemeClr val="accent1"/>
-          </a:lnRef>
-          <a:fillRef idx="0">
-            <a:schemeClr val="accent1"/>
-          </a:fillRef>
-          <a:effectRef idx="0">
-            <a:schemeClr val="accent1"/>
-          </a:effectRef>
-          <a:fontRef idx="minor">
-            <a:schemeClr val="tx1"/>
-          </a:fontRef>
-        </p:style>
-      </p:cxnSp>
-      <p:sp>
-        <p:nvSpPr>
-          <p:cNvPr id="17" name="Rectangle 16"/>
-          <p:cNvSpPr/>
-          <p:nvPr/>
-        </p:nvSpPr>
-        <p:spPr>
-          <a:xfrm>
-            <a:off x="2994260" y="4474599"/>
-            <a:ext cx="1568918" cy="471638"/>
-          </a:xfrm>
-          <a:prstGeom prst="rect">
-            <a:avLst/>
-          </a:prstGeom>
-          <a:noFill/>
-          <a:ln w="38100">
-            <a:solidFill>
-              <a:srgbClr val="00B050"/>
-            </a:solidFill>
-          </a:ln>
-        </p:spPr>
-        <p:style>
-          <a:lnRef idx="2">
-            <a:schemeClr val="accent1"/>
-          </a:lnRef>
-          <a:fillRef idx="1">
-            <a:schemeClr val="lt1"/>
-          </a:fillRef>
-          <a:effectRef idx="0">
-            <a:schemeClr val="accent1"/>
-          </a:effectRef>
-          <a:fontRef idx="minor">
-            <a:schemeClr val="dk1"/>
-          </a:fontRef>
-        </p:style>
-        <p:txBody>
-          <a:bodyPr rtlCol="0" anchor="ctr"/>
-          <a:lstStyle/>
-          <a:p>
-            <a:pPr algn="ctr"/>
-            <a:r>
-              <a:rPr lang="en-GB" dirty="0"/>
-              <a:t>User</a:t>
-            </a:r>
-          </a:p>
-        </p:txBody>
-      </p:sp>
-      <p:sp>
-        <p:nvSpPr>
-          <p:cNvPr id="18" name="Rectangle 17"/>
-          <p:cNvSpPr/>
-          <p:nvPr/>
-        </p:nvSpPr>
-        <p:spPr>
-          <a:xfrm>
-            <a:off x="230198" y="4474599"/>
-            <a:ext cx="1568918" cy="471638"/>
-          </a:xfrm>
-          <a:prstGeom prst="rect">
-            <a:avLst/>
-          </a:prstGeom>
-          <a:noFill/>
-          <a:ln w="38100">
-            <a:solidFill>
-              <a:srgbClr val="00B050"/>
-            </a:solidFill>
-          </a:ln>
-        </p:spPr>
-        <p:style>
-          <a:lnRef idx="2">
-            <a:schemeClr val="accent1"/>
-          </a:lnRef>
-          <a:fillRef idx="1">
-            <a:schemeClr val="lt1"/>
-          </a:fillRef>
-          <a:effectRef idx="0">
-            <a:schemeClr val="accent1"/>
-          </a:effectRef>
-          <a:fontRef idx="minor">
-            <a:schemeClr val="dk1"/>
-          </a:fontRef>
-        </p:style>
-        <p:txBody>
-          <a:bodyPr rtlCol="0" anchor="ctr"/>
-          <a:lstStyle/>
-          <a:p>
-            <a:pPr algn="ctr"/>
-            <a:r>
-              <a:rPr lang="en-GB" dirty="0"/>
-              <a:t>Log</a:t>
-            </a:r>
-          </a:p>
-        </p:txBody>
-      </p:sp>
-      <p:cxnSp>
-        <p:nvCxnSpPr>
-          <p:cNvPr id="19" name="Straight Connector 18"/>
-          <p:cNvCxnSpPr>
-            <a:stCxn id="17" idx="1"/>
-            <a:endCxn id="18" idx="3"/>
-          </p:cNvCxnSpPr>
-          <p:nvPr/>
-        </p:nvCxnSpPr>
-        <p:spPr>
-          <a:xfrm flipH="1">
-            <a:off x="1799116" y="4710418"/>
-            <a:ext cx="1195144" cy="0"/>
-          </a:xfrm>
-          <a:prstGeom prst="line">
-            <a:avLst/>
-          </a:prstGeom>
-          <a:ln w="38100">
-            <a:solidFill>
-              <a:srgbClr val="00B050"/>
-            </a:solidFill>
-            <a:headEnd type="none" w="med" len="med"/>
-            <a:tailEnd type="triangle" w="med" len="med"/>
-          </a:ln>
-        </p:spPr>
-        <p:style>
-          <a:lnRef idx="1">
-            <a:schemeClr val="accent1"/>
-          </a:lnRef>
-          <a:fillRef idx="0">
-            <a:schemeClr val="accent1"/>
-          </a:fillRef>
-          <a:effectRef idx="0">
-            <a:schemeClr val="accent1"/>
-          </a:effectRef>
-          <a:fontRef idx="minor">
-            <a:schemeClr val="tx1"/>
-          </a:fontRef>
-        </p:style>
-      </p:cxnSp>
-      <p:sp>
-        <p:nvSpPr>
-          <p:cNvPr id="20" name="TextBox 19"/>
-          <p:cNvSpPr txBox="1"/>
-          <p:nvPr/>
-        </p:nvSpPr>
-        <p:spPr>
-          <a:xfrm>
-            <a:off x="2672258" y="3051663"/>
-            <a:ext cx="239988" cy="369332"/>
+            <a:off x="4588476" y="3016252"/>
+            <a:ext cx="4555524" cy="1369606"/>
           </a:xfrm>
           <a:prstGeom prst="rect">
             <a:avLst/>
@@ -4751,46 +4354,97 @@
           </a:bodyPr>
           <a:lstStyle/>
           <a:p>
-            <a:r>
-              <a:rPr lang="en-GB" dirty="0"/>
-              <a:t>1</a:t>
-            </a:r>
-          </a:p>
-        </p:txBody>
-      </p:sp>
-      <p:sp>
-        <p:nvSpPr>
-          <p:cNvPr id="21" name="TextBox 20"/>
-          <p:cNvSpPr txBox="1"/>
-          <p:nvPr/>
-        </p:nvSpPr>
-        <p:spPr>
-          <a:xfrm>
-            <a:off x="1786359" y="4308305"/>
-            <a:ext cx="300082" cy="369332"/>
-          </a:xfrm>
-          <a:prstGeom prst="rect">
-            <a:avLst/>
-          </a:prstGeom>
-          <a:noFill/>
-        </p:spPr>
-        <p:txBody>
-          <a:bodyPr wrap="none" rtlCol="0">
-            <a:spAutoFit/>
-          </a:bodyPr>
-          <a:lstStyle/>
-          <a:p>
-            <a:r>
-              <a:rPr lang="en-GB" dirty="0"/>
-              <a:t>*</a:t>
-            </a:r>
+            <a:pPr>
+              <a:lnSpc>
+                <a:spcPct val="90000"/>
+              </a:lnSpc>
+              <a:spcBef>
+                <a:spcPts val="1000"/>
+              </a:spcBef>
+            </a:pPr>
+            <a:r>
+              <a:rPr lang="en-US" sz="1600" dirty="0">
+                <a:latin typeface="Courier New" panose="02070309020205020404" pitchFamily="49" charset="0"/>
+                <a:cs typeface="Courier New" panose="02070309020205020404" pitchFamily="49" charset="0"/>
+              </a:rPr>
+              <a:t>CREATE TABLE `</a:t>
+            </a:r>
+            <a:r>
+              <a:rPr lang="en-US" sz="1600" b="1" dirty="0" err="1">
+                <a:latin typeface="Courier New" panose="02070309020205020404" pitchFamily="49" charset="0"/>
+                <a:cs typeface="Courier New" panose="02070309020205020404" pitchFamily="49" charset="0"/>
+              </a:rPr>
+              <a:t>offensive_word</a:t>
+            </a:r>
+            <a:r>
+              <a:rPr lang="en-US" sz="1600" dirty="0">
+                <a:latin typeface="Courier New" panose="02070309020205020404" pitchFamily="49" charset="0"/>
+                <a:cs typeface="Courier New" panose="02070309020205020404" pitchFamily="49" charset="0"/>
+              </a:rPr>
+              <a:t>` (</a:t>
+            </a:r>
+          </a:p>
+          <a:p>
+            <a:pPr>
+              <a:lnSpc>
+                <a:spcPct val="90000"/>
+              </a:lnSpc>
+              <a:spcBef>
+                <a:spcPts val="1000"/>
+              </a:spcBef>
+            </a:pPr>
+            <a:r>
+              <a:rPr lang="en-US" sz="1600" dirty="0">
+                <a:latin typeface="Courier New" panose="02070309020205020404" pitchFamily="49" charset="0"/>
+                <a:cs typeface="Courier New" panose="02070309020205020404" pitchFamily="49" charset="0"/>
+              </a:rPr>
+              <a:t>  `id` int NOT NULL AUTO_INCREMENT,</a:t>
+            </a:r>
+          </a:p>
+          <a:p>
+            <a:pPr>
+              <a:lnSpc>
+                <a:spcPct val="90000"/>
+              </a:lnSpc>
+              <a:spcBef>
+                <a:spcPts val="1000"/>
+              </a:spcBef>
+            </a:pPr>
+            <a:r>
+              <a:rPr lang="en-US" sz="1600" dirty="0">
+                <a:latin typeface="Courier New" panose="02070309020205020404" pitchFamily="49" charset="0"/>
+                <a:cs typeface="Courier New" panose="02070309020205020404" pitchFamily="49" charset="0"/>
+              </a:rPr>
+              <a:t>  `word` varchar(50) NOT NULL, </a:t>
+            </a:r>
+          </a:p>
+          <a:p>
+            <a:pPr>
+              <a:lnSpc>
+                <a:spcPct val="90000"/>
+              </a:lnSpc>
+              <a:spcBef>
+                <a:spcPts val="1000"/>
+              </a:spcBef>
+            </a:pPr>
+            <a:r>
+              <a:rPr lang="en-US" sz="1600" dirty="0">
+                <a:latin typeface="Courier New" panose="02070309020205020404" pitchFamily="49" charset="0"/>
+                <a:cs typeface="Courier New" panose="02070309020205020404" pitchFamily="49" charset="0"/>
+              </a:rPr>
+              <a:t> PRIMARY KEY (`id`))</a:t>
+            </a:r>
+            <a:endParaRPr lang="it-IT" sz="1600" dirty="0">
+              <a:latin typeface="Courier New" panose="02070309020205020404" pitchFamily="49" charset="0"/>
+              <a:cs typeface="Courier New" panose="02070309020205020404" pitchFamily="49" charset="0"/>
+            </a:endParaRPr>
           </a:p>
         </p:txBody>
       </p:sp>
     </p:spTree>
     <p:extLst>
       <p:ext uri="{BB962C8B-B14F-4D97-AF65-F5344CB8AC3E}">
-        <p14:creationId xmlns:p14="http://schemas.microsoft.com/office/powerpoint/2010/main" val="2101117720"/>
+        <p14:creationId xmlns:p14="http://schemas.microsoft.com/office/powerpoint/2010/main" val="1419575028"/>
       </p:ext>
     </p:extLst>
   </p:cSld>
@@ -4834,7 +4488,7 @@
           <a:p>
             <a:r>
               <a:rPr lang="en-GB" dirty="0"/>
-              <a:t>Relationship “Fills” </a:t>
+              <a:t>Relationship “Logs” </a:t>
             </a:r>
           </a:p>
         </p:txBody>
@@ -4851,8 +4505,8 @@
         </p:nvSpPr>
         <p:spPr>
           <a:xfrm>
-            <a:off x="4629150" y="1825625"/>
-            <a:ext cx="4284652" cy="4592930"/>
+            <a:off x="5007220" y="1782731"/>
+            <a:ext cx="3886200" cy="4592930"/>
           </a:xfrm>
         </p:spPr>
         <p:txBody>
@@ -4862,18 +4516,18 @@
           <a:lstStyle/>
           <a:p>
             <a:r>
-              <a:rPr lang="en-GB" sz="2400" dirty="0"/>
+              <a:rPr lang="en-GB" dirty="0"/>
               <a:t>User </a:t>
             </a:r>
             <a:r>
-              <a:rPr lang="en-GB" sz="2400" dirty="0">
+              <a:rPr lang="en-GB" dirty="0">
                 <a:sym typeface="Wingdings" panose="05000000000000000000" pitchFamily="2" charset="2"/>
               </a:rPr>
               <a:t></a:t>
             </a:r>
             <a:r>
-              <a:rPr lang="en-GB" sz="2400" dirty="0"/>
-              <a:t> Questionnaire Answer </a:t>
+              <a:rPr lang="en-GB" dirty="0"/>
+              <a:t> Log </a:t>
             </a:r>
             <a:br>
               <a:rPr lang="en-GB" dirty="0"/>
@@ -4887,20 +4541,16 @@
             <a:pPr lvl="1"/>
             <a:r>
               <a:rPr lang="en-GB" dirty="0"/>
-              <a:t>Necessary to retrieve the user questionnaire to check if he has already filled the questionnaire of the day</a:t>
-            </a:r>
-          </a:p>
-          <a:p>
-            <a:pPr lvl="1"/>
-            <a:endParaRPr lang="en-GB" dirty="0"/>
-          </a:p>
-          <a:p>
-            <a:r>
-              <a:rPr lang="en-GB" sz="2400" dirty="0"/>
-              <a:t>Questionnaire Answer </a:t>
-            </a:r>
-            <a:r>
-              <a:rPr lang="en-GB" sz="2400" dirty="0">
+              <a:t>Not requested by the specification</a:t>
+            </a:r>
+          </a:p>
+          <a:p>
+            <a:r>
+              <a:rPr lang="en-GB" dirty="0"/>
+              <a:t>Log </a:t>
+            </a:r>
+            <a:r>
+              <a:rPr lang="en-GB" dirty="0">
                 <a:sym typeface="Wingdings" panose="05000000000000000000" pitchFamily="2" charset="2"/>
               </a:rPr>
               <a:t> User </a:t>
@@ -4921,38 +4571,35 @@
             <a:pPr lvl="1"/>
             <a:r>
               <a:rPr lang="en-GB" dirty="0"/>
-              <a:t>Not requested by the specification</a:t>
-            </a:r>
-          </a:p>
-          <a:p>
-            <a:pPr marL="457200" lvl="1" indent="0">
-              <a:buNone/>
+              <a:t>Necessary to add to new log info as the user logs in</a:t>
+            </a:r>
+          </a:p>
+          <a:p>
+            <a:pPr>
+              <a:lnSpc>
+                <a:spcPct val="100000"/>
+              </a:lnSpc>
             </a:pPr>
-            <a:endParaRPr lang="en-GB" dirty="0">
-              <a:sym typeface="Wingdings" panose="05000000000000000000" pitchFamily="2" charset="2"/>
-            </a:endParaRPr>
-          </a:p>
-          <a:p>
+            <a:r>
+              <a:rPr lang="it-IT" dirty="0" err="1"/>
+              <a:t>Unidirectional</a:t>
+            </a:r>
+            <a:r>
+              <a:rPr lang="it-IT" dirty="0"/>
+              <a:t> 0:N</a:t>
+            </a:r>
+          </a:p>
+          <a:p>
+            <a:pPr lvl="1"/>
             <a:r>
               <a:rPr lang="en-GB" dirty="0">
                 <a:sym typeface="Wingdings" panose="05000000000000000000" pitchFamily="2" charset="2"/>
               </a:rPr>
-              <a:t>Unidirectional 1:N</a:t>
+              <a:t>Do not map the @ToMany side of the relationship as a collection data member and use (named) JPQL queries to retrieve the correlated objects when needed</a:t>
             </a:r>
           </a:p>
           <a:p>
             <a:pPr lvl="1"/>
-            <a:r>
-              <a:rPr lang="en-GB" dirty="0">
-                <a:sym typeface="Wingdings" panose="05000000000000000000" pitchFamily="2" charset="2"/>
-              </a:rPr>
-              <a:t>Mapping the relationship as if it were bidirectional and use only the needed side</a:t>
-            </a:r>
-          </a:p>
-          <a:p>
-            <a:pPr marL="457200" lvl="1" indent="0">
-              <a:buNone/>
-            </a:pPr>
             <a:endParaRPr lang="en-GB" dirty="0">
               <a:sym typeface="Wingdings" panose="05000000000000000000" pitchFamily="2" charset="2"/>
             </a:endParaRPr>
@@ -5002,14 +4649,7 @@
             <a:pPr algn="ctr"/>
             <a:r>
               <a:rPr lang="en-GB" dirty="0"/>
-              <a:t>Questionnaire</a:t>
-            </a:r>
-          </a:p>
-          <a:p>
-            <a:pPr algn="ctr"/>
-            <a:r>
-              <a:rPr lang="en-GB" dirty="0"/>
-              <a:t>Answer</a:t>
+              <a:t>User</a:t>
             </a:r>
           </a:p>
         </p:txBody>
@@ -5051,7 +4691,7 @@
             <a:pPr algn="ctr"/>
             <a:r>
               <a:rPr lang="en-GB" dirty="0"/>
-              <a:t>User</a:t>
+              <a:t>Log</a:t>
             </a:r>
           </a:p>
         </p:txBody>
@@ -5103,7 +4743,6 @@
         <p:nvCxnSpPr>
           <p:cNvPr id="9" name="Straight Connector 8"/>
           <p:cNvCxnSpPr>
-            <a:cxnSpLocks/>
             <a:stCxn id="6" idx="1"/>
           </p:cNvCxnSpPr>
           <p:nvPr/>
@@ -5183,7 +4822,7 @@
         <p:spPr>
           <a:xfrm>
             <a:off x="2486822" y="2112865"/>
-            <a:ext cx="481222" cy="369332"/>
+            <a:ext cx="513282" cy="369332"/>
           </a:xfrm>
           <a:prstGeom prst="rect">
             <a:avLst/>
@@ -5198,7 +4837,7 @@
           <a:p>
             <a:r>
               <a:rPr lang="en-GB" dirty="0"/>
-              <a:t>1:1</a:t>
+              <a:t>0:N</a:t>
             </a:r>
           </a:p>
         </p:txBody>
@@ -5212,7 +4851,7 @@
         <p:spPr>
           <a:xfrm>
             <a:off x="1759710" y="2105721"/>
-            <a:ext cx="513282" cy="369332"/>
+            <a:ext cx="481222" cy="369332"/>
           </a:xfrm>
           <a:prstGeom prst="rect">
             <a:avLst/>
@@ -5227,7 +4866,7 @@
           <a:p>
             <a:r>
               <a:rPr lang="en-GB" dirty="0"/>
-              <a:t>0:N</a:t>
+              <a:t>1:1</a:t>
             </a:r>
           </a:p>
         </p:txBody>
@@ -5240,8 +4879,8 @@
         </p:nvSpPr>
         <p:spPr>
           <a:xfrm>
-            <a:off x="2143565" y="1380618"/>
-            <a:ext cx="538930" cy="369332"/>
+            <a:off x="2081419" y="1380618"/>
+            <a:ext cx="603050" cy="369332"/>
           </a:xfrm>
           <a:prstGeom prst="rect">
             <a:avLst/>
@@ -5256,7 +4895,7 @@
           <a:p>
             <a:r>
               <a:rPr lang="en-GB" dirty="0"/>
-              <a:t>Fills</a:t>
+              <a:t>Logs</a:t>
             </a:r>
           </a:p>
         </p:txBody>
@@ -5303,14 +4942,7 @@
             <a:pPr algn="ctr"/>
             <a:r>
               <a:rPr lang="en-GB" dirty="0"/>
-              <a:t>Questionnaire</a:t>
-            </a:r>
-          </a:p>
-          <a:p>
-            <a:pPr algn="ctr"/>
-            <a:r>
-              <a:rPr lang="en-GB" dirty="0"/>
-              <a:t>Answer</a:t>
+              <a:t>User</a:t>
             </a:r>
           </a:p>
         </p:txBody>
@@ -5357,7 +4989,7 @@
             <a:pPr algn="ctr"/>
             <a:r>
               <a:rPr lang="en-GB" dirty="0"/>
-              <a:t>User</a:t>
+              <a:t>Log</a:t>
             </a:r>
           </a:p>
         </p:txBody>
@@ -5444,14 +5076,7 @@
             <a:pPr algn="ctr"/>
             <a:r>
               <a:rPr lang="en-GB" dirty="0"/>
-              <a:t>Questionnaire</a:t>
-            </a:r>
-          </a:p>
-          <a:p>
-            <a:pPr algn="ctr"/>
-            <a:r>
-              <a:rPr lang="en-GB" dirty="0"/>
-              <a:t>Answer</a:t>
+              <a:t>User</a:t>
             </a:r>
           </a:p>
         </p:txBody>
@@ -5498,7 +5123,7 @@
             <a:pPr algn="ctr"/>
             <a:r>
               <a:rPr lang="en-GB" dirty="0"/>
-              <a:t>User</a:t>
+              <a:t>Log</a:t>
             </a:r>
           </a:p>
         </p:txBody>
@@ -5567,7 +5192,7 @@
           <a:p>
             <a:r>
               <a:rPr lang="en-GB" dirty="0"/>
-              <a:t>*</a:t>
+              <a:t>1</a:t>
             </a:r>
           </a:p>
         </p:txBody>
@@ -5596,7 +5221,7 @@
           <a:p>
             <a:r>
               <a:rPr lang="en-GB" dirty="0"/>
-              <a:t>1</a:t>
+              <a:t>*</a:t>
             </a:r>
           </a:p>
         </p:txBody>
@@ -5604,7 +5229,7 @@
     </p:spTree>
     <p:extLst>
       <p:ext uri="{BB962C8B-B14F-4D97-AF65-F5344CB8AC3E}">
-        <p14:creationId xmlns:p14="http://schemas.microsoft.com/office/powerpoint/2010/main" val="1159403045"/>
+        <p14:creationId xmlns:p14="http://schemas.microsoft.com/office/powerpoint/2010/main" val="2101117720"/>
       </p:ext>
     </p:extLst>
   </p:cSld>
@@ -5648,15 +5273,7 @@
           <a:p>
             <a:r>
               <a:rPr lang="en-GB" dirty="0"/>
-              <a:t>Relationship “</a:t>
-            </a:r>
-            <a:r>
-              <a:rPr lang="en-GB" dirty="0" err="1"/>
-              <a:t>IsAbout</a:t>
-            </a:r>
-            <a:r>
-              <a:rPr lang="en-GB" dirty="0"/>
-              <a:t>” </a:t>
+              <a:t>Relationship “Fills” </a:t>
             </a:r>
           </a:p>
         </p:txBody>
@@ -5673,28 +5290,28 @@
         </p:nvSpPr>
         <p:spPr>
           <a:xfrm>
-            <a:off x="4629149" y="1491449"/>
-            <a:ext cx="4514851" cy="4927106"/>
+            <a:off x="4629150" y="1825625"/>
+            <a:ext cx="4284652" cy="4592930"/>
           </a:xfrm>
         </p:spPr>
         <p:txBody>
           <a:bodyPr>
-            <a:normAutofit lnSpcReduction="10000"/>
+            <a:normAutofit fontScale="92500" lnSpcReduction="20000"/>
           </a:bodyPr>
           <a:lstStyle/>
           <a:p>
             <a:r>
-              <a:rPr lang="en-GB" sz="2200" dirty="0"/>
-              <a:t>Product </a:t>
-            </a:r>
-            <a:r>
-              <a:rPr lang="en-GB" sz="2200" dirty="0">
+              <a:rPr lang="en-GB" sz="2400" dirty="0"/>
+              <a:t>User </a:t>
+            </a:r>
+            <a:r>
+              <a:rPr lang="en-GB" sz="2400" dirty="0">
                 <a:sym typeface="Wingdings" panose="05000000000000000000" pitchFamily="2" charset="2"/>
               </a:rPr>
               <a:t></a:t>
             </a:r>
             <a:r>
-              <a:rPr lang="en-GB" sz="2200" dirty="0"/>
+              <a:rPr lang="en-GB" sz="2400" dirty="0"/>
               <a:t> Questionnaire Answer </a:t>
             </a:r>
             <a:br>
@@ -5708,30 +5325,24 @@
           <a:p>
             <a:pPr lvl="1"/>
             <a:r>
-              <a:rPr lang="en-US" dirty="0"/>
-              <a:t>Not required</a:t>
-            </a:r>
-          </a:p>
-          <a:p>
-            <a:r>
-              <a:rPr lang="en-GB" sz="2200" dirty="0"/>
-              <a:t>Questionnaire Answers </a:t>
-            </a:r>
-            <a:r>
-              <a:rPr lang="en-GB" sz="2200" dirty="0">
+              <a:rPr lang="en-GB" dirty="0"/>
+              <a:t>Necessary to retrieve the user questionnaire to check if he has already filled the questionnaire of the day</a:t>
+            </a:r>
+          </a:p>
+          <a:p>
+            <a:pPr lvl="1"/>
+            <a:endParaRPr lang="en-GB" dirty="0"/>
+          </a:p>
+          <a:p>
+            <a:r>
+              <a:rPr lang="en-GB" sz="2400" dirty="0"/>
+              <a:t>Questionnaire Answer </a:t>
+            </a:r>
+            <a:r>
+              <a:rPr lang="en-GB" sz="2400" dirty="0">
                 <a:sym typeface="Wingdings" panose="05000000000000000000" pitchFamily="2" charset="2"/>
               </a:rPr>
-              <a:t> </a:t>
-            </a:r>
-            <a:r>
-              <a:rPr lang="en-GB" sz="2200" dirty="0"/>
-              <a:t>Product</a:t>
-            </a:r>
-            <a:r>
-              <a:rPr lang="en-GB" sz="2200" dirty="0">
-                <a:sym typeface="Wingdings" panose="05000000000000000000" pitchFamily="2" charset="2"/>
-              </a:rPr>
-              <a:t> </a:t>
+              <a:t> User </a:t>
             </a:r>
             <a:br>
               <a:rPr lang="en-GB" dirty="0">
@@ -5748,47 +5359,34 @@
           <a:p>
             <a:pPr lvl="1"/>
             <a:r>
-              <a:rPr lang="en-US" dirty="0"/>
-              <a:t>To retrieve the </a:t>
-            </a:r>
-            <a:r>
-              <a:rPr lang="en-GB" sz="2400" dirty="0"/>
-              <a:t>Questionnaire Answer’s product</a:t>
-            </a:r>
-            <a:endParaRPr lang="en-US" dirty="0"/>
-          </a:p>
-          <a:p>
-            <a:pPr>
-              <a:lnSpc>
-                <a:spcPct val="100000"/>
-              </a:lnSpc>
+              <a:rPr lang="en-GB" dirty="0"/>
+              <a:t>Not requested by the specification</a:t>
+            </a:r>
+          </a:p>
+          <a:p>
+            <a:pPr marL="457200" lvl="1" indent="0">
+              <a:buNone/>
             </a:pPr>
-            <a:r>
-              <a:rPr lang="it-IT" dirty="0" err="1"/>
-              <a:t>Unidirectional</a:t>
-            </a:r>
-            <a:r>
-              <a:rPr lang="it-IT" dirty="0"/>
-              <a:t> 0:N</a:t>
-            </a:r>
-          </a:p>
-          <a:p>
-            <a:pPr lvl="1"/>
+            <a:endParaRPr lang="en-GB" dirty="0">
+              <a:sym typeface="Wingdings" panose="05000000000000000000" pitchFamily="2" charset="2"/>
+            </a:endParaRPr>
+          </a:p>
+          <a:p>
             <a:r>
               <a:rPr lang="en-GB" dirty="0">
                 <a:sym typeface="Wingdings" panose="05000000000000000000" pitchFamily="2" charset="2"/>
               </a:rPr>
-              <a:t>Do not map the @ToMany side of the relationship as a collection data member and use (named) JPQL queries to retrieve the correlated objects when needed</a:t>
+              <a:t>Unidirectional 1:N</a:t>
             </a:r>
           </a:p>
           <a:p>
             <a:pPr lvl="1"/>
-            <a:endParaRPr lang="it-IT" sz="1800" b="0" i="0" u="none" strike="noStrike" baseline="0" dirty="0">
-              <a:solidFill>
-                <a:srgbClr val="000000"/>
-              </a:solidFill>
-              <a:latin typeface="Calibri" panose="020F0502020204030204" pitchFamily="34" charset="0"/>
-            </a:endParaRPr>
+            <a:r>
+              <a:rPr lang="en-GB" dirty="0">
+                <a:sym typeface="Wingdings" panose="05000000000000000000" pitchFamily="2" charset="2"/>
+              </a:rPr>
+              <a:t>Mapping the relationship as if it were bidirectional and use only the needed side</a:t>
+            </a:r>
           </a:p>
           <a:p>
             <a:pPr marL="457200" lvl="1" indent="0">
@@ -5892,7 +5490,7 @@
             <a:pPr algn="ctr"/>
             <a:r>
               <a:rPr lang="en-GB" dirty="0"/>
-              <a:t>Product</a:t>
+              <a:t>User</a:t>
             </a:r>
           </a:p>
         </p:txBody>
@@ -5944,6 +5542,7 @@
         <p:nvCxnSpPr>
           <p:cNvPr id="9" name="Straight Connector 8"/>
           <p:cNvCxnSpPr>
+            <a:cxnSpLocks/>
             <a:stCxn id="6" idx="1"/>
           </p:cNvCxnSpPr>
           <p:nvPr/>
@@ -6080,8 +5679,8 @@
         </p:nvSpPr>
         <p:spPr>
           <a:xfrm>
-            <a:off x="1950915" y="1390228"/>
-            <a:ext cx="907621" cy="369332"/>
+            <a:off x="2143565" y="1380618"/>
+            <a:ext cx="538930" cy="369332"/>
           </a:xfrm>
           <a:prstGeom prst="rect">
             <a:avLst/>
@@ -6095,10 +5694,9 @@
           <a:lstStyle/>
           <a:p>
             <a:r>
-              <a:rPr lang="en-GB" dirty="0" err="1"/>
-              <a:t>IsAbout</a:t>
-            </a:r>
-            <a:endParaRPr lang="en-GB" dirty="0"/>
+              <a:rPr lang="en-GB" dirty="0"/>
+              <a:t>Fills</a:t>
+            </a:r>
           </a:p>
         </p:txBody>
       </p:sp>
@@ -6198,7 +5796,7 @@
             <a:pPr algn="ctr"/>
             <a:r>
               <a:rPr lang="en-GB" dirty="0"/>
-              <a:t>Product</a:t>
+              <a:t>User</a:t>
             </a:r>
           </a:p>
         </p:txBody>
@@ -6339,7 +5937,7 @@
             <a:pPr algn="ctr"/>
             <a:r>
               <a:rPr lang="en-GB" dirty="0"/>
-              <a:t>Product</a:t>
+              <a:t>User</a:t>
             </a:r>
           </a:p>
         </p:txBody>
@@ -6445,7 +6043,7 @@
     </p:spTree>
     <p:extLst>
       <p:ext uri="{BB962C8B-B14F-4D97-AF65-F5344CB8AC3E}">
-        <p14:creationId xmlns:p14="http://schemas.microsoft.com/office/powerpoint/2010/main" val="3716912164"/>
+        <p14:creationId xmlns:p14="http://schemas.microsoft.com/office/powerpoint/2010/main" val="1159403045"/>
       </p:ext>
     </p:extLst>
   </p:cSld>
@@ -6492,8 +6090,8 @@
               <a:t>Relationship “</a:t>
             </a:r>
             <a:r>
-              <a:rPr lang="en-US" sz="4400" dirty="0"/>
-              <a:t>Reviews</a:t>
+              <a:rPr lang="en-GB" dirty="0" err="1"/>
+              <a:t>IsAbout</a:t>
             </a:r>
             <a:r>
               <a:rPr lang="en-GB" dirty="0"/>
@@ -6514,8 +6112,8 @@
         </p:nvSpPr>
         <p:spPr>
           <a:xfrm>
-            <a:off x="4629149" y="1825625"/>
-            <a:ext cx="4381685" cy="4592930"/>
+            <a:off x="4629149" y="1491449"/>
+            <a:ext cx="4514851" cy="4927106"/>
           </a:xfrm>
         </p:spPr>
         <p:txBody>
@@ -6525,18 +6123,18 @@
           <a:lstStyle/>
           <a:p>
             <a:r>
-              <a:rPr lang="en-GB" dirty="0"/>
+              <a:rPr lang="en-GB" sz="2200" dirty="0"/>
               <a:t>Product </a:t>
             </a:r>
             <a:r>
-              <a:rPr lang="en-GB" dirty="0">
+              <a:rPr lang="en-GB" sz="2200" dirty="0">
                 <a:sym typeface="Wingdings" panose="05000000000000000000" pitchFamily="2" charset="2"/>
               </a:rPr>
               <a:t></a:t>
             </a:r>
             <a:r>
-              <a:rPr lang="en-GB" dirty="0"/>
-              <a:t> Review </a:t>
+              <a:rPr lang="en-GB" sz="2200" dirty="0"/>
+              <a:t> Questionnaire Answer </a:t>
             </a:r>
             <a:br>
               <a:rPr lang="en-GB" dirty="0"/>
@@ -6549,27 +6147,27 @@
           <a:p>
             <a:pPr lvl="1"/>
             <a:r>
-              <a:rPr lang="en-GB" dirty="0"/>
-              <a:t>Necessary to retrieve the reviews of a product for the home page</a:t>
-            </a:r>
-          </a:p>
-          <a:p>
-            <a:r>
-              <a:rPr lang="en-GB" dirty="0"/>
-              <a:t>Review </a:t>
-            </a:r>
-            <a:r>
-              <a:rPr lang="en-GB" dirty="0">
+              <a:rPr lang="en-US" dirty="0"/>
+              <a:t>Not required</a:t>
+            </a:r>
+          </a:p>
+          <a:p>
+            <a:r>
+              <a:rPr lang="en-GB" sz="2200" dirty="0"/>
+              <a:t>Questionnaire Answers </a:t>
+            </a:r>
+            <a:r>
+              <a:rPr lang="en-GB" sz="2200" dirty="0">
                 <a:sym typeface="Wingdings" panose="05000000000000000000" pitchFamily="2" charset="2"/>
               </a:rPr>
               <a:t> </a:t>
             </a:r>
             <a:r>
-              <a:rPr lang="en-GB" dirty="0"/>
+              <a:rPr lang="en-GB" sz="2200" dirty="0"/>
               <a:t>Product</a:t>
             </a:r>
             <a:r>
-              <a:rPr lang="en-GB" dirty="0">
+              <a:rPr lang="en-GB" sz="2200" dirty="0">
                 <a:sym typeface="Wingdings" panose="05000000000000000000" pitchFamily="2" charset="2"/>
               </a:rPr>
               <a:t> </a:t>
@@ -6590,8 +6188,13 @@
             <a:pPr lvl="1"/>
             <a:r>
               <a:rPr lang="en-US" dirty="0"/>
-              <a:t>Not required</a:t>
-            </a:r>
+              <a:t>To retrieve the </a:t>
+            </a:r>
+            <a:r>
+              <a:rPr lang="en-GB" sz="2400" dirty="0"/>
+              <a:t>Questionnaire Answer’s product</a:t>
+            </a:r>
+            <a:endParaRPr lang="en-US" dirty="0"/>
           </a:p>
           <a:p>
             <a:pPr>
@@ -6609,14 +6212,12 @@
             </a:r>
           </a:p>
           <a:p>
-            <a:pPr lvl="1">
-              <a:lnSpc>
-                <a:spcPct val="100000"/>
-              </a:lnSpc>
-            </a:pPr>
-            <a:r>
-              <a:rPr lang="en-US" dirty="0"/>
-              <a:t>Mapping the relationship as if it were bidirectional and use only the needed side</a:t>
+            <a:pPr lvl="1"/>
+            <a:r>
+              <a:rPr lang="en-GB" dirty="0">
+                <a:sym typeface="Wingdings" panose="05000000000000000000" pitchFamily="2" charset="2"/>
+              </a:rPr>
+              <a:t>Do not map the @ToMany side of the relationship as a collection data member and use (named) JPQL queries to retrieve the correlated objects when needed</a:t>
             </a:r>
           </a:p>
           <a:p>
@@ -6681,7 +6282,14 @@
             <a:pPr algn="ctr"/>
             <a:r>
               <a:rPr lang="en-GB" dirty="0"/>
-              <a:t>Review</a:t>
+              <a:t>Questionnaire</a:t>
+            </a:r>
+          </a:p>
+          <a:p>
+            <a:pPr algn="ctr"/>
+            <a:r>
+              <a:rPr lang="en-GB" dirty="0"/>
+              <a:t>Answer</a:t>
             </a:r>
           </a:p>
         </p:txBody>
@@ -6911,8 +6519,8 @@
         </p:nvSpPr>
         <p:spPr>
           <a:xfrm>
-            <a:off x="1955230" y="1370978"/>
-            <a:ext cx="944105" cy="369332"/>
+            <a:off x="1950915" y="1390228"/>
+            <a:ext cx="907621" cy="369332"/>
           </a:xfrm>
           <a:prstGeom prst="rect">
             <a:avLst/>
@@ -6926,8 +6534,8 @@
           <a:lstStyle/>
           <a:p>
             <a:r>
-              <a:rPr lang="en-US" sz="1800" dirty="0"/>
-              <a:t>Reviews</a:t>
+              <a:rPr lang="en-GB" dirty="0" err="1"/>
+              <a:t>IsAbout</a:t>
             </a:r>
             <a:endParaRPr lang="en-GB" dirty="0"/>
           </a:p>
@@ -6974,10 +6582,16 @@
           <a:p>
             <a:pPr algn="ctr"/>
             <a:r>
-              <a:rPr lang="en-US" sz="1800" dirty="0"/>
-              <a:t>Review</a:t>
-            </a:r>
-            <a:endParaRPr lang="en-GB" dirty="0"/>
+              <a:rPr lang="en-GB" dirty="0"/>
+              <a:t>Questionnaire</a:t>
+            </a:r>
+          </a:p>
+          <a:p>
+            <a:pPr algn="ctr"/>
+            <a:r>
+              <a:rPr lang="en-GB" dirty="0"/>
+              <a:t>Answer</a:t>
+            </a:r>
           </a:p>
         </p:txBody>
       </p:sp>
@@ -7109,10 +6723,16 @@
           <a:p>
             <a:pPr algn="ctr"/>
             <a:r>
-              <a:rPr lang="en-US" sz="1800" dirty="0"/>
-              <a:t>Review</a:t>
-            </a:r>
-            <a:endParaRPr lang="en-GB" dirty="0"/>
+              <a:rPr lang="en-GB" dirty="0"/>
+              <a:t>Questionnaire</a:t>
+            </a:r>
+          </a:p>
+          <a:p>
+            <a:pPr algn="ctr"/>
+            <a:r>
+              <a:rPr lang="en-GB" dirty="0"/>
+              <a:t>Answer</a:t>
+            </a:r>
           </a:p>
         </p:txBody>
       </p:sp>
@@ -7264,7 +6884,7 @@
     </p:spTree>
     <p:extLst>
       <p:ext uri="{BB962C8B-B14F-4D97-AF65-F5344CB8AC3E}">
-        <p14:creationId xmlns:p14="http://schemas.microsoft.com/office/powerpoint/2010/main" val="2092544534"/>
+        <p14:creationId xmlns:p14="http://schemas.microsoft.com/office/powerpoint/2010/main" val="3716912164"/>
       </p:ext>
     </p:extLst>
   </p:cSld>
@@ -7311,8 +6931,8 @@
               <a:t>Relationship “</a:t>
             </a:r>
             <a:r>
-              <a:rPr lang="en-US" sz="4400" dirty="0" err="1"/>
-              <a:t>ReferingTo</a:t>
+              <a:rPr lang="en-US" sz="4400" dirty="0"/>
+              <a:t>Reviews</a:t>
             </a:r>
             <a:r>
               <a:rPr lang="en-GB" dirty="0"/>
@@ -7355,15 +6975,7 @@
             </a:r>
             <a:r>
               <a:rPr lang="en-GB" dirty="0"/>
-              <a:t> </a:t>
-            </a:r>
-            <a:r>
-              <a:rPr lang="en-GB" sz="2800" dirty="0"/>
-              <a:t>Variable question</a:t>
-            </a:r>
-            <a:r>
-              <a:rPr lang="en-GB" dirty="0"/>
-              <a:t> </a:t>
+              <a:t> Review </a:t>
             </a:r>
             <a:br>
               <a:rPr lang="en-GB" dirty="0"/>
@@ -7377,17 +6989,13 @@
             <a:pPr lvl="1"/>
             <a:r>
               <a:rPr lang="en-GB" dirty="0"/>
-              <a:t>Necessary to retrieve the variable question a product when accessing a questionnaire</a:t>
-            </a:r>
-          </a:p>
-          <a:p>
-            <a:r>
-              <a:rPr lang="en-GB" sz="2800" dirty="0"/>
-              <a:t>Variable question</a:t>
-            </a:r>
+              <a:t>Necessary to retrieve the reviews of a product for the home page</a:t>
+            </a:r>
+          </a:p>
+          <a:p>
             <a:r>
               <a:rPr lang="en-GB" dirty="0"/>
-              <a:t> </a:t>
+              <a:t>Review </a:t>
             </a:r>
             <a:r>
               <a:rPr lang="en-GB" dirty="0">
@@ -7421,13 +7029,37 @@
             <a:pPr lvl="1"/>
             <a:r>
               <a:rPr lang="en-US" dirty="0"/>
-              <a:t>Necessary to set product of the variable question</a:t>
-            </a:r>
-          </a:p>
-          <a:p>
-            <a:pPr marL="457200" lvl="1" indent="0">
-              <a:buNone/>
+              <a:t>Not required</a:t>
+            </a:r>
+          </a:p>
+          <a:p>
+            <a:pPr>
+              <a:lnSpc>
+                <a:spcPct val="100000"/>
+              </a:lnSpc>
             </a:pPr>
+            <a:r>
+              <a:rPr lang="it-IT" dirty="0" err="1"/>
+              <a:t>Unidirectional</a:t>
+            </a:r>
+            <a:r>
+              <a:rPr lang="it-IT" dirty="0"/>
+              <a:t> 0:N</a:t>
+            </a:r>
+          </a:p>
+          <a:p>
+            <a:pPr lvl="1">
+              <a:lnSpc>
+                <a:spcPct val="100000"/>
+              </a:lnSpc>
+            </a:pPr>
+            <a:r>
+              <a:rPr lang="en-US" dirty="0"/>
+              <a:t>Mapping the relationship as if it were bidirectional and use only the needed side</a:t>
+            </a:r>
+          </a:p>
+          <a:p>
+            <a:pPr lvl="1"/>
             <a:endParaRPr lang="it-IT" sz="1800" b="0" i="0" u="none" strike="noStrike" baseline="0" dirty="0">
               <a:solidFill>
                 <a:srgbClr val="000000"/>
@@ -7459,8 +7091,8 @@
         </p:nvSpPr>
         <p:spPr>
           <a:xfrm>
-            <a:off x="3022124" y="1573510"/>
-            <a:ext cx="1568918" cy="815027"/>
+            <a:off x="2968593" y="1744230"/>
+            <a:ext cx="1568918" cy="471638"/>
           </a:xfrm>
           <a:prstGeom prst="rect">
             <a:avLst/>
@@ -7487,8 +7119,8 @@
           <a:p>
             <a:pPr algn="ctr"/>
             <a:r>
-              <a:rPr lang="en-GB" sz="1800" dirty="0"/>
-              <a:t>Variable question</a:t>
+              <a:rPr lang="en-GB" dirty="0"/>
+              <a:t>Review</a:t>
             </a:r>
           </a:p>
         </p:txBody>
@@ -7582,16 +7214,14 @@
         <p:nvCxnSpPr>
           <p:cNvPr id="9" name="Straight Connector 8"/>
           <p:cNvCxnSpPr>
-            <a:cxnSpLocks/>
             <a:stCxn id="6" idx="1"/>
-            <a:endCxn id="8" idx="0"/>
           </p:cNvCxnSpPr>
           <p:nvPr/>
         </p:nvCxnSpPr>
         <p:spPr>
-          <a:xfrm flipH="1" flipV="1">
-            <a:off x="2610924" y="1980050"/>
-            <a:ext cx="411200" cy="974"/>
+          <a:xfrm flipH="1">
+            <a:off x="2639800" y="1980049"/>
+            <a:ext cx="328793" cy="1"/>
           </a:xfrm>
           <a:prstGeom prst="line">
             <a:avLst/>
@@ -7720,8 +7350,8 @@
         </p:nvSpPr>
         <p:spPr>
           <a:xfrm>
-            <a:off x="1799116" y="1354138"/>
-            <a:ext cx="1176604" cy="369332"/>
+            <a:off x="1955230" y="1370978"/>
+            <a:ext cx="944105" cy="369332"/>
           </a:xfrm>
           <a:prstGeom prst="rect">
             <a:avLst/>
@@ -7735,8 +7365,8 @@
           <a:lstStyle/>
           <a:p>
             <a:r>
-              <a:rPr lang="en-US" sz="1800" dirty="0" err="1"/>
-              <a:t>ReferingTo</a:t>
+              <a:rPr lang="en-US" sz="1800" dirty="0"/>
+              <a:t>Reviews</a:t>
             </a:r>
             <a:endParaRPr lang="en-GB" dirty="0"/>
           </a:p>
@@ -7750,8 +7380,8 @@
         </p:nvSpPr>
         <p:spPr>
           <a:xfrm>
-            <a:off x="2994260" y="3028576"/>
-            <a:ext cx="1568918" cy="748820"/>
+            <a:off x="2986239" y="3167167"/>
+            <a:ext cx="1568918" cy="471638"/>
           </a:xfrm>
           <a:prstGeom prst="rect">
             <a:avLst/>
@@ -7783,9 +7413,10 @@
           <a:p>
             <a:pPr algn="ctr"/>
             <a:r>
-              <a:rPr lang="en-GB" sz="1800" dirty="0"/>
-              <a:t>Variable question</a:t>
-            </a:r>
+              <a:rPr lang="en-US" sz="1800" dirty="0"/>
+              <a:t>Review</a:t>
+            </a:r>
+            <a:endParaRPr lang="en-GB" dirty="0"/>
           </a:p>
         </p:txBody>
       </p:sp>
@@ -7840,7 +7471,6 @@
         <p:nvCxnSpPr>
           <p:cNvPr id="16" name="Straight Connector 15"/>
           <p:cNvCxnSpPr>
-            <a:cxnSpLocks/>
             <a:stCxn id="14" idx="1"/>
             <a:endCxn id="15" idx="3"/>
           </p:cNvCxnSpPr>
@@ -7849,7 +7479,7 @@
         <p:spPr>
           <a:xfrm flipH="1">
             <a:off x="1791095" y="3402986"/>
-            <a:ext cx="1203165" cy="0"/>
+            <a:ext cx="1195144" cy="0"/>
           </a:xfrm>
           <a:prstGeom prst="line">
             <a:avLst/>
@@ -7885,8 +7515,8 @@
         </p:nvSpPr>
         <p:spPr>
           <a:xfrm>
-            <a:off x="2968044" y="4342949"/>
-            <a:ext cx="1568918" cy="724759"/>
+            <a:off x="2994260" y="4474599"/>
+            <a:ext cx="1568918" cy="471638"/>
           </a:xfrm>
           <a:prstGeom prst="rect">
             <a:avLst/>
@@ -7918,9 +7548,10 @@
           <a:p>
             <a:pPr algn="ctr"/>
             <a:r>
-              <a:rPr lang="en-GB" sz="1800" dirty="0"/>
-              <a:t>Variable question</a:t>
-            </a:r>
+              <a:rPr lang="en-US" sz="1800" dirty="0"/>
+              <a:t>Review</a:t>
+            </a:r>
+            <a:endParaRPr lang="en-GB" dirty="0"/>
           </a:p>
         </p:txBody>
       </p:sp>
@@ -7975,7 +7606,6 @@
         <p:nvCxnSpPr>
           <p:cNvPr id="19" name="Straight Connector 18"/>
           <p:cNvCxnSpPr>
-            <a:cxnSpLocks/>
             <a:stCxn id="17" idx="1"/>
             <a:endCxn id="18" idx="3"/>
           </p:cNvCxnSpPr>
@@ -7983,8 +7613,8 @@
         </p:nvCxnSpPr>
         <p:spPr>
           <a:xfrm flipH="1">
-            <a:off x="1799116" y="4705329"/>
-            <a:ext cx="1168928" cy="5089"/>
+            <a:off x="1799116" y="4710418"/>
+            <a:ext cx="1195144" cy="0"/>
           </a:xfrm>
           <a:prstGeom prst="line">
             <a:avLst/>
@@ -8073,7 +7703,7 @@
     </p:spTree>
     <p:extLst>
       <p:ext uri="{BB962C8B-B14F-4D97-AF65-F5344CB8AC3E}">
-        <p14:creationId xmlns:p14="http://schemas.microsoft.com/office/powerpoint/2010/main" val="2250076079"/>
+        <p14:creationId xmlns:p14="http://schemas.microsoft.com/office/powerpoint/2010/main" val="2092544534"/>
       </p:ext>
     </p:extLst>
   </p:cSld>
@@ -8120,8 +7750,8 @@
               <a:t>Relationship “</a:t>
             </a:r>
             <a:r>
-              <a:rPr lang="en-US" sz="4400" dirty="0"/>
-              <a:t>Variable answer</a:t>
+              <a:rPr lang="en-US" sz="4400" dirty="0" err="1"/>
+              <a:t>ReferingTo</a:t>
             </a:r>
             <a:r>
               <a:rPr lang="en-GB" dirty="0"/>
@@ -8142,99 +7772,99 @@
         </p:nvSpPr>
         <p:spPr>
           <a:xfrm>
-            <a:off x="4966370" y="1506945"/>
-            <a:ext cx="3955792" cy="4592930"/>
+            <a:off x="4629149" y="1825625"/>
+            <a:ext cx="4381685" cy="4592930"/>
           </a:xfrm>
         </p:spPr>
         <p:txBody>
           <a:bodyPr>
-            <a:normAutofit/>
+            <a:normAutofit lnSpcReduction="10000"/>
           </a:bodyPr>
           <a:lstStyle/>
           <a:p>
-            <a:pPr marL="0" indent="0">
-              <a:buNone/>
-            </a:pPr>
-            <a:r>
-              <a:rPr lang="en-US" sz="2000" dirty="0"/>
-              <a:t>@ManyToMany</a:t>
-            </a:r>
-          </a:p>
-          <a:p>
-            <a:pPr marL="0" indent="0">
-              <a:buNone/>
-            </a:pPr>
-            <a:r>
-              <a:rPr lang="en-US" sz="2000" dirty="0"/>
-              <a:t>mapped with @ElementCollection</a:t>
-            </a:r>
-          </a:p>
-          <a:p>
-            <a:pPr marL="0" indent="0">
-              <a:buNone/>
-            </a:pPr>
-            <a:endParaRPr lang="en-GB" sz="2400" dirty="0"/>
-          </a:p>
-          <a:p>
-            <a:pPr marL="0" indent="0">
-              <a:buNone/>
-            </a:pPr>
-            <a:r>
-              <a:rPr lang="en-GB" sz="2400" dirty="0" err="1"/>
-              <a:t>QuestionnaireAnswer</a:t>
-            </a:r>
-            <a:r>
-              <a:rPr lang="en-GB" sz="2400" dirty="0"/>
+            <a:r>
+              <a:rPr lang="en-GB" dirty="0"/>
+              <a:t>Product </a:t>
+            </a:r>
+            <a:r>
+              <a:rPr lang="en-GB" dirty="0">
+                <a:sym typeface="Wingdings" panose="05000000000000000000" pitchFamily="2" charset="2"/>
+              </a:rPr>
+              <a:t></a:t>
+            </a:r>
+            <a:r>
+              <a:rPr lang="en-GB" dirty="0"/>
               <a:t> </a:t>
             </a:r>
             <a:r>
-              <a:rPr lang="en-GB" sz="2400" dirty="0">
+              <a:rPr lang="en-GB" sz="2800" dirty="0"/>
+              <a:t>Variable question</a:t>
+            </a:r>
+            <a:r>
+              <a:rPr lang="en-GB" dirty="0"/>
+              <a:t> </a:t>
+            </a:r>
+            <a:br>
+              <a:rPr lang="en-GB" dirty="0"/>
+            </a:br>
+            <a:r>
+              <a:rPr lang="en-GB" dirty="0"/>
+              <a:t>@OneToMany</a:t>
+            </a:r>
+          </a:p>
+          <a:p>
+            <a:pPr lvl="1"/>
+            <a:r>
+              <a:rPr lang="en-GB" dirty="0"/>
+              <a:t>Necessary to retrieve the variable question a product when accessing a questionnaire</a:t>
+            </a:r>
+          </a:p>
+          <a:p>
+            <a:r>
+              <a:rPr lang="en-GB" sz="2800" dirty="0"/>
+              <a:t>Variable question</a:t>
+            </a:r>
+            <a:r>
+              <a:rPr lang="en-GB" dirty="0"/>
+              <a:t> </a:t>
+            </a:r>
+            <a:r>
+              <a:rPr lang="en-GB" dirty="0">
                 <a:sym typeface="Wingdings" panose="05000000000000000000" pitchFamily="2" charset="2"/>
               </a:rPr>
-              <a:t></a:t>
-            </a:r>
-            <a:r>
-              <a:rPr lang="en-GB" sz="2400" dirty="0"/>
-              <a:t> Variable question</a:t>
+              <a:t> </a:t>
+            </a:r>
+            <a:r>
+              <a:rPr lang="en-GB" dirty="0"/>
+              <a:t>Product</a:t>
+            </a:r>
+            <a:r>
+              <a:rPr lang="en-GB" dirty="0">
+                <a:sym typeface="Wingdings" panose="05000000000000000000" pitchFamily="2" charset="2"/>
+              </a:rPr>
+              <a:t> </a:t>
+            </a:r>
+            <a:br>
+              <a:rPr lang="en-GB" dirty="0">
+                <a:sym typeface="Wingdings" panose="05000000000000000000" pitchFamily="2" charset="2"/>
+              </a:rPr>
+            </a:br>
+            <a:r>
+              <a:rPr lang="en-GB" dirty="0">
+                <a:sym typeface="Wingdings" panose="05000000000000000000" pitchFamily="2" charset="2"/>
+              </a:rPr>
+              <a:t>@ManyToOne</a:t>
             </a:r>
           </a:p>
           <a:p>
             <a:pPr lvl="1"/>
             <a:r>
-              <a:rPr lang="en-GB" sz="2000" dirty="0"/>
-              <a:t>Needed to create the variable answers associated to each variable question</a:t>
-            </a:r>
-            <a:endParaRPr lang="en-US" sz="2000" dirty="0"/>
-          </a:p>
-          <a:p>
-            <a:pPr marL="0" indent="0">
-              <a:buNone/>
-            </a:pPr>
-            <a:endParaRPr lang="en-US" sz="1800" u="sng" dirty="0">
-              <a:latin typeface="Consolas" panose="020B0609020204030204" pitchFamily="49" charset="0"/>
-            </a:endParaRPr>
-          </a:p>
-          <a:p>
-            <a:pPr marL="0" indent="0">
-              <a:buNone/>
-            </a:pPr>
-            <a:endParaRPr lang="en-US" sz="1800" dirty="0">
-              <a:latin typeface="Consolas" panose="020B0609020204030204" pitchFamily="49" charset="0"/>
-            </a:endParaRPr>
-          </a:p>
-          <a:p>
-            <a:pPr marL="0" indent="0">
-              <a:buNone/>
-            </a:pPr>
-            <a:endParaRPr lang="en-US" sz="1800" b="1" i="0" u="none" strike="noStrike" baseline="0" dirty="0">
-              <a:solidFill>
-                <a:srgbClr val="000000"/>
-              </a:solidFill>
-              <a:latin typeface="Consolas" panose="020B0609020204030204" pitchFamily="49" charset="0"/>
-            </a:endParaRPr>
-          </a:p>
-          <a:p>
-            <a:pPr marL="0" indent="0">
+              <a:rPr lang="en-US" dirty="0"/>
+              <a:t>Necessary to set product of the variable question</a:t>
+            </a:r>
+          </a:p>
+          <a:p>
+            <a:pPr marL="457200" lvl="1" indent="0">
               <a:buNone/>
             </a:pPr>
             <a:endParaRPr lang="it-IT" sz="1800" b="0" i="0" u="none" strike="noStrike" baseline="0" dirty="0">
@@ -8253,15 +7883,9 @@
             </a:endParaRPr>
           </a:p>
           <a:p>
-            <a:pPr marL="0" indent="0">
-              <a:buNone/>
-            </a:pPr>
             <a:endParaRPr lang="en-GB" dirty="0"/>
           </a:p>
           <a:p>
-            <a:pPr marL="0" indent="0">
-              <a:buNone/>
-            </a:pPr>
             <a:endParaRPr lang="en-GB" dirty="0"/>
           </a:p>
         </p:txBody>
@@ -8274,7 +7898,7 @@
         </p:nvSpPr>
         <p:spPr>
           <a:xfrm>
-            <a:off x="3077397" y="1565952"/>
+            <a:off x="3022124" y="1573510"/>
             <a:ext cx="1568918" cy="815027"/>
           </a:xfrm>
           <a:prstGeom prst="rect">
@@ -8303,16 +7927,50 @@
             <a:pPr algn="ctr"/>
             <a:r>
               <a:rPr lang="en-GB" sz="1800" dirty="0"/>
-              <a:t>Questionnaire</a:t>
-            </a:r>
-          </a:p>
+              <a:t>Variable question</a:t>
+            </a:r>
+          </a:p>
+        </p:txBody>
+      </p:sp>
+      <p:sp>
+        <p:nvSpPr>
+          <p:cNvPr id="7" name="Rectangle 6"/>
+          <p:cNvSpPr/>
+          <p:nvPr/>
+        </p:nvSpPr>
+        <p:spPr>
+          <a:xfrm>
+            <a:off x="204531" y="1744230"/>
+            <a:ext cx="1568918" cy="471638"/>
+          </a:xfrm>
+          <a:prstGeom prst="rect">
+            <a:avLst/>
+          </a:prstGeom>
+          <a:ln w="38100"/>
+        </p:spPr>
+        <p:style>
+          <a:lnRef idx="2">
+            <a:schemeClr val="accent1"/>
+          </a:lnRef>
+          <a:fillRef idx="1">
+            <a:schemeClr val="lt1"/>
+          </a:fillRef>
+          <a:effectRef idx="0">
+            <a:schemeClr val="accent1"/>
+          </a:effectRef>
+          <a:fontRef idx="minor">
+            <a:schemeClr val="dk1"/>
+          </a:fontRef>
+        </p:style>
+        <p:txBody>
+          <a:bodyPr rtlCol="0" anchor="ctr"/>
+          <a:lstStyle/>
           <a:p>
             <a:pPr algn="ctr"/>
             <a:r>
               <a:rPr lang="en-GB" dirty="0"/>
-              <a:t>Answer</a:t>
-            </a:r>
-            <a:endParaRPr lang="en-GB" sz="1800" dirty="0"/>
+              <a:t>Product</a:t>
+            </a:r>
           </a:p>
         </p:txBody>
       </p:sp>
@@ -8370,9 +8028,9 @@
           <p:nvPr/>
         </p:nvCxnSpPr>
         <p:spPr>
-          <a:xfrm flipH="1">
-            <a:off x="2610924" y="1973466"/>
-            <a:ext cx="466473" cy="6584"/>
+          <a:xfrm flipH="1" flipV="1">
+            <a:off x="2610924" y="1980050"/>
+            <a:ext cx="411200" cy="974"/>
           </a:xfrm>
           <a:prstGeom prst="line">
             <a:avLst/>
@@ -8444,7 +8102,7 @@
         <p:spPr>
           <a:xfrm>
             <a:off x="2486822" y="2112865"/>
-            <a:ext cx="513282" cy="369332"/>
+            <a:ext cx="481222" cy="369332"/>
           </a:xfrm>
           <a:prstGeom prst="rect">
             <a:avLst/>
@@ -8459,7 +8117,7 @@
           <a:p>
             <a:r>
               <a:rPr lang="en-GB" dirty="0"/>
-              <a:t>0:N</a:t>
+              <a:t>1:1</a:t>
             </a:r>
           </a:p>
         </p:txBody>
@@ -8501,8 +8159,8 @@
         </p:nvSpPr>
         <p:spPr>
           <a:xfrm>
-            <a:off x="1777561" y="1417819"/>
-            <a:ext cx="1350370" cy="307777"/>
+            <a:off x="1799116" y="1354138"/>
+            <a:ext cx="1176604" cy="369332"/>
           </a:xfrm>
           <a:prstGeom prst="rect">
             <a:avLst/>
@@ -8516,10 +8174,10 @@
           <a:lstStyle/>
           <a:p>
             <a:r>
-              <a:rPr lang="en-US" sz="1400" dirty="0"/>
-              <a:t>Variable answer</a:t>
-            </a:r>
-            <a:endParaRPr lang="en-GB" sz="1400" dirty="0"/>
+              <a:rPr lang="en-US" sz="1800" dirty="0" err="1"/>
+              <a:t>ReferingTo</a:t>
+            </a:r>
+            <a:endParaRPr lang="en-GB" dirty="0"/>
           </a:p>
         </p:txBody>
       </p:sp>
@@ -8565,16 +8223,55 @@
             <a:pPr algn="ctr"/>
             <a:r>
               <a:rPr lang="en-GB" sz="1800" dirty="0"/>
-              <a:t>Questionnaire</a:t>
-            </a:r>
-          </a:p>
+              <a:t>Variable question</a:t>
+            </a:r>
+          </a:p>
+        </p:txBody>
+      </p:sp>
+      <p:sp>
+        <p:nvSpPr>
+          <p:cNvPr id="15" name="Rectangle 14"/>
+          <p:cNvSpPr/>
+          <p:nvPr/>
+        </p:nvSpPr>
+        <p:spPr>
+          <a:xfrm>
+            <a:off x="222177" y="3167167"/>
+            <a:ext cx="1568918" cy="471638"/>
+          </a:xfrm>
+          <a:prstGeom prst="rect">
+            <a:avLst/>
+          </a:prstGeom>
+          <a:noFill/>
+          <a:ln w="38100">
+            <a:solidFill>
+              <a:srgbClr val="00B050"/>
+            </a:solidFill>
+          </a:ln>
+        </p:spPr>
+        <p:style>
+          <a:lnRef idx="2">
+            <a:schemeClr val="accent1"/>
+          </a:lnRef>
+          <a:fillRef idx="1">
+            <a:schemeClr val="lt1"/>
+          </a:fillRef>
+          <a:effectRef idx="0">
+            <a:schemeClr val="accent1"/>
+          </a:effectRef>
+          <a:fontRef idx="minor">
+            <a:schemeClr val="dk1"/>
+          </a:fontRef>
+        </p:style>
+        <p:txBody>
+          <a:bodyPr rtlCol="0" anchor="ctr"/>
+          <a:lstStyle/>
           <a:p>
             <a:pPr algn="ctr"/>
             <a:r>
               <a:rPr lang="en-GB" dirty="0"/>
-              <a:t>Answer</a:t>
-            </a:r>
-            <a:endParaRPr lang="en-GB" sz="1800" dirty="0"/>
+              <a:t>Product</a:t>
+            </a:r>
           </a:p>
         </p:txBody>
       </p:sp>
@@ -8584,6 +8281,7 @@
           <p:cNvCxnSpPr>
             <a:cxnSpLocks/>
             <a:stCxn id="14" idx="1"/>
+            <a:endCxn id="15" idx="3"/>
           </p:cNvCxnSpPr>
           <p:nvPr/>
         </p:nvCxnSpPr>
@@ -8660,16 +8358,55 @@
             <a:pPr algn="ctr"/>
             <a:r>
               <a:rPr lang="en-GB" sz="1800" dirty="0"/>
-              <a:t>Questionnaire</a:t>
-            </a:r>
-          </a:p>
+              <a:t>Variable question</a:t>
+            </a:r>
+          </a:p>
+        </p:txBody>
+      </p:sp>
+      <p:sp>
+        <p:nvSpPr>
+          <p:cNvPr id="18" name="Rectangle 17"/>
+          <p:cNvSpPr/>
+          <p:nvPr/>
+        </p:nvSpPr>
+        <p:spPr>
+          <a:xfrm>
+            <a:off x="230198" y="4474599"/>
+            <a:ext cx="1568918" cy="471638"/>
+          </a:xfrm>
+          <a:prstGeom prst="rect">
+            <a:avLst/>
+          </a:prstGeom>
+          <a:noFill/>
+          <a:ln w="38100">
+            <a:solidFill>
+              <a:srgbClr val="00B050"/>
+            </a:solidFill>
+          </a:ln>
+        </p:spPr>
+        <p:style>
+          <a:lnRef idx="2">
+            <a:schemeClr val="accent1"/>
+          </a:lnRef>
+          <a:fillRef idx="1">
+            <a:schemeClr val="lt1"/>
+          </a:fillRef>
+          <a:effectRef idx="0">
+            <a:schemeClr val="accent1"/>
+          </a:effectRef>
+          <a:fontRef idx="minor">
+            <a:schemeClr val="dk1"/>
+          </a:fontRef>
+        </p:style>
+        <p:txBody>
+          <a:bodyPr rtlCol="0" anchor="ctr"/>
+          <a:lstStyle/>
           <a:p>
             <a:pPr algn="ctr"/>
             <a:r>
               <a:rPr lang="en-GB" dirty="0"/>
-              <a:t>Answer</a:t>
-            </a:r>
-            <a:endParaRPr lang="en-GB" sz="1800" dirty="0"/>
+              <a:t>Product</a:t>
+            </a:r>
           </a:p>
         </p:txBody>
       </p:sp>
@@ -8679,6 +8416,7 @@
           <p:cNvCxnSpPr>
             <a:cxnSpLocks/>
             <a:stCxn id="17" idx="1"/>
+            <a:endCxn id="18" idx="3"/>
           </p:cNvCxnSpPr>
           <p:nvPr/>
         </p:nvCxnSpPr>
@@ -8766,161 +8504,7 @@
           <a:p>
             <a:r>
               <a:rPr lang="en-GB" dirty="0"/>
-              <a:t>*</a:t>
-            </a:r>
-          </a:p>
-        </p:txBody>
-      </p:sp>
-      <p:sp>
-        <p:nvSpPr>
-          <p:cNvPr id="22" name="Rectangle 5">
-            <a:extLst>
-              <a:ext uri="{FF2B5EF4-FFF2-40B4-BE49-F238E27FC236}">
-                <a16:creationId xmlns:a16="http://schemas.microsoft.com/office/drawing/2014/main" id="{34FC7163-2383-4EFD-B680-005581DAA5E6}"/>
-              </a:ext>
-            </a:extLst>
-          </p:cNvPr>
-          <p:cNvSpPr/>
-          <p:nvPr/>
-        </p:nvSpPr>
-        <p:spPr>
-          <a:xfrm>
-            <a:off x="190792" y="1542701"/>
-            <a:ext cx="1568918" cy="815027"/>
-          </a:xfrm>
-          <a:prstGeom prst="rect">
-            <a:avLst/>
-          </a:prstGeom>
-          <a:ln w="38100"/>
-        </p:spPr>
-        <p:style>
-          <a:lnRef idx="2">
-            <a:schemeClr val="accent1"/>
-          </a:lnRef>
-          <a:fillRef idx="1">
-            <a:schemeClr val="lt1"/>
-          </a:fillRef>
-          <a:effectRef idx="0">
-            <a:schemeClr val="accent1"/>
-          </a:effectRef>
-          <a:fontRef idx="minor">
-            <a:schemeClr val="dk1"/>
-          </a:fontRef>
-        </p:style>
-        <p:txBody>
-          <a:bodyPr rtlCol="0" anchor="ctr"/>
-          <a:lstStyle/>
-          <a:p>
-            <a:pPr algn="ctr"/>
-            <a:r>
-              <a:rPr lang="en-GB" sz="1800" dirty="0"/>
-              <a:t>Variable question</a:t>
-            </a:r>
-          </a:p>
-        </p:txBody>
-      </p:sp>
-      <p:sp>
-        <p:nvSpPr>
-          <p:cNvPr id="23" name="Rectangle 13">
-            <a:extLst>
-              <a:ext uri="{FF2B5EF4-FFF2-40B4-BE49-F238E27FC236}">
-                <a16:creationId xmlns:a16="http://schemas.microsoft.com/office/drawing/2014/main" id="{067D34CD-38F2-491E-97C8-6A33078478CC}"/>
-              </a:ext>
-            </a:extLst>
-          </p:cNvPr>
-          <p:cNvSpPr/>
-          <p:nvPr/>
-        </p:nvSpPr>
-        <p:spPr>
-          <a:xfrm>
-            <a:off x="204532" y="3054590"/>
-            <a:ext cx="1568918" cy="748820"/>
-          </a:xfrm>
-          <a:prstGeom prst="rect">
-            <a:avLst/>
-          </a:prstGeom>
-          <a:noFill/>
-          <a:ln w="38100">
-            <a:solidFill>
-              <a:srgbClr val="00B050"/>
-            </a:solidFill>
-          </a:ln>
-        </p:spPr>
-        <p:style>
-          <a:lnRef idx="2">
-            <a:schemeClr val="accent1"/>
-          </a:lnRef>
-          <a:fillRef idx="1">
-            <a:schemeClr val="lt1"/>
-          </a:fillRef>
-          <a:effectRef idx="0">
-            <a:schemeClr val="accent1"/>
-          </a:effectRef>
-          <a:fontRef idx="minor">
-            <a:schemeClr val="dk1"/>
-          </a:fontRef>
-        </p:style>
-        <p:txBody>
-          <a:bodyPr rtlCol="0" anchor="ctr"/>
-          <a:lstStyle/>
-          <a:p>
-            <a:pPr algn="ctr"/>
-            <a:r>
-              <a:rPr lang="en-GB" sz="1800" dirty="0"/>
-              <a:t>Variable question</a:t>
-            </a:r>
-          </a:p>
-        </p:txBody>
-      </p:sp>
-      <p:sp>
-        <p:nvSpPr>
-          <p:cNvPr id="24" name="Rectangle 13">
-            <a:extLst>
-              <a:ext uri="{FF2B5EF4-FFF2-40B4-BE49-F238E27FC236}">
-                <a16:creationId xmlns:a16="http://schemas.microsoft.com/office/drawing/2014/main" id="{0297EC6B-86FE-4F52-9D6E-64EB9EBA97E4}"/>
-              </a:ext>
-            </a:extLst>
-          </p:cNvPr>
-          <p:cNvSpPr/>
-          <p:nvPr/>
-        </p:nvSpPr>
-        <p:spPr>
-          <a:xfrm>
-            <a:off x="221838" y="4342949"/>
-            <a:ext cx="1568918" cy="748820"/>
-          </a:xfrm>
-          <a:prstGeom prst="rect">
-            <a:avLst/>
-          </a:prstGeom>
-          <a:noFill/>
-          <a:ln w="38100">
-            <a:solidFill>
-              <a:srgbClr val="00B050"/>
-            </a:solidFill>
-          </a:ln>
-        </p:spPr>
-        <p:style>
-          <a:lnRef idx="2">
-            <a:schemeClr val="accent1"/>
-          </a:lnRef>
-          <a:fillRef idx="1">
-            <a:schemeClr val="lt1"/>
-          </a:fillRef>
-          <a:effectRef idx="0">
-            <a:schemeClr val="accent1"/>
-          </a:effectRef>
-          <a:fontRef idx="minor">
-            <a:schemeClr val="dk1"/>
-          </a:fontRef>
-        </p:style>
-        <p:txBody>
-          <a:bodyPr rtlCol="0" anchor="ctr"/>
-          <a:lstStyle/>
-          <a:p>
-            <a:pPr algn="ctr"/>
-            <a:r>
-              <a:rPr lang="en-GB" sz="1800" dirty="0"/>
-              <a:t>Variable question</a:t>
+              <a:t>1</a:t>
             </a:r>
           </a:p>
         </p:txBody>
@@ -8928,7 +8512,7 @@
     </p:spTree>
     <p:extLst>
       <p:ext uri="{BB962C8B-B14F-4D97-AF65-F5344CB8AC3E}">
-        <p14:creationId xmlns:p14="http://schemas.microsoft.com/office/powerpoint/2010/main" val="3736939166"/>
+        <p14:creationId xmlns:p14="http://schemas.microsoft.com/office/powerpoint/2010/main" val="2250076079"/>
       </p:ext>
     </p:extLst>
   </p:cSld>
@@ -8965,197 +8549,23 @@
             <p:ph type="title"/>
           </p:nvPr>
         </p:nvSpPr>
-        <p:spPr>
-          <a:xfrm>
-            <a:off x="457962" y="18255"/>
-            <a:ext cx="7886700" cy="1325563"/>
-          </a:xfrm>
-        </p:spPr>
+        <p:spPr/>
         <p:txBody>
           <a:bodyPr/>
           <a:lstStyle/>
           <a:p>
             <a:r>
               <a:rPr lang="en-GB" dirty="0"/>
-              <a:t>Components</a:t>
-            </a:r>
-          </a:p>
-        </p:txBody>
-      </p:sp>
-      <p:sp>
-        <p:nvSpPr>
-          <p:cNvPr id="4" name="Content Placeholder 3"/>
-          <p:cNvSpPr>
-            <a:spLocks noGrp="1"/>
-          </p:cNvSpPr>
-          <p:nvPr>
-            <p:ph sz="half" idx="1"/>
-          </p:nvPr>
-        </p:nvSpPr>
-        <p:spPr>
-          <a:xfrm>
-            <a:off x="352286" y="1645920"/>
-            <a:ext cx="4825604" cy="5559552"/>
-          </a:xfrm>
-        </p:spPr>
-        <p:txBody>
-          <a:bodyPr>
-            <a:normAutofit fontScale="62500" lnSpcReduction="20000"/>
-          </a:bodyPr>
-          <a:lstStyle/>
-          <a:p>
+              <a:t>Relationship “</a:t>
+            </a:r>
+            <a:r>
+              <a:rPr lang="en-US" sz="4400" dirty="0"/>
+              <a:t>Variable answer</a:t>
+            </a:r>
             <a:r>
               <a:rPr lang="en-GB" dirty="0"/>
-              <a:t>Client components</a:t>
-            </a:r>
-          </a:p>
-          <a:p>
-            <a:pPr lvl="1"/>
-            <a:r>
-              <a:rPr lang="en-GB" dirty="0"/>
-              <a:t>CancelAnswer</a:t>
-            </a:r>
-          </a:p>
-          <a:p>
-            <a:pPr lvl="1"/>
-            <a:r>
-              <a:rPr lang="en-GB" dirty="0"/>
-              <a:t>CheckLogin</a:t>
-            </a:r>
-          </a:p>
-          <a:p>
-            <a:pPr lvl="1"/>
-            <a:r>
-              <a:rPr lang="en-GB" dirty="0"/>
-              <a:t>CreateAnswer</a:t>
-            </a:r>
-          </a:p>
-          <a:p>
-            <a:pPr lvl="1"/>
-            <a:r>
-              <a:rPr lang="en-GB" dirty="0"/>
-              <a:t>CreateProduct</a:t>
-            </a:r>
-          </a:p>
-          <a:p>
-            <a:pPr lvl="1"/>
-            <a:r>
-              <a:rPr lang="en-GB" dirty="0"/>
-              <a:t>CreateVariableQuestions</a:t>
-            </a:r>
-          </a:p>
-          <a:p>
-            <a:pPr lvl="1"/>
-            <a:r>
-              <a:rPr lang="en-GB" dirty="0"/>
-              <a:t>DeleteProduct</a:t>
-            </a:r>
-          </a:p>
-          <a:p>
-            <a:pPr lvl="1"/>
-            <a:r>
-              <a:rPr lang="en-GB" dirty="0"/>
-              <a:t>GoToAdmin</a:t>
-            </a:r>
-          </a:p>
-          <a:p>
-            <a:pPr lvl="1"/>
-            <a:r>
-              <a:rPr lang="en-GB" dirty="0"/>
-              <a:t>GoToCreationPage</a:t>
-            </a:r>
-          </a:p>
-          <a:p>
-            <a:pPr lvl="1"/>
-            <a:r>
-              <a:rPr lang="en-GB" dirty="0"/>
-              <a:t>GoToDeletePage</a:t>
-            </a:r>
-          </a:p>
-          <a:p>
-            <a:pPr lvl="1"/>
-            <a:r>
-              <a:rPr lang="en-GB" dirty="0"/>
-              <a:t>GoToGreetingPage</a:t>
-            </a:r>
-          </a:p>
-          <a:p>
-            <a:pPr lvl="1"/>
-            <a:r>
-              <a:rPr lang="en-GB" dirty="0"/>
-              <a:t>GoToHomePage</a:t>
-            </a:r>
-          </a:p>
-          <a:p>
-            <a:pPr lvl="1"/>
-            <a:r>
-              <a:rPr lang="en-GB" dirty="0"/>
-              <a:t>GoToLeaderboardPage</a:t>
-            </a:r>
-          </a:p>
-          <a:p>
-            <a:pPr lvl="1"/>
-            <a:r>
-              <a:rPr lang="en-GB" dirty="0"/>
-              <a:t>GoToLogPage</a:t>
-            </a:r>
-          </a:p>
-          <a:p>
-            <a:pPr lvl="1"/>
-            <a:r>
-              <a:rPr lang="en-GB" dirty="0"/>
-              <a:t>GoToMarketingQuestionnaire</a:t>
-            </a:r>
-          </a:p>
-          <a:p>
-            <a:pPr lvl="1"/>
-            <a:r>
-              <a:rPr lang="en-GB" dirty="0"/>
-              <a:t>GoToProductList</a:t>
-            </a:r>
-          </a:p>
-          <a:p>
-            <a:pPr lvl="1"/>
-            <a:r>
-              <a:rPr lang="en-GB" dirty="0"/>
-              <a:t>GoToQuestionnaireInfo</a:t>
-            </a:r>
-          </a:p>
-          <a:p>
-            <a:pPr lvl="1"/>
-            <a:r>
-              <a:rPr lang="en-GB" dirty="0"/>
-              <a:t>GoToStatistical</a:t>
-            </a:r>
-          </a:p>
-          <a:p>
-            <a:pPr lvl="1"/>
-            <a:r>
-              <a:rPr lang="en-GB" dirty="0"/>
-              <a:t>Logout</a:t>
-            </a:r>
-          </a:p>
-          <a:p>
-            <a:pPr lvl="1"/>
-            <a:r>
-              <a:rPr lang="en-GB" dirty="0"/>
-              <a:t>Register</a:t>
-            </a:r>
-          </a:p>
-          <a:p>
-            <a:pPr marL="0" indent="0">
-              <a:buNone/>
-            </a:pPr>
-            <a:endParaRPr lang="en-GB" dirty="0"/>
-          </a:p>
-          <a:p>
-            <a:pPr marL="0" indent="0">
-              <a:buNone/>
-            </a:pPr>
-            <a:endParaRPr lang="en-GB" dirty="0"/>
-          </a:p>
-          <a:p>
-            <a:endParaRPr lang="en-GB" dirty="0"/>
+              <a:t>” </a:t>
+            </a:r>
           </a:p>
         </p:txBody>
       </p:sp>
@@ -9171,150 +8581,793 @@
         </p:nvSpPr>
         <p:spPr>
           <a:xfrm>
-            <a:off x="4725403" y="1645920"/>
-            <a:ext cx="4418597" cy="4351338"/>
+            <a:off x="4966370" y="1506945"/>
+            <a:ext cx="3955792" cy="4592930"/>
           </a:xfrm>
         </p:spPr>
         <p:txBody>
           <a:bodyPr>
-            <a:normAutofit fontScale="62500" lnSpcReduction="20000"/>
+            <a:normAutofit/>
           </a:bodyPr>
           <a:lstStyle/>
           <a:p>
+            <a:pPr marL="0" indent="0">
+              <a:buNone/>
+            </a:pPr>
+            <a:r>
+              <a:rPr lang="en-US" sz="2000" dirty="0"/>
+              <a:t>@ManyToMany</a:t>
+            </a:r>
+          </a:p>
+          <a:p>
+            <a:pPr marL="0" indent="0">
+              <a:buNone/>
+            </a:pPr>
+            <a:r>
+              <a:rPr lang="en-US" sz="2000" dirty="0"/>
+              <a:t>mapped with @ElementCollection</a:t>
+            </a:r>
+          </a:p>
+          <a:p>
+            <a:pPr marL="0" indent="0">
+              <a:buNone/>
+            </a:pPr>
+            <a:endParaRPr lang="en-GB" sz="2400" dirty="0"/>
+          </a:p>
+          <a:p>
+            <a:pPr marL="0" indent="0">
+              <a:buNone/>
+            </a:pPr>
+            <a:r>
+              <a:rPr lang="en-GB" sz="2400" dirty="0" err="1"/>
+              <a:t>QuestionnaireAnswer</a:t>
+            </a:r>
+            <a:r>
+              <a:rPr lang="en-GB" sz="2400" dirty="0"/>
+              <a:t> </a:t>
+            </a:r>
+            <a:r>
+              <a:rPr lang="en-GB" sz="2400" dirty="0">
+                <a:sym typeface="Wingdings" panose="05000000000000000000" pitchFamily="2" charset="2"/>
+              </a:rPr>
+              <a:t></a:t>
+            </a:r>
+            <a:r>
+              <a:rPr lang="en-GB" sz="2400" dirty="0"/>
+              <a:t> Variable question</a:t>
+            </a:r>
+          </a:p>
+          <a:p>
+            <a:pPr lvl="1"/>
+            <a:r>
+              <a:rPr lang="en-GB" sz="2000" dirty="0"/>
+              <a:t>Needed to create the variable answers associated to each variable question</a:t>
+            </a:r>
+            <a:endParaRPr lang="en-US" sz="2000" dirty="0"/>
+          </a:p>
+          <a:p>
+            <a:pPr marL="0" indent="0">
+              <a:buNone/>
+            </a:pPr>
+            <a:endParaRPr lang="en-US" sz="1800" u="sng" dirty="0">
+              <a:latin typeface="Consolas" panose="020B0609020204030204" pitchFamily="49" charset="0"/>
+            </a:endParaRPr>
+          </a:p>
+          <a:p>
+            <a:pPr marL="0" indent="0">
+              <a:buNone/>
+            </a:pPr>
+            <a:endParaRPr lang="en-US" sz="1800" dirty="0">
+              <a:latin typeface="Consolas" panose="020B0609020204030204" pitchFamily="49" charset="0"/>
+            </a:endParaRPr>
+          </a:p>
+          <a:p>
+            <a:pPr marL="0" indent="0">
+              <a:buNone/>
+            </a:pPr>
+            <a:endParaRPr lang="en-US" sz="1800" b="1" i="0" u="none" strike="noStrike" baseline="0" dirty="0">
+              <a:solidFill>
+                <a:srgbClr val="000000"/>
+              </a:solidFill>
+              <a:latin typeface="Consolas" panose="020B0609020204030204" pitchFamily="49" charset="0"/>
+            </a:endParaRPr>
+          </a:p>
+          <a:p>
+            <a:pPr marL="0" indent="0">
+              <a:buNone/>
+            </a:pPr>
+            <a:endParaRPr lang="it-IT" sz="1800" b="0" i="0" u="none" strike="noStrike" baseline="0" dirty="0">
+              <a:solidFill>
+                <a:srgbClr val="000000"/>
+              </a:solidFill>
+              <a:latin typeface="Calibri" panose="020F0502020204030204" pitchFamily="34" charset="0"/>
+            </a:endParaRPr>
+          </a:p>
+          <a:p>
+            <a:pPr marL="457200" lvl="1" indent="0">
+              <a:buNone/>
+            </a:pPr>
+            <a:endParaRPr lang="en-GB" dirty="0">
+              <a:sym typeface="Wingdings" panose="05000000000000000000" pitchFamily="2" charset="2"/>
+            </a:endParaRPr>
+          </a:p>
+          <a:p>
+            <a:pPr marL="0" indent="0">
+              <a:buNone/>
+            </a:pPr>
+            <a:endParaRPr lang="en-GB" dirty="0"/>
+          </a:p>
+          <a:p>
+            <a:pPr marL="0" indent="0">
+              <a:buNone/>
+            </a:pPr>
+            <a:endParaRPr lang="en-GB" dirty="0"/>
+          </a:p>
+        </p:txBody>
+      </p:sp>
+      <p:sp>
+        <p:nvSpPr>
+          <p:cNvPr id="6" name="Rectangle 5"/>
+          <p:cNvSpPr/>
+          <p:nvPr/>
+        </p:nvSpPr>
+        <p:spPr>
+          <a:xfrm>
+            <a:off x="3077397" y="1565952"/>
+            <a:ext cx="1568918" cy="815027"/>
+          </a:xfrm>
+          <a:prstGeom prst="rect">
+            <a:avLst/>
+          </a:prstGeom>
+          <a:ln w="38100"/>
+        </p:spPr>
+        <p:style>
+          <a:lnRef idx="2">
+            <a:schemeClr val="accent1"/>
+          </a:lnRef>
+          <a:fillRef idx="1">
+            <a:schemeClr val="lt1"/>
+          </a:fillRef>
+          <a:effectRef idx="0">
+            <a:schemeClr val="accent1"/>
+          </a:effectRef>
+          <a:fontRef idx="minor">
+            <a:schemeClr val="dk1"/>
+          </a:fontRef>
+        </p:style>
+        <p:txBody>
+          <a:bodyPr rtlCol="0" anchor="ctr"/>
+          <a:lstStyle/>
+          <a:p>
+            <a:pPr algn="ctr"/>
+            <a:r>
+              <a:rPr lang="en-GB" sz="1800" dirty="0"/>
+              <a:t>Questionnaire</a:t>
+            </a:r>
+          </a:p>
+          <a:p>
+            <a:pPr algn="ctr"/>
             <a:r>
               <a:rPr lang="en-GB" dirty="0"/>
-              <a:t>Views</a:t>
-            </a:r>
-          </a:p>
-          <a:p>
-            <a:pPr lvl="1"/>
+              <a:t>Answer</a:t>
+            </a:r>
+            <a:endParaRPr lang="en-GB" sz="1800" dirty="0"/>
+          </a:p>
+        </p:txBody>
+      </p:sp>
+      <p:sp>
+        <p:nvSpPr>
+          <p:cNvPr id="8" name="Diamond 7"/>
+          <p:cNvSpPr/>
+          <p:nvPr/>
+        </p:nvSpPr>
+        <p:spPr>
+          <a:xfrm rot="5400000">
+            <a:off x="2204983" y="1771428"/>
+            <a:ext cx="394638" cy="417244"/>
+          </a:xfrm>
+          <a:prstGeom prst="diamond">
+            <a:avLst/>
+          </a:prstGeom>
+          <a:ln w="38100"/>
+        </p:spPr>
+        <p:style>
+          <a:lnRef idx="2">
+            <a:schemeClr val="accent1"/>
+          </a:lnRef>
+          <a:fillRef idx="1">
+            <a:schemeClr val="lt1"/>
+          </a:fillRef>
+          <a:effectRef idx="0">
+            <a:schemeClr val="accent1"/>
+          </a:effectRef>
+          <a:fontRef idx="minor">
+            <a:schemeClr val="dk1"/>
+          </a:fontRef>
+        </p:style>
+        <p:txBody>
+          <a:bodyPr rtlCol="0" anchor="ctr"/>
+          <a:lstStyle/>
+          <a:p>
+            <a:pPr algn="ctr"/>
+            <a:endParaRPr lang="en-GB">
+              <a:solidFill>
+                <a:schemeClr val="dk1"/>
+              </a:solidFill>
+            </a:endParaRPr>
+          </a:p>
+        </p:txBody>
+      </p:sp>
+      <p:cxnSp>
+        <p:nvCxnSpPr>
+          <p:cNvPr id="9" name="Straight Connector 8"/>
+          <p:cNvCxnSpPr>
+            <a:cxnSpLocks/>
+            <a:stCxn id="6" idx="1"/>
+            <a:endCxn id="8" idx="0"/>
+          </p:cNvCxnSpPr>
+          <p:nvPr/>
+        </p:nvCxnSpPr>
+        <p:spPr>
+          <a:xfrm flipH="1">
+            <a:off x="2610924" y="1973466"/>
+            <a:ext cx="466473" cy="6584"/>
+          </a:xfrm>
+          <a:prstGeom prst="line">
+            <a:avLst/>
+          </a:prstGeom>
+          <a:ln w="28575">
+            <a:solidFill>
+              <a:schemeClr val="accent1"/>
+            </a:solidFill>
+          </a:ln>
+        </p:spPr>
+        <p:style>
+          <a:lnRef idx="1">
+            <a:schemeClr val="accent1"/>
+          </a:lnRef>
+          <a:fillRef idx="0">
+            <a:schemeClr val="accent1"/>
+          </a:fillRef>
+          <a:effectRef idx="0">
+            <a:schemeClr val="accent1"/>
+          </a:effectRef>
+          <a:fontRef idx="minor">
+            <a:schemeClr val="tx1"/>
+          </a:fontRef>
+        </p:style>
+      </p:cxnSp>
+      <p:cxnSp>
+        <p:nvCxnSpPr>
+          <p:cNvPr id="10" name="Straight Connector 9"/>
+          <p:cNvCxnSpPr>
+            <a:stCxn id="8" idx="2"/>
+          </p:cNvCxnSpPr>
+          <p:nvPr/>
+        </p:nvCxnSpPr>
+        <p:spPr>
+          <a:xfrm flipH="1">
+            <a:off x="1773450" y="1980050"/>
+            <a:ext cx="420230" cy="0"/>
+          </a:xfrm>
+          <a:prstGeom prst="line">
+            <a:avLst/>
+          </a:prstGeom>
+          <a:ln w="28575">
+            <a:solidFill>
+              <a:schemeClr val="accent1"/>
+            </a:solidFill>
+          </a:ln>
+        </p:spPr>
+        <p:style>
+          <a:lnRef idx="1">
+            <a:schemeClr val="accent1"/>
+          </a:lnRef>
+          <a:fillRef idx="0">
+            <a:schemeClr val="accent1"/>
+          </a:fillRef>
+          <a:effectRef idx="0">
+            <a:schemeClr val="accent1"/>
+          </a:effectRef>
+          <a:fontRef idx="minor">
+            <a:schemeClr val="tx1"/>
+          </a:fontRef>
+        </p:style>
+      </p:cxnSp>
+      <p:sp>
+        <p:nvSpPr>
+          <p:cNvPr id="11" name="TextBox 10"/>
+          <p:cNvSpPr txBox="1"/>
+          <p:nvPr/>
+        </p:nvSpPr>
+        <p:spPr>
+          <a:xfrm>
+            <a:off x="2486822" y="2112865"/>
+            <a:ext cx="513282" cy="369332"/>
+          </a:xfrm>
+          <a:prstGeom prst="rect">
+            <a:avLst/>
+          </a:prstGeom>
+          <a:noFill/>
+        </p:spPr>
+        <p:txBody>
+          <a:bodyPr wrap="none" rtlCol="0">
+            <a:spAutoFit/>
+          </a:bodyPr>
+          <a:lstStyle/>
+          <a:p>
             <a:r>
               <a:rPr lang="en-GB" dirty="0"/>
-              <a:t>adminHome.html</a:t>
-            </a:r>
-          </a:p>
-          <a:p>
-            <a:pPr lvl="1"/>
+              <a:t>0:N</a:t>
+            </a:r>
+          </a:p>
+        </p:txBody>
+      </p:sp>
+      <p:sp>
+        <p:nvSpPr>
+          <p:cNvPr id="12" name="TextBox 11"/>
+          <p:cNvSpPr txBox="1"/>
+          <p:nvPr/>
+        </p:nvSpPr>
+        <p:spPr>
+          <a:xfrm>
+            <a:off x="1759710" y="2105721"/>
+            <a:ext cx="513282" cy="369332"/>
+          </a:xfrm>
+          <a:prstGeom prst="rect">
+            <a:avLst/>
+          </a:prstGeom>
+          <a:noFill/>
+        </p:spPr>
+        <p:txBody>
+          <a:bodyPr wrap="none" rtlCol="0">
+            <a:spAutoFit/>
+          </a:bodyPr>
+          <a:lstStyle/>
+          <a:p>
             <a:r>
               <a:rPr lang="en-GB" dirty="0"/>
-              <a:t>CreateProduct.html</a:t>
-            </a:r>
-          </a:p>
-          <a:p>
-            <a:pPr lvl="1"/>
+              <a:t>0:N</a:t>
+            </a:r>
+          </a:p>
+        </p:txBody>
+      </p:sp>
+      <p:sp>
+        <p:nvSpPr>
+          <p:cNvPr id="13" name="TextBox 12"/>
+          <p:cNvSpPr txBox="1"/>
+          <p:nvPr/>
+        </p:nvSpPr>
+        <p:spPr>
+          <a:xfrm>
+            <a:off x="1777561" y="1417819"/>
+            <a:ext cx="1350370" cy="307777"/>
+          </a:xfrm>
+          <a:prstGeom prst="rect">
+            <a:avLst/>
+          </a:prstGeom>
+          <a:noFill/>
+        </p:spPr>
+        <p:txBody>
+          <a:bodyPr wrap="none" rtlCol="0">
+            <a:spAutoFit/>
+          </a:bodyPr>
+          <a:lstStyle/>
+          <a:p>
+            <a:r>
+              <a:rPr lang="en-US" sz="1400" dirty="0"/>
+              <a:t>Variable answer</a:t>
+            </a:r>
+            <a:endParaRPr lang="en-GB" sz="1400" dirty="0"/>
+          </a:p>
+        </p:txBody>
+      </p:sp>
+      <p:sp>
+        <p:nvSpPr>
+          <p:cNvPr id="14" name="Rectangle 13"/>
+          <p:cNvSpPr/>
+          <p:nvPr/>
+        </p:nvSpPr>
+        <p:spPr>
+          <a:xfrm>
+            <a:off x="2994260" y="3028576"/>
+            <a:ext cx="1568918" cy="748820"/>
+          </a:xfrm>
+          <a:prstGeom prst="rect">
+            <a:avLst/>
+          </a:prstGeom>
+          <a:noFill/>
+          <a:ln w="38100">
+            <a:solidFill>
+              <a:srgbClr val="00B050"/>
+            </a:solidFill>
+          </a:ln>
+        </p:spPr>
+        <p:style>
+          <a:lnRef idx="2">
+            <a:schemeClr val="accent1"/>
+          </a:lnRef>
+          <a:fillRef idx="1">
+            <a:schemeClr val="lt1"/>
+          </a:fillRef>
+          <a:effectRef idx="0">
+            <a:schemeClr val="accent1"/>
+          </a:effectRef>
+          <a:fontRef idx="minor">
+            <a:schemeClr val="dk1"/>
+          </a:fontRef>
+        </p:style>
+        <p:txBody>
+          <a:bodyPr rtlCol="0" anchor="ctr"/>
+          <a:lstStyle/>
+          <a:p>
+            <a:pPr algn="ctr"/>
+            <a:r>
+              <a:rPr lang="en-GB" sz="1800" dirty="0"/>
+              <a:t>Questionnaire</a:t>
+            </a:r>
+          </a:p>
+          <a:p>
+            <a:pPr algn="ctr"/>
             <a:r>
               <a:rPr lang="en-GB" dirty="0"/>
-              <a:t>CreateProductGreetings.html</a:t>
-            </a:r>
-          </a:p>
-          <a:p>
-            <a:pPr lvl="1"/>
+              <a:t>Answer</a:t>
+            </a:r>
+            <a:endParaRPr lang="en-GB" sz="1800" dirty="0"/>
+          </a:p>
+        </p:txBody>
+      </p:sp>
+      <p:cxnSp>
+        <p:nvCxnSpPr>
+          <p:cNvPr id="16" name="Straight Connector 15"/>
+          <p:cNvCxnSpPr>
+            <a:cxnSpLocks/>
+            <a:stCxn id="14" idx="1"/>
+          </p:cNvCxnSpPr>
+          <p:nvPr/>
+        </p:nvCxnSpPr>
+        <p:spPr>
+          <a:xfrm flipH="1">
+            <a:off x="1791095" y="3402986"/>
+            <a:ext cx="1203165" cy="0"/>
+          </a:xfrm>
+          <a:prstGeom prst="line">
+            <a:avLst/>
+          </a:prstGeom>
+          <a:ln w="38100">
+            <a:solidFill>
+              <a:srgbClr val="00B050"/>
+            </a:solidFill>
+            <a:headEnd type="triangle" w="med" len="med"/>
+            <a:tailEnd type="none" w="med" len="med"/>
+          </a:ln>
+        </p:spPr>
+        <p:style>
+          <a:lnRef idx="1">
+            <a:schemeClr val="accent1"/>
+          </a:lnRef>
+          <a:fillRef idx="0">
+            <a:schemeClr val="accent1"/>
+          </a:fillRef>
+          <a:effectRef idx="0">
+            <a:schemeClr val="accent1"/>
+          </a:effectRef>
+          <a:fontRef idx="minor">
+            <a:schemeClr val="tx1"/>
+          </a:fontRef>
+        </p:style>
+      </p:cxnSp>
+      <p:sp>
+        <p:nvSpPr>
+          <p:cNvPr id="17" name="Rectangle 16"/>
+          <p:cNvSpPr/>
+          <p:nvPr/>
+        </p:nvSpPr>
+        <p:spPr>
+          <a:xfrm>
+            <a:off x="2968044" y="4342949"/>
+            <a:ext cx="1568918" cy="724759"/>
+          </a:xfrm>
+          <a:prstGeom prst="rect">
+            <a:avLst/>
+          </a:prstGeom>
+          <a:noFill/>
+          <a:ln w="38100">
+            <a:solidFill>
+              <a:srgbClr val="00B050"/>
+            </a:solidFill>
+          </a:ln>
+        </p:spPr>
+        <p:style>
+          <a:lnRef idx="2">
+            <a:schemeClr val="accent1"/>
+          </a:lnRef>
+          <a:fillRef idx="1">
+            <a:schemeClr val="lt1"/>
+          </a:fillRef>
+          <a:effectRef idx="0">
+            <a:schemeClr val="accent1"/>
+          </a:effectRef>
+          <a:fontRef idx="minor">
+            <a:schemeClr val="dk1"/>
+          </a:fontRef>
+        </p:style>
+        <p:txBody>
+          <a:bodyPr rtlCol="0" anchor="ctr"/>
+          <a:lstStyle/>
+          <a:p>
+            <a:pPr algn="ctr"/>
+            <a:r>
+              <a:rPr lang="en-GB" sz="1800" dirty="0"/>
+              <a:t>Questionnaire</a:t>
+            </a:r>
+          </a:p>
+          <a:p>
+            <a:pPr algn="ctr"/>
             <a:r>
               <a:rPr lang="en-GB" dirty="0"/>
-              <a:t>CreateVariableQuestions.html</a:t>
-            </a:r>
-          </a:p>
-          <a:p>
-            <a:pPr lvl="1"/>
+              <a:t>Answer</a:t>
+            </a:r>
+            <a:endParaRPr lang="en-GB" sz="1800" dirty="0"/>
+          </a:p>
+        </p:txBody>
+      </p:sp>
+      <p:cxnSp>
+        <p:nvCxnSpPr>
+          <p:cNvPr id="19" name="Straight Connector 18"/>
+          <p:cNvCxnSpPr>
+            <a:cxnSpLocks/>
+            <a:stCxn id="17" idx="1"/>
+          </p:cNvCxnSpPr>
+          <p:nvPr/>
+        </p:nvCxnSpPr>
+        <p:spPr>
+          <a:xfrm flipH="1">
+            <a:off x="1799116" y="4705329"/>
+            <a:ext cx="1168928" cy="5089"/>
+          </a:xfrm>
+          <a:prstGeom prst="line">
+            <a:avLst/>
+          </a:prstGeom>
+          <a:ln w="38100">
+            <a:solidFill>
+              <a:srgbClr val="00B050"/>
+            </a:solidFill>
+            <a:headEnd type="none" w="med" len="med"/>
+            <a:tailEnd type="triangle" w="med" len="med"/>
+          </a:ln>
+        </p:spPr>
+        <p:style>
+          <a:lnRef idx="1">
+            <a:schemeClr val="accent1"/>
+          </a:lnRef>
+          <a:fillRef idx="0">
+            <a:schemeClr val="accent1"/>
+          </a:fillRef>
+          <a:effectRef idx="0">
+            <a:schemeClr val="accent1"/>
+          </a:effectRef>
+          <a:fontRef idx="minor">
+            <a:schemeClr val="tx1"/>
+          </a:fontRef>
+        </p:style>
+      </p:cxnSp>
+      <p:sp>
+        <p:nvSpPr>
+          <p:cNvPr id="20" name="TextBox 19"/>
+          <p:cNvSpPr txBox="1"/>
+          <p:nvPr/>
+        </p:nvSpPr>
+        <p:spPr>
+          <a:xfrm>
+            <a:off x="2672258" y="3051663"/>
+            <a:ext cx="239988" cy="369332"/>
+          </a:xfrm>
+          <a:prstGeom prst="rect">
+            <a:avLst/>
+          </a:prstGeom>
+          <a:noFill/>
+        </p:spPr>
+        <p:txBody>
+          <a:bodyPr wrap="square" rtlCol="0">
+            <a:spAutoFit/>
+          </a:bodyPr>
+          <a:lstStyle/>
+          <a:p>
             <a:r>
               <a:rPr lang="en-GB" dirty="0"/>
-              <a:t>delete.html</a:t>
-            </a:r>
-          </a:p>
-          <a:p>
-            <a:pPr lvl="1"/>
+              <a:t>*</a:t>
+            </a:r>
+          </a:p>
+        </p:txBody>
+      </p:sp>
+      <p:sp>
+        <p:nvSpPr>
+          <p:cNvPr id="21" name="TextBox 20"/>
+          <p:cNvSpPr txBox="1"/>
+          <p:nvPr/>
+        </p:nvSpPr>
+        <p:spPr>
+          <a:xfrm>
+            <a:off x="1786359" y="4308305"/>
+            <a:ext cx="300082" cy="369332"/>
+          </a:xfrm>
+          <a:prstGeom prst="rect">
+            <a:avLst/>
+          </a:prstGeom>
+          <a:noFill/>
+        </p:spPr>
+        <p:txBody>
+          <a:bodyPr wrap="none" rtlCol="0">
+            <a:spAutoFit/>
+          </a:bodyPr>
+          <a:lstStyle/>
+          <a:p>
             <a:r>
               <a:rPr lang="en-GB" dirty="0"/>
-              <a:t>deleteProductGreetings.html</a:t>
-            </a:r>
-          </a:p>
-          <a:p>
-            <a:pPr lvl="1"/>
-            <a:r>
-              <a:rPr lang="en-GB" dirty="0"/>
-              <a:t>greetings.html</a:t>
-            </a:r>
-          </a:p>
-          <a:p>
-            <a:pPr lvl="1"/>
-            <a:r>
-              <a:rPr lang="en-GB" dirty="0"/>
-              <a:t>Home.html</a:t>
-            </a:r>
-          </a:p>
-          <a:p>
-            <a:pPr lvl="1"/>
-            <a:r>
-              <a:rPr lang="en-GB" dirty="0"/>
-              <a:t>HomeNoProduct.html</a:t>
-            </a:r>
-          </a:p>
-          <a:p>
-            <a:pPr lvl="1"/>
-            <a:r>
-              <a:rPr lang="en-GB" dirty="0"/>
-              <a:t>Leaderboard.html</a:t>
-            </a:r>
-          </a:p>
-          <a:p>
-            <a:pPr lvl="1"/>
-            <a:r>
-              <a:rPr lang="en-GB" dirty="0"/>
-              <a:t>LogPage.html</a:t>
-            </a:r>
-          </a:p>
-          <a:p>
-            <a:pPr lvl="1"/>
-            <a:r>
-              <a:rPr lang="en-GB" dirty="0"/>
-              <a:t>Marketing.html</a:t>
-            </a:r>
-          </a:p>
-          <a:p>
-            <a:pPr lvl="1"/>
-            <a:r>
-              <a:rPr lang="en-GB" dirty="0"/>
-              <a:t>productList.html</a:t>
-            </a:r>
-          </a:p>
-          <a:p>
-            <a:pPr lvl="1"/>
-            <a:r>
-              <a:rPr lang="en-GB" dirty="0"/>
-              <a:t>questionnaireInfo.html</a:t>
-            </a:r>
-          </a:p>
-          <a:p>
-            <a:pPr lvl="1"/>
-            <a:r>
-              <a:rPr lang="en-GB" dirty="0"/>
-              <a:t>Statistical.html</a:t>
-            </a:r>
-          </a:p>
-          <a:p>
-            <a:pPr lvl="1"/>
-            <a:r>
-              <a:rPr lang="en-GB" dirty="0"/>
-              <a:t>blocked.html</a:t>
-            </a:r>
-          </a:p>
-          <a:p>
-            <a:pPr lvl="1"/>
-            <a:r>
-              <a:rPr lang="en-GB" dirty="0"/>
-              <a:t>index.html</a:t>
-            </a:r>
-          </a:p>
-          <a:p>
-            <a:pPr lvl="1"/>
-            <a:endParaRPr lang="en-GB" dirty="0"/>
+              <a:t>*</a:t>
+            </a:r>
+          </a:p>
+        </p:txBody>
+      </p:sp>
+      <p:sp>
+        <p:nvSpPr>
+          <p:cNvPr id="22" name="Rectangle 5">
+            <a:extLst>
+              <a:ext uri="{FF2B5EF4-FFF2-40B4-BE49-F238E27FC236}">
+                <a16:creationId xmlns:a16="http://schemas.microsoft.com/office/drawing/2014/main" id="{34FC7163-2383-4EFD-B680-005581DAA5E6}"/>
+              </a:ext>
+            </a:extLst>
+          </p:cNvPr>
+          <p:cNvSpPr/>
+          <p:nvPr/>
+        </p:nvSpPr>
+        <p:spPr>
+          <a:xfrm>
+            <a:off x="190792" y="1542701"/>
+            <a:ext cx="1568918" cy="815027"/>
+          </a:xfrm>
+          <a:prstGeom prst="rect">
+            <a:avLst/>
+          </a:prstGeom>
+          <a:ln w="38100"/>
+        </p:spPr>
+        <p:style>
+          <a:lnRef idx="2">
+            <a:schemeClr val="accent1"/>
+          </a:lnRef>
+          <a:fillRef idx="1">
+            <a:schemeClr val="lt1"/>
+          </a:fillRef>
+          <a:effectRef idx="0">
+            <a:schemeClr val="accent1"/>
+          </a:effectRef>
+          <a:fontRef idx="minor">
+            <a:schemeClr val="dk1"/>
+          </a:fontRef>
+        </p:style>
+        <p:txBody>
+          <a:bodyPr rtlCol="0" anchor="ctr"/>
+          <a:lstStyle/>
+          <a:p>
+            <a:pPr algn="ctr"/>
+            <a:r>
+              <a:rPr lang="en-GB" sz="1800" dirty="0"/>
+              <a:t>Variable question</a:t>
+            </a:r>
+          </a:p>
+        </p:txBody>
+      </p:sp>
+      <p:sp>
+        <p:nvSpPr>
+          <p:cNvPr id="23" name="Rectangle 13">
+            <a:extLst>
+              <a:ext uri="{FF2B5EF4-FFF2-40B4-BE49-F238E27FC236}">
+                <a16:creationId xmlns:a16="http://schemas.microsoft.com/office/drawing/2014/main" id="{067D34CD-38F2-491E-97C8-6A33078478CC}"/>
+              </a:ext>
+            </a:extLst>
+          </p:cNvPr>
+          <p:cNvSpPr/>
+          <p:nvPr/>
+        </p:nvSpPr>
+        <p:spPr>
+          <a:xfrm>
+            <a:off x="204532" y="3054590"/>
+            <a:ext cx="1568918" cy="748820"/>
+          </a:xfrm>
+          <a:prstGeom prst="rect">
+            <a:avLst/>
+          </a:prstGeom>
+          <a:noFill/>
+          <a:ln w="38100">
+            <a:solidFill>
+              <a:srgbClr val="00B050"/>
+            </a:solidFill>
+          </a:ln>
+        </p:spPr>
+        <p:style>
+          <a:lnRef idx="2">
+            <a:schemeClr val="accent1"/>
+          </a:lnRef>
+          <a:fillRef idx="1">
+            <a:schemeClr val="lt1"/>
+          </a:fillRef>
+          <a:effectRef idx="0">
+            <a:schemeClr val="accent1"/>
+          </a:effectRef>
+          <a:fontRef idx="minor">
+            <a:schemeClr val="dk1"/>
+          </a:fontRef>
+        </p:style>
+        <p:txBody>
+          <a:bodyPr rtlCol="0" anchor="ctr"/>
+          <a:lstStyle/>
+          <a:p>
+            <a:pPr algn="ctr"/>
+            <a:r>
+              <a:rPr lang="en-GB" sz="1800" dirty="0"/>
+              <a:t>Variable question</a:t>
+            </a:r>
+          </a:p>
+        </p:txBody>
+      </p:sp>
+      <p:sp>
+        <p:nvSpPr>
+          <p:cNvPr id="24" name="Rectangle 13">
+            <a:extLst>
+              <a:ext uri="{FF2B5EF4-FFF2-40B4-BE49-F238E27FC236}">
+                <a16:creationId xmlns:a16="http://schemas.microsoft.com/office/drawing/2014/main" id="{0297EC6B-86FE-4F52-9D6E-64EB9EBA97E4}"/>
+              </a:ext>
+            </a:extLst>
+          </p:cNvPr>
+          <p:cNvSpPr/>
+          <p:nvPr/>
+        </p:nvSpPr>
+        <p:spPr>
+          <a:xfrm>
+            <a:off x="221838" y="4342949"/>
+            <a:ext cx="1568918" cy="748820"/>
+          </a:xfrm>
+          <a:prstGeom prst="rect">
+            <a:avLst/>
+          </a:prstGeom>
+          <a:noFill/>
+          <a:ln w="38100">
+            <a:solidFill>
+              <a:srgbClr val="00B050"/>
+            </a:solidFill>
+          </a:ln>
+        </p:spPr>
+        <p:style>
+          <a:lnRef idx="2">
+            <a:schemeClr val="accent1"/>
+          </a:lnRef>
+          <a:fillRef idx="1">
+            <a:schemeClr val="lt1"/>
+          </a:fillRef>
+          <a:effectRef idx="0">
+            <a:schemeClr val="accent1"/>
+          </a:effectRef>
+          <a:fontRef idx="minor">
+            <a:schemeClr val="dk1"/>
+          </a:fontRef>
+        </p:style>
+        <p:txBody>
+          <a:bodyPr rtlCol="0" anchor="ctr"/>
+          <a:lstStyle/>
+          <a:p>
+            <a:pPr algn="ctr"/>
+            <a:r>
+              <a:rPr lang="en-GB" sz="1800" dirty="0"/>
+              <a:t>Variable question</a:t>
+            </a:r>
           </a:p>
         </p:txBody>
       </p:sp>
     </p:spTree>
     <p:extLst>
       <p:ext uri="{BB962C8B-B14F-4D97-AF65-F5344CB8AC3E}">
-        <p14:creationId xmlns:p14="http://schemas.microsoft.com/office/powerpoint/2010/main" val="1681549262"/>
+        <p14:creationId xmlns:p14="http://schemas.microsoft.com/office/powerpoint/2010/main" val="3736939166"/>
       </p:ext>
     </p:extLst>
   </p:cSld>
@@ -9370,6 +9423,183 @@
       </p:sp>
       <p:sp>
         <p:nvSpPr>
+          <p:cNvPr id="4" name="Content Placeholder 3"/>
+          <p:cNvSpPr>
+            <a:spLocks noGrp="1"/>
+          </p:cNvSpPr>
+          <p:nvPr>
+            <p:ph sz="half" idx="1"/>
+          </p:nvPr>
+        </p:nvSpPr>
+        <p:spPr>
+          <a:xfrm>
+            <a:off x="352286" y="1645920"/>
+            <a:ext cx="4825604" cy="5559552"/>
+          </a:xfrm>
+        </p:spPr>
+        <p:txBody>
+          <a:bodyPr>
+            <a:normAutofit fontScale="62500" lnSpcReduction="20000"/>
+          </a:bodyPr>
+          <a:lstStyle/>
+          <a:p>
+            <a:r>
+              <a:rPr lang="en-GB" dirty="0"/>
+              <a:t>Client components</a:t>
+            </a:r>
+          </a:p>
+          <a:p>
+            <a:pPr lvl="1"/>
+            <a:r>
+              <a:rPr lang="en-GB" dirty="0"/>
+              <a:t>CancelAnswer</a:t>
+            </a:r>
+          </a:p>
+          <a:p>
+            <a:pPr lvl="1"/>
+            <a:r>
+              <a:rPr lang="en-GB" dirty="0"/>
+              <a:t>CheckLogin</a:t>
+            </a:r>
+          </a:p>
+          <a:p>
+            <a:pPr lvl="1"/>
+            <a:r>
+              <a:rPr lang="en-GB" dirty="0"/>
+              <a:t>CreateAnswer</a:t>
+            </a:r>
+          </a:p>
+          <a:p>
+            <a:pPr lvl="1"/>
+            <a:r>
+              <a:rPr lang="en-GB" dirty="0"/>
+              <a:t>CreateProduct</a:t>
+            </a:r>
+          </a:p>
+          <a:p>
+            <a:pPr lvl="1"/>
+            <a:r>
+              <a:rPr lang="en-GB" dirty="0"/>
+              <a:t>CreateVariableQuestions</a:t>
+            </a:r>
+          </a:p>
+          <a:p>
+            <a:pPr lvl="1"/>
+            <a:r>
+              <a:rPr lang="en-GB" dirty="0"/>
+              <a:t>DeleteProduct</a:t>
+            </a:r>
+          </a:p>
+          <a:p>
+            <a:pPr lvl="1"/>
+            <a:r>
+              <a:rPr lang="en-GB" dirty="0"/>
+              <a:t>GoToAdmin</a:t>
+            </a:r>
+          </a:p>
+          <a:p>
+            <a:pPr lvl="1"/>
+            <a:r>
+              <a:rPr lang="en-GB" dirty="0"/>
+              <a:t>GoToCreationPage</a:t>
+            </a:r>
+          </a:p>
+          <a:p>
+            <a:pPr lvl="1"/>
+            <a:r>
+              <a:rPr lang="en-GB" dirty="0"/>
+              <a:t>GoToDeletePage</a:t>
+            </a:r>
+          </a:p>
+          <a:p>
+            <a:pPr lvl="1"/>
+            <a:r>
+              <a:rPr lang="en-GB" dirty="0"/>
+              <a:t>GoToGreetingPage</a:t>
+            </a:r>
+          </a:p>
+          <a:p>
+            <a:pPr lvl="1"/>
+            <a:r>
+              <a:rPr lang="en-GB" dirty="0"/>
+              <a:t>GoToHomePage</a:t>
+            </a:r>
+          </a:p>
+          <a:p>
+            <a:pPr lvl="1"/>
+            <a:r>
+              <a:rPr lang="en-GB" dirty="0"/>
+              <a:t>GoToLeaderboardPage</a:t>
+            </a:r>
+          </a:p>
+          <a:p>
+            <a:pPr lvl="1"/>
+            <a:r>
+              <a:rPr lang="en-GB" dirty="0"/>
+              <a:t>GoToLogPage</a:t>
+            </a:r>
+          </a:p>
+          <a:p>
+            <a:pPr lvl="1"/>
+            <a:r>
+              <a:rPr lang="en-GB" dirty="0"/>
+              <a:t>GoToMarketingQuestionnaire</a:t>
+            </a:r>
+          </a:p>
+          <a:p>
+            <a:pPr lvl="1"/>
+            <a:r>
+              <a:rPr lang="en-GB" dirty="0"/>
+              <a:t>GoToProductList</a:t>
+            </a:r>
+          </a:p>
+          <a:p>
+            <a:pPr lvl="1"/>
+            <a:r>
+              <a:rPr lang="en-GB" dirty="0"/>
+              <a:t>GoToQuestionnaireInfo</a:t>
+            </a:r>
+          </a:p>
+          <a:p>
+            <a:pPr lvl="1"/>
+            <a:r>
+              <a:rPr lang="en-GB" dirty="0"/>
+              <a:t>GoToStatistical</a:t>
+            </a:r>
+          </a:p>
+          <a:p>
+            <a:pPr lvl="1"/>
+            <a:r>
+              <a:rPr lang="en-GB" dirty="0"/>
+              <a:t>Logout</a:t>
+            </a:r>
+          </a:p>
+          <a:p>
+            <a:pPr lvl="1"/>
+            <a:r>
+              <a:rPr lang="en-GB" dirty="0"/>
+              <a:t>Register</a:t>
+            </a:r>
+          </a:p>
+          <a:p>
+            <a:pPr marL="0" indent="0">
+              <a:buNone/>
+            </a:pPr>
+            <a:endParaRPr lang="en-GB" dirty="0"/>
+          </a:p>
+          <a:p>
+            <a:pPr marL="0" indent="0">
+              <a:buNone/>
+            </a:pPr>
+            <a:endParaRPr lang="en-GB" dirty="0"/>
+          </a:p>
+          <a:p>
+            <a:endParaRPr lang="en-GB" dirty="0"/>
+          </a:p>
+        </p:txBody>
+      </p:sp>
+      <p:sp>
+        <p:nvSpPr>
           <p:cNvPr id="5" name="Content Placeholder 4"/>
           <p:cNvSpPr>
             <a:spLocks noGrp="1"/>
@@ -9380,383 +9610,150 @@
         </p:nvSpPr>
         <p:spPr>
           <a:xfrm>
-            <a:off x="-334328" y="1078864"/>
-            <a:ext cx="9528334" cy="5618498"/>
+            <a:off x="4725403" y="1645920"/>
+            <a:ext cx="4418597" cy="4351338"/>
           </a:xfrm>
         </p:spPr>
         <p:txBody>
           <a:bodyPr>
-            <a:normAutofit/>
+            <a:normAutofit fontScale="62500" lnSpcReduction="20000"/>
           </a:bodyPr>
           <a:lstStyle/>
           <a:p>
-            <a:pPr marL="0" indent="0">
-              <a:buNone/>
-            </a:pPr>
-            <a:r>
-              <a:rPr lang="en-GB" sz="1800" b="1" dirty="0"/>
-              <a:t>	Business Components</a:t>
+            <a:r>
+              <a:rPr lang="en-GB" dirty="0"/>
+              <a:t>Views</a:t>
             </a:r>
           </a:p>
           <a:p>
             <a:pPr lvl="1"/>
             <a:r>
-              <a:rPr lang="en-GB" sz="2000" dirty="0"/>
-              <a:t>@Stateless </a:t>
-            </a:r>
-            <a:r>
-              <a:rPr lang="en-GB" sz="2000" dirty="0" err="1"/>
-              <a:t>UserService</a:t>
-            </a:r>
-            <a:r>
-              <a:rPr lang="en-GB" sz="2000" dirty="0"/>
-              <a:t> </a:t>
-            </a:r>
-          </a:p>
-          <a:p>
-            <a:pPr lvl="2"/>
-            <a:r>
-              <a:rPr lang="en-GB" sz="1800" dirty="0">
-                <a:latin typeface="Consolas" panose="020B0609020204030204" pitchFamily="49" charset="0"/>
-              </a:rPr>
-              <a:t>User </a:t>
-            </a:r>
-            <a:r>
-              <a:rPr lang="en-GB" sz="1800" dirty="0" err="1">
-                <a:latin typeface="Consolas" panose="020B0609020204030204" pitchFamily="49" charset="0"/>
-              </a:rPr>
-              <a:t>checkCredentials</a:t>
-            </a:r>
-            <a:r>
-              <a:rPr lang="en-GB" sz="1800" dirty="0">
-                <a:latin typeface="Consolas" panose="020B0609020204030204" pitchFamily="49" charset="0"/>
-              </a:rPr>
-              <a:t>(String username, String password)</a:t>
-            </a:r>
-          </a:p>
-          <a:p>
-            <a:pPr lvl="2"/>
-            <a:r>
-              <a:rPr lang="en-GB" sz="1800" dirty="0">
-                <a:latin typeface="Consolas" panose="020B0609020204030204" pitchFamily="49" charset="0"/>
-              </a:rPr>
-              <a:t>List&lt;String&gt; </a:t>
-            </a:r>
-            <a:r>
-              <a:rPr lang="en-GB" sz="1800" dirty="0" err="1">
-                <a:latin typeface="Consolas" panose="020B0609020204030204" pitchFamily="49" charset="0"/>
-              </a:rPr>
-              <a:t>findAllUsernames</a:t>
-            </a:r>
-            <a:r>
-              <a:rPr lang="en-GB" sz="1800" dirty="0">
-                <a:latin typeface="Consolas" panose="020B0609020204030204" pitchFamily="49" charset="0"/>
-              </a:rPr>
-              <a:t>()</a:t>
-            </a:r>
-          </a:p>
-          <a:p>
-            <a:pPr lvl="2"/>
-            <a:r>
-              <a:rPr lang="en-GB" sz="1800" dirty="0">
-                <a:latin typeface="Consolas" panose="020B0609020204030204" pitchFamily="49" charset="0"/>
-              </a:rPr>
-              <a:t>User </a:t>
-            </a:r>
-            <a:r>
-              <a:rPr lang="en-GB" sz="1800" dirty="0" err="1">
-                <a:latin typeface="Consolas" panose="020B0609020204030204" pitchFamily="49" charset="0"/>
-              </a:rPr>
-              <a:t>registerUser</a:t>
-            </a:r>
-            <a:r>
-              <a:rPr lang="en-GB" sz="1800" dirty="0">
-                <a:latin typeface="Consolas" panose="020B0609020204030204" pitchFamily="49" charset="0"/>
-              </a:rPr>
-              <a:t>(String username, String password, String email)</a:t>
-            </a:r>
-          </a:p>
-          <a:p>
-            <a:pPr lvl="2"/>
-            <a:r>
-              <a:rPr lang="en-GB" sz="1800" dirty="0">
-                <a:latin typeface="Consolas" panose="020B0609020204030204" pitchFamily="49" charset="0"/>
-              </a:rPr>
-              <a:t>void </a:t>
-            </a:r>
-            <a:r>
-              <a:rPr lang="en-GB" sz="1800" dirty="0" err="1">
-                <a:latin typeface="Consolas" panose="020B0609020204030204" pitchFamily="49" charset="0"/>
-              </a:rPr>
-              <a:t>blockUser</a:t>
-            </a:r>
-            <a:r>
-              <a:rPr lang="en-GB" sz="1800" dirty="0">
-                <a:latin typeface="Consolas" panose="020B0609020204030204" pitchFamily="49" charset="0"/>
-              </a:rPr>
-              <a:t>(User user)</a:t>
-            </a:r>
-          </a:p>
-          <a:p>
-            <a:pPr lvl="2"/>
-            <a:r>
-              <a:rPr lang="en-US" sz="1800" dirty="0">
-                <a:latin typeface="Consolas" panose="020B0609020204030204" pitchFamily="49" charset="0"/>
-              </a:rPr>
-              <a:t>Boolean </a:t>
-            </a:r>
-            <a:r>
-              <a:rPr lang="en-US" sz="1800" dirty="0" err="1">
-                <a:latin typeface="Consolas" panose="020B0609020204030204" pitchFamily="49" charset="0"/>
-              </a:rPr>
-              <a:t>hasAlreadyDoneSurvey</a:t>
-            </a:r>
-            <a:r>
-              <a:rPr lang="en-US" sz="1800" dirty="0">
-                <a:latin typeface="Consolas" panose="020B0609020204030204" pitchFamily="49" charset="0"/>
-              </a:rPr>
-              <a:t>(Product </a:t>
-            </a:r>
-            <a:r>
-              <a:rPr lang="en-US" sz="1800" dirty="0" err="1">
-                <a:latin typeface="Consolas" panose="020B0609020204030204" pitchFamily="49" charset="0"/>
-              </a:rPr>
-              <a:t>product</a:t>
-            </a:r>
-            <a:r>
-              <a:rPr lang="en-US" sz="1800" dirty="0">
-                <a:latin typeface="Consolas" panose="020B0609020204030204" pitchFamily="49" charset="0"/>
-              </a:rPr>
-              <a:t>, int </a:t>
-            </a:r>
-            <a:r>
-              <a:rPr lang="en-US" sz="1800" dirty="0" err="1">
-                <a:latin typeface="Consolas" panose="020B0609020204030204" pitchFamily="49" charset="0"/>
-              </a:rPr>
-              <a:t>userID</a:t>
-            </a:r>
-            <a:r>
-              <a:rPr lang="en-US" sz="1800" dirty="0">
-                <a:latin typeface="Consolas" panose="020B0609020204030204" pitchFamily="49" charset="0"/>
-              </a:rPr>
-              <a:t>)</a:t>
-            </a:r>
-            <a:endParaRPr lang="en-GB" sz="1800" dirty="0">
-              <a:latin typeface="Consolas" panose="020B0609020204030204" pitchFamily="49" charset="0"/>
-            </a:endParaRPr>
-          </a:p>
-          <a:p>
-            <a:pPr lvl="2"/>
-            <a:endParaRPr lang="en-GB" sz="1800" dirty="0"/>
+              <a:rPr lang="en-GB" dirty="0"/>
+              <a:t>adminHome.html</a:t>
+            </a:r>
           </a:p>
           <a:p>
             <a:pPr lvl="1"/>
             <a:r>
-              <a:rPr lang="en-GB" sz="2200" dirty="0"/>
-              <a:t>@Stateless </a:t>
-            </a:r>
-            <a:r>
-              <a:rPr lang="en-GB" sz="2200" dirty="0" err="1"/>
-              <a:t>ProductService</a:t>
-            </a:r>
-            <a:endParaRPr lang="en-GB" sz="2200" dirty="0"/>
-          </a:p>
-          <a:p>
-            <a:pPr lvl="2"/>
-            <a:r>
-              <a:rPr lang="en-US" sz="1800" dirty="0">
-                <a:latin typeface="Consolas" panose="020B0609020204030204" pitchFamily="49" charset="0"/>
-              </a:rPr>
-              <a:t>List&lt;Product&gt; </a:t>
-            </a:r>
-            <a:r>
-              <a:rPr lang="en-US" sz="1800" dirty="0" err="1">
-                <a:latin typeface="Consolas" panose="020B0609020204030204" pitchFamily="49" charset="0"/>
-              </a:rPr>
-              <a:t>findProductsByDate</a:t>
-            </a:r>
-            <a:r>
-              <a:rPr lang="en-US" sz="1800" dirty="0">
-                <a:latin typeface="Consolas" panose="020B0609020204030204" pitchFamily="49" charset="0"/>
-              </a:rPr>
-              <a:t>(Date date)</a:t>
-            </a:r>
-          </a:p>
-          <a:p>
-            <a:pPr lvl="2"/>
-            <a:r>
-              <a:rPr lang="en-US" sz="1800" dirty="0">
-                <a:latin typeface="Consolas" panose="020B0609020204030204" pitchFamily="49" charset="0"/>
-              </a:rPr>
-              <a:t>Product </a:t>
-            </a:r>
-            <a:r>
-              <a:rPr lang="en-US" sz="1800" dirty="0" err="1">
-                <a:latin typeface="Consolas" panose="020B0609020204030204" pitchFamily="49" charset="0"/>
-              </a:rPr>
-              <a:t>createProduct</a:t>
-            </a:r>
-            <a:r>
-              <a:rPr lang="en-US" sz="1800" dirty="0">
-                <a:latin typeface="Consolas" panose="020B0609020204030204" pitchFamily="49" charset="0"/>
-              </a:rPr>
-              <a:t>(String name, String date, byte[] </a:t>
-            </a:r>
-            <a:r>
-              <a:rPr lang="en-US" sz="1800" dirty="0" err="1">
-                <a:latin typeface="Consolas" panose="020B0609020204030204" pitchFamily="49" charset="0"/>
-              </a:rPr>
-              <a:t>img</a:t>
-            </a:r>
-            <a:r>
-              <a:rPr lang="en-US" sz="1800" dirty="0">
-                <a:latin typeface="Consolas" panose="020B0609020204030204" pitchFamily="49" charset="0"/>
-              </a:rPr>
-              <a:t>)</a:t>
-            </a:r>
-          </a:p>
-          <a:p>
-            <a:pPr lvl="2"/>
-            <a:r>
-              <a:rPr lang="it-IT" sz="1800" dirty="0" err="1">
-                <a:latin typeface="Consolas" panose="020B0609020204030204" pitchFamily="49" charset="0"/>
-              </a:rPr>
-              <a:t>void</a:t>
-            </a:r>
-            <a:r>
-              <a:rPr lang="it-IT" sz="1800" dirty="0">
-                <a:latin typeface="Consolas" panose="020B0609020204030204" pitchFamily="49" charset="0"/>
-              </a:rPr>
-              <a:t> </a:t>
-            </a:r>
-            <a:r>
-              <a:rPr lang="it-IT" sz="1800" dirty="0" err="1">
-                <a:latin typeface="Consolas" panose="020B0609020204030204" pitchFamily="49" charset="0"/>
-              </a:rPr>
-              <a:t>deleteProduct</a:t>
-            </a:r>
-            <a:r>
-              <a:rPr lang="it-IT" sz="1800" dirty="0">
-                <a:latin typeface="Consolas" panose="020B0609020204030204" pitchFamily="49" charset="0"/>
-              </a:rPr>
-              <a:t>(</a:t>
-            </a:r>
-            <a:r>
-              <a:rPr lang="it-IT" sz="1800" dirty="0" err="1">
-                <a:latin typeface="Consolas" panose="020B0609020204030204" pitchFamily="49" charset="0"/>
-              </a:rPr>
-              <a:t>int</a:t>
-            </a:r>
-            <a:r>
-              <a:rPr lang="it-IT" sz="1800" dirty="0">
-                <a:latin typeface="Consolas" panose="020B0609020204030204" pitchFamily="49" charset="0"/>
-              </a:rPr>
-              <a:t> id)</a:t>
-            </a:r>
-            <a:endParaRPr lang="en-US" sz="1800" dirty="0">
-              <a:latin typeface="Consolas" panose="020B0609020204030204" pitchFamily="49" charset="0"/>
-            </a:endParaRPr>
-          </a:p>
-          <a:p>
-            <a:pPr lvl="2"/>
-            <a:r>
-              <a:rPr lang="it-IT" sz="1800" dirty="0">
-                <a:latin typeface="Consolas" panose="020B0609020204030204" pitchFamily="49" charset="0"/>
-              </a:rPr>
-              <a:t>List&lt;Product&gt; </a:t>
-            </a:r>
-            <a:r>
-              <a:rPr lang="it-IT" sz="1800" dirty="0" err="1">
-                <a:latin typeface="Consolas" panose="020B0609020204030204" pitchFamily="49" charset="0"/>
-              </a:rPr>
-              <a:t>findPastProducts</a:t>
-            </a:r>
-            <a:r>
-              <a:rPr lang="it-IT" sz="1800" dirty="0">
-                <a:latin typeface="Consolas" panose="020B0609020204030204" pitchFamily="49" charset="0"/>
-              </a:rPr>
-              <a:t>(</a:t>
-            </a:r>
-            <a:r>
-              <a:rPr lang="it-IT" sz="1800" dirty="0" err="1">
-                <a:latin typeface="Consolas" panose="020B0609020204030204" pitchFamily="49" charset="0"/>
-              </a:rPr>
-              <a:t>int</a:t>
-            </a:r>
-            <a:r>
-              <a:rPr lang="it-IT" sz="1800" dirty="0">
-                <a:latin typeface="Consolas" panose="020B0609020204030204" pitchFamily="49" charset="0"/>
-              </a:rPr>
-              <a:t> </a:t>
-            </a:r>
-            <a:r>
-              <a:rPr lang="it-IT" sz="1800" dirty="0" err="1">
-                <a:latin typeface="Consolas" panose="020B0609020204030204" pitchFamily="49" charset="0"/>
-              </a:rPr>
-              <a:t>prodId</a:t>
-            </a:r>
-            <a:r>
-              <a:rPr lang="it-IT" sz="1800" dirty="0">
-                <a:latin typeface="Consolas" panose="020B0609020204030204" pitchFamily="49" charset="0"/>
-              </a:rPr>
-              <a:t>)</a:t>
-            </a:r>
-            <a:endParaRPr lang="en-US" sz="1800" dirty="0">
-              <a:latin typeface="Consolas" panose="020B0609020204030204" pitchFamily="49" charset="0"/>
-            </a:endParaRPr>
-          </a:p>
-          <a:p>
-            <a:pPr lvl="2"/>
-            <a:r>
-              <a:rPr lang="it-IT" sz="1800" dirty="0">
-                <a:latin typeface="Consolas" panose="020B0609020204030204" pitchFamily="49" charset="0"/>
-              </a:rPr>
-              <a:t>Product </a:t>
-            </a:r>
-            <a:r>
-              <a:rPr lang="it-IT" sz="1800" dirty="0" err="1">
-                <a:latin typeface="Consolas" panose="020B0609020204030204" pitchFamily="49" charset="0"/>
-              </a:rPr>
-              <a:t>findProductById</a:t>
-            </a:r>
-            <a:r>
-              <a:rPr lang="it-IT" sz="1800" dirty="0">
-                <a:latin typeface="Consolas" panose="020B0609020204030204" pitchFamily="49" charset="0"/>
-              </a:rPr>
-              <a:t>(</a:t>
-            </a:r>
-            <a:r>
-              <a:rPr lang="it-IT" sz="1800" u="sng" dirty="0" err="1">
-                <a:latin typeface="Consolas" panose="020B0609020204030204" pitchFamily="49" charset="0"/>
-              </a:rPr>
-              <a:t>int</a:t>
-            </a:r>
-            <a:r>
-              <a:rPr lang="it-IT" sz="1800" dirty="0">
-                <a:latin typeface="Consolas" panose="020B0609020204030204" pitchFamily="49" charset="0"/>
-              </a:rPr>
-              <a:t> </a:t>
-            </a:r>
-            <a:r>
-              <a:rPr lang="it-IT" sz="1800" dirty="0" err="1">
-                <a:latin typeface="Consolas" panose="020B0609020204030204" pitchFamily="49" charset="0"/>
-              </a:rPr>
-              <a:t>prodId</a:t>
-            </a:r>
-            <a:r>
-              <a:rPr lang="it-IT" sz="1800" dirty="0">
-                <a:latin typeface="Consolas" panose="020B0609020204030204" pitchFamily="49" charset="0"/>
-              </a:rPr>
-              <a:t>)</a:t>
-            </a:r>
-            <a:endParaRPr lang="en-GB" sz="1800" dirty="0"/>
+              <a:rPr lang="en-GB" dirty="0"/>
+              <a:t>CreateProduct.html</a:t>
+            </a:r>
+          </a:p>
+          <a:p>
+            <a:pPr lvl="1"/>
+            <a:r>
+              <a:rPr lang="en-GB" dirty="0"/>
+              <a:t>CreateProductGreetings.html</a:t>
+            </a:r>
+          </a:p>
+          <a:p>
+            <a:pPr lvl="1"/>
+            <a:r>
+              <a:rPr lang="en-GB" dirty="0"/>
+              <a:t>CreateVariableQuestions.html</a:t>
+            </a:r>
+          </a:p>
+          <a:p>
+            <a:pPr lvl="1"/>
+            <a:r>
+              <a:rPr lang="en-GB" dirty="0"/>
+              <a:t>delete.html</a:t>
+            </a:r>
+          </a:p>
+          <a:p>
+            <a:pPr lvl="1"/>
+            <a:r>
+              <a:rPr lang="en-GB" dirty="0"/>
+              <a:t>deleteProductGreetings.html</a:t>
+            </a:r>
+          </a:p>
+          <a:p>
+            <a:pPr lvl="1"/>
+            <a:r>
+              <a:rPr lang="en-GB" dirty="0"/>
+              <a:t>greetings.html</a:t>
+            </a:r>
+          </a:p>
+          <a:p>
+            <a:pPr lvl="1"/>
+            <a:r>
+              <a:rPr lang="en-GB" dirty="0"/>
+              <a:t>Home.html</a:t>
+            </a:r>
+          </a:p>
+          <a:p>
+            <a:pPr lvl="1"/>
+            <a:r>
+              <a:rPr lang="en-GB" dirty="0"/>
+              <a:t>HomeNoProduct.html</a:t>
+            </a:r>
+          </a:p>
+          <a:p>
+            <a:pPr lvl="1"/>
+            <a:r>
+              <a:rPr lang="en-GB" dirty="0"/>
+              <a:t>Leaderboard.html</a:t>
+            </a:r>
+          </a:p>
+          <a:p>
+            <a:pPr lvl="1"/>
+            <a:r>
+              <a:rPr lang="en-GB" dirty="0"/>
+              <a:t>LogPage.html</a:t>
+            </a:r>
+          </a:p>
+          <a:p>
+            <a:pPr lvl="1"/>
+            <a:r>
+              <a:rPr lang="en-GB" dirty="0"/>
+              <a:t>Marketing.html</a:t>
+            </a:r>
+          </a:p>
+          <a:p>
+            <a:pPr lvl="1"/>
+            <a:r>
+              <a:rPr lang="en-GB" dirty="0"/>
+              <a:t>productList.html</a:t>
+            </a:r>
+          </a:p>
+          <a:p>
+            <a:pPr lvl="1"/>
+            <a:r>
+              <a:rPr lang="en-GB" dirty="0"/>
+              <a:t>questionnaireInfo.html</a:t>
+            </a:r>
+          </a:p>
+          <a:p>
+            <a:pPr lvl="1"/>
+            <a:r>
+              <a:rPr lang="en-GB" dirty="0"/>
+              <a:t>Statistical.html</a:t>
+            </a:r>
+          </a:p>
+          <a:p>
+            <a:pPr lvl="1"/>
+            <a:r>
+              <a:rPr lang="en-GB" dirty="0"/>
+              <a:t>blocked.html</a:t>
+            </a:r>
+          </a:p>
+          <a:p>
+            <a:pPr lvl="1"/>
+            <a:r>
+              <a:rPr lang="en-GB" dirty="0"/>
+              <a:t>index.html</a:t>
+            </a:r>
+          </a:p>
+          <a:p>
+            <a:pPr lvl="1"/>
+            <a:endParaRPr lang="en-GB" dirty="0"/>
           </a:p>
         </p:txBody>
       </p:sp>
     </p:spTree>
     <p:extLst>
       <p:ext uri="{BB962C8B-B14F-4D97-AF65-F5344CB8AC3E}">
-        <p14:creationId xmlns:p14="http://schemas.microsoft.com/office/powerpoint/2010/main" val="29369428"/>
+        <p14:creationId xmlns:p14="http://schemas.microsoft.com/office/powerpoint/2010/main" val="1681549262"/>
       </p:ext>
     </p:extLst>
   </p:cSld>
@@ -9837,11 +9834,7 @@
             </a:pPr>
             <a:r>
               <a:rPr lang="en-GB" sz="1800" b="1" dirty="0"/>
-              <a:t>	</a:t>
-            </a:r>
-            <a:r>
-              <a:rPr lang="en-GB" sz="1800" dirty="0"/>
-              <a:t>Business Components</a:t>
+              <a:t>	Business Components</a:t>
             </a:r>
           </a:p>
           <a:p>
@@ -9852,7 +9845,7 @@
             </a:r>
             <a:r>
               <a:rPr lang="en-GB" sz="2000" dirty="0" err="1"/>
-              <a:t>LogService</a:t>
+              <a:t>UserService</a:t>
             </a:r>
             <a:r>
               <a:rPr lang="en-GB" sz="2000" dirty="0"/>
@@ -9865,93 +9858,83 @@
               <a:rPr lang="en-GB" sz="1800" dirty="0">
                 <a:latin typeface="Consolas" panose="020B0609020204030204" pitchFamily="49" charset="0"/>
               </a:rPr>
+              <a:t>User </a:t>
+            </a:r>
+            <a:r>
+              <a:rPr lang="en-GB" sz="1800" dirty="0" err="1">
+                <a:latin typeface="Consolas" panose="020B0609020204030204" pitchFamily="49" charset="0"/>
+              </a:rPr>
+              <a:t>checkCredentials</a:t>
+            </a:r>
+            <a:r>
+              <a:rPr lang="en-GB" sz="1800" dirty="0">
+                <a:latin typeface="Consolas" panose="020B0609020204030204" pitchFamily="49" charset="0"/>
+              </a:rPr>
+              <a:t>(String username, String password)</a:t>
+            </a:r>
+          </a:p>
+          <a:p>
+            <a:pPr lvl="2"/>
+            <a:r>
+              <a:rPr lang="en-GB" sz="1800" dirty="0">
+                <a:latin typeface="Consolas" panose="020B0609020204030204" pitchFamily="49" charset="0"/>
+              </a:rPr>
+              <a:t>List&lt;String&gt; </a:t>
+            </a:r>
+            <a:r>
+              <a:rPr lang="en-GB" sz="1800" dirty="0" err="1">
+                <a:latin typeface="Consolas" panose="020B0609020204030204" pitchFamily="49" charset="0"/>
+              </a:rPr>
+              <a:t>findAllUsernames</a:t>
+            </a:r>
+            <a:r>
+              <a:rPr lang="en-GB" sz="1800" dirty="0">
+                <a:latin typeface="Consolas" panose="020B0609020204030204" pitchFamily="49" charset="0"/>
+              </a:rPr>
+              <a:t>()</a:t>
+            </a:r>
+          </a:p>
+          <a:p>
+            <a:pPr lvl="2"/>
+            <a:r>
+              <a:rPr lang="en-GB" sz="1800" dirty="0">
+                <a:latin typeface="Consolas" panose="020B0609020204030204" pitchFamily="49" charset="0"/>
+              </a:rPr>
+              <a:t>User </a:t>
+            </a:r>
+            <a:r>
+              <a:rPr lang="en-GB" sz="1800" dirty="0" err="1">
+                <a:latin typeface="Consolas" panose="020B0609020204030204" pitchFamily="49" charset="0"/>
+              </a:rPr>
+              <a:t>registerUser</a:t>
+            </a:r>
+            <a:r>
+              <a:rPr lang="en-GB" sz="1800" dirty="0">
+                <a:latin typeface="Consolas" panose="020B0609020204030204" pitchFamily="49" charset="0"/>
+              </a:rPr>
+              <a:t>(String username, String password, String email)</a:t>
+            </a:r>
+          </a:p>
+          <a:p>
+            <a:pPr lvl="2"/>
+            <a:r>
+              <a:rPr lang="en-GB" sz="1800" dirty="0">
+                <a:latin typeface="Consolas" panose="020B0609020204030204" pitchFamily="49" charset="0"/>
+              </a:rPr>
               <a:t>void </a:t>
             </a:r>
             <a:r>
-              <a:rPr lang="it-IT" sz="1800" dirty="0" err="1">
+              <a:rPr lang="en-GB" sz="1800" dirty="0" err="1">
                 <a:latin typeface="Consolas" panose="020B0609020204030204" pitchFamily="49" charset="0"/>
               </a:rPr>
-              <a:t>createLog</a:t>
-            </a:r>
-            <a:r>
-              <a:rPr lang="it-IT" sz="1800" dirty="0">
+              <a:t>blockUser</a:t>
+            </a:r>
+            <a:r>
+              <a:rPr lang="en-GB" sz="1800" dirty="0">
                 <a:latin typeface="Consolas" panose="020B0609020204030204" pitchFamily="49" charset="0"/>
               </a:rPr>
-              <a:t>(</a:t>
-            </a:r>
-            <a:r>
-              <a:rPr lang="it-IT" sz="1800" dirty="0" err="1">
-                <a:latin typeface="Consolas" panose="020B0609020204030204" pitchFamily="49" charset="0"/>
-              </a:rPr>
-              <a:t>Timestamp</a:t>
-            </a:r>
-            <a:r>
-              <a:rPr lang="it-IT" sz="1800" dirty="0">
-                <a:latin typeface="Consolas" panose="020B0609020204030204" pitchFamily="49" charset="0"/>
-              </a:rPr>
-              <a:t> </a:t>
-            </a:r>
-            <a:r>
-              <a:rPr lang="it-IT" sz="1800" dirty="0" err="1">
-                <a:latin typeface="Consolas" panose="020B0609020204030204" pitchFamily="49" charset="0"/>
-              </a:rPr>
-              <a:t>timestamp</a:t>
-            </a:r>
-            <a:r>
-              <a:rPr lang="it-IT" sz="1800" dirty="0">
-                <a:latin typeface="Consolas" panose="020B0609020204030204" pitchFamily="49" charset="0"/>
-              </a:rPr>
-              <a:t>, User </a:t>
-            </a:r>
-            <a:r>
-              <a:rPr lang="it-IT" sz="1800" dirty="0" err="1">
-                <a:latin typeface="Consolas" panose="020B0609020204030204" pitchFamily="49" charset="0"/>
-              </a:rPr>
-              <a:t>user</a:t>
-            </a:r>
-            <a:r>
-              <a:rPr lang="it-IT" sz="1800" dirty="0">
-                <a:latin typeface="Consolas" panose="020B0609020204030204" pitchFamily="49" charset="0"/>
-              </a:rPr>
-              <a:t>)</a:t>
-            </a:r>
-          </a:p>
-          <a:p>
-            <a:pPr lvl="2"/>
-            <a:r>
-              <a:rPr lang="it-IT" sz="1800" dirty="0">
-                <a:latin typeface="Consolas" panose="020B0609020204030204" pitchFamily="49" charset="0"/>
-              </a:rPr>
-              <a:t>List&lt;Object[]&gt; </a:t>
-            </a:r>
-            <a:r>
-              <a:rPr lang="it-IT" sz="1800" dirty="0" err="1">
-                <a:latin typeface="Consolas" panose="020B0609020204030204" pitchFamily="49" charset="0"/>
-              </a:rPr>
-              <a:t>findUserLogs</a:t>
-            </a:r>
-            <a:r>
-              <a:rPr lang="it-IT" sz="1800" dirty="0">
-                <a:latin typeface="Consolas" panose="020B0609020204030204" pitchFamily="49" charset="0"/>
-              </a:rPr>
-              <a:t>()</a:t>
-            </a:r>
-          </a:p>
-          <a:p>
-            <a:pPr lvl="2"/>
-            <a:endParaRPr lang="en-GB" sz="1800" dirty="0"/>
-          </a:p>
-          <a:p>
-            <a:pPr lvl="1"/>
-            <a:r>
-              <a:rPr lang="en-GB" sz="2200" dirty="0"/>
-              <a:t>@Stateless </a:t>
-            </a:r>
-            <a:r>
-              <a:rPr lang="en-GB" sz="2200" dirty="0" err="1"/>
-              <a:t>VariableQuestionService</a:t>
-            </a:r>
-            <a:endParaRPr lang="en-GB" sz="2200" dirty="0"/>
+              <a:t>(User user)</a:t>
+            </a:r>
           </a:p>
           <a:p>
             <a:pPr lvl="2"/>
@@ -9959,188 +9942,197 @@
               <a:rPr lang="en-US" sz="1800" dirty="0">
                 <a:latin typeface="Consolas" panose="020B0609020204030204" pitchFamily="49" charset="0"/>
               </a:rPr>
-              <a:t>void </a:t>
+              <a:t>Boolean </a:t>
             </a:r>
             <a:r>
               <a:rPr lang="en-US" sz="1800" dirty="0" err="1">
                 <a:latin typeface="Consolas" panose="020B0609020204030204" pitchFamily="49" charset="0"/>
               </a:rPr>
-              <a:t>CreateVariableQuestion</a:t>
+              <a:t>hasAlreadyDoneSurvey</a:t>
             </a:r>
             <a:r>
               <a:rPr lang="en-US" sz="1800" dirty="0">
                 <a:latin typeface="Consolas" panose="020B0609020204030204" pitchFamily="49" charset="0"/>
               </a:rPr>
-              <a:t>(String text, int </a:t>
+              <a:t>(Product </a:t>
             </a:r>
             <a:r>
               <a:rPr lang="en-US" sz="1800" dirty="0" err="1">
                 <a:latin typeface="Consolas" panose="020B0609020204030204" pitchFamily="49" charset="0"/>
               </a:rPr>
-              <a:t>productId</a:t>
+              <a:t>product</a:t>
             </a:r>
             <a:r>
               <a:rPr lang="en-US" sz="1800" dirty="0">
                 <a:latin typeface="Consolas" panose="020B0609020204030204" pitchFamily="49" charset="0"/>
               </a:rPr>
+              <a:t>, int </a:t>
+            </a:r>
+            <a:r>
+              <a:rPr lang="en-US" sz="1800" dirty="0" err="1">
+                <a:latin typeface="Consolas" panose="020B0609020204030204" pitchFamily="49" charset="0"/>
+              </a:rPr>
+              <a:t>userID</a:t>
+            </a:r>
+            <a:r>
+              <a:rPr lang="en-US" sz="1800" dirty="0">
+                <a:latin typeface="Consolas" panose="020B0609020204030204" pitchFamily="49" charset="0"/>
+              </a:rPr>
               <a:t>)</a:t>
             </a:r>
-          </a:p>
-          <a:p>
-            <a:pPr marL="914400" lvl="2" indent="0">
-              <a:buNone/>
-            </a:pPr>
             <a:endParaRPr lang="en-GB" sz="1800" dirty="0">
               <a:latin typeface="Consolas" panose="020B0609020204030204" pitchFamily="49" charset="0"/>
             </a:endParaRPr>
           </a:p>
           <a:p>
+            <a:pPr lvl="2"/>
+            <a:endParaRPr lang="en-GB" sz="1800" dirty="0"/>
+          </a:p>
+          <a:p>
             <a:pPr lvl="1"/>
             <a:r>
-              <a:rPr lang="en-GB" sz="2000" dirty="0"/>
+              <a:rPr lang="en-GB" sz="2200" dirty="0"/>
               <a:t>@Stateless </a:t>
             </a:r>
             <a:r>
-              <a:rPr lang="en-GB" sz="2000" dirty="0" err="1"/>
-              <a:t>OffensiveWordService</a:t>
-            </a:r>
-            <a:r>
-              <a:rPr lang="en-GB" sz="2000" dirty="0"/>
-              <a:t> </a:t>
-            </a:r>
+              <a:rPr lang="en-GB" sz="2200" dirty="0" err="1"/>
+              <a:t>ProductService</a:t>
+            </a:r>
+            <a:endParaRPr lang="en-GB" sz="2200" dirty="0"/>
           </a:p>
           <a:p>
             <a:pPr lvl="2"/>
+            <a:r>
+              <a:rPr lang="en-US" sz="1800" dirty="0">
+                <a:latin typeface="Consolas" panose="020B0609020204030204" pitchFamily="49" charset="0"/>
+              </a:rPr>
+              <a:t>List&lt;Product&gt; </a:t>
+            </a:r>
             <a:r>
               <a:rPr lang="en-US" sz="1800" dirty="0" err="1">
                 <a:latin typeface="Consolas" panose="020B0609020204030204" pitchFamily="49" charset="0"/>
               </a:rPr>
-              <a:t>boolean</a:t>
+              <a:t>findProductsByDate</a:t>
             </a:r>
             <a:r>
               <a:rPr lang="en-US" sz="1800" dirty="0">
                 <a:latin typeface="Consolas" panose="020B0609020204030204" pitchFamily="49" charset="0"/>
               </a:rPr>
-              <a:t> </a:t>
+              <a:t>(Date date)</a:t>
+            </a:r>
+          </a:p>
+          <a:p>
+            <a:pPr lvl="2"/>
+            <a:r>
+              <a:rPr lang="en-US" sz="1800" dirty="0">
+                <a:latin typeface="Consolas" panose="020B0609020204030204" pitchFamily="49" charset="0"/>
+              </a:rPr>
+              <a:t>Product </a:t>
             </a:r>
             <a:r>
               <a:rPr lang="en-US" sz="1800" dirty="0" err="1">
                 <a:latin typeface="Consolas" panose="020B0609020204030204" pitchFamily="49" charset="0"/>
               </a:rPr>
-              <a:t>checkOffensiveWords</a:t>
+              <a:t>createProduct</a:t>
             </a:r>
             <a:r>
               <a:rPr lang="en-US" sz="1800" dirty="0">
                 <a:latin typeface="Consolas" panose="020B0609020204030204" pitchFamily="49" charset="0"/>
               </a:rPr>
-              <a:t>(List&lt;String&gt; answers)</a:t>
-            </a:r>
-          </a:p>
-          <a:p>
-            <a:pPr marL="914400" lvl="2" indent="0">
-              <a:buNone/>
-            </a:pPr>
-            <a:endParaRPr lang="en-GB" sz="1800" dirty="0">
+              <a:t>(String name, String date, byte[] </a:t>
+            </a:r>
+            <a:r>
+              <a:rPr lang="en-US" sz="1800" dirty="0" err="1">
+                <a:latin typeface="Consolas" panose="020B0609020204030204" pitchFamily="49" charset="0"/>
+              </a:rPr>
+              <a:t>img</a:t>
+            </a:r>
+            <a:r>
+              <a:rPr lang="en-US" sz="1800" dirty="0">
+                <a:latin typeface="Consolas" panose="020B0609020204030204" pitchFamily="49" charset="0"/>
+              </a:rPr>
+              <a:t>)</a:t>
+            </a:r>
+          </a:p>
+          <a:p>
+            <a:pPr lvl="2"/>
+            <a:r>
+              <a:rPr lang="it-IT" sz="1800" dirty="0" err="1">
+                <a:latin typeface="Consolas" panose="020B0609020204030204" pitchFamily="49" charset="0"/>
+              </a:rPr>
+              <a:t>void</a:t>
+            </a:r>
+            <a:r>
+              <a:rPr lang="it-IT" sz="1800" dirty="0">
+                <a:latin typeface="Consolas" panose="020B0609020204030204" pitchFamily="49" charset="0"/>
+              </a:rPr>
+              <a:t> </a:t>
+            </a:r>
+            <a:r>
+              <a:rPr lang="it-IT" sz="1800" dirty="0" err="1">
+                <a:latin typeface="Consolas" panose="020B0609020204030204" pitchFamily="49" charset="0"/>
+              </a:rPr>
+              <a:t>deleteProduct</a:t>
+            </a:r>
+            <a:r>
+              <a:rPr lang="it-IT" sz="1800" dirty="0">
+                <a:latin typeface="Consolas" panose="020B0609020204030204" pitchFamily="49" charset="0"/>
+              </a:rPr>
+              <a:t>(</a:t>
+            </a:r>
+            <a:r>
+              <a:rPr lang="it-IT" sz="1800" dirty="0" err="1">
+                <a:latin typeface="Consolas" panose="020B0609020204030204" pitchFamily="49" charset="0"/>
+              </a:rPr>
+              <a:t>int</a:t>
+            </a:r>
+            <a:r>
+              <a:rPr lang="it-IT" sz="1800" dirty="0">
+                <a:latin typeface="Consolas" panose="020B0609020204030204" pitchFamily="49" charset="0"/>
+              </a:rPr>
+              <a:t> id)</a:t>
+            </a:r>
+            <a:endParaRPr lang="en-US" sz="1800" dirty="0">
               <a:latin typeface="Consolas" panose="020B0609020204030204" pitchFamily="49" charset="0"/>
             </a:endParaRPr>
           </a:p>
           <a:p>
-            <a:pPr lvl="1"/>
-            <a:r>
-              <a:rPr lang="en-GB" sz="2000" dirty="0"/>
-              <a:t>@Stateless </a:t>
-            </a:r>
-            <a:r>
-              <a:rPr lang="en-GB" sz="2000" dirty="0" err="1"/>
-              <a:t>QuestionnaireService</a:t>
-            </a:r>
-            <a:r>
-              <a:rPr lang="en-GB" sz="2000" dirty="0"/>
-              <a:t> </a:t>
-            </a:r>
-          </a:p>
-          <a:p>
-            <a:pPr lvl="2"/>
-            <a:r>
-              <a:rPr lang="fr-FR" sz="1800" dirty="0">
-                <a:latin typeface="Consolas" panose="020B0609020204030204" pitchFamily="49" charset="0"/>
-              </a:rPr>
-              <a:t>List&lt;</a:t>
-            </a:r>
-            <a:r>
-              <a:rPr lang="fr-FR" sz="1800" dirty="0" err="1">
-                <a:latin typeface="Consolas" panose="020B0609020204030204" pitchFamily="49" charset="0"/>
-              </a:rPr>
-              <a:t>QuestionnaireAnswer</a:t>
-            </a:r>
-            <a:r>
-              <a:rPr lang="fr-FR" sz="1800" dirty="0">
-                <a:latin typeface="Consolas" panose="020B0609020204030204" pitchFamily="49" charset="0"/>
-              </a:rPr>
-              <a:t>&gt; </a:t>
-            </a:r>
-            <a:r>
-              <a:rPr lang="fr-FR" sz="1800" dirty="0" err="1">
-                <a:latin typeface="Consolas" panose="020B0609020204030204" pitchFamily="49" charset="0"/>
-              </a:rPr>
-              <a:t>findQuestionnaireByProduct</a:t>
-            </a:r>
-            <a:r>
-              <a:rPr lang="fr-FR" sz="1800" dirty="0">
-                <a:latin typeface="Consolas" panose="020B0609020204030204" pitchFamily="49" charset="0"/>
-              </a:rPr>
-              <a:t>(Product </a:t>
-            </a:r>
-            <a:r>
-              <a:rPr lang="fr-FR" sz="1800" dirty="0" err="1">
-                <a:latin typeface="Consolas" panose="020B0609020204030204" pitchFamily="49" charset="0"/>
-              </a:rPr>
-              <a:t>product</a:t>
-            </a:r>
-            <a:r>
-              <a:rPr lang="fr-FR" sz="1800" dirty="0">
-                <a:latin typeface="Consolas" panose="020B0609020204030204" pitchFamily="49" charset="0"/>
-              </a:rPr>
-              <a:t>)</a:t>
-            </a:r>
-          </a:p>
-          <a:p>
             <a:pPr lvl="2"/>
             <a:r>
               <a:rPr lang="it-IT" sz="1800" dirty="0">
                 <a:latin typeface="Consolas" panose="020B0609020204030204" pitchFamily="49" charset="0"/>
               </a:rPr>
-              <a:t>List&lt;</a:t>
+              <a:t>List&lt;Product&gt; </a:t>
             </a:r>
             <a:r>
               <a:rPr lang="it-IT" sz="1800" dirty="0" err="1">
                 <a:latin typeface="Consolas" panose="020B0609020204030204" pitchFamily="49" charset="0"/>
               </a:rPr>
-              <a:t>QuestionnaireAnswer</a:t>
+              <a:t>findPastProducts</a:t>
             </a:r>
             <a:r>
               <a:rPr lang="it-IT" sz="1800" dirty="0">
                 <a:latin typeface="Consolas" panose="020B0609020204030204" pitchFamily="49" charset="0"/>
               </a:rPr>
-              <a:t>&gt; </a:t>
+              <a:t>(</a:t>
             </a:r>
             <a:r>
               <a:rPr lang="it-IT" sz="1800" dirty="0" err="1">
                 <a:latin typeface="Consolas" panose="020B0609020204030204" pitchFamily="49" charset="0"/>
               </a:rPr>
-              <a:t>findQuestionnaireByProductDeleted</a:t>
+              <a:t>int</a:t>
             </a:r>
             <a:r>
               <a:rPr lang="it-IT" sz="1800" dirty="0">
                 <a:latin typeface="Consolas" panose="020B0609020204030204" pitchFamily="49" charset="0"/>
               </a:rPr>
-              <a:t>(Product </a:t>
+              <a:t> </a:t>
             </a:r>
             <a:r>
               <a:rPr lang="it-IT" sz="1800" dirty="0" err="1">
                 <a:latin typeface="Consolas" panose="020B0609020204030204" pitchFamily="49" charset="0"/>
               </a:rPr>
-              <a:t>product</a:t>
+              <a:t>prodId</a:t>
             </a:r>
             <a:r>
               <a:rPr lang="it-IT" sz="1800" dirty="0">
@@ -10148,34 +10140,62 @@
               </a:rPr>
               <a:t>)</a:t>
             </a:r>
+            <a:endParaRPr lang="en-US" sz="1800" dirty="0">
+              <a:latin typeface="Consolas" panose="020B0609020204030204" pitchFamily="49" charset="0"/>
+            </a:endParaRPr>
           </a:p>
           <a:p>
             <a:pPr lvl="2"/>
             <a:r>
-              <a:rPr lang="en-US" sz="1800" dirty="0">
+              <a:rPr lang="it-IT" sz="1800" dirty="0">
                 <a:latin typeface="Consolas" panose="020B0609020204030204" pitchFamily="49" charset="0"/>
               </a:rPr>
-              <a:t>List&lt;Object[]&gt; </a:t>
-            </a:r>
-            <a:r>
-              <a:rPr lang="en-US" sz="1800" dirty="0" err="1">
+              <a:t>Product </a:t>
+            </a:r>
+            <a:r>
+              <a:rPr lang="it-IT" sz="1800" dirty="0" err="1">
                 <a:latin typeface="Consolas" panose="020B0609020204030204" pitchFamily="49" charset="0"/>
               </a:rPr>
-              <a:t>findLeaderbordByProduct</a:t>
-            </a:r>
-            <a:r>
-              <a:rPr lang="en-US" sz="1800" dirty="0">
+              <a:t>findProductById</a:t>
+            </a:r>
+            <a:r>
+              <a:rPr lang="it-IT" sz="1800" dirty="0">
                 <a:latin typeface="Consolas" panose="020B0609020204030204" pitchFamily="49" charset="0"/>
               </a:rPr>
-              <a:t>(Product product)</a:t>
-            </a:r>
+              <a:t>(</a:t>
+            </a:r>
+            <a:r>
+              <a:rPr lang="it-IT" sz="1800" u="sng" dirty="0" err="1">
+                <a:latin typeface="Consolas" panose="020B0609020204030204" pitchFamily="49" charset="0"/>
+              </a:rPr>
+              <a:t>int</a:t>
+            </a:r>
+            <a:r>
+              <a:rPr lang="it-IT" sz="1800" dirty="0">
+                <a:latin typeface="Consolas" panose="020B0609020204030204" pitchFamily="49" charset="0"/>
+              </a:rPr>
+              <a:t> </a:t>
+            </a:r>
+            <a:r>
+              <a:rPr lang="it-IT" sz="1800" dirty="0" err="1">
+                <a:latin typeface="Consolas" panose="020B0609020204030204" pitchFamily="49" charset="0"/>
+              </a:rPr>
+              <a:t>prodId</a:t>
+            </a:r>
+            <a:r>
+              <a:rPr lang="it-IT" sz="1800" dirty="0">
+                <a:latin typeface="Consolas" panose="020B0609020204030204" pitchFamily="49" charset="0"/>
+              </a:rPr>
+              <a:t>)</a:t>
+            </a:r>
+            <a:endParaRPr lang="en-GB" sz="1800" dirty="0"/>
           </a:p>
         </p:txBody>
       </p:sp>
     </p:spTree>
     <p:extLst>
       <p:ext uri="{BB962C8B-B14F-4D97-AF65-F5344CB8AC3E}">
-        <p14:creationId xmlns:p14="http://schemas.microsoft.com/office/powerpoint/2010/main" val="1602396806"/>
+        <p14:creationId xmlns:p14="http://schemas.microsoft.com/office/powerpoint/2010/main" val="29369428"/>
       </p:ext>
     </p:extLst>
   </p:cSld>
@@ -10241,8 +10261,8 @@
         </p:nvSpPr>
         <p:spPr>
           <a:xfrm>
-            <a:off x="-417250" y="1078864"/>
-            <a:ext cx="9611256" cy="5618498"/>
+            <a:off x="-334328" y="1078864"/>
+            <a:ext cx="9528334" cy="5618498"/>
           </a:xfrm>
         </p:spPr>
         <p:txBody>
@@ -10256,18 +10276,22 @@
             </a:pPr>
             <a:r>
               <a:rPr lang="en-GB" sz="1800" b="1" dirty="0"/>
-              <a:t>	Business Components</a:t>
+              <a:t>	</a:t>
+            </a:r>
+            <a:r>
+              <a:rPr lang="en-GB" sz="1800" dirty="0"/>
+              <a:t>Business Components</a:t>
             </a:r>
           </a:p>
           <a:p>
             <a:pPr lvl="1"/>
             <a:r>
               <a:rPr lang="en-GB" sz="2000" dirty="0"/>
-              <a:t>@Statefull </a:t>
+              <a:t>@Stateless </a:t>
             </a:r>
             <a:r>
               <a:rPr lang="en-GB" sz="2000" dirty="0" err="1"/>
-              <a:t>QuestionnaireFillingService</a:t>
+              <a:t>LogService</a:t>
             </a:r>
             <a:r>
               <a:rPr lang="en-GB" sz="2000" dirty="0"/>
@@ -10277,6 +10301,100 @@
           <a:p>
             <a:pPr lvl="2"/>
             <a:r>
+              <a:rPr lang="en-GB" sz="1800" dirty="0">
+                <a:latin typeface="Consolas" panose="020B0609020204030204" pitchFamily="49" charset="0"/>
+              </a:rPr>
+              <a:t>void </a:t>
+            </a:r>
+            <a:r>
+              <a:rPr lang="it-IT" sz="1800" dirty="0" err="1">
+                <a:latin typeface="Consolas" panose="020B0609020204030204" pitchFamily="49" charset="0"/>
+              </a:rPr>
+              <a:t>createLog</a:t>
+            </a:r>
+            <a:r>
+              <a:rPr lang="it-IT" sz="1800" dirty="0">
+                <a:latin typeface="Consolas" panose="020B0609020204030204" pitchFamily="49" charset="0"/>
+              </a:rPr>
+              <a:t>(</a:t>
+            </a:r>
+            <a:r>
+              <a:rPr lang="it-IT" sz="1800" dirty="0" err="1">
+                <a:latin typeface="Consolas" panose="020B0609020204030204" pitchFamily="49" charset="0"/>
+              </a:rPr>
+              <a:t>Timestamp</a:t>
+            </a:r>
+            <a:r>
+              <a:rPr lang="it-IT" sz="1800" dirty="0">
+                <a:latin typeface="Consolas" panose="020B0609020204030204" pitchFamily="49" charset="0"/>
+              </a:rPr>
+              <a:t> </a:t>
+            </a:r>
+            <a:r>
+              <a:rPr lang="it-IT" sz="1800" dirty="0" err="1">
+                <a:latin typeface="Consolas" panose="020B0609020204030204" pitchFamily="49" charset="0"/>
+              </a:rPr>
+              <a:t>timestamp</a:t>
+            </a:r>
+            <a:r>
+              <a:rPr lang="it-IT" sz="1800" dirty="0">
+                <a:latin typeface="Consolas" panose="020B0609020204030204" pitchFamily="49" charset="0"/>
+              </a:rPr>
+              <a:t>, User </a:t>
+            </a:r>
+            <a:r>
+              <a:rPr lang="it-IT" sz="1800" dirty="0" err="1">
+                <a:latin typeface="Consolas" panose="020B0609020204030204" pitchFamily="49" charset="0"/>
+              </a:rPr>
+              <a:t>user</a:t>
+            </a:r>
+            <a:r>
+              <a:rPr lang="it-IT" sz="1800" dirty="0">
+                <a:latin typeface="Consolas" panose="020B0609020204030204" pitchFamily="49" charset="0"/>
+              </a:rPr>
+              <a:t>)</a:t>
+            </a:r>
+          </a:p>
+          <a:p>
+            <a:pPr lvl="2"/>
+            <a:r>
+              <a:rPr lang="it-IT" sz="1800" dirty="0">
+                <a:latin typeface="Consolas" panose="020B0609020204030204" pitchFamily="49" charset="0"/>
+              </a:rPr>
+              <a:t>List&lt;Object[]&gt; </a:t>
+            </a:r>
+            <a:r>
+              <a:rPr lang="it-IT" sz="1800" dirty="0" err="1">
+                <a:latin typeface="Consolas" panose="020B0609020204030204" pitchFamily="49" charset="0"/>
+              </a:rPr>
+              <a:t>findUserLogs</a:t>
+            </a:r>
+            <a:r>
+              <a:rPr lang="it-IT" sz="1800" dirty="0">
+                <a:latin typeface="Consolas" panose="020B0609020204030204" pitchFamily="49" charset="0"/>
+              </a:rPr>
+              <a:t>()</a:t>
+            </a:r>
+          </a:p>
+          <a:p>
+            <a:pPr lvl="2"/>
+            <a:endParaRPr lang="en-GB" sz="1800" dirty="0"/>
+          </a:p>
+          <a:p>
+            <a:pPr lvl="1"/>
+            <a:r>
+              <a:rPr lang="en-GB" sz="2200" dirty="0"/>
+              <a:t>@Stateless </a:t>
+            </a:r>
+            <a:r>
+              <a:rPr lang="en-GB" sz="2200" dirty="0" err="1"/>
+              <a:t>VariableQuestionService</a:t>
+            </a:r>
+            <a:endParaRPr lang="en-GB" sz="2200" dirty="0"/>
+          </a:p>
+          <a:p>
+            <a:pPr lvl="2"/>
+            <a:r>
               <a:rPr lang="en-US" sz="1800" dirty="0">
                 <a:latin typeface="Consolas" panose="020B0609020204030204" pitchFamily="49" charset="0"/>
               </a:rPr>
@@ -10286,19 +10404,19 @@
               <a:rPr lang="en-US" sz="1800" dirty="0" err="1">
                 <a:latin typeface="Consolas" panose="020B0609020204030204" pitchFamily="49" charset="0"/>
               </a:rPr>
-              <a:t>storeMarketingAnswers</a:t>
+              <a:t>CreateVariableQuestion</a:t>
             </a:r>
             <a:r>
               <a:rPr lang="en-US" sz="1800" dirty="0">
                 <a:latin typeface="Consolas" panose="020B0609020204030204" pitchFamily="49" charset="0"/>
               </a:rPr>
-              <a:t>(List&lt;String&gt; </a:t>
+              <a:t>(String text, int </a:t>
             </a:r>
             <a:r>
               <a:rPr lang="en-US" sz="1800" dirty="0" err="1">
                 <a:latin typeface="Consolas" panose="020B0609020204030204" pitchFamily="49" charset="0"/>
               </a:rPr>
-              <a:t>marketingAnswers</a:t>
+              <a:t>productId</a:t>
             </a:r>
             <a:r>
               <a:rPr lang="en-US" sz="1800" dirty="0">
@@ -10306,56 +10424,165 @@
               </a:rPr>
               <a:t>)</a:t>
             </a:r>
+          </a:p>
+          <a:p>
+            <a:pPr marL="914400" lvl="2" indent="0">
+              <a:buNone/>
+            </a:pPr>
             <a:endParaRPr lang="en-GB" sz="1800" dirty="0">
               <a:latin typeface="Consolas" panose="020B0609020204030204" pitchFamily="49" charset="0"/>
             </a:endParaRPr>
           </a:p>
           <a:p>
+            <a:pPr lvl="1"/>
+            <a:r>
+              <a:rPr lang="en-GB" sz="2000" dirty="0"/>
+              <a:t>@Stateless </a:t>
+            </a:r>
+            <a:r>
+              <a:rPr lang="en-GB" sz="2000" dirty="0" err="1"/>
+              <a:t>OffensiveWordService</a:t>
+            </a:r>
+            <a:r>
+              <a:rPr lang="en-GB" sz="2000" dirty="0"/>
+              <a:t> </a:t>
+            </a:r>
+          </a:p>
+          <a:p>
             <a:pPr lvl="2"/>
+            <a:r>
+              <a:rPr lang="en-US" sz="1800" dirty="0" err="1">
+                <a:latin typeface="Consolas" panose="020B0609020204030204" pitchFamily="49" charset="0"/>
+              </a:rPr>
+              <a:t>boolean</a:t>
+            </a:r>
+            <a:r>
+              <a:rPr lang="en-US" sz="1800" dirty="0">
+                <a:latin typeface="Consolas" panose="020B0609020204030204" pitchFamily="49" charset="0"/>
+              </a:rPr>
+              <a:t> </a:t>
+            </a:r>
+            <a:r>
+              <a:rPr lang="en-US" sz="1800" dirty="0" err="1">
+                <a:latin typeface="Consolas" panose="020B0609020204030204" pitchFamily="49" charset="0"/>
+              </a:rPr>
+              <a:t>checkOffensiveWords</a:t>
+            </a:r>
+            <a:r>
+              <a:rPr lang="en-US" sz="1800" dirty="0">
+                <a:latin typeface="Consolas" panose="020B0609020204030204" pitchFamily="49" charset="0"/>
+              </a:rPr>
+              <a:t>(List&lt;String&gt; answers)</a:t>
+            </a:r>
+          </a:p>
+          <a:p>
+            <a:pPr marL="914400" lvl="2" indent="0">
+              <a:buNone/>
+            </a:pPr>
+            <a:endParaRPr lang="en-GB" sz="1800" dirty="0">
+              <a:latin typeface="Consolas" panose="020B0609020204030204" pitchFamily="49" charset="0"/>
+            </a:endParaRPr>
+          </a:p>
+          <a:p>
+            <a:pPr lvl="1"/>
+            <a:r>
+              <a:rPr lang="en-GB" sz="2000" dirty="0"/>
+              <a:t>@Stateless </a:t>
+            </a:r>
+            <a:r>
+              <a:rPr lang="en-GB" sz="2000" dirty="0" err="1"/>
+              <a:t>QuestionnaireService</a:t>
+            </a:r>
+            <a:r>
+              <a:rPr lang="en-GB" sz="2000" dirty="0"/>
+              <a:t> </a:t>
+            </a:r>
+          </a:p>
+          <a:p>
+            <a:pPr lvl="2"/>
+            <a:r>
+              <a:rPr lang="fr-FR" sz="1800" dirty="0">
+                <a:latin typeface="Consolas" panose="020B0609020204030204" pitchFamily="49" charset="0"/>
+              </a:rPr>
+              <a:t>List&lt;</a:t>
+            </a:r>
             <a:r>
               <a:rPr lang="fr-FR" sz="1800" dirty="0" err="1">
                 <a:latin typeface="Consolas" panose="020B0609020204030204" pitchFamily="49" charset="0"/>
               </a:rPr>
-              <a:t>void</a:t>
+              <a:t>QuestionnaireAnswer</a:t>
             </a:r>
             <a:r>
               <a:rPr lang="fr-FR" sz="1800" dirty="0">
                 <a:latin typeface="Consolas" panose="020B0609020204030204" pitchFamily="49" charset="0"/>
               </a:rPr>
-              <a:t> </a:t>
+              <a:t>&gt; </a:t>
             </a:r>
             <a:r>
               <a:rPr lang="fr-FR" sz="1800" dirty="0" err="1">
                 <a:latin typeface="Consolas" panose="020B0609020204030204" pitchFamily="49" charset="0"/>
               </a:rPr>
-              <a:t>cancelQuestionnaire</a:t>
+              <a:t>findQuestionnaireByProduct</a:t>
             </a:r>
             <a:r>
               <a:rPr lang="fr-FR" sz="1800" dirty="0">
                 <a:latin typeface="Consolas" panose="020B0609020204030204" pitchFamily="49" charset="0"/>
               </a:rPr>
-              <a:t>(User </a:t>
+              <a:t>(Product </a:t>
             </a:r>
             <a:r>
               <a:rPr lang="fr-FR" sz="1800" dirty="0" err="1">
                 <a:latin typeface="Consolas" panose="020B0609020204030204" pitchFamily="49" charset="0"/>
               </a:rPr>
-              <a:t>user</a:t>
+              <a:t>product</a:t>
             </a:r>
             <a:r>
               <a:rPr lang="fr-FR" sz="1800" dirty="0">
                 <a:latin typeface="Consolas" panose="020B0609020204030204" pitchFamily="49" charset="0"/>
               </a:rPr>
-              <a:t>, Product </a:t>
-            </a:r>
-            <a:r>
-              <a:rPr lang="fr-FR" sz="1800" dirty="0" err="1">
+              <a:t>)</a:t>
+            </a:r>
+          </a:p>
+          <a:p>
+            <a:pPr lvl="2"/>
+            <a:r>
+              <a:rPr lang="it-IT" sz="1800" dirty="0">
                 <a:latin typeface="Consolas" panose="020B0609020204030204" pitchFamily="49" charset="0"/>
               </a:rPr>
+              <a:t>List&lt;</a:t>
+            </a:r>
+            <a:r>
+              <a:rPr lang="it-IT" sz="1800" dirty="0" err="1">
+                <a:latin typeface="Consolas" panose="020B0609020204030204" pitchFamily="49" charset="0"/>
+              </a:rPr>
+              <a:t>QuestionnaireAnswer</a:t>
+            </a:r>
+            <a:r>
+              <a:rPr lang="it-IT" sz="1800" dirty="0">
+                <a:latin typeface="Consolas" panose="020B0609020204030204" pitchFamily="49" charset="0"/>
+              </a:rPr>
+              <a:t>&gt; </a:t>
+            </a:r>
+            <a:r>
+              <a:rPr lang="it-IT" sz="1800" dirty="0" err="1">
+                <a:latin typeface="Consolas" panose="020B0609020204030204" pitchFamily="49" charset="0"/>
+              </a:rPr>
+              <a:t>findQuestionnaireByProductDeleted</a:t>
+            </a:r>
+            <a:r>
+              <a:rPr lang="it-IT" sz="1800" dirty="0">
+                <a:latin typeface="Consolas" panose="020B0609020204030204" pitchFamily="49" charset="0"/>
+              </a:rPr>
+              <a:t>(Product </a:t>
+            </a:r>
+            <a:r>
+              <a:rPr lang="it-IT" sz="1800" dirty="0" err="1">
+                <a:latin typeface="Consolas" panose="020B0609020204030204" pitchFamily="49" charset="0"/>
+              </a:rPr>
               <a:t>product</a:t>
             </a:r>
             <a:r>
-              <a:rPr lang="fr-FR" sz="1800" dirty="0">
+              <a:rPr lang="it-IT" sz="1800" dirty="0">
                 <a:latin typeface="Consolas" panose="020B0609020204030204" pitchFamily="49" charset="0"/>
               </a:rPr>
               <a:t>)</a:t>
@@ -10367,172 +10594,27 @@
               <a:rPr lang="en-US" sz="1800" dirty="0">
                 <a:latin typeface="Consolas" panose="020B0609020204030204" pitchFamily="49" charset="0"/>
               </a:rPr>
-              <a:t>void </a:t>
+              <a:t>List&lt;Object[]&gt; </a:t>
             </a:r>
             <a:r>
               <a:rPr lang="en-US" sz="1800" dirty="0" err="1">
                 <a:latin typeface="Consolas" panose="020B0609020204030204" pitchFamily="49" charset="0"/>
               </a:rPr>
-              <a:t>createQuestionnaireAnswer</a:t>
+              <a:t>findLeaderbordByProduct</a:t>
             </a:r>
             <a:r>
               <a:rPr lang="en-US" sz="1800" dirty="0">
                 <a:latin typeface="Consolas" panose="020B0609020204030204" pitchFamily="49" charset="0"/>
               </a:rPr>
-              <a:t>(int answ1, String answ2, String answ3, User </a:t>
-            </a:r>
-            <a:r>
-              <a:rPr lang="en-US" sz="1800" dirty="0" err="1">
-                <a:latin typeface="Consolas" panose="020B0609020204030204" pitchFamily="49" charset="0"/>
-              </a:rPr>
-              <a:t>user</a:t>
-            </a:r>
-            <a:r>
-              <a:rPr lang="en-US" sz="1800" dirty="0">
-                <a:latin typeface="Consolas" panose="020B0609020204030204" pitchFamily="49" charset="0"/>
-              </a:rPr>
-              <a:t>, Product product)</a:t>
-            </a:r>
-          </a:p>
-          <a:p>
-            <a:pPr lvl="2"/>
-            <a:endParaRPr lang="en-US" sz="1800" dirty="0">
-              <a:latin typeface="Consolas" panose="020B0609020204030204" pitchFamily="49" charset="0"/>
-            </a:endParaRPr>
-          </a:p>
-          <a:p>
-            <a:pPr marL="914400" lvl="2" indent="0" algn="ctr">
-              <a:buNone/>
-            </a:pPr>
-            <a:endParaRPr lang="en-US" sz="1800" dirty="0">
-              <a:latin typeface="Consolas" panose="020B0609020204030204" pitchFamily="49" charset="0"/>
-            </a:endParaRPr>
-          </a:p>
-          <a:p>
-            <a:pPr marL="914400" lvl="2" indent="0" algn="ctr">
-              <a:buNone/>
-            </a:pPr>
-            <a:r>
-              <a:rPr lang="en-US" sz="1800" dirty="0">
-                <a:latin typeface="Consolas" panose="020B0609020204030204" pitchFamily="49" charset="0"/>
-              </a:rPr>
-              <a:t>When a user submits the marketing questionnaire we store the answers in the bean until the questionnaire (marketing + statistical) is submitted or deleted</a:t>
-            </a:r>
-          </a:p>
-          <a:p>
-            <a:pPr marL="914400" lvl="2" indent="0" algn="ctr">
-              <a:buNone/>
-            </a:pPr>
-            <a:endParaRPr lang="en-US" sz="1800" dirty="0">
-              <a:latin typeface="Consolas" panose="020B0609020204030204" pitchFamily="49" charset="0"/>
-            </a:endParaRPr>
-          </a:p>
-          <a:p>
-            <a:pPr marL="914400" lvl="2" indent="0" algn="ctr">
-              <a:buNone/>
-            </a:pPr>
-            <a:endParaRPr lang="en-US" sz="1800" dirty="0">
-              <a:latin typeface="Consolas" panose="020B0609020204030204" pitchFamily="49" charset="0"/>
-            </a:endParaRPr>
-          </a:p>
-          <a:p>
-            <a:pPr marL="914400" lvl="2" indent="0" algn="ctr">
-              <a:buNone/>
-            </a:pPr>
-            <a:r>
-              <a:rPr lang="en-US" sz="1800" b="1" dirty="0">
-                <a:latin typeface="Consolas" panose="020B0609020204030204" pitchFamily="49" charset="0"/>
-              </a:rPr>
-              <a:t>STATEFULL</a:t>
-            </a:r>
-          </a:p>
-          <a:p>
-            <a:pPr marL="914400" lvl="2" indent="0" algn="ctr">
-              <a:buNone/>
-            </a:pPr>
-            <a:endParaRPr lang="en-GB" sz="1800" b="1" dirty="0">
-              <a:latin typeface="Consolas" panose="020B0609020204030204" pitchFamily="49" charset="0"/>
-            </a:endParaRPr>
-          </a:p>
-          <a:p>
-            <a:pPr marL="914400" lvl="2" indent="0" algn="ctr">
-              <a:buNone/>
-            </a:pPr>
-            <a:endParaRPr lang="en-GB" sz="1800" b="1" dirty="0">
-              <a:latin typeface="Consolas" panose="020B0609020204030204" pitchFamily="49" charset="0"/>
-            </a:endParaRPr>
-          </a:p>
-          <a:p>
-            <a:pPr marL="914400" lvl="2" indent="0" algn="ctr">
-              <a:buNone/>
-            </a:pPr>
-            <a:r>
-              <a:rPr lang="en-GB" sz="1800" dirty="0">
-                <a:latin typeface="Consolas" panose="020B0609020204030204" pitchFamily="49" charset="0"/>
-              </a:rPr>
-              <a:t>The others beans are stateless as there is no need to maintain a </a:t>
-            </a:r>
-            <a:r>
-              <a:rPr lang="en-GB" sz="1800" dirty="0" err="1">
-                <a:latin typeface="Consolas" panose="020B0609020204030204" pitchFamily="49" charset="0"/>
-              </a:rPr>
-              <a:t>statefull</a:t>
-            </a:r>
-            <a:r>
-              <a:rPr lang="en-GB" sz="1800" dirty="0">
-                <a:latin typeface="Consolas" panose="020B0609020204030204" pitchFamily="49" charset="0"/>
-              </a:rPr>
-              <a:t> connection with a specific user </a:t>
-            </a:r>
-            <a:endParaRPr lang="en-US" sz="1800" dirty="0">
-              <a:latin typeface="Consolas" panose="020B0609020204030204" pitchFamily="49" charset="0"/>
-            </a:endParaRPr>
-          </a:p>
-        </p:txBody>
-      </p:sp>
-      <p:cxnSp>
-        <p:nvCxnSpPr>
-          <p:cNvPr id="4" name="Connettore 2 3">
-            <a:extLst>
-              <a:ext uri="{FF2B5EF4-FFF2-40B4-BE49-F238E27FC236}">
-                <a16:creationId xmlns:a16="http://schemas.microsoft.com/office/drawing/2014/main" id="{C7DF695D-E731-4F30-9E52-7B6ADCD02DF9}"/>
-              </a:ext>
-            </a:extLst>
-          </p:cNvPr>
-          <p:cNvCxnSpPr/>
-          <p:nvPr/>
-        </p:nvCxnSpPr>
-        <p:spPr>
-          <a:xfrm>
-            <a:off x="4798503" y="4412609"/>
-            <a:ext cx="0" cy="486561"/>
-          </a:xfrm>
-          <a:prstGeom prst="straightConnector1">
-            <a:avLst/>
-          </a:prstGeom>
-          <a:ln>
-            <a:tailEnd type="triangle"/>
-          </a:ln>
-        </p:spPr>
-        <p:style>
-          <a:lnRef idx="2">
-            <a:schemeClr val="dk1"/>
-          </a:lnRef>
-          <a:fillRef idx="0">
-            <a:schemeClr val="dk1"/>
-          </a:fillRef>
-          <a:effectRef idx="1">
-            <a:schemeClr val="dk1"/>
-          </a:effectRef>
-          <a:fontRef idx="minor">
-            <a:schemeClr val="tx1"/>
-          </a:fontRef>
-        </p:style>
-      </p:cxnSp>
+              <a:t>(Product product)</a:t>
+            </a:r>
+          </a:p>
+        </p:txBody>
+      </p:sp>
     </p:spTree>
     <p:extLst>
       <p:ext uri="{BB962C8B-B14F-4D97-AF65-F5344CB8AC3E}">
-        <p14:creationId xmlns:p14="http://schemas.microsoft.com/office/powerpoint/2010/main" val="4058976417"/>
+        <p14:creationId xmlns:p14="http://schemas.microsoft.com/office/powerpoint/2010/main" val="1602396806"/>
       </p:ext>
     </p:extLst>
   </p:cSld>
@@ -10795,6 +10877,363 @@
       </p:grpSpPr>
       <p:sp>
         <p:nvSpPr>
+          <p:cNvPr id="2" name="Title 1"/>
+          <p:cNvSpPr>
+            <a:spLocks noGrp="1"/>
+          </p:cNvSpPr>
+          <p:nvPr>
+            <p:ph type="title"/>
+          </p:nvPr>
+        </p:nvSpPr>
+        <p:spPr>
+          <a:xfrm>
+            <a:off x="457962" y="18255"/>
+            <a:ext cx="7886700" cy="1325563"/>
+          </a:xfrm>
+        </p:spPr>
+        <p:txBody>
+          <a:bodyPr/>
+          <a:lstStyle/>
+          <a:p>
+            <a:r>
+              <a:rPr lang="en-GB" dirty="0"/>
+              <a:t>Components</a:t>
+            </a:r>
+          </a:p>
+        </p:txBody>
+      </p:sp>
+      <p:sp>
+        <p:nvSpPr>
+          <p:cNvPr id="5" name="Content Placeholder 4"/>
+          <p:cNvSpPr>
+            <a:spLocks noGrp="1"/>
+          </p:cNvSpPr>
+          <p:nvPr>
+            <p:ph sz="half" idx="2"/>
+          </p:nvPr>
+        </p:nvSpPr>
+        <p:spPr>
+          <a:xfrm>
+            <a:off x="-417250" y="1078864"/>
+            <a:ext cx="9611256" cy="5618498"/>
+          </a:xfrm>
+        </p:spPr>
+        <p:txBody>
+          <a:bodyPr>
+            <a:normAutofit/>
+          </a:bodyPr>
+          <a:lstStyle/>
+          <a:p>
+            <a:pPr marL="0" indent="0">
+              <a:buNone/>
+            </a:pPr>
+            <a:r>
+              <a:rPr lang="en-GB" sz="1800" b="1" dirty="0"/>
+              <a:t>	Business Components</a:t>
+            </a:r>
+          </a:p>
+          <a:p>
+            <a:pPr lvl="1"/>
+            <a:r>
+              <a:rPr lang="en-GB" sz="2000" dirty="0"/>
+              <a:t>@Statefull </a:t>
+            </a:r>
+            <a:r>
+              <a:rPr lang="en-GB" sz="2000" dirty="0" err="1"/>
+              <a:t>QuestionnaireFillingService</a:t>
+            </a:r>
+            <a:r>
+              <a:rPr lang="en-GB" sz="2000" dirty="0"/>
+              <a:t> </a:t>
+            </a:r>
+          </a:p>
+          <a:p>
+            <a:pPr lvl="2"/>
+            <a:r>
+              <a:rPr lang="en-US" sz="1800" dirty="0">
+                <a:latin typeface="Consolas" panose="020B0609020204030204" pitchFamily="49" charset="0"/>
+              </a:rPr>
+              <a:t>void </a:t>
+            </a:r>
+            <a:r>
+              <a:rPr lang="en-US" sz="1800" dirty="0" err="1">
+                <a:latin typeface="Consolas" panose="020B0609020204030204" pitchFamily="49" charset="0"/>
+              </a:rPr>
+              <a:t>storeMarketingAnswers</a:t>
+            </a:r>
+            <a:r>
+              <a:rPr lang="en-US" sz="1800" dirty="0">
+                <a:latin typeface="Consolas" panose="020B0609020204030204" pitchFamily="49" charset="0"/>
+              </a:rPr>
+              <a:t>(List&lt;String&gt; </a:t>
+            </a:r>
+            <a:r>
+              <a:rPr lang="en-US" sz="1800" dirty="0" err="1">
+                <a:latin typeface="Consolas" panose="020B0609020204030204" pitchFamily="49" charset="0"/>
+              </a:rPr>
+              <a:t>marketingAnswers</a:t>
+            </a:r>
+            <a:r>
+              <a:rPr lang="en-US" sz="1800" dirty="0">
+                <a:latin typeface="Consolas" panose="020B0609020204030204" pitchFamily="49" charset="0"/>
+              </a:rPr>
+              <a:t>)</a:t>
+            </a:r>
+            <a:endParaRPr lang="en-GB" sz="1800" dirty="0">
+              <a:latin typeface="Consolas" panose="020B0609020204030204" pitchFamily="49" charset="0"/>
+            </a:endParaRPr>
+          </a:p>
+          <a:p>
+            <a:pPr lvl="2"/>
+            <a:r>
+              <a:rPr lang="fr-FR" sz="1800" dirty="0" err="1">
+                <a:latin typeface="Consolas" panose="020B0609020204030204" pitchFamily="49" charset="0"/>
+              </a:rPr>
+              <a:t>void</a:t>
+            </a:r>
+            <a:r>
+              <a:rPr lang="fr-FR" sz="1800" dirty="0">
+                <a:latin typeface="Consolas" panose="020B0609020204030204" pitchFamily="49" charset="0"/>
+              </a:rPr>
+              <a:t> </a:t>
+            </a:r>
+            <a:r>
+              <a:rPr lang="fr-FR" sz="1800" dirty="0" err="1">
+                <a:latin typeface="Consolas" panose="020B0609020204030204" pitchFamily="49" charset="0"/>
+              </a:rPr>
+              <a:t>cancelQuestionnaire</a:t>
+            </a:r>
+            <a:r>
+              <a:rPr lang="fr-FR" sz="1800" dirty="0">
+                <a:latin typeface="Consolas" panose="020B0609020204030204" pitchFamily="49" charset="0"/>
+              </a:rPr>
+              <a:t>(User </a:t>
+            </a:r>
+            <a:r>
+              <a:rPr lang="fr-FR" sz="1800" dirty="0" err="1">
+                <a:latin typeface="Consolas" panose="020B0609020204030204" pitchFamily="49" charset="0"/>
+              </a:rPr>
+              <a:t>user</a:t>
+            </a:r>
+            <a:r>
+              <a:rPr lang="fr-FR" sz="1800" dirty="0">
+                <a:latin typeface="Consolas" panose="020B0609020204030204" pitchFamily="49" charset="0"/>
+              </a:rPr>
+              <a:t>, Product </a:t>
+            </a:r>
+            <a:r>
+              <a:rPr lang="fr-FR" sz="1800" dirty="0" err="1">
+                <a:latin typeface="Consolas" panose="020B0609020204030204" pitchFamily="49" charset="0"/>
+              </a:rPr>
+              <a:t>product</a:t>
+            </a:r>
+            <a:r>
+              <a:rPr lang="fr-FR" sz="1800" dirty="0">
+                <a:latin typeface="Consolas" panose="020B0609020204030204" pitchFamily="49" charset="0"/>
+              </a:rPr>
+              <a:t>)</a:t>
+            </a:r>
+          </a:p>
+          <a:p>
+            <a:pPr lvl="2"/>
+            <a:r>
+              <a:rPr lang="en-US" sz="1800" dirty="0">
+                <a:latin typeface="Consolas" panose="020B0609020204030204" pitchFamily="49" charset="0"/>
+              </a:rPr>
+              <a:t>void </a:t>
+            </a:r>
+            <a:r>
+              <a:rPr lang="en-US" sz="1800" dirty="0" err="1">
+                <a:latin typeface="Consolas" panose="020B0609020204030204" pitchFamily="49" charset="0"/>
+              </a:rPr>
+              <a:t>createQuestionnaireAnswer</a:t>
+            </a:r>
+            <a:r>
+              <a:rPr lang="en-US" sz="1800" dirty="0">
+                <a:latin typeface="Consolas" panose="020B0609020204030204" pitchFamily="49" charset="0"/>
+              </a:rPr>
+              <a:t>(int answ1, String answ2, String answ3, User </a:t>
+            </a:r>
+            <a:r>
+              <a:rPr lang="en-US" sz="1800" dirty="0" err="1">
+                <a:latin typeface="Consolas" panose="020B0609020204030204" pitchFamily="49" charset="0"/>
+              </a:rPr>
+              <a:t>user</a:t>
+            </a:r>
+            <a:r>
+              <a:rPr lang="en-US" sz="1800" dirty="0">
+                <a:latin typeface="Consolas" panose="020B0609020204030204" pitchFamily="49" charset="0"/>
+              </a:rPr>
+              <a:t>, Product product)</a:t>
+            </a:r>
+          </a:p>
+          <a:p>
+            <a:pPr lvl="2"/>
+            <a:endParaRPr lang="en-US" sz="1800" dirty="0">
+              <a:latin typeface="Consolas" panose="020B0609020204030204" pitchFamily="49" charset="0"/>
+            </a:endParaRPr>
+          </a:p>
+          <a:p>
+            <a:pPr marL="914400" lvl="2" indent="0" algn="ctr">
+              <a:buNone/>
+            </a:pPr>
+            <a:endParaRPr lang="en-US" sz="1800" dirty="0">
+              <a:latin typeface="Consolas" panose="020B0609020204030204" pitchFamily="49" charset="0"/>
+            </a:endParaRPr>
+          </a:p>
+          <a:p>
+            <a:pPr marL="914400" lvl="2" indent="0" algn="ctr">
+              <a:buNone/>
+            </a:pPr>
+            <a:r>
+              <a:rPr lang="en-US" sz="1800" dirty="0">
+                <a:latin typeface="Consolas" panose="020B0609020204030204" pitchFamily="49" charset="0"/>
+              </a:rPr>
+              <a:t>When a user submits the marketing questionnaire we store the answers in the bean until the questionnaire (marketing + statistical) is submitted or deleted</a:t>
+            </a:r>
+          </a:p>
+          <a:p>
+            <a:pPr marL="914400" lvl="2" indent="0" algn="ctr">
+              <a:buNone/>
+            </a:pPr>
+            <a:endParaRPr lang="en-US" sz="1800" dirty="0">
+              <a:latin typeface="Consolas" panose="020B0609020204030204" pitchFamily="49" charset="0"/>
+            </a:endParaRPr>
+          </a:p>
+          <a:p>
+            <a:pPr marL="914400" lvl="2" indent="0" algn="ctr">
+              <a:buNone/>
+            </a:pPr>
+            <a:endParaRPr lang="en-US" sz="1800" dirty="0">
+              <a:latin typeface="Consolas" panose="020B0609020204030204" pitchFamily="49" charset="0"/>
+            </a:endParaRPr>
+          </a:p>
+          <a:p>
+            <a:pPr marL="914400" lvl="2" indent="0" algn="ctr">
+              <a:buNone/>
+            </a:pPr>
+            <a:r>
+              <a:rPr lang="en-US" sz="1800" b="1" dirty="0">
+                <a:latin typeface="Consolas" panose="020B0609020204030204" pitchFamily="49" charset="0"/>
+              </a:rPr>
+              <a:t>STATEFULL</a:t>
+            </a:r>
+          </a:p>
+          <a:p>
+            <a:pPr marL="914400" lvl="2" indent="0" algn="ctr">
+              <a:buNone/>
+            </a:pPr>
+            <a:endParaRPr lang="en-GB" sz="1800" b="1" dirty="0">
+              <a:latin typeface="Consolas" panose="020B0609020204030204" pitchFamily="49" charset="0"/>
+            </a:endParaRPr>
+          </a:p>
+          <a:p>
+            <a:pPr marL="914400" lvl="2" indent="0" algn="ctr">
+              <a:buNone/>
+            </a:pPr>
+            <a:endParaRPr lang="en-GB" sz="1800" b="1" dirty="0">
+              <a:latin typeface="Consolas" panose="020B0609020204030204" pitchFamily="49" charset="0"/>
+            </a:endParaRPr>
+          </a:p>
+          <a:p>
+            <a:pPr marL="914400" lvl="2" indent="0" algn="ctr">
+              <a:buNone/>
+            </a:pPr>
+            <a:r>
+              <a:rPr lang="en-GB" sz="1800" dirty="0">
+                <a:latin typeface="Consolas" panose="020B0609020204030204" pitchFamily="49" charset="0"/>
+              </a:rPr>
+              <a:t>The others beans are stateless as there is no need to maintain a </a:t>
+            </a:r>
+            <a:r>
+              <a:rPr lang="en-GB" sz="1800" dirty="0" err="1">
+                <a:latin typeface="Consolas" panose="020B0609020204030204" pitchFamily="49" charset="0"/>
+              </a:rPr>
+              <a:t>statefull</a:t>
+            </a:r>
+            <a:r>
+              <a:rPr lang="en-GB" sz="1800" dirty="0">
+                <a:latin typeface="Consolas" panose="020B0609020204030204" pitchFamily="49" charset="0"/>
+              </a:rPr>
+              <a:t> connection with a specific user </a:t>
+            </a:r>
+            <a:endParaRPr lang="en-US" sz="1800" dirty="0">
+              <a:latin typeface="Consolas" panose="020B0609020204030204" pitchFamily="49" charset="0"/>
+            </a:endParaRPr>
+          </a:p>
+        </p:txBody>
+      </p:sp>
+      <p:cxnSp>
+        <p:nvCxnSpPr>
+          <p:cNvPr id="4" name="Connettore 2 3">
+            <a:extLst>
+              <a:ext uri="{FF2B5EF4-FFF2-40B4-BE49-F238E27FC236}">
+                <a16:creationId xmlns:a16="http://schemas.microsoft.com/office/drawing/2014/main" id="{C7DF695D-E731-4F30-9E52-7B6ADCD02DF9}"/>
+              </a:ext>
+            </a:extLst>
+          </p:cNvPr>
+          <p:cNvCxnSpPr/>
+          <p:nvPr/>
+        </p:nvCxnSpPr>
+        <p:spPr>
+          <a:xfrm>
+            <a:off x="4798503" y="4412609"/>
+            <a:ext cx="0" cy="486561"/>
+          </a:xfrm>
+          <a:prstGeom prst="straightConnector1">
+            <a:avLst/>
+          </a:prstGeom>
+          <a:ln>
+            <a:tailEnd type="triangle"/>
+          </a:ln>
+        </p:spPr>
+        <p:style>
+          <a:lnRef idx="2">
+            <a:schemeClr val="dk1"/>
+          </a:lnRef>
+          <a:fillRef idx="0">
+            <a:schemeClr val="dk1"/>
+          </a:fillRef>
+          <a:effectRef idx="1">
+            <a:schemeClr val="dk1"/>
+          </a:effectRef>
+          <a:fontRef idx="minor">
+            <a:schemeClr val="tx1"/>
+          </a:fontRef>
+        </p:style>
+      </p:cxnSp>
+    </p:spTree>
+    <p:extLst>
+      <p:ext uri="{BB962C8B-B14F-4D97-AF65-F5344CB8AC3E}">
+        <p14:creationId xmlns:p14="http://schemas.microsoft.com/office/powerpoint/2010/main" val="4058976417"/>
+      </p:ext>
+    </p:extLst>
+  </p:cSld>
+  <p:clrMapOvr>
+    <a:masterClrMapping/>
+  </p:clrMapOvr>
+</p:sld>
+</file>
+
+<file path=ppt/slides/slide21.xml><?xml version="1.0" encoding="utf-8"?>
+<p:sld xmlns:a="http://schemas.openxmlformats.org/drawingml/2006/main" xmlns:r="http://schemas.openxmlformats.org/officeDocument/2006/relationships" xmlns:p="http://schemas.openxmlformats.org/presentationml/2006/main">
+  <p:cSld>
+    <p:spTree>
+      <p:nvGrpSpPr>
+        <p:cNvPr id="1" name=""/>
+        <p:cNvGrpSpPr/>
+        <p:nvPr/>
+      </p:nvGrpSpPr>
+      <p:grpSpPr>
+        <a:xfrm>
+          <a:off x="0" y="0"/>
+          <a:ext cx="0" cy="0"/>
+          <a:chOff x="0" y="0"/>
+          <a:chExt cx="0" cy="0"/>
+        </a:xfrm>
+      </p:grpSpPr>
+      <p:sp>
+        <p:nvSpPr>
           <p:cNvPr id="2" name="Titolo 1">
             <a:extLst>
               <a:ext uri="{FF2B5EF4-FFF2-40B4-BE49-F238E27FC236}">
@@ -11058,7 +11497,7 @@
 </p:sld>
 </file>
 
-<file path=ppt/slides/slide21.xml><?xml version="1.0" encoding="utf-8"?>
+<file path=ppt/slides/slide22.xml><?xml version="1.0" encoding="utf-8"?>
 <p:sld xmlns:a="http://schemas.openxmlformats.org/drawingml/2006/main" xmlns:r="http://schemas.openxmlformats.org/officeDocument/2006/relationships" xmlns:p="http://schemas.openxmlformats.org/presentationml/2006/main">
   <p:cSld>
     <p:spTree>
@@ -14291,6 +14730,750 @@
 </file>
 
 <file path=ppt/slides/slide6.xml><?xml version="1.0" encoding="utf-8"?>
+<p:sld xmlns:a="http://schemas.openxmlformats.org/drawingml/2006/main" xmlns:r="http://schemas.openxmlformats.org/officeDocument/2006/relationships" xmlns:p="http://schemas.openxmlformats.org/presentationml/2006/main">
+  <p:cSld>
+    <p:spTree>
+      <p:nvGrpSpPr>
+        <p:cNvPr id="1" name=""/>
+        <p:cNvGrpSpPr/>
+        <p:nvPr/>
+      </p:nvGrpSpPr>
+      <p:grpSpPr>
+        <a:xfrm>
+          <a:off x="0" y="0"/>
+          <a:ext cx="0" cy="0"/>
+          <a:chOff x="0" y="0"/>
+          <a:chExt cx="0" cy="0"/>
+        </a:xfrm>
+      </p:grpSpPr>
+      <p:sp>
+        <p:nvSpPr>
+          <p:cNvPr id="2" name="Titolo 1">
+            <a:extLst>
+              <a:ext uri="{FF2B5EF4-FFF2-40B4-BE49-F238E27FC236}">
+                <a16:creationId xmlns:a16="http://schemas.microsoft.com/office/drawing/2014/main" id="{F6CF6203-EE64-4950-93F7-DEBCA58745F1}"/>
+              </a:ext>
+            </a:extLst>
+          </p:cNvPr>
+          <p:cNvSpPr>
+            <a:spLocks noGrp="1"/>
+          </p:cNvSpPr>
+          <p:nvPr>
+            <p:ph type="title"/>
+          </p:nvPr>
+        </p:nvSpPr>
+        <p:spPr/>
+        <p:txBody>
+          <a:bodyPr/>
+          <a:lstStyle/>
+          <a:p>
+            <a:r>
+              <a:rPr lang="it-IT" dirty="0"/>
+              <a:t>Mo</a:t>
+            </a:r>
+            <a:r>
+              <a:rPr lang="en-GB" dirty="0" err="1"/>
+              <a:t>tivations</a:t>
+            </a:r>
+            <a:endParaRPr lang="it-IT" dirty="0"/>
+          </a:p>
+        </p:txBody>
+      </p:sp>
+      <p:sp>
+        <p:nvSpPr>
+          <p:cNvPr id="4" name="CasellaDiTesto 3">
+            <a:extLst>
+              <a:ext uri="{FF2B5EF4-FFF2-40B4-BE49-F238E27FC236}">
+                <a16:creationId xmlns:a16="http://schemas.microsoft.com/office/drawing/2014/main" id="{61259993-1FAA-401B-B5CE-6F447D81B8B7}"/>
+              </a:ext>
+            </a:extLst>
+          </p:cNvPr>
+          <p:cNvSpPr txBox="1"/>
+          <p:nvPr/>
+        </p:nvSpPr>
+        <p:spPr>
+          <a:xfrm>
+            <a:off x="294724" y="1859028"/>
+            <a:ext cx="8652793" cy="4770537"/>
+          </a:xfrm>
+          <a:prstGeom prst="rect">
+            <a:avLst/>
+          </a:prstGeom>
+          <a:noFill/>
+        </p:spPr>
+        <p:txBody>
+          <a:bodyPr wrap="square" rtlCol="0">
+            <a:spAutoFit/>
+          </a:bodyPr>
+          <a:lstStyle/>
+          <a:p>
+            <a:r>
+              <a:rPr lang="it-IT" sz="2200" b="1" dirty="0" err="1"/>
+              <a:t>Questionnaire</a:t>
+            </a:r>
+            <a:r>
+              <a:rPr lang="it-IT" sz="2200" b="1" dirty="0"/>
+              <a:t> </a:t>
+            </a:r>
+            <a:r>
+              <a:rPr lang="it-IT" sz="2200" b="1" dirty="0" err="1"/>
+              <a:t>Answer</a:t>
+            </a:r>
+            <a:r>
+              <a:rPr lang="it-IT" sz="2200" b="1" dirty="0"/>
+              <a:t> </a:t>
+            </a:r>
+            <a:r>
+              <a:rPr lang="it-IT" sz="2200" dirty="0" err="1"/>
+              <a:t>table</a:t>
+            </a:r>
+            <a:r>
+              <a:rPr lang="it-IT" sz="2200" dirty="0"/>
+              <a:t>, </a:t>
+            </a:r>
+            <a:r>
+              <a:rPr lang="it-IT" sz="2200" dirty="0" err="1"/>
+              <a:t>associated</a:t>
+            </a:r>
+            <a:r>
+              <a:rPr lang="it-IT" sz="2200" dirty="0"/>
+              <a:t> to one user and one product, </a:t>
+            </a:r>
+            <a:r>
+              <a:rPr lang="it-IT" sz="2200" dirty="0" err="1"/>
+              <a:t>represents</a:t>
+            </a:r>
+            <a:r>
+              <a:rPr lang="it-IT" sz="2200" dirty="0"/>
+              <a:t> the </a:t>
+            </a:r>
+            <a:r>
+              <a:rPr lang="it-IT" sz="2200" dirty="0" err="1"/>
+              <a:t>answers</a:t>
+            </a:r>
+            <a:r>
+              <a:rPr lang="it-IT" sz="2200" dirty="0"/>
+              <a:t> to the </a:t>
+            </a:r>
+            <a:r>
+              <a:rPr lang="it-IT" sz="2200" dirty="0" err="1"/>
+              <a:t>statistical</a:t>
+            </a:r>
+            <a:r>
+              <a:rPr lang="it-IT" sz="2200" dirty="0"/>
+              <a:t> part of the </a:t>
+            </a:r>
+            <a:r>
+              <a:rPr lang="it-IT" sz="2200" dirty="0" err="1"/>
+              <a:t>questionnaire</a:t>
+            </a:r>
+            <a:r>
+              <a:rPr lang="it-IT" sz="2200" dirty="0"/>
+              <a:t> (</a:t>
+            </a:r>
+            <a:r>
+              <a:rPr lang="it-IT" sz="2200" dirty="0" err="1"/>
+              <a:t>fixed</a:t>
+            </a:r>
+            <a:r>
+              <a:rPr lang="it-IT" sz="2200" dirty="0"/>
+              <a:t> </a:t>
+            </a:r>
+            <a:r>
+              <a:rPr lang="it-IT" sz="2200" dirty="0" err="1"/>
+              <a:t>questions</a:t>
+            </a:r>
+            <a:r>
+              <a:rPr lang="it-IT" sz="2200" dirty="0"/>
+              <a:t> </a:t>
+            </a:r>
+            <a:r>
+              <a:rPr lang="it-IT" sz="2200" dirty="0">
+                <a:sym typeface="Wingdings" panose="05000000000000000000" pitchFamily="2" charset="2"/>
+              </a:rPr>
+              <a:t> one </a:t>
+            </a:r>
+            <a:r>
+              <a:rPr lang="it-IT" sz="2200" dirty="0" err="1">
+                <a:sym typeface="Wingdings" panose="05000000000000000000" pitchFamily="2" charset="2"/>
+              </a:rPr>
+              <a:t>column</a:t>
+            </a:r>
+            <a:r>
+              <a:rPr lang="it-IT" sz="2200" dirty="0">
+                <a:sym typeface="Wingdings" panose="05000000000000000000" pitchFamily="2" charset="2"/>
+              </a:rPr>
+              <a:t> per </a:t>
+            </a:r>
+            <a:r>
+              <a:rPr lang="it-IT" sz="2200" dirty="0" err="1">
+                <a:sym typeface="Wingdings" panose="05000000000000000000" pitchFamily="2" charset="2"/>
+              </a:rPr>
+              <a:t>question</a:t>
+            </a:r>
+            <a:r>
+              <a:rPr lang="it-IT" sz="2200" dirty="0">
+                <a:sym typeface="Wingdings" panose="05000000000000000000" pitchFamily="2" charset="2"/>
+              </a:rPr>
+              <a:t>).</a:t>
+            </a:r>
+          </a:p>
+          <a:p>
+            <a:endParaRPr lang="it-IT" sz="2200" dirty="0">
+              <a:sym typeface="Wingdings" panose="05000000000000000000" pitchFamily="2" charset="2"/>
+            </a:endParaRPr>
+          </a:p>
+          <a:p>
+            <a:r>
+              <a:rPr lang="it-IT" sz="2200" b="1" dirty="0" err="1">
+                <a:sym typeface="Wingdings" panose="05000000000000000000" pitchFamily="2" charset="2"/>
+              </a:rPr>
+              <a:t>Variable</a:t>
+            </a:r>
+            <a:r>
+              <a:rPr lang="it-IT" sz="2200" b="1" dirty="0">
+                <a:sym typeface="Wingdings" panose="05000000000000000000" pitchFamily="2" charset="2"/>
+              </a:rPr>
+              <a:t> </a:t>
+            </a:r>
+            <a:r>
+              <a:rPr lang="it-IT" sz="2200" b="1" dirty="0" err="1">
+                <a:sym typeface="Wingdings" panose="05000000000000000000" pitchFamily="2" charset="2"/>
+              </a:rPr>
+              <a:t>Question</a:t>
+            </a:r>
+            <a:r>
+              <a:rPr lang="it-IT" sz="2200" dirty="0">
+                <a:sym typeface="Wingdings" panose="05000000000000000000" pitchFamily="2" charset="2"/>
+              </a:rPr>
+              <a:t> </a:t>
+            </a:r>
+            <a:r>
+              <a:rPr lang="it-IT" sz="2200" dirty="0" err="1">
+                <a:sym typeface="Wingdings" panose="05000000000000000000" pitchFamily="2" charset="2"/>
+              </a:rPr>
+              <a:t>table</a:t>
+            </a:r>
+            <a:r>
+              <a:rPr lang="it-IT" sz="2200" dirty="0">
+                <a:sym typeface="Wingdings" panose="05000000000000000000" pitchFamily="2" charset="2"/>
+              </a:rPr>
+              <a:t>, </a:t>
+            </a:r>
+            <a:r>
+              <a:rPr lang="it-IT" sz="2200" dirty="0" err="1">
+                <a:sym typeface="Wingdings" panose="05000000000000000000" pitchFamily="2" charset="2"/>
+              </a:rPr>
+              <a:t>associated</a:t>
+            </a:r>
+            <a:r>
+              <a:rPr lang="it-IT" sz="2200" dirty="0">
+                <a:sym typeface="Wingdings" panose="05000000000000000000" pitchFamily="2" charset="2"/>
+              </a:rPr>
+              <a:t> to one product, </a:t>
+            </a:r>
+            <a:r>
+              <a:rPr lang="it-IT" sz="2200" dirty="0" err="1">
+                <a:sym typeface="Wingdings" panose="05000000000000000000" pitchFamily="2" charset="2"/>
+              </a:rPr>
+              <a:t>represents</a:t>
+            </a:r>
+            <a:r>
+              <a:rPr lang="it-IT" sz="2200" dirty="0">
+                <a:sym typeface="Wingdings" panose="05000000000000000000" pitchFamily="2" charset="2"/>
+              </a:rPr>
+              <a:t> the marketing </a:t>
+            </a:r>
+            <a:r>
+              <a:rPr lang="it-IT" sz="2200" dirty="0" err="1">
+                <a:sym typeface="Wingdings" panose="05000000000000000000" pitchFamily="2" charset="2"/>
+              </a:rPr>
+              <a:t>questions</a:t>
+            </a:r>
+            <a:r>
+              <a:rPr lang="it-IT" sz="2200" dirty="0">
+                <a:sym typeface="Wingdings" panose="05000000000000000000" pitchFamily="2" charset="2"/>
+              </a:rPr>
+              <a:t> of the </a:t>
+            </a:r>
+            <a:r>
+              <a:rPr lang="it-IT" sz="2200" dirty="0" err="1">
+                <a:sym typeface="Wingdings" panose="05000000000000000000" pitchFamily="2" charset="2"/>
+              </a:rPr>
+              <a:t>product’s</a:t>
+            </a:r>
+            <a:r>
+              <a:rPr lang="it-IT" sz="2200" dirty="0">
+                <a:sym typeface="Wingdings" panose="05000000000000000000" pitchFamily="2" charset="2"/>
+              </a:rPr>
+              <a:t> </a:t>
+            </a:r>
+            <a:r>
+              <a:rPr lang="it-IT" sz="2200" dirty="0" err="1">
+                <a:sym typeface="Wingdings" panose="05000000000000000000" pitchFamily="2" charset="2"/>
+              </a:rPr>
+              <a:t>questionnaire</a:t>
+            </a:r>
+            <a:r>
+              <a:rPr lang="it-IT" sz="2200" dirty="0">
+                <a:sym typeface="Wingdings" panose="05000000000000000000" pitchFamily="2" charset="2"/>
+              </a:rPr>
+              <a:t>. </a:t>
+            </a:r>
+            <a:r>
+              <a:rPr lang="it-IT" sz="2200" dirty="0" err="1">
+                <a:sym typeface="Wingdings" panose="05000000000000000000" pitchFamily="2" charset="2"/>
+              </a:rPr>
+              <a:t>Since</a:t>
+            </a:r>
+            <a:r>
+              <a:rPr lang="it-IT" sz="2200" dirty="0">
+                <a:sym typeface="Wingdings" panose="05000000000000000000" pitchFamily="2" charset="2"/>
+              </a:rPr>
+              <a:t> </a:t>
+            </a:r>
+            <a:r>
+              <a:rPr lang="it-IT" sz="2200" dirty="0" err="1">
+                <a:sym typeface="Wingdings" panose="05000000000000000000" pitchFamily="2" charset="2"/>
+              </a:rPr>
+              <a:t>they</a:t>
+            </a:r>
+            <a:r>
+              <a:rPr lang="it-IT" sz="2200" dirty="0">
+                <a:sym typeface="Wingdings" panose="05000000000000000000" pitchFamily="2" charset="2"/>
+              </a:rPr>
+              <a:t> </a:t>
+            </a:r>
+            <a:r>
+              <a:rPr lang="it-IT" sz="2200" dirty="0" err="1">
+                <a:sym typeface="Wingdings" panose="05000000000000000000" pitchFamily="2" charset="2"/>
+              </a:rPr>
+              <a:t>vary</a:t>
+            </a:r>
+            <a:r>
+              <a:rPr lang="it-IT" sz="2200" dirty="0">
+                <a:sym typeface="Wingdings" panose="05000000000000000000" pitchFamily="2" charset="2"/>
+              </a:rPr>
+              <a:t> in </a:t>
+            </a:r>
+            <a:r>
+              <a:rPr lang="it-IT" sz="2200" dirty="0" err="1">
+                <a:sym typeface="Wingdings" panose="05000000000000000000" pitchFamily="2" charset="2"/>
+              </a:rPr>
+              <a:t>number</a:t>
+            </a:r>
+            <a:r>
+              <a:rPr lang="it-IT" sz="2200" dirty="0">
+                <a:sym typeface="Wingdings" panose="05000000000000000000" pitchFamily="2" charset="2"/>
+              </a:rPr>
+              <a:t>, </a:t>
+            </a:r>
+            <a:r>
+              <a:rPr lang="it-IT" sz="2200" dirty="0" err="1">
+                <a:sym typeface="Wingdings" panose="05000000000000000000" pitchFamily="2" charset="2"/>
+              </a:rPr>
+              <a:t>they</a:t>
+            </a:r>
+            <a:r>
+              <a:rPr lang="it-IT" sz="2200" dirty="0">
+                <a:sym typeface="Wingdings" panose="05000000000000000000" pitchFamily="2" charset="2"/>
+              </a:rPr>
+              <a:t> </a:t>
+            </a:r>
+            <a:r>
+              <a:rPr lang="it-IT" sz="2200" dirty="0" err="1">
+                <a:sym typeface="Wingdings" panose="05000000000000000000" pitchFamily="2" charset="2"/>
+              </a:rPr>
+              <a:t>can’t</a:t>
+            </a:r>
+            <a:r>
+              <a:rPr lang="it-IT" sz="2200" dirty="0">
+                <a:sym typeface="Wingdings" panose="05000000000000000000" pitchFamily="2" charset="2"/>
+              </a:rPr>
+              <a:t> be </a:t>
+            </a:r>
+            <a:r>
+              <a:rPr lang="it-IT" sz="2200" dirty="0" err="1">
+                <a:sym typeface="Wingdings" panose="05000000000000000000" pitchFamily="2" charset="2"/>
+              </a:rPr>
+              <a:t>column</a:t>
+            </a:r>
+            <a:r>
+              <a:rPr lang="it-IT" sz="2200" dirty="0">
+                <a:sym typeface="Wingdings" panose="05000000000000000000" pitchFamily="2" charset="2"/>
+              </a:rPr>
+              <a:t> of a </a:t>
+            </a:r>
+            <a:r>
+              <a:rPr lang="it-IT" sz="2200" dirty="0" err="1">
+                <a:sym typeface="Wingdings" panose="05000000000000000000" pitchFamily="2" charset="2"/>
+              </a:rPr>
+              <a:t>table</a:t>
+            </a:r>
+            <a:r>
+              <a:rPr lang="it-IT" sz="2200" dirty="0">
+                <a:sym typeface="Wingdings" panose="05000000000000000000" pitchFamily="2" charset="2"/>
+              </a:rPr>
+              <a:t> </a:t>
+            </a:r>
+            <a:r>
+              <a:rPr lang="it-IT" sz="2200" dirty="0" err="1">
+                <a:sym typeface="Wingdings" panose="05000000000000000000" pitchFamily="2" charset="2"/>
+              </a:rPr>
+              <a:t>but</a:t>
+            </a:r>
+            <a:r>
+              <a:rPr lang="it-IT" sz="2200" dirty="0">
+                <a:sym typeface="Wingdings" panose="05000000000000000000" pitchFamily="2" charset="2"/>
+              </a:rPr>
+              <a:t> </a:t>
+            </a:r>
+            <a:r>
+              <a:rPr lang="it-IT" sz="2200" dirty="0" err="1">
+                <a:sym typeface="Wingdings" panose="05000000000000000000" pitchFamily="2" charset="2"/>
+              </a:rPr>
+              <a:t>they’re</a:t>
+            </a:r>
+            <a:r>
+              <a:rPr lang="it-IT" sz="2200" dirty="0">
+                <a:sym typeface="Wingdings" panose="05000000000000000000" pitchFamily="2" charset="2"/>
+              </a:rPr>
+              <a:t> </a:t>
+            </a:r>
+            <a:r>
+              <a:rPr lang="it-IT" sz="2200" dirty="0" err="1">
+                <a:sym typeface="Wingdings" panose="05000000000000000000" pitchFamily="2" charset="2"/>
+              </a:rPr>
+              <a:t>instead</a:t>
+            </a:r>
+            <a:r>
+              <a:rPr lang="it-IT" sz="2200" dirty="0">
+                <a:sym typeface="Wingdings" panose="05000000000000000000" pitchFamily="2" charset="2"/>
+              </a:rPr>
+              <a:t> </a:t>
+            </a:r>
+            <a:r>
+              <a:rPr lang="it-IT" sz="2200" dirty="0" err="1">
+                <a:sym typeface="Wingdings" panose="05000000000000000000" pitchFamily="2" charset="2"/>
+              </a:rPr>
+              <a:t>tuples</a:t>
+            </a:r>
+            <a:r>
+              <a:rPr lang="it-IT" sz="2200" dirty="0">
+                <a:sym typeface="Wingdings" panose="05000000000000000000" pitchFamily="2" charset="2"/>
+              </a:rPr>
+              <a:t> of </a:t>
+            </a:r>
+            <a:r>
+              <a:rPr lang="it-IT" sz="2200" dirty="0" err="1">
+                <a:sym typeface="Wingdings" panose="05000000000000000000" pitchFamily="2" charset="2"/>
+              </a:rPr>
+              <a:t>this</a:t>
+            </a:r>
+            <a:r>
+              <a:rPr lang="it-IT" sz="2200" dirty="0">
+                <a:sym typeface="Wingdings" panose="05000000000000000000" pitchFamily="2" charset="2"/>
+              </a:rPr>
+              <a:t> </a:t>
+            </a:r>
+            <a:r>
+              <a:rPr lang="it-IT" sz="2200" dirty="0" err="1">
+                <a:sym typeface="Wingdings" panose="05000000000000000000" pitchFamily="2" charset="2"/>
+              </a:rPr>
+              <a:t>table</a:t>
+            </a:r>
+            <a:r>
+              <a:rPr lang="it-IT" sz="2200" dirty="0">
+                <a:sym typeface="Wingdings" panose="05000000000000000000" pitchFamily="2" charset="2"/>
+              </a:rPr>
+              <a:t>.</a:t>
+            </a:r>
+          </a:p>
+          <a:p>
+            <a:endParaRPr lang="it-IT" sz="2200" dirty="0">
+              <a:sym typeface="Wingdings" panose="05000000000000000000" pitchFamily="2" charset="2"/>
+            </a:endParaRPr>
+          </a:p>
+          <a:p>
+            <a:r>
+              <a:rPr lang="it-IT" sz="2200" b="1" dirty="0" err="1">
+                <a:sym typeface="Wingdings" panose="05000000000000000000" pitchFamily="2" charset="2"/>
+              </a:rPr>
+              <a:t>Variable</a:t>
+            </a:r>
+            <a:r>
+              <a:rPr lang="it-IT" sz="2200" b="1" dirty="0">
+                <a:sym typeface="Wingdings" panose="05000000000000000000" pitchFamily="2" charset="2"/>
+              </a:rPr>
+              <a:t> </a:t>
+            </a:r>
+            <a:r>
+              <a:rPr lang="it-IT" sz="2200" b="1" dirty="0" err="1">
+                <a:sym typeface="Wingdings" panose="05000000000000000000" pitchFamily="2" charset="2"/>
+              </a:rPr>
+              <a:t>Answer</a:t>
+            </a:r>
+            <a:r>
+              <a:rPr lang="it-IT" sz="2200" dirty="0">
+                <a:sym typeface="Wingdings" panose="05000000000000000000" pitchFamily="2" charset="2"/>
+              </a:rPr>
+              <a:t> </a:t>
+            </a:r>
+            <a:r>
+              <a:rPr lang="it-IT" sz="2200" dirty="0" err="1">
+                <a:sym typeface="Wingdings" panose="05000000000000000000" pitchFamily="2" charset="2"/>
+              </a:rPr>
+              <a:t>table</a:t>
+            </a:r>
+            <a:r>
+              <a:rPr lang="it-IT" sz="2200" dirty="0">
+                <a:sym typeface="Wingdings" panose="05000000000000000000" pitchFamily="2" charset="2"/>
+              </a:rPr>
+              <a:t> </a:t>
+            </a:r>
+            <a:r>
+              <a:rPr lang="it-IT" sz="2200" dirty="0" err="1">
+                <a:sym typeface="Wingdings" panose="05000000000000000000" pitchFamily="2" charset="2"/>
+              </a:rPr>
+              <a:t>associates</a:t>
+            </a:r>
+            <a:r>
+              <a:rPr lang="it-IT" sz="2200" dirty="0">
+                <a:sym typeface="Wingdings" panose="05000000000000000000" pitchFamily="2" charset="2"/>
+              </a:rPr>
+              <a:t> to </a:t>
+            </a:r>
+            <a:r>
+              <a:rPr lang="it-IT" sz="2200" dirty="0" err="1">
+                <a:sym typeface="Wingdings" panose="05000000000000000000" pitchFamily="2" charset="2"/>
+              </a:rPr>
+              <a:t>each</a:t>
+            </a:r>
+            <a:r>
+              <a:rPr lang="it-IT" sz="2200" dirty="0">
+                <a:sym typeface="Wingdings" panose="05000000000000000000" pitchFamily="2" charset="2"/>
+              </a:rPr>
+              <a:t> </a:t>
+            </a:r>
+            <a:r>
+              <a:rPr lang="it-IT" sz="2200" dirty="0" err="1">
+                <a:sym typeface="Wingdings" panose="05000000000000000000" pitchFamily="2" charset="2"/>
+              </a:rPr>
+              <a:t>variable</a:t>
+            </a:r>
+            <a:r>
+              <a:rPr lang="it-IT" sz="2200" dirty="0">
+                <a:sym typeface="Wingdings" panose="05000000000000000000" pitchFamily="2" charset="2"/>
+              </a:rPr>
+              <a:t> </a:t>
+            </a:r>
+            <a:r>
+              <a:rPr lang="it-IT" sz="2200" dirty="0" err="1">
+                <a:sym typeface="Wingdings" panose="05000000000000000000" pitchFamily="2" charset="2"/>
+              </a:rPr>
+              <a:t>question</a:t>
+            </a:r>
+            <a:r>
+              <a:rPr lang="it-IT" sz="2200" dirty="0">
+                <a:sym typeface="Wingdings" panose="05000000000000000000" pitchFamily="2" charset="2"/>
+              </a:rPr>
+              <a:t> the </a:t>
+            </a:r>
+            <a:r>
+              <a:rPr lang="it-IT" sz="2200" dirty="0" err="1">
+                <a:sym typeface="Wingdings" panose="05000000000000000000" pitchFamily="2" charset="2"/>
+              </a:rPr>
+              <a:t>corresponding</a:t>
+            </a:r>
+            <a:r>
+              <a:rPr lang="it-IT" sz="2200" dirty="0">
+                <a:sym typeface="Wingdings" panose="05000000000000000000" pitchFamily="2" charset="2"/>
+              </a:rPr>
+              <a:t> </a:t>
+            </a:r>
+            <a:r>
+              <a:rPr lang="it-IT" sz="2200" dirty="0" err="1">
+                <a:sym typeface="Wingdings" panose="05000000000000000000" pitchFamily="2" charset="2"/>
+              </a:rPr>
+              <a:t>answer</a:t>
+            </a:r>
+            <a:r>
+              <a:rPr lang="it-IT" sz="2200" dirty="0">
+                <a:sym typeface="Wingdings" panose="05000000000000000000" pitchFamily="2" charset="2"/>
+              </a:rPr>
+              <a:t> </a:t>
+            </a:r>
+            <a:r>
+              <a:rPr lang="it-IT" sz="2200" dirty="0" err="1">
+                <a:sym typeface="Wingdings" panose="05000000000000000000" pitchFamily="2" charset="2"/>
+              </a:rPr>
+              <a:t>given</a:t>
+            </a:r>
+            <a:r>
+              <a:rPr lang="it-IT" sz="2200" dirty="0">
+                <a:sym typeface="Wingdings" panose="05000000000000000000" pitchFamily="2" charset="2"/>
+              </a:rPr>
+              <a:t> from a user </a:t>
+            </a:r>
+            <a:r>
+              <a:rPr lang="it-IT" sz="2200" dirty="0" err="1">
+                <a:sym typeface="Wingdings" panose="05000000000000000000" pitchFamily="2" charset="2"/>
+              </a:rPr>
+              <a:t>that</a:t>
+            </a:r>
+            <a:r>
+              <a:rPr lang="it-IT" sz="2200" dirty="0">
+                <a:sym typeface="Wingdings" panose="05000000000000000000" pitchFamily="2" charset="2"/>
+              </a:rPr>
+              <a:t> </a:t>
+            </a:r>
+            <a:r>
+              <a:rPr lang="it-IT" sz="2200" dirty="0" err="1">
+                <a:sym typeface="Wingdings" panose="05000000000000000000" pitchFamily="2" charset="2"/>
+              </a:rPr>
+              <a:t>has</a:t>
+            </a:r>
+            <a:r>
+              <a:rPr lang="it-IT" sz="2200" dirty="0">
+                <a:sym typeface="Wingdings" panose="05000000000000000000" pitchFamily="2" charset="2"/>
+              </a:rPr>
+              <a:t> </a:t>
+            </a:r>
+            <a:r>
+              <a:rPr lang="it-IT" sz="2200" dirty="0" err="1">
+                <a:sym typeface="Wingdings" panose="05000000000000000000" pitchFamily="2" charset="2"/>
+              </a:rPr>
+              <a:t>completed</a:t>
+            </a:r>
+            <a:r>
+              <a:rPr lang="it-IT" sz="2200" dirty="0">
+                <a:sym typeface="Wingdings" panose="05000000000000000000" pitchFamily="2" charset="2"/>
+              </a:rPr>
+              <a:t> the </a:t>
+            </a:r>
+            <a:r>
+              <a:rPr lang="it-IT" sz="2200" dirty="0" err="1">
+                <a:sym typeface="Wingdings" panose="05000000000000000000" pitchFamily="2" charset="2"/>
+              </a:rPr>
+              <a:t>questionnaire</a:t>
+            </a:r>
+            <a:r>
+              <a:rPr lang="it-IT" sz="2200" dirty="0">
+                <a:sym typeface="Wingdings" panose="05000000000000000000" pitchFamily="2" charset="2"/>
+              </a:rPr>
+              <a:t> (i.e. </a:t>
+            </a:r>
+            <a:r>
+              <a:rPr lang="it-IT" sz="2200" dirty="0" err="1">
+                <a:sym typeface="Wingdings" panose="05000000000000000000" pitchFamily="2" charset="2"/>
+              </a:rPr>
+              <a:t>has</a:t>
+            </a:r>
+            <a:r>
+              <a:rPr lang="it-IT" sz="2200" dirty="0">
+                <a:sym typeface="Wingdings" panose="05000000000000000000" pitchFamily="2" charset="2"/>
+              </a:rPr>
+              <a:t> a </a:t>
+            </a:r>
+            <a:r>
+              <a:rPr lang="it-IT" sz="2200" dirty="0" err="1">
+                <a:sym typeface="Wingdings" panose="05000000000000000000" pitchFamily="2" charset="2"/>
+              </a:rPr>
+              <a:t>questionnaire</a:t>
+            </a:r>
+            <a:r>
+              <a:rPr lang="it-IT" sz="2200" dirty="0">
+                <a:sym typeface="Wingdings" panose="05000000000000000000" pitchFamily="2" charset="2"/>
+              </a:rPr>
+              <a:t> </a:t>
+            </a:r>
+            <a:r>
+              <a:rPr lang="it-IT" sz="2200" dirty="0" err="1">
+                <a:sym typeface="Wingdings" panose="05000000000000000000" pitchFamily="2" charset="2"/>
+              </a:rPr>
+              <a:t>answer</a:t>
+            </a:r>
+            <a:r>
+              <a:rPr lang="it-IT" sz="2200" dirty="0">
+                <a:sym typeface="Wingdings" panose="05000000000000000000" pitchFamily="2" charset="2"/>
+              </a:rPr>
+              <a:t> </a:t>
+            </a:r>
+            <a:r>
+              <a:rPr lang="it-IT" sz="2200" dirty="0" err="1">
+                <a:sym typeface="Wingdings" panose="05000000000000000000" pitchFamily="2" charset="2"/>
+              </a:rPr>
+              <a:t>tuple</a:t>
+            </a:r>
+            <a:r>
+              <a:rPr lang="it-IT" sz="2200" dirty="0">
+                <a:sym typeface="Wingdings" panose="05000000000000000000" pitchFamily="2" charset="2"/>
+              </a:rPr>
+              <a:t> for </a:t>
+            </a:r>
+            <a:r>
+              <a:rPr lang="it-IT" sz="2200" dirty="0" err="1">
+                <a:sym typeface="Wingdings" panose="05000000000000000000" pitchFamily="2" charset="2"/>
+              </a:rPr>
+              <a:t>that</a:t>
+            </a:r>
+            <a:r>
+              <a:rPr lang="it-IT" sz="2200" dirty="0">
+                <a:sym typeface="Wingdings" panose="05000000000000000000" pitchFamily="2" charset="2"/>
+              </a:rPr>
+              <a:t> product </a:t>
+            </a:r>
+            <a:r>
+              <a:rPr lang="it-IT" sz="2200" dirty="0" err="1">
+                <a:sym typeface="Wingdings" panose="05000000000000000000" pitchFamily="2" charset="2"/>
+              </a:rPr>
+              <a:t>associated</a:t>
+            </a:r>
+            <a:r>
+              <a:rPr lang="it-IT" sz="2200" dirty="0">
+                <a:sym typeface="Wingdings" panose="05000000000000000000" pitchFamily="2" charset="2"/>
+              </a:rPr>
+              <a:t> to </a:t>
+            </a:r>
+            <a:r>
+              <a:rPr lang="it-IT" sz="2200" dirty="0" err="1">
+                <a:sym typeface="Wingdings" panose="05000000000000000000" pitchFamily="2" charset="2"/>
+              </a:rPr>
+              <a:t>him</a:t>
+            </a:r>
+            <a:r>
+              <a:rPr lang="it-IT" sz="2200" dirty="0">
+                <a:sym typeface="Wingdings" panose="05000000000000000000" pitchFamily="2" charset="2"/>
+              </a:rPr>
+              <a:t>)</a:t>
+            </a:r>
+            <a:endParaRPr lang="it-IT" sz="2200" b="1" dirty="0">
+              <a:sym typeface="Wingdings" panose="05000000000000000000" pitchFamily="2" charset="2"/>
+            </a:endParaRPr>
+          </a:p>
+          <a:p>
+            <a:r>
+              <a:rPr lang="it-IT" dirty="0"/>
+              <a:t> </a:t>
+            </a:r>
+            <a:endParaRPr lang="it-IT" b="1" dirty="0"/>
+          </a:p>
+        </p:txBody>
+      </p:sp>
+    </p:spTree>
+    <p:extLst>
+      <p:ext uri="{BB962C8B-B14F-4D97-AF65-F5344CB8AC3E}">
+        <p14:creationId xmlns:p14="http://schemas.microsoft.com/office/powerpoint/2010/main" val="2562050695"/>
+      </p:ext>
+    </p:extLst>
+  </p:cSld>
+  <p:clrMapOvr>
+    <a:masterClrMapping/>
+  </p:clrMapOvr>
+</p:sld>
+</file>
+
+<file path=ppt/slides/slide7.xml><?xml version="1.0" encoding="utf-8"?>
 <p:sld xmlns:a="http://schemas.openxmlformats.org/drawingml/2006/main" xmlns:r="http://schemas.openxmlformats.org/officeDocument/2006/relationships" xmlns:p="http://schemas.openxmlformats.org/presentationml/2006/main">
   <p:cSld>
     <p:spTree>
@@ -14856,7 +16039,7 @@
 </p:sld>
 </file>
 
-<file path=ppt/slides/slide7.xml><?xml version="1.0" encoding="utf-8"?>
+<file path=ppt/slides/slide8.xml><?xml version="1.0" encoding="utf-8"?>
 <p:sld xmlns:a="http://schemas.openxmlformats.org/drawingml/2006/main" xmlns:r="http://schemas.openxmlformats.org/officeDocument/2006/relationships" xmlns:p="http://schemas.openxmlformats.org/presentationml/2006/main">
   <p:cSld>
     <p:spTree>
@@ -15589,7 +16772,7 @@
 </p:sld>
 </file>
 
-<file path=ppt/slides/slide8.xml><?xml version="1.0" encoding="utf-8"?>
+<file path=ppt/slides/slide9.xml><?xml version="1.0" encoding="utf-8"?>
 <p:sld xmlns:a="http://schemas.openxmlformats.org/drawingml/2006/main" xmlns:r="http://schemas.openxmlformats.org/officeDocument/2006/relationships" xmlns:p="http://schemas.openxmlformats.org/presentationml/2006/main">
   <p:cSld>
     <p:spTree>
@@ -16184,444 +17367,6 @@
     <p:extLst>
       <p:ext uri="{BB962C8B-B14F-4D97-AF65-F5344CB8AC3E}">
         <p14:creationId xmlns:p14="http://schemas.microsoft.com/office/powerpoint/2010/main" val="526234940"/>
-      </p:ext>
-    </p:extLst>
-  </p:cSld>
-  <p:clrMapOvr>
-    <a:masterClrMapping/>
-  </p:clrMapOvr>
-</p:sld>
-</file>
-
-<file path=ppt/slides/slide9.xml><?xml version="1.0" encoding="utf-8"?>
-<p:sld xmlns:a="http://schemas.openxmlformats.org/drawingml/2006/main" xmlns:r="http://schemas.openxmlformats.org/officeDocument/2006/relationships" xmlns:p="http://schemas.openxmlformats.org/presentationml/2006/main">
-  <p:cSld>
-    <p:spTree>
-      <p:nvGrpSpPr>
-        <p:cNvPr id="1" name="Shape 170"/>
-        <p:cNvGrpSpPr/>
-        <p:nvPr/>
-      </p:nvGrpSpPr>
-      <p:grpSpPr>
-        <a:xfrm>
-          <a:off x="0" y="0"/>
-          <a:ext cx="0" cy="0"/>
-          <a:chOff x="0" y="0"/>
-          <a:chExt cx="0" cy="0"/>
-        </a:xfrm>
-      </p:grpSpPr>
-      <p:sp>
-        <p:nvSpPr>
-          <p:cNvPr id="171" name="Google Shape;171;p29"/>
-          <p:cNvSpPr txBox="1">
-            <a:spLocks noGrp="1"/>
-          </p:cNvSpPr>
-          <p:nvPr>
-            <p:ph type="title"/>
-          </p:nvPr>
-        </p:nvSpPr>
-        <p:spPr/>
-        <p:txBody>
-          <a:bodyPr/>
-          <a:lstStyle/>
-          <a:p>
-            <a:r>
-              <a:rPr lang="es-419" dirty="0"/>
-              <a:t>SQL DDL</a:t>
-            </a:r>
-          </a:p>
-        </p:txBody>
-      </p:sp>
-      <p:sp>
-        <p:nvSpPr>
-          <p:cNvPr id="172" name="Google Shape;172;p29"/>
-          <p:cNvSpPr txBox="1">
-            <a:spLocks noGrp="1"/>
-          </p:cNvSpPr>
-          <p:nvPr>
-            <p:ph type="body" idx="1"/>
-          </p:nvPr>
-        </p:nvSpPr>
-        <p:spPr>
-          <a:xfrm>
-            <a:off x="205945" y="1674213"/>
-            <a:ext cx="4555524" cy="4907819"/>
-          </a:xfrm>
-        </p:spPr>
-        <p:txBody>
-          <a:bodyPr>
-            <a:normAutofit/>
-          </a:bodyPr>
-          <a:lstStyle/>
-          <a:p>
-            <a:pPr marL="0" indent="0">
-              <a:buNone/>
-            </a:pPr>
-            <a:r>
-              <a:rPr lang="en-US" sz="1600" dirty="0">
-                <a:latin typeface="Courier New" panose="02070309020205020404" pitchFamily="49" charset="0"/>
-                <a:cs typeface="Courier New" panose="02070309020205020404" pitchFamily="49" charset="0"/>
-                <a:sym typeface="Courier New"/>
-              </a:rPr>
-              <a:t>CREATE TABLE `</a:t>
-            </a:r>
-            <a:r>
-              <a:rPr lang="en-US" sz="1600" b="1" dirty="0" err="1">
-                <a:latin typeface="Courier New" panose="02070309020205020404" pitchFamily="49" charset="0"/>
-                <a:cs typeface="Courier New" panose="02070309020205020404" pitchFamily="49" charset="0"/>
-                <a:sym typeface="Courier New"/>
-              </a:rPr>
-              <a:t>variableAnswer</a:t>
-            </a:r>
-            <a:r>
-              <a:rPr lang="en-US" sz="1600" dirty="0">
-                <a:latin typeface="Courier New" panose="02070309020205020404" pitchFamily="49" charset="0"/>
-                <a:cs typeface="Courier New" panose="02070309020205020404" pitchFamily="49" charset="0"/>
-                <a:sym typeface="Courier New"/>
-              </a:rPr>
-              <a:t>` (  </a:t>
-            </a:r>
-          </a:p>
-          <a:p>
-            <a:pPr marL="0" indent="0">
-              <a:buNone/>
-            </a:pPr>
-            <a:r>
-              <a:rPr lang="en-US" sz="1600" dirty="0">
-                <a:latin typeface="Courier New" panose="02070309020205020404" pitchFamily="49" charset="0"/>
-                <a:cs typeface="Courier New" panose="02070309020205020404" pitchFamily="49" charset="0"/>
-                <a:sym typeface="Courier New"/>
-              </a:rPr>
-              <a:t>`</a:t>
-            </a:r>
-            <a:r>
-              <a:rPr lang="en-US" sz="1600" dirty="0" err="1">
-                <a:latin typeface="Courier New" panose="02070309020205020404" pitchFamily="49" charset="0"/>
-                <a:cs typeface="Courier New" panose="02070309020205020404" pitchFamily="49" charset="0"/>
-                <a:sym typeface="Courier New"/>
-              </a:rPr>
-              <a:t>answerIDINCREMENT</a:t>
-            </a:r>
-            <a:r>
-              <a:rPr lang="en-US" sz="1600" dirty="0">
-                <a:latin typeface="Courier New" panose="02070309020205020404" pitchFamily="49" charset="0"/>
-                <a:cs typeface="Courier New" panose="02070309020205020404" pitchFamily="49" charset="0"/>
-                <a:sym typeface="Courier New"/>
-              </a:rPr>
-              <a:t>,  </a:t>
-            </a:r>
-          </a:p>
-          <a:p>
-            <a:pPr marL="0" indent="0">
-              <a:buNone/>
-            </a:pPr>
-            <a:r>
-              <a:rPr lang="en-US" sz="1600" dirty="0">
-                <a:latin typeface="Courier New" panose="02070309020205020404" pitchFamily="49" charset="0"/>
-                <a:cs typeface="Courier New" panose="02070309020205020404" pitchFamily="49" charset="0"/>
-                <a:sym typeface="Courier New"/>
-              </a:rPr>
-              <a:t>`</a:t>
-            </a:r>
-            <a:r>
-              <a:rPr lang="en-US" sz="1600" dirty="0" err="1">
-                <a:latin typeface="Courier New" panose="02070309020205020404" pitchFamily="49" charset="0"/>
-                <a:cs typeface="Courier New" panose="02070309020205020404" pitchFamily="49" charset="0"/>
-                <a:sym typeface="Courier New"/>
-              </a:rPr>
-              <a:t>variableQuestionID</a:t>
-            </a:r>
-            <a:r>
-              <a:rPr lang="en-US" sz="1600" dirty="0">
-                <a:latin typeface="Courier New" panose="02070309020205020404" pitchFamily="49" charset="0"/>
-                <a:cs typeface="Courier New" panose="02070309020205020404" pitchFamily="49" charset="0"/>
-                <a:sym typeface="Courier New"/>
-              </a:rPr>
-              <a:t>` int NOT NULL,  </a:t>
-            </a:r>
-          </a:p>
-          <a:p>
-            <a:pPr marL="0" indent="0">
-              <a:buNone/>
-            </a:pPr>
-            <a:r>
-              <a:rPr lang="en-US" sz="1600" dirty="0">
-                <a:latin typeface="Courier New" panose="02070309020205020404" pitchFamily="49" charset="0"/>
-                <a:cs typeface="Courier New" panose="02070309020205020404" pitchFamily="49" charset="0"/>
-                <a:sym typeface="Courier New"/>
-              </a:rPr>
-              <a:t>`answer` varchar(500) NOT NULL,  </a:t>
-            </a:r>
-          </a:p>
-          <a:p>
-            <a:pPr marL="0" indent="0">
-              <a:buNone/>
-            </a:pPr>
-            <a:r>
-              <a:rPr lang="en-US" sz="1600" dirty="0">
-                <a:latin typeface="Courier New" panose="02070309020205020404" pitchFamily="49" charset="0"/>
-                <a:cs typeface="Courier New" panose="02070309020205020404" pitchFamily="49" charset="0"/>
-                <a:sym typeface="Courier New"/>
-              </a:rPr>
-              <a:t>PRIMARY KEY (`</a:t>
-            </a:r>
-            <a:r>
-              <a:rPr lang="en-US" sz="1600" dirty="0" err="1">
-                <a:latin typeface="Courier New" panose="02070309020205020404" pitchFamily="49" charset="0"/>
-                <a:cs typeface="Courier New" panose="02070309020205020404" pitchFamily="49" charset="0"/>
-                <a:sym typeface="Courier New"/>
-              </a:rPr>
-              <a:t>answerID</a:t>
-            </a:r>
-            <a:r>
-              <a:rPr lang="en-US" sz="1600" dirty="0">
-                <a:latin typeface="Courier New" panose="02070309020205020404" pitchFamily="49" charset="0"/>
-                <a:cs typeface="Courier New" panose="02070309020205020404" pitchFamily="49" charset="0"/>
-                <a:sym typeface="Courier New"/>
-              </a:rPr>
-              <a:t>`, ` </a:t>
-            </a:r>
-            <a:r>
-              <a:rPr lang="en-US" sz="1600" dirty="0" err="1">
-                <a:latin typeface="Courier New" panose="02070309020205020404" pitchFamily="49" charset="0"/>
-                <a:cs typeface="Courier New" panose="02070309020205020404" pitchFamily="49" charset="0"/>
-                <a:sym typeface="Courier New"/>
-              </a:rPr>
-              <a:t>variableQuestionID</a:t>
-            </a:r>
-            <a:r>
-              <a:rPr lang="en-US" sz="1600" dirty="0">
-                <a:latin typeface="Courier New" panose="02070309020205020404" pitchFamily="49" charset="0"/>
-                <a:cs typeface="Courier New" panose="02070309020205020404" pitchFamily="49" charset="0"/>
-                <a:sym typeface="Courier New"/>
-              </a:rPr>
-              <a:t>`),</a:t>
-            </a:r>
-          </a:p>
-          <a:p>
-            <a:pPr marL="0" indent="0">
-              <a:buNone/>
-            </a:pPr>
-            <a:r>
-              <a:rPr lang="en-US" sz="1600" dirty="0">
-                <a:latin typeface="Courier New" panose="02070309020205020404" pitchFamily="49" charset="0"/>
-                <a:cs typeface="Courier New" panose="02070309020205020404" pitchFamily="49" charset="0"/>
-                <a:sym typeface="Courier New"/>
-              </a:rPr>
-              <a:t>CONSTRAINT `answers` FOREIGN KEY (`</a:t>
-            </a:r>
-            <a:r>
-              <a:rPr lang="en-US" sz="1600" dirty="0" err="1">
-                <a:latin typeface="Courier New" panose="02070309020205020404" pitchFamily="49" charset="0"/>
-                <a:cs typeface="Courier New" panose="02070309020205020404" pitchFamily="49" charset="0"/>
-                <a:sym typeface="Courier New"/>
-              </a:rPr>
-              <a:t>answerID</a:t>
-            </a:r>
-            <a:r>
-              <a:rPr lang="en-US" sz="1600" dirty="0">
-                <a:latin typeface="Courier New" panose="02070309020205020404" pitchFamily="49" charset="0"/>
-                <a:cs typeface="Courier New" panose="02070309020205020404" pitchFamily="49" charset="0"/>
-                <a:sym typeface="Courier New"/>
-              </a:rPr>
-              <a:t>`) REFERENCES `</a:t>
-            </a:r>
-            <a:r>
-              <a:rPr lang="en-US" sz="1600" dirty="0" err="1">
-                <a:latin typeface="Courier New" panose="02070309020205020404" pitchFamily="49" charset="0"/>
-                <a:cs typeface="Courier New" panose="02070309020205020404" pitchFamily="49" charset="0"/>
-                <a:sym typeface="Courier New"/>
-              </a:rPr>
-              <a:t>questionnarieAnswer</a:t>
-            </a:r>
-            <a:r>
-              <a:rPr lang="en-US" sz="1600" dirty="0">
-                <a:latin typeface="Courier New" panose="02070309020205020404" pitchFamily="49" charset="0"/>
-                <a:cs typeface="Courier New" panose="02070309020205020404" pitchFamily="49" charset="0"/>
-                <a:sym typeface="Courier New"/>
-              </a:rPr>
-              <a:t>` (`id`) ON DELETE CASCADE ON UPDATE CASCADE,</a:t>
-            </a:r>
-          </a:p>
-          <a:p>
-            <a:pPr marL="0" indent="0">
-              <a:buNone/>
-            </a:pPr>
-            <a:r>
-              <a:rPr lang="en-US" sz="1600" dirty="0">
-                <a:latin typeface="Courier New" panose="02070309020205020404" pitchFamily="49" charset="0"/>
-                <a:cs typeface="Courier New" panose="02070309020205020404" pitchFamily="49" charset="0"/>
-                <a:sym typeface="Courier New"/>
-              </a:rPr>
-              <a:t>CONSTRAINT `question` int NOT NULL AUTO_` FOREIGN KEY ( </a:t>
-            </a:r>
-            <a:r>
-              <a:rPr lang="en-US" sz="1600" dirty="0" err="1">
-                <a:latin typeface="Courier New" panose="02070309020205020404" pitchFamily="49" charset="0"/>
-                <a:cs typeface="Courier New" panose="02070309020205020404" pitchFamily="49" charset="0"/>
-                <a:sym typeface="Courier New"/>
-              </a:rPr>
-              <a:t>variableQuestionID</a:t>
-            </a:r>
-            <a:r>
-              <a:rPr lang="en-US" sz="1600" dirty="0">
-                <a:latin typeface="Courier New" panose="02070309020205020404" pitchFamily="49" charset="0"/>
-                <a:cs typeface="Courier New" panose="02070309020205020404" pitchFamily="49" charset="0"/>
-                <a:sym typeface="Courier New"/>
-              </a:rPr>
-              <a:t>`) REFERENCES `</a:t>
-            </a:r>
-            <a:r>
-              <a:rPr lang="en-US" sz="1600" dirty="0" err="1">
-                <a:latin typeface="Courier New" panose="02070309020205020404" pitchFamily="49" charset="0"/>
-                <a:cs typeface="Courier New" panose="02070309020205020404" pitchFamily="49" charset="0"/>
-                <a:sym typeface="Courier New"/>
-              </a:rPr>
-              <a:t>variableQuestion</a:t>
-            </a:r>
-            <a:r>
-              <a:rPr lang="en-US" sz="1600" dirty="0">
-                <a:latin typeface="Courier New" panose="02070309020205020404" pitchFamily="49" charset="0"/>
-                <a:cs typeface="Courier New" panose="02070309020205020404" pitchFamily="49" charset="0"/>
-                <a:sym typeface="Courier New"/>
-              </a:rPr>
-              <a:t>` (`id`) ON DELETE CASCADE ON UPDATE CASCADE</a:t>
-            </a:r>
-          </a:p>
-          <a:p>
-            <a:pPr marL="0" indent="0">
-              <a:buNone/>
-            </a:pPr>
-            <a:r>
-              <a:rPr lang="en-US" sz="1600" dirty="0">
-                <a:latin typeface="Courier New" panose="02070309020205020404" pitchFamily="49" charset="0"/>
-                <a:cs typeface="Courier New" panose="02070309020205020404" pitchFamily="49" charset="0"/>
-                <a:sym typeface="Courier New"/>
-              </a:rPr>
-              <a:t>)</a:t>
-            </a:r>
-          </a:p>
-        </p:txBody>
-      </p:sp>
-      <p:sp>
-        <p:nvSpPr>
-          <p:cNvPr id="2" name="CasellaDiTesto 1">
-            <a:extLst>
-              <a:ext uri="{FF2B5EF4-FFF2-40B4-BE49-F238E27FC236}">
-                <a16:creationId xmlns:a16="http://schemas.microsoft.com/office/drawing/2014/main" id="{338462ED-698C-44FE-AA52-1CCDB180270E}"/>
-              </a:ext>
-            </a:extLst>
-          </p:cNvPr>
-          <p:cNvSpPr txBox="1"/>
-          <p:nvPr/>
-        </p:nvSpPr>
-        <p:spPr>
-          <a:xfrm>
-            <a:off x="4588476" y="3016252"/>
-            <a:ext cx="4555524" cy="1369606"/>
-          </a:xfrm>
-          <a:prstGeom prst="rect">
-            <a:avLst/>
-          </a:prstGeom>
-          <a:noFill/>
-        </p:spPr>
-        <p:txBody>
-          <a:bodyPr wrap="square" rtlCol="0">
-            <a:spAutoFit/>
-          </a:bodyPr>
-          <a:lstStyle/>
-          <a:p>
-            <a:pPr>
-              <a:lnSpc>
-                <a:spcPct val="90000"/>
-              </a:lnSpc>
-              <a:spcBef>
-                <a:spcPts val="1000"/>
-              </a:spcBef>
-            </a:pPr>
-            <a:r>
-              <a:rPr lang="en-US" sz="1600" dirty="0">
-                <a:latin typeface="Courier New" panose="02070309020205020404" pitchFamily="49" charset="0"/>
-                <a:cs typeface="Courier New" panose="02070309020205020404" pitchFamily="49" charset="0"/>
-              </a:rPr>
-              <a:t>CREATE TABLE `</a:t>
-            </a:r>
-            <a:r>
-              <a:rPr lang="en-US" sz="1600" b="1" dirty="0" err="1">
-                <a:latin typeface="Courier New" panose="02070309020205020404" pitchFamily="49" charset="0"/>
-                <a:cs typeface="Courier New" panose="02070309020205020404" pitchFamily="49" charset="0"/>
-              </a:rPr>
-              <a:t>offensive_word</a:t>
-            </a:r>
-            <a:r>
-              <a:rPr lang="en-US" sz="1600" dirty="0">
-                <a:latin typeface="Courier New" panose="02070309020205020404" pitchFamily="49" charset="0"/>
-                <a:cs typeface="Courier New" panose="02070309020205020404" pitchFamily="49" charset="0"/>
-              </a:rPr>
-              <a:t>` (</a:t>
-            </a:r>
-          </a:p>
-          <a:p>
-            <a:pPr>
-              <a:lnSpc>
-                <a:spcPct val="90000"/>
-              </a:lnSpc>
-              <a:spcBef>
-                <a:spcPts val="1000"/>
-              </a:spcBef>
-            </a:pPr>
-            <a:r>
-              <a:rPr lang="en-US" sz="1600" dirty="0">
-                <a:latin typeface="Courier New" panose="02070309020205020404" pitchFamily="49" charset="0"/>
-                <a:cs typeface="Courier New" panose="02070309020205020404" pitchFamily="49" charset="0"/>
-              </a:rPr>
-              <a:t>  `id` int NOT NULL AUTO_INCREMENT,</a:t>
-            </a:r>
-          </a:p>
-          <a:p>
-            <a:pPr>
-              <a:lnSpc>
-                <a:spcPct val="90000"/>
-              </a:lnSpc>
-              <a:spcBef>
-                <a:spcPts val="1000"/>
-              </a:spcBef>
-            </a:pPr>
-            <a:r>
-              <a:rPr lang="en-US" sz="1600" dirty="0">
-                <a:latin typeface="Courier New" panose="02070309020205020404" pitchFamily="49" charset="0"/>
-                <a:cs typeface="Courier New" panose="02070309020205020404" pitchFamily="49" charset="0"/>
-              </a:rPr>
-              <a:t>  `word` varchar(50) NOT NULL, </a:t>
-            </a:r>
-          </a:p>
-          <a:p>
-            <a:pPr>
-              <a:lnSpc>
-                <a:spcPct val="90000"/>
-              </a:lnSpc>
-              <a:spcBef>
-                <a:spcPts val="1000"/>
-              </a:spcBef>
-            </a:pPr>
-            <a:r>
-              <a:rPr lang="en-US" sz="1600" dirty="0">
-                <a:latin typeface="Courier New" panose="02070309020205020404" pitchFamily="49" charset="0"/>
-                <a:cs typeface="Courier New" panose="02070309020205020404" pitchFamily="49" charset="0"/>
-              </a:rPr>
-              <a:t> PRIMARY KEY (`id`))</a:t>
-            </a:r>
-            <a:endParaRPr lang="it-IT" sz="1600" dirty="0">
-              <a:latin typeface="Courier New" panose="02070309020205020404" pitchFamily="49" charset="0"/>
-              <a:cs typeface="Courier New" panose="02070309020205020404" pitchFamily="49" charset="0"/>
-            </a:endParaRPr>
-          </a:p>
-        </p:txBody>
-      </p:sp>
-    </p:spTree>
-    <p:extLst>
-      <p:ext uri="{BB962C8B-B14F-4D97-AF65-F5344CB8AC3E}">
-        <p14:creationId xmlns:p14="http://schemas.microsoft.com/office/powerpoint/2010/main" val="1419575028"/>
       </p:ext>
     </p:extLst>
   </p:cSld>

--- a/DD.pptx
+++ b/DD.pptx
@@ -3998,8 +3998,48 @@
           <a:p>
             <a:r>
               <a:rPr lang="en-GB" dirty="0"/>
-              <a:t>JPA exercise: XYZ</a:t>
-            </a:r>
+              <a:t>Optional project</a:t>
+            </a:r>
+          </a:p>
+          <a:p>
+            <a:r>
+              <a:rPr lang="en-GB" b="1" dirty="0"/>
+              <a:t>Riccardo</a:t>
+            </a:r>
+            <a:r>
+              <a:rPr lang="en-GB" dirty="0"/>
+              <a:t> </a:t>
+            </a:r>
+            <a:r>
+              <a:rPr lang="en-GB" b="1" dirty="0"/>
+              <a:t>Nannini</a:t>
+            </a:r>
+            <a:r>
+              <a:rPr lang="en-GB" dirty="0"/>
+              <a:t> 10626268</a:t>
+            </a:r>
+          </a:p>
+          <a:p>
+            <a:r>
+              <a:rPr lang="en-GB" b="1" dirty="0"/>
+              <a:t>Antonio </a:t>
+            </a:r>
+            <a:r>
+              <a:rPr lang="en-GB" b="1" dirty="0" err="1"/>
+              <a:t>Ercolani</a:t>
+            </a:r>
+            <a:r>
+              <a:rPr lang="en-GB" b="1" dirty="0"/>
+              <a:t> </a:t>
+            </a:r>
+            <a:r>
+              <a:rPr lang="en-GB" dirty="0"/>
+              <a:t>10621728</a:t>
+            </a:r>
+            <a:endParaRPr lang="en-GB" b="1" dirty="0"/>
+          </a:p>
+          <a:p>
+            <a:endParaRPr lang="en-GB" dirty="0"/>
           </a:p>
         </p:txBody>
       </p:sp>
@@ -8559,8 +8599,8 @@
               <a:t>Relationship “</a:t>
             </a:r>
             <a:r>
-              <a:rPr lang="en-US" sz="4400" dirty="0"/>
-              <a:t>Variable answer</a:t>
+              <a:rPr lang="en-US" sz="4400" dirty="0" err="1"/>
+              <a:t>VariableAnswer</a:t>
             </a:r>
             <a:r>
               <a:rPr lang="en-GB" dirty="0"/>
@@ -13427,110 +13467,6 @@
       </p:cxnSp>
       <p:sp>
         <p:nvSpPr>
-          <p:cNvPr id="37" name="Rectangle 17">
-            <a:extLst>
-              <a:ext uri="{FF2B5EF4-FFF2-40B4-BE49-F238E27FC236}">
-                <a16:creationId xmlns:a16="http://schemas.microsoft.com/office/drawing/2014/main" id="{1B68D85A-EC2F-4A0D-BE8A-1FACFCC6CE27}"/>
-              </a:ext>
-            </a:extLst>
-          </p:cNvPr>
-          <p:cNvSpPr/>
-          <p:nvPr/>
-        </p:nvSpPr>
-        <p:spPr>
-          <a:xfrm>
-            <a:off x="6449320" y="4666002"/>
-            <a:ext cx="1295522" cy="482071"/>
-          </a:xfrm>
-          <a:prstGeom prst="rect">
-            <a:avLst/>
-          </a:prstGeom>
-          <a:ln w="38100"/>
-        </p:spPr>
-        <p:style>
-          <a:lnRef idx="2">
-            <a:schemeClr val="accent1"/>
-          </a:lnRef>
-          <a:fillRef idx="1">
-            <a:schemeClr val="lt1"/>
-          </a:fillRef>
-          <a:effectRef idx="0">
-            <a:schemeClr val="accent1"/>
-          </a:effectRef>
-          <a:fontRef idx="minor">
-            <a:schemeClr val="dk1"/>
-          </a:fontRef>
-        </p:style>
-        <p:txBody>
-          <a:bodyPr rtlCol="0" anchor="ctr"/>
-          <a:lstStyle/>
-          <a:p>
-            <a:pPr algn="ctr"/>
-            <a:r>
-              <a:rPr lang="en-GB" sz="1400" dirty="0"/>
-              <a:t>Variable </a:t>
-            </a:r>
-          </a:p>
-          <a:p>
-            <a:pPr algn="ctr"/>
-            <a:r>
-              <a:rPr lang="en-GB" sz="1400" dirty="0"/>
-              <a:t>Answer</a:t>
-            </a:r>
-          </a:p>
-        </p:txBody>
-      </p:sp>
-      <p:sp>
-        <p:nvSpPr>
-          <p:cNvPr id="40" name="Diamond 42">
-            <a:extLst>
-              <a:ext uri="{FF2B5EF4-FFF2-40B4-BE49-F238E27FC236}">
-                <a16:creationId xmlns:a16="http://schemas.microsoft.com/office/drawing/2014/main" id="{8935B867-5365-41AA-B87E-32106F0B5B0B}"/>
-              </a:ext>
-            </a:extLst>
-          </p:cNvPr>
-          <p:cNvSpPr/>
-          <p:nvPr/>
-        </p:nvSpPr>
-        <p:spPr>
-          <a:xfrm>
-            <a:off x="6856621" y="2722379"/>
-            <a:ext cx="471338" cy="422804"/>
-          </a:xfrm>
-          <a:prstGeom prst="diamond">
-            <a:avLst/>
-          </a:prstGeom>
-          <a:ln w="38100"/>
-        </p:spPr>
-        <p:style>
-          <a:lnRef idx="2">
-            <a:schemeClr val="accent1"/>
-          </a:lnRef>
-          <a:fillRef idx="1">
-            <a:schemeClr val="lt1"/>
-          </a:fillRef>
-          <a:effectRef idx="0">
-            <a:schemeClr val="accent1"/>
-          </a:effectRef>
-          <a:fontRef idx="minor">
-            <a:schemeClr val="dk1"/>
-          </a:fontRef>
-        </p:style>
-        <p:txBody>
-          <a:bodyPr rtlCol="0" anchor="ctr"/>
-          <a:lstStyle/>
-          <a:p>
-            <a:pPr algn="ctr"/>
-            <a:endParaRPr lang="en-GB" sz="1400" dirty="0">
-              <a:solidFill>
-                <a:schemeClr val="dk1"/>
-              </a:solidFill>
-            </a:endParaRPr>
-          </a:p>
-        </p:txBody>
-      </p:sp>
-      <p:sp>
-        <p:nvSpPr>
           <p:cNvPr id="43" name="Diamond 42">
             <a:extLst>
               <a:ext uri="{FF2B5EF4-FFF2-40B4-BE49-F238E27FC236}">
@@ -13543,7 +13479,7 @@
         </p:nvSpPr>
         <p:spPr>
           <a:xfrm>
-            <a:off x="6863765" y="5933538"/>
+            <a:off x="6691811" y="4345956"/>
             <a:ext cx="471338" cy="422804"/>
           </a:xfrm>
           <a:prstGeom prst="diamond">
@@ -13589,98 +13525,18 @@
           </p:cNvPr>
           <p:cNvCxnSpPr>
             <a:cxnSpLocks/>
-            <a:stCxn id="82" idx="3"/>
-            <a:endCxn id="43" idx="1"/>
           </p:cNvCxnSpPr>
           <p:nvPr/>
         </p:nvCxnSpPr>
         <p:spPr>
-          <a:xfrm>
-            <a:off x="3569020" y="6143543"/>
-            <a:ext cx="3294745" cy="1397"/>
-          </a:xfrm>
-          <a:prstGeom prst="line">
-            <a:avLst/>
-          </a:prstGeom>
-        </p:spPr>
-        <p:style>
-          <a:lnRef idx="1">
-            <a:schemeClr val="accent1"/>
-          </a:lnRef>
-          <a:fillRef idx="0">
-            <a:schemeClr val="accent1"/>
-          </a:fillRef>
-          <a:effectRef idx="0">
-            <a:schemeClr val="accent1"/>
-          </a:effectRef>
-          <a:fontRef idx="minor">
-            <a:schemeClr val="tx1"/>
-          </a:fontRef>
-        </p:style>
-      </p:cxnSp>
-      <p:cxnSp>
-        <p:nvCxnSpPr>
-          <p:cNvPr id="51" name="Straight Connector 48">
-            <a:extLst>
-              <a:ext uri="{FF2B5EF4-FFF2-40B4-BE49-F238E27FC236}">
-                <a16:creationId xmlns:a16="http://schemas.microsoft.com/office/drawing/2014/main" id="{3D49BA80-5E36-4BF1-A0BF-0ABE9230D2BE}"/>
-              </a:ext>
-            </a:extLst>
-          </p:cNvPr>
-          <p:cNvCxnSpPr>
-            <a:cxnSpLocks/>
-            <a:stCxn id="43" idx="0"/>
-            <a:endCxn id="37" idx="2"/>
-          </p:cNvCxnSpPr>
-          <p:nvPr/>
-        </p:nvCxnSpPr>
-        <p:spPr>
-          <a:xfrm flipH="1" flipV="1">
-            <a:off x="7097081" y="5148073"/>
-            <a:ext cx="2353" cy="785465"/>
-          </a:xfrm>
-          <a:prstGeom prst="line">
-            <a:avLst/>
-          </a:prstGeom>
-        </p:spPr>
-        <p:style>
-          <a:lnRef idx="1">
-            <a:schemeClr val="accent1"/>
-          </a:lnRef>
-          <a:fillRef idx="0">
-            <a:schemeClr val="accent1"/>
-          </a:fillRef>
-          <a:effectRef idx="0">
-            <a:schemeClr val="accent1"/>
-          </a:effectRef>
-          <a:fontRef idx="minor">
-            <a:schemeClr val="tx1"/>
-          </a:fontRef>
-        </p:style>
-      </p:cxnSp>
-      <p:cxnSp>
-        <p:nvCxnSpPr>
-          <p:cNvPr id="54" name="Straight Connector 48">
-            <a:extLst>
-              <a:ext uri="{FF2B5EF4-FFF2-40B4-BE49-F238E27FC236}">
-                <a16:creationId xmlns:a16="http://schemas.microsoft.com/office/drawing/2014/main" id="{6B11CE1B-51C1-4F3D-855A-5D9C621E9B63}"/>
-              </a:ext>
-            </a:extLst>
-          </p:cNvPr>
-          <p:cNvCxnSpPr>
-            <a:cxnSpLocks/>
-            <a:stCxn id="37" idx="0"/>
-            <a:endCxn id="40" idx="2"/>
-          </p:cNvCxnSpPr>
-          <p:nvPr/>
-        </p:nvCxnSpPr>
-        <p:spPr>
-          <a:xfrm flipH="1" flipV="1">
-            <a:off x="7092290" y="3145183"/>
-            <a:ext cx="4791" cy="1520819"/>
-          </a:xfrm>
-          <a:prstGeom prst="line">
-            <a:avLst/>
+          <a:xfrm flipV="1">
+            <a:off x="3602729" y="4786607"/>
+            <a:ext cx="3320916" cy="1421842"/>
+          </a:xfrm>
+          <a:prstGeom prst="bentConnector3">
+            <a:avLst>
+              <a:gd name="adj1" fmla="val 99906"/>
+            </a:avLst>
           </a:prstGeom>
         </p:spPr>
         <p:style>
@@ -13710,16 +13566,16 @@
           <p:cNvCxnSpPr>
             <a:cxnSpLocks/>
             <a:stCxn id="94" idx="3"/>
-            <a:endCxn id="40" idx="1"/>
+            <a:endCxn id="43" idx="0"/>
           </p:cNvCxnSpPr>
           <p:nvPr/>
         </p:nvCxnSpPr>
         <p:spPr>
           <a:xfrm>
             <a:off x="5446970" y="2909881"/>
-            <a:ext cx="1409651" cy="23900"/>
-          </a:xfrm>
-          <a:prstGeom prst="line">
+            <a:ext cx="1480510" cy="1436075"/>
+          </a:xfrm>
+          <a:prstGeom prst="bentConnector2">
             <a:avLst/>
           </a:prstGeom>
         </p:spPr>
@@ -13810,76 +13666,6 @@
       </p:sp>
       <p:sp>
         <p:nvSpPr>
-          <p:cNvPr id="72" name="TextBox 52">
-            <a:extLst>
-              <a:ext uri="{FF2B5EF4-FFF2-40B4-BE49-F238E27FC236}">
-                <a16:creationId xmlns:a16="http://schemas.microsoft.com/office/drawing/2014/main" id="{8D01ED69-1504-432F-A42C-4E52BE63D61B}"/>
-              </a:ext>
-            </a:extLst>
-          </p:cNvPr>
-          <p:cNvSpPr txBox="1"/>
-          <p:nvPr/>
-        </p:nvSpPr>
-        <p:spPr>
-          <a:xfrm>
-            <a:off x="6486591" y="5224710"/>
-            <a:ext cx="415498" cy="307777"/>
-          </a:xfrm>
-          <a:prstGeom prst="rect">
-            <a:avLst/>
-          </a:prstGeom>
-          <a:noFill/>
-        </p:spPr>
-        <p:txBody>
-          <a:bodyPr wrap="none" rtlCol="0">
-            <a:spAutoFit/>
-          </a:bodyPr>
-          <a:lstStyle/>
-          <a:p>
-            <a:r>
-              <a:rPr lang="en-GB" sz="1400" dirty="0"/>
-              <a:t>1:1</a:t>
-            </a:r>
-          </a:p>
-        </p:txBody>
-      </p:sp>
-      <p:sp>
-        <p:nvSpPr>
-          <p:cNvPr id="73" name="TextBox 52">
-            <a:extLst>
-              <a:ext uri="{FF2B5EF4-FFF2-40B4-BE49-F238E27FC236}">
-                <a16:creationId xmlns:a16="http://schemas.microsoft.com/office/drawing/2014/main" id="{D9B2FAD1-48AA-4C9F-A301-6D3C90B4A18D}"/>
-              </a:ext>
-            </a:extLst>
-          </p:cNvPr>
-          <p:cNvSpPr txBox="1"/>
-          <p:nvPr/>
-        </p:nvSpPr>
-        <p:spPr>
-          <a:xfrm>
-            <a:off x="6486591" y="4272475"/>
-            <a:ext cx="415498" cy="307777"/>
-          </a:xfrm>
-          <a:prstGeom prst="rect">
-            <a:avLst/>
-          </a:prstGeom>
-          <a:noFill/>
-        </p:spPr>
-        <p:txBody>
-          <a:bodyPr wrap="none" rtlCol="0">
-            <a:spAutoFit/>
-          </a:bodyPr>
-          <a:lstStyle/>
-          <a:p>
-            <a:r>
-              <a:rPr lang="en-GB" sz="1400" dirty="0"/>
-              <a:t>1:1</a:t>
-            </a:r>
-          </a:p>
-        </p:txBody>
-      </p:sp>
-      <p:sp>
-        <p:nvSpPr>
           <p:cNvPr id="18" name="CasellaDiTesto 17">
             <a:extLst>
               <a:ext uri="{FF2B5EF4-FFF2-40B4-BE49-F238E27FC236}">
@@ -14024,42 +13810,6 @@
       </p:sp>
       <p:sp>
         <p:nvSpPr>
-          <p:cNvPr id="77" name="CasellaDiTesto 76">
-            <a:extLst>
-              <a:ext uri="{FF2B5EF4-FFF2-40B4-BE49-F238E27FC236}">
-                <a16:creationId xmlns:a16="http://schemas.microsoft.com/office/drawing/2014/main" id="{D6DCC8FB-C98F-4CA7-A2A8-FA369E1B9E6C}"/>
-              </a:ext>
-            </a:extLst>
-          </p:cNvPr>
-          <p:cNvSpPr txBox="1"/>
-          <p:nvPr/>
-        </p:nvSpPr>
-        <p:spPr>
-          <a:xfrm>
-            <a:off x="6632295" y="2401829"/>
-            <a:ext cx="1161416" cy="307777"/>
-          </a:xfrm>
-          <a:prstGeom prst="rect">
-            <a:avLst/>
-          </a:prstGeom>
-          <a:noFill/>
-        </p:spPr>
-        <p:txBody>
-          <a:bodyPr wrap="square" rtlCol="0">
-            <a:spAutoFit/>
-          </a:bodyPr>
-          <a:lstStyle/>
-          <a:p>
-            <a:r>
-              <a:rPr lang="en-US" sz="1400" dirty="0" err="1"/>
-              <a:t>BelongsTo</a:t>
-            </a:r>
-            <a:endParaRPr lang="it-IT" dirty="0"/>
-          </a:p>
-        </p:txBody>
-      </p:sp>
-      <p:sp>
-        <p:nvSpPr>
           <p:cNvPr id="78" name="CasellaDiTesto 77">
             <a:extLst>
               <a:ext uri="{FF2B5EF4-FFF2-40B4-BE49-F238E27FC236}">
@@ -14108,8 +13858,8 @@
         </p:nvSpPr>
         <p:spPr>
           <a:xfrm>
-            <a:off x="6608798" y="6321762"/>
-            <a:ext cx="1053613" cy="307777"/>
+            <a:off x="7078597" y="4557358"/>
+            <a:ext cx="1324945" cy="307777"/>
           </a:xfrm>
           <a:prstGeom prst="rect">
             <a:avLst/>
@@ -14124,12 +13874,3608 @@
           <a:p>
             <a:r>
               <a:rPr lang="en-US" sz="1400" dirty="0" err="1"/>
-              <a:t>AnswersTo</a:t>
+              <a:t>VariableAnswer</a:t>
             </a:r>
             <a:endParaRPr lang="it-IT" dirty="0"/>
           </a:p>
         </p:txBody>
       </p:sp>
+      <p:grpSp>
+        <p:nvGrpSpPr>
+          <p:cNvPr id="6" name="Gruppo 5">
+            <a:extLst>
+              <a:ext uri="{FF2B5EF4-FFF2-40B4-BE49-F238E27FC236}">
+                <a16:creationId xmlns:a16="http://schemas.microsoft.com/office/drawing/2014/main" id="{6C3902C4-3A81-44EA-B8F5-D10368626E82}"/>
+              </a:ext>
+            </a:extLst>
+          </p:cNvPr>
+          <p:cNvGrpSpPr/>
+          <p:nvPr/>
+        </p:nvGrpSpPr>
+        <p:grpSpPr>
+          <a:xfrm>
+            <a:off x="1087326" y="314000"/>
+            <a:ext cx="390704" cy="95395"/>
+            <a:chOff x="844210" y="415639"/>
+            <a:chExt cx="390704" cy="95395"/>
+          </a:xfrm>
+        </p:grpSpPr>
+        <p:cxnSp>
+          <p:nvCxnSpPr>
+            <p:cNvPr id="3" name="Connettore diritto 2">
+              <a:extLst>
+                <a:ext uri="{FF2B5EF4-FFF2-40B4-BE49-F238E27FC236}">
+                  <a16:creationId xmlns:a16="http://schemas.microsoft.com/office/drawing/2014/main" id="{909FF35F-E44C-4071-9DE6-E068B0D0E849}"/>
+                </a:ext>
+              </a:extLst>
+            </p:cNvPr>
+            <p:cNvCxnSpPr>
+              <a:cxnSpLocks/>
+            </p:cNvCxnSpPr>
+            <p:nvPr/>
+          </p:nvCxnSpPr>
+          <p:spPr>
+            <a:xfrm>
+              <a:off x="974856" y="461961"/>
+              <a:ext cx="260058" cy="0"/>
+            </a:xfrm>
+            <a:prstGeom prst="line">
+              <a:avLst/>
+            </a:prstGeom>
+          </p:spPr>
+          <p:style>
+            <a:lnRef idx="2">
+              <a:schemeClr val="accent1"/>
+            </a:lnRef>
+            <a:fillRef idx="0">
+              <a:schemeClr val="accent1"/>
+            </a:fillRef>
+            <a:effectRef idx="1">
+              <a:schemeClr val="accent1"/>
+            </a:effectRef>
+            <a:fontRef idx="minor">
+              <a:schemeClr val="tx1"/>
+            </a:fontRef>
+          </p:style>
+        </p:cxnSp>
+        <p:sp>
+          <p:nvSpPr>
+            <p:cNvPr id="4" name="Ovale 3">
+              <a:extLst>
+                <a:ext uri="{FF2B5EF4-FFF2-40B4-BE49-F238E27FC236}">
+                  <a16:creationId xmlns:a16="http://schemas.microsoft.com/office/drawing/2014/main" id="{E8EFC11B-5A7F-4B18-B615-576C7A64604F}"/>
+                </a:ext>
+              </a:extLst>
+            </p:cNvPr>
+            <p:cNvSpPr/>
+            <p:nvPr/>
+          </p:nvSpPr>
+          <p:spPr>
+            <a:xfrm>
+              <a:off x="844210" y="415639"/>
+              <a:ext cx="123089" cy="95395"/>
+            </a:xfrm>
+            <a:prstGeom prst="ellipse">
+              <a:avLst/>
+            </a:prstGeom>
+            <a:solidFill>
+              <a:schemeClr val="bg1"/>
+            </a:solidFill>
+          </p:spPr>
+          <p:style>
+            <a:lnRef idx="2">
+              <a:schemeClr val="accent1">
+                <a:shade val="50000"/>
+              </a:schemeClr>
+            </a:lnRef>
+            <a:fillRef idx="1">
+              <a:schemeClr val="accent1"/>
+            </a:fillRef>
+            <a:effectRef idx="0">
+              <a:schemeClr val="accent1"/>
+            </a:effectRef>
+            <a:fontRef idx="minor">
+              <a:schemeClr val="lt1"/>
+            </a:fontRef>
+          </p:style>
+          <p:txBody>
+            <a:bodyPr rtlCol="0" anchor="ctr"/>
+            <a:lstStyle/>
+            <a:p>
+              <a:pPr algn="ctr"/>
+              <a:endParaRPr lang="it-IT"/>
+            </a:p>
+          </p:txBody>
+        </p:sp>
+      </p:grpSp>
+      <p:sp>
+        <p:nvSpPr>
+          <p:cNvPr id="68" name="CasellaDiTesto 67">
+            <a:extLst>
+              <a:ext uri="{FF2B5EF4-FFF2-40B4-BE49-F238E27FC236}">
+                <a16:creationId xmlns:a16="http://schemas.microsoft.com/office/drawing/2014/main" id="{3CC32E5E-146A-4288-A5DF-F069BAA2EF42}"/>
+              </a:ext>
+            </a:extLst>
+          </p:cNvPr>
+          <p:cNvSpPr txBox="1"/>
+          <p:nvPr/>
+        </p:nvSpPr>
+        <p:spPr>
+          <a:xfrm>
+            <a:off x="360780" y="237211"/>
+            <a:ext cx="857192" cy="246221"/>
+          </a:xfrm>
+          <a:prstGeom prst="rect">
+            <a:avLst/>
+          </a:prstGeom>
+          <a:noFill/>
+        </p:spPr>
+        <p:txBody>
+          <a:bodyPr wrap="square" rtlCol="0">
+            <a:spAutoFit/>
+          </a:bodyPr>
+          <a:lstStyle/>
+          <a:p>
+            <a:r>
+              <a:rPr lang="en-US" sz="1000" dirty="0"/>
+              <a:t>Timestamp</a:t>
+            </a:r>
+            <a:endParaRPr lang="it-IT" sz="1100" dirty="0"/>
+          </a:p>
+        </p:txBody>
+      </p:sp>
+      <p:grpSp>
+        <p:nvGrpSpPr>
+          <p:cNvPr id="69" name="Gruppo 68">
+            <a:extLst>
+              <a:ext uri="{FF2B5EF4-FFF2-40B4-BE49-F238E27FC236}">
+                <a16:creationId xmlns:a16="http://schemas.microsoft.com/office/drawing/2014/main" id="{7B8773B0-6DC0-4F08-B2A3-0B59881CD214}"/>
+              </a:ext>
+            </a:extLst>
+          </p:cNvPr>
+          <p:cNvGrpSpPr/>
+          <p:nvPr/>
+        </p:nvGrpSpPr>
+        <p:grpSpPr>
+          <a:xfrm>
+            <a:off x="1087326" y="496730"/>
+            <a:ext cx="390704" cy="95395"/>
+            <a:chOff x="844210" y="415639"/>
+            <a:chExt cx="390704" cy="95395"/>
+          </a:xfrm>
+          <a:solidFill>
+            <a:schemeClr val="accent1">
+              <a:lumMod val="60000"/>
+              <a:lumOff val="40000"/>
+            </a:schemeClr>
+          </a:solidFill>
+        </p:grpSpPr>
+        <p:cxnSp>
+          <p:nvCxnSpPr>
+            <p:cNvPr id="80" name="Connettore diritto 79">
+              <a:extLst>
+                <a:ext uri="{FF2B5EF4-FFF2-40B4-BE49-F238E27FC236}">
+                  <a16:creationId xmlns:a16="http://schemas.microsoft.com/office/drawing/2014/main" id="{115A177B-7F97-4A44-8061-4CF98516FAB0}"/>
+                </a:ext>
+              </a:extLst>
+            </p:cNvPr>
+            <p:cNvCxnSpPr>
+              <a:cxnSpLocks/>
+            </p:cNvCxnSpPr>
+            <p:nvPr/>
+          </p:nvCxnSpPr>
+          <p:spPr>
+            <a:xfrm>
+              <a:off x="974856" y="461961"/>
+              <a:ext cx="260058" cy="0"/>
+            </a:xfrm>
+            <a:prstGeom prst="line">
+              <a:avLst/>
+            </a:prstGeom>
+            <a:grpFill/>
+          </p:spPr>
+          <p:style>
+            <a:lnRef idx="2">
+              <a:schemeClr val="accent1"/>
+            </a:lnRef>
+            <a:fillRef idx="0">
+              <a:schemeClr val="accent1"/>
+            </a:fillRef>
+            <a:effectRef idx="1">
+              <a:schemeClr val="accent1"/>
+            </a:effectRef>
+            <a:fontRef idx="minor">
+              <a:schemeClr val="tx1"/>
+            </a:fontRef>
+          </p:style>
+        </p:cxnSp>
+        <p:sp>
+          <p:nvSpPr>
+            <p:cNvPr id="81" name="Ovale 80">
+              <a:extLst>
+                <a:ext uri="{FF2B5EF4-FFF2-40B4-BE49-F238E27FC236}">
+                  <a16:creationId xmlns:a16="http://schemas.microsoft.com/office/drawing/2014/main" id="{D7CEAE93-FAB4-415E-ADD4-0BCFD4BDBB29}"/>
+                </a:ext>
+              </a:extLst>
+            </p:cNvPr>
+            <p:cNvSpPr/>
+            <p:nvPr/>
+          </p:nvSpPr>
+          <p:spPr>
+            <a:xfrm>
+              <a:off x="844210" y="415639"/>
+              <a:ext cx="123089" cy="95395"/>
+            </a:xfrm>
+            <a:prstGeom prst="ellipse">
+              <a:avLst/>
+            </a:prstGeom>
+            <a:grpFill/>
+          </p:spPr>
+          <p:style>
+            <a:lnRef idx="2">
+              <a:schemeClr val="accent1">
+                <a:shade val="50000"/>
+              </a:schemeClr>
+            </a:lnRef>
+            <a:fillRef idx="1">
+              <a:schemeClr val="accent1"/>
+            </a:fillRef>
+            <a:effectRef idx="0">
+              <a:schemeClr val="accent1"/>
+            </a:effectRef>
+            <a:fontRef idx="minor">
+              <a:schemeClr val="lt1"/>
+            </a:fontRef>
+          </p:style>
+          <p:txBody>
+            <a:bodyPr rtlCol="0" anchor="ctr"/>
+            <a:lstStyle/>
+            <a:p>
+              <a:pPr algn="ctr"/>
+              <a:endParaRPr lang="it-IT"/>
+            </a:p>
+          </p:txBody>
+        </p:sp>
+      </p:grpSp>
+      <p:sp>
+        <p:nvSpPr>
+          <p:cNvPr id="83" name="CasellaDiTesto 82">
+            <a:extLst>
+              <a:ext uri="{FF2B5EF4-FFF2-40B4-BE49-F238E27FC236}">
+                <a16:creationId xmlns:a16="http://schemas.microsoft.com/office/drawing/2014/main" id="{284115F9-21DF-4E8A-A1EF-DD010F315FEF}"/>
+              </a:ext>
+            </a:extLst>
+          </p:cNvPr>
+          <p:cNvSpPr txBox="1"/>
+          <p:nvPr/>
+        </p:nvSpPr>
+        <p:spPr>
+          <a:xfrm>
+            <a:off x="825443" y="410121"/>
+            <a:ext cx="384972" cy="246221"/>
+          </a:xfrm>
+          <a:prstGeom prst="rect">
+            <a:avLst/>
+          </a:prstGeom>
+          <a:noFill/>
+        </p:spPr>
+        <p:txBody>
+          <a:bodyPr wrap="square" rtlCol="0">
+            <a:spAutoFit/>
+          </a:bodyPr>
+          <a:lstStyle/>
+          <a:p>
+            <a:r>
+              <a:rPr lang="en-US" sz="1000" dirty="0"/>
+              <a:t>Id</a:t>
+            </a:r>
+            <a:endParaRPr lang="it-IT" sz="1100" dirty="0"/>
+          </a:p>
+        </p:txBody>
+      </p:sp>
+      <p:grpSp>
+        <p:nvGrpSpPr>
+          <p:cNvPr id="87" name="Gruppo 86">
+            <a:extLst>
+              <a:ext uri="{FF2B5EF4-FFF2-40B4-BE49-F238E27FC236}">
+                <a16:creationId xmlns:a16="http://schemas.microsoft.com/office/drawing/2014/main" id="{D05E8AD0-F6D9-4C60-B94C-99453E36EFA6}"/>
+              </a:ext>
+            </a:extLst>
+          </p:cNvPr>
+          <p:cNvGrpSpPr/>
+          <p:nvPr/>
+        </p:nvGrpSpPr>
+        <p:grpSpPr>
+          <a:xfrm>
+            <a:off x="1209998" y="1562401"/>
+            <a:ext cx="390704" cy="95395"/>
+            <a:chOff x="844210" y="415639"/>
+            <a:chExt cx="390704" cy="95395"/>
+          </a:xfrm>
+          <a:solidFill>
+            <a:schemeClr val="accent1">
+              <a:lumMod val="60000"/>
+              <a:lumOff val="40000"/>
+            </a:schemeClr>
+          </a:solidFill>
+        </p:grpSpPr>
+        <p:cxnSp>
+          <p:nvCxnSpPr>
+            <p:cNvPr id="88" name="Connettore diritto 87">
+              <a:extLst>
+                <a:ext uri="{FF2B5EF4-FFF2-40B4-BE49-F238E27FC236}">
+                  <a16:creationId xmlns:a16="http://schemas.microsoft.com/office/drawing/2014/main" id="{36F1D0DA-4472-4DCA-8C98-62AAF41F4A65}"/>
+                </a:ext>
+              </a:extLst>
+            </p:cNvPr>
+            <p:cNvCxnSpPr>
+              <a:cxnSpLocks/>
+            </p:cNvCxnSpPr>
+            <p:nvPr/>
+          </p:nvCxnSpPr>
+          <p:spPr>
+            <a:xfrm>
+              <a:off x="974856" y="461961"/>
+              <a:ext cx="260058" cy="0"/>
+            </a:xfrm>
+            <a:prstGeom prst="line">
+              <a:avLst/>
+            </a:prstGeom>
+            <a:grpFill/>
+          </p:spPr>
+          <p:style>
+            <a:lnRef idx="2">
+              <a:schemeClr val="accent1"/>
+            </a:lnRef>
+            <a:fillRef idx="0">
+              <a:schemeClr val="accent1"/>
+            </a:fillRef>
+            <a:effectRef idx="1">
+              <a:schemeClr val="accent1"/>
+            </a:effectRef>
+            <a:fontRef idx="minor">
+              <a:schemeClr val="tx1"/>
+            </a:fontRef>
+          </p:style>
+        </p:cxnSp>
+        <p:sp>
+          <p:nvSpPr>
+            <p:cNvPr id="89" name="Ovale 88">
+              <a:extLst>
+                <a:ext uri="{FF2B5EF4-FFF2-40B4-BE49-F238E27FC236}">
+                  <a16:creationId xmlns:a16="http://schemas.microsoft.com/office/drawing/2014/main" id="{E130FF15-38D6-4F18-85B5-64CA655C2B6A}"/>
+                </a:ext>
+              </a:extLst>
+            </p:cNvPr>
+            <p:cNvSpPr/>
+            <p:nvPr/>
+          </p:nvSpPr>
+          <p:spPr>
+            <a:xfrm>
+              <a:off x="844210" y="415639"/>
+              <a:ext cx="123089" cy="95395"/>
+            </a:xfrm>
+            <a:prstGeom prst="ellipse">
+              <a:avLst/>
+            </a:prstGeom>
+            <a:grpFill/>
+          </p:spPr>
+          <p:style>
+            <a:lnRef idx="2">
+              <a:schemeClr val="accent1">
+                <a:shade val="50000"/>
+              </a:schemeClr>
+            </a:lnRef>
+            <a:fillRef idx="1">
+              <a:schemeClr val="accent1"/>
+            </a:fillRef>
+            <a:effectRef idx="0">
+              <a:schemeClr val="accent1"/>
+            </a:effectRef>
+            <a:fontRef idx="minor">
+              <a:schemeClr val="lt1"/>
+            </a:fontRef>
+          </p:style>
+          <p:txBody>
+            <a:bodyPr rtlCol="0" anchor="ctr"/>
+            <a:lstStyle/>
+            <a:p>
+              <a:pPr algn="ctr"/>
+              <a:endParaRPr lang="it-IT"/>
+            </a:p>
+          </p:txBody>
+        </p:sp>
+      </p:grpSp>
+      <p:sp>
+        <p:nvSpPr>
+          <p:cNvPr id="92" name="CasellaDiTesto 91">
+            <a:extLst>
+              <a:ext uri="{FF2B5EF4-FFF2-40B4-BE49-F238E27FC236}">
+                <a16:creationId xmlns:a16="http://schemas.microsoft.com/office/drawing/2014/main" id="{8C18BD79-D84B-430E-97C6-71A8FD719863}"/>
+              </a:ext>
+            </a:extLst>
+          </p:cNvPr>
+          <p:cNvSpPr txBox="1"/>
+          <p:nvPr/>
+        </p:nvSpPr>
+        <p:spPr>
+          <a:xfrm>
+            <a:off x="917955" y="1483555"/>
+            <a:ext cx="384972" cy="246221"/>
+          </a:xfrm>
+          <a:prstGeom prst="rect">
+            <a:avLst/>
+          </a:prstGeom>
+          <a:noFill/>
+        </p:spPr>
+        <p:txBody>
+          <a:bodyPr wrap="square" rtlCol="0">
+            <a:spAutoFit/>
+          </a:bodyPr>
+          <a:lstStyle/>
+          <a:p>
+            <a:r>
+              <a:rPr lang="en-US" sz="1000" dirty="0"/>
+              <a:t>Id</a:t>
+            </a:r>
+            <a:endParaRPr lang="it-IT" sz="1100" dirty="0"/>
+          </a:p>
+        </p:txBody>
+      </p:sp>
+      <p:grpSp>
+        <p:nvGrpSpPr>
+          <p:cNvPr id="93" name="Gruppo 92">
+            <a:extLst>
+              <a:ext uri="{FF2B5EF4-FFF2-40B4-BE49-F238E27FC236}">
+                <a16:creationId xmlns:a16="http://schemas.microsoft.com/office/drawing/2014/main" id="{0A530077-2DFB-4D3D-BADA-177B2FC13BC4}"/>
+              </a:ext>
+            </a:extLst>
+          </p:cNvPr>
+          <p:cNvGrpSpPr/>
+          <p:nvPr/>
+        </p:nvGrpSpPr>
+        <p:grpSpPr>
+          <a:xfrm>
+            <a:off x="1217972" y="1723049"/>
+            <a:ext cx="390704" cy="95395"/>
+            <a:chOff x="844210" y="415639"/>
+            <a:chExt cx="390704" cy="95395"/>
+          </a:xfrm>
+        </p:grpSpPr>
+        <p:cxnSp>
+          <p:nvCxnSpPr>
+            <p:cNvPr id="95" name="Connettore diritto 94">
+              <a:extLst>
+                <a:ext uri="{FF2B5EF4-FFF2-40B4-BE49-F238E27FC236}">
+                  <a16:creationId xmlns:a16="http://schemas.microsoft.com/office/drawing/2014/main" id="{2C8B88D3-BDC4-4B29-8088-DE016FFF9EAF}"/>
+                </a:ext>
+              </a:extLst>
+            </p:cNvPr>
+            <p:cNvCxnSpPr>
+              <a:cxnSpLocks/>
+            </p:cNvCxnSpPr>
+            <p:nvPr/>
+          </p:nvCxnSpPr>
+          <p:spPr>
+            <a:xfrm>
+              <a:off x="974856" y="461961"/>
+              <a:ext cx="260058" cy="0"/>
+            </a:xfrm>
+            <a:prstGeom prst="line">
+              <a:avLst/>
+            </a:prstGeom>
+          </p:spPr>
+          <p:style>
+            <a:lnRef idx="2">
+              <a:schemeClr val="accent1"/>
+            </a:lnRef>
+            <a:fillRef idx="0">
+              <a:schemeClr val="accent1"/>
+            </a:fillRef>
+            <a:effectRef idx="1">
+              <a:schemeClr val="accent1"/>
+            </a:effectRef>
+            <a:fontRef idx="minor">
+              <a:schemeClr val="tx1"/>
+            </a:fontRef>
+          </p:style>
+        </p:cxnSp>
+        <p:sp>
+          <p:nvSpPr>
+            <p:cNvPr id="99" name="Ovale 98">
+              <a:extLst>
+                <a:ext uri="{FF2B5EF4-FFF2-40B4-BE49-F238E27FC236}">
+                  <a16:creationId xmlns:a16="http://schemas.microsoft.com/office/drawing/2014/main" id="{28671AFD-BB4D-42DB-814F-F465E3FF94EB}"/>
+                </a:ext>
+              </a:extLst>
+            </p:cNvPr>
+            <p:cNvSpPr/>
+            <p:nvPr/>
+          </p:nvSpPr>
+          <p:spPr>
+            <a:xfrm>
+              <a:off x="844210" y="415639"/>
+              <a:ext cx="123089" cy="95395"/>
+            </a:xfrm>
+            <a:prstGeom prst="ellipse">
+              <a:avLst/>
+            </a:prstGeom>
+            <a:solidFill>
+              <a:schemeClr val="bg1"/>
+            </a:solidFill>
+          </p:spPr>
+          <p:style>
+            <a:lnRef idx="2">
+              <a:schemeClr val="accent1">
+                <a:shade val="50000"/>
+              </a:schemeClr>
+            </a:lnRef>
+            <a:fillRef idx="1">
+              <a:schemeClr val="accent1"/>
+            </a:fillRef>
+            <a:effectRef idx="0">
+              <a:schemeClr val="accent1"/>
+            </a:effectRef>
+            <a:fontRef idx="minor">
+              <a:schemeClr val="lt1"/>
+            </a:fontRef>
+          </p:style>
+          <p:txBody>
+            <a:bodyPr rtlCol="0" anchor="ctr"/>
+            <a:lstStyle/>
+            <a:p>
+              <a:pPr algn="ctr"/>
+              <a:endParaRPr lang="it-IT"/>
+            </a:p>
+          </p:txBody>
+        </p:sp>
+      </p:grpSp>
+      <p:sp>
+        <p:nvSpPr>
+          <p:cNvPr id="100" name="CasellaDiTesto 99">
+            <a:extLst>
+              <a:ext uri="{FF2B5EF4-FFF2-40B4-BE49-F238E27FC236}">
+                <a16:creationId xmlns:a16="http://schemas.microsoft.com/office/drawing/2014/main" id="{5CCFC98E-C0B7-4F81-BF2B-1513FB6A6D1B}"/>
+              </a:ext>
+            </a:extLst>
+          </p:cNvPr>
+          <p:cNvSpPr txBox="1"/>
+          <p:nvPr/>
+        </p:nvSpPr>
+        <p:spPr>
+          <a:xfrm>
+            <a:off x="574136" y="1630123"/>
+            <a:ext cx="857192" cy="246221"/>
+          </a:xfrm>
+          <a:prstGeom prst="rect">
+            <a:avLst/>
+          </a:prstGeom>
+          <a:noFill/>
+        </p:spPr>
+        <p:txBody>
+          <a:bodyPr wrap="square" rtlCol="0">
+            <a:spAutoFit/>
+          </a:bodyPr>
+          <a:lstStyle/>
+          <a:p>
+            <a:r>
+              <a:rPr lang="en-US" sz="1000" dirty="0"/>
+              <a:t>username</a:t>
+            </a:r>
+            <a:endParaRPr lang="it-IT" sz="1100" dirty="0"/>
+          </a:p>
+        </p:txBody>
+      </p:sp>
+      <p:grpSp>
+        <p:nvGrpSpPr>
+          <p:cNvPr id="101" name="Gruppo 100">
+            <a:extLst>
+              <a:ext uri="{FF2B5EF4-FFF2-40B4-BE49-F238E27FC236}">
+                <a16:creationId xmlns:a16="http://schemas.microsoft.com/office/drawing/2014/main" id="{876D1E1A-5B52-4BE4-92C9-83B65E38118B}"/>
+              </a:ext>
+            </a:extLst>
+          </p:cNvPr>
+          <p:cNvGrpSpPr/>
+          <p:nvPr/>
+        </p:nvGrpSpPr>
+        <p:grpSpPr>
+          <a:xfrm>
+            <a:off x="1209998" y="1865669"/>
+            <a:ext cx="390704" cy="95395"/>
+            <a:chOff x="844210" y="415639"/>
+            <a:chExt cx="390704" cy="95395"/>
+          </a:xfrm>
+        </p:grpSpPr>
+        <p:cxnSp>
+          <p:nvCxnSpPr>
+            <p:cNvPr id="102" name="Connettore diritto 101">
+              <a:extLst>
+                <a:ext uri="{FF2B5EF4-FFF2-40B4-BE49-F238E27FC236}">
+                  <a16:creationId xmlns:a16="http://schemas.microsoft.com/office/drawing/2014/main" id="{F13B4AC0-67F7-4B6C-9FC7-AFB891CF36D2}"/>
+                </a:ext>
+              </a:extLst>
+            </p:cNvPr>
+            <p:cNvCxnSpPr>
+              <a:cxnSpLocks/>
+            </p:cNvCxnSpPr>
+            <p:nvPr/>
+          </p:nvCxnSpPr>
+          <p:spPr>
+            <a:xfrm>
+              <a:off x="974856" y="461961"/>
+              <a:ext cx="260058" cy="0"/>
+            </a:xfrm>
+            <a:prstGeom prst="line">
+              <a:avLst/>
+            </a:prstGeom>
+          </p:spPr>
+          <p:style>
+            <a:lnRef idx="2">
+              <a:schemeClr val="accent1"/>
+            </a:lnRef>
+            <a:fillRef idx="0">
+              <a:schemeClr val="accent1"/>
+            </a:fillRef>
+            <a:effectRef idx="1">
+              <a:schemeClr val="accent1"/>
+            </a:effectRef>
+            <a:fontRef idx="minor">
+              <a:schemeClr val="tx1"/>
+            </a:fontRef>
+          </p:style>
+        </p:cxnSp>
+        <p:sp>
+          <p:nvSpPr>
+            <p:cNvPr id="103" name="Ovale 102">
+              <a:extLst>
+                <a:ext uri="{FF2B5EF4-FFF2-40B4-BE49-F238E27FC236}">
+                  <a16:creationId xmlns:a16="http://schemas.microsoft.com/office/drawing/2014/main" id="{E38114D2-DF9B-4C59-943D-DC1CE210EBB3}"/>
+                </a:ext>
+              </a:extLst>
+            </p:cNvPr>
+            <p:cNvSpPr/>
+            <p:nvPr/>
+          </p:nvSpPr>
+          <p:spPr>
+            <a:xfrm>
+              <a:off x="844210" y="415639"/>
+              <a:ext cx="123089" cy="95395"/>
+            </a:xfrm>
+            <a:prstGeom prst="ellipse">
+              <a:avLst/>
+            </a:prstGeom>
+            <a:solidFill>
+              <a:schemeClr val="bg1"/>
+            </a:solidFill>
+          </p:spPr>
+          <p:style>
+            <a:lnRef idx="2">
+              <a:schemeClr val="accent1">
+                <a:shade val="50000"/>
+              </a:schemeClr>
+            </a:lnRef>
+            <a:fillRef idx="1">
+              <a:schemeClr val="accent1"/>
+            </a:fillRef>
+            <a:effectRef idx="0">
+              <a:schemeClr val="accent1"/>
+            </a:effectRef>
+            <a:fontRef idx="minor">
+              <a:schemeClr val="lt1"/>
+            </a:fontRef>
+          </p:style>
+          <p:txBody>
+            <a:bodyPr rtlCol="0" anchor="ctr"/>
+            <a:lstStyle/>
+            <a:p>
+              <a:pPr algn="ctr"/>
+              <a:endParaRPr lang="it-IT"/>
+            </a:p>
+          </p:txBody>
+        </p:sp>
+      </p:grpSp>
+      <p:sp>
+        <p:nvSpPr>
+          <p:cNvPr id="104" name="CasellaDiTesto 103">
+            <a:extLst>
+              <a:ext uri="{FF2B5EF4-FFF2-40B4-BE49-F238E27FC236}">
+                <a16:creationId xmlns:a16="http://schemas.microsoft.com/office/drawing/2014/main" id="{641294FB-1653-4CAE-8A5C-F7A5119BFD99}"/>
+              </a:ext>
+            </a:extLst>
+          </p:cNvPr>
+          <p:cNvSpPr txBox="1"/>
+          <p:nvPr/>
+        </p:nvSpPr>
+        <p:spPr>
+          <a:xfrm>
+            <a:off x="576200" y="1781148"/>
+            <a:ext cx="857192" cy="246221"/>
+          </a:xfrm>
+          <a:prstGeom prst="rect">
+            <a:avLst/>
+          </a:prstGeom>
+          <a:noFill/>
+        </p:spPr>
+        <p:txBody>
+          <a:bodyPr wrap="square" rtlCol="0">
+            <a:spAutoFit/>
+          </a:bodyPr>
+          <a:lstStyle/>
+          <a:p>
+            <a:r>
+              <a:rPr lang="en-US" sz="1000" dirty="0"/>
+              <a:t>password</a:t>
+            </a:r>
+            <a:endParaRPr lang="it-IT" sz="1100" dirty="0"/>
+          </a:p>
+        </p:txBody>
+      </p:sp>
+      <p:grpSp>
+        <p:nvGrpSpPr>
+          <p:cNvPr id="105" name="Gruppo 104">
+            <a:extLst>
+              <a:ext uri="{FF2B5EF4-FFF2-40B4-BE49-F238E27FC236}">
+                <a16:creationId xmlns:a16="http://schemas.microsoft.com/office/drawing/2014/main" id="{49759FF9-2B95-4ECC-AD20-AB1901029031}"/>
+              </a:ext>
+            </a:extLst>
+          </p:cNvPr>
+          <p:cNvGrpSpPr/>
+          <p:nvPr/>
+        </p:nvGrpSpPr>
+        <p:grpSpPr>
+          <a:xfrm rot="16200000">
+            <a:off x="1531216" y="2175023"/>
+            <a:ext cx="390704" cy="95395"/>
+            <a:chOff x="844210" y="415639"/>
+            <a:chExt cx="390704" cy="95395"/>
+          </a:xfrm>
+        </p:grpSpPr>
+        <p:cxnSp>
+          <p:nvCxnSpPr>
+            <p:cNvPr id="106" name="Connettore diritto 105">
+              <a:extLst>
+                <a:ext uri="{FF2B5EF4-FFF2-40B4-BE49-F238E27FC236}">
+                  <a16:creationId xmlns:a16="http://schemas.microsoft.com/office/drawing/2014/main" id="{30D2B809-560E-4C52-AF8A-B76F1F95A8C6}"/>
+                </a:ext>
+              </a:extLst>
+            </p:cNvPr>
+            <p:cNvCxnSpPr>
+              <a:cxnSpLocks/>
+            </p:cNvCxnSpPr>
+            <p:nvPr/>
+          </p:nvCxnSpPr>
+          <p:spPr>
+            <a:xfrm>
+              <a:off x="974856" y="461961"/>
+              <a:ext cx="260058" cy="0"/>
+            </a:xfrm>
+            <a:prstGeom prst="line">
+              <a:avLst/>
+            </a:prstGeom>
+          </p:spPr>
+          <p:style>
+            <a:lnRef idx="2">
+              <a:schemeClr val="accent1"/>
+            </a:lnRef>
+            <a:fillRef idx="0">
+              <a:schemeClr val="accent1"/>
+            </a:fillRef>
+            <a:effectRef idx="1">
+              <a:schemeClr val="accent1"/>
+            </a:effectRef>
+            <a:fontRef idx="minor">
+              <a:schemeClr val="tx1"/>
+            </a:fontRef>
+          </p:style>
+        </p:cxnSp>
+        <p:sp>
+          <p:nvSpPr>
+            <p:cNvPr id="110" name="Ovale 109">
+              <a:extLst>
+                <a:ext uri="{FF2B5EF4-FFF2-40B4-BE49-F238E27FC236}">
+                  <a16:creationId xmlns:a16="http://schemas.microsoft.com/office/drawing/2014/main" id="{F43A24D9-FCB3-42C7-AFFA-932F906AB0F9}"/>
+                </a:ext>
+              </a:extLst>
+            </p:cNvPr>
+            <p:cNvSpPr/>
+            <p:nvPr/>
+          </p:nvSpPr>
+          <p:spPr>
+            <a:xfrm>
+              <a:off x="844210" y="415639"/>
+              <a:ext cx="123089" cy="95395"/>
+            </a:xfrm>
+            <a:prstGeom prst="ellipse">
+              <a:avLst/>
+            </a:prstGeom>
+            <a:solidFill>
+              <a:schemeClr val="bg1"/>
+            </a:solidFill>
+          </p:spPr>
+          <p:style>
+            <a:lnRef idx="2">
+              <a:schemeClr val="accent1">
+                <a:shade val="50000"/>
+              </a:schemeClr>
+            </a:lnRef>
+            <a:fillRef idx="1">
+              <a:schemeClr val="accent1"/>
+            </a:fillRef>
+            <a:effectRef idx="0">
+              <a:schemeClr val="accent1"/>
+            </a:effectRef>
+            <a:fontRef idx="minor">
+              <a:schemeClr val="lt1"/>
+            </a:fontRef>
+          </p:style>
+          <p:txBody>
+            <a:bodyPr rtlCol="0" anchor="ctr"/>
+            <a:lstStyle/>
+            <a:p>
+              <a:pPr algn="ctr"/>
+              <a:endParaRPr lang="it-IT"/>
+            </a:p>
+          </p:txBody>
+        </p:sp>
+      </p:grpSp>
+      <p:sp>
+        <p:nvSpPr>
+          <p:cNvPr id="111" name="CasellaDiTesto 110">
+            <a:extLst>
+              <a:ext uri="{FF2B5EF4-FFF2-40B4-BE49-F238E27FC236}">
+                <a16:creationId xmlns:a16="http://schemas.microsoft.com/office/drawing/2014/main" id="{C716DA6F-2E26-4BBA-94C2-114413841B6C}"/>
+              </a:ext>
+            </a:extLst>
+          </p:cNvPr>
+          <p:cNvSpPr txBox="1"/>
+          <p:nvPr/>
+        </p:nvSpPr>
+        <p:spPr>
+          <a:xfrm>
+            <a:off x="1431328" y="2356502"/>
+            <a:ext cx="643836" cy="246221"/>
+          </a:xfrm>
+          <a:prstGeom prst="rect">
+            <a:avLst/>
+          </a:prstGeom>
+          <a:noFill/>
+        </p:spPr>
+        <p:txBody>
+          <a:bodyPr wrap="square" rtlCol="0">
+            <a:spAutoFit/>
+          </a:bodyPr>
+          <a:lstStyle/>
+          <a:p>
+            <a:r>
+              <a:rPr lang="en-US" sz="1000" dirty="0"/>
+              <a:t>email</a:t>
+            </a:r>
+            <a:endParaRPr lang="it-IT" sz="1100" dirty="0"/>
+          </a:p>
+        </p:txBody>
+      </p:sp>
+      <p:grpSp>
+        <p:nvGrpSpPr>
+          <p:cNvPr id="112" name="Gruppo 111">
+            <a:extLst>
+              <a:ext uri="{FF2B5EF4-FFF2-40B4-BE49-F238E27FC236}">
+                <a16:creationId xmlns:a16="http://schemas.microsoft.com/office/drawing/2014/main" id="{F5B307ED-A606-4FE0-87D9-49EB0DC37DD0}"/>
+              </a:ext>
+            </a:extLst>
+          </p:cNvPr>
+          <p:cNvGrpSpPr/>
+          <p:nvPr/>
+        </p:nvGrpSpPr>
+        <p:grpSpPr>
+          <a:xfrm rot="16200000">
+            <a:off x="1805363" y="2175023"/>
+            <a:ext cx="390704" cy="95395"/>
+            <a:chOff x="844210" y="415639"/>
+            <a:chExt cx="390704" cy="95395"/>
+          </a:xfrm>
+        </p:grpSpPr>
+        <p:cxnSp>
+          <p:nvCxnSpPr>
+            <p:cNvPr id="113" name="Connettore diritto 112">
+              <a:extLst>
+                <a:ext uri="{FF2B5EF4-FFF2-40B4-BE49-F238E27FC236}">
+                  <a16:creationId xmlns:a16="http://schemas.microsoft.com/office/drawing/2014/main" id="{22257DC7-2362-44B1-B6E7-6FE782D83186}"/>
+                </a:ext>
+              </a:extLst>
+            </p:cNvPr>
+            <p:cNvCxnSpPr>
+              <a:cxnSpLocks/>
+            </p:cNvCxnSpPr>
+            <p:nvPr/>
+          </p:nvCxnSpPr>
+          <p:spPr>
+            <a:xfrm>
+              <a:off x="974856" y="461961"/>
+              <a:ext cx="260058" cy="0"/>
+            </a:xfrm>
+            <a:prstGeom prst="line">
+              <a:avLst/>
+            </a:prstGeom>
+          </p:spPr>
+          <p:style>
+            <a:lnRef idx="2">
+              <a:schemeClr val="accent1"/>
+            </a:lnRef>
+            <a:fillRef idx="0">
+              <a:schemeClr val="accent1"/>
+            </a:fillRef>
+            <a:effectRef idx="1">
+              <a:schemeClr val="accent1"/>
+            </a:effectRef>
+            <a:fontRef idx="minor">
+              <a:schemeClr val="tx1"/>
+            </a:fontRef>
+          </p:style>
+        </p:cxnSp>
+        <p:sp>
+          <p:nvSpPr>
+            <p:cNvPr id="114" name="Ovale 113">
+              <a:extLst>
+                <a:ext uri="{FF2B5EF4-FFF2-40B4-BE49-F238E27FC236}">
+                  <a16:creationId xmlns:a16="http://schemas.microsoft.com/office/drawing/2014/main" id="{1AA3C8FA-59C6-42BE-8B0E-CF885B00262C}"/>
+                </a:ext>
+              </a:extLst>
+            </p:cNvPr>
+            <p:cNvSpPr/>
+            <p:nvPr/>
+          </p:nvSpPr>
+          <p:spPr>
+            <a:xfrm>
+              <a:off x="844210" y="415639"/>
+              <a:ext cx="123089" cy="95395"/>
+            </a:xfrm>
+            <a:prstGeom prst="ellipse">
+              <a:avLst/>
+            </a:prstGeom>
+            <a:solidFill>
+              <a:schemeClr val="bg1"/>
+            </a:solidFill>
+          </p:spPr>
+          <p:style>
+            <a:lnRef idx="2">
+              <a:schemeClr val="accent1">
+                <a:shade val="50000"/>
+              </a:schemeClr>
+            </a:lnRef>
+            <a:fillRef idx="1">
+              <a:schemeClr val="accent1"/>
+            </a:fillRef>
+            <a:effectRef idx="0">
+              <a:schemeClr val="accent1"/>
+            </a:effectRef>
+            <a:fontRef idx="minor">
+              <a:schemeClr val="lt1"/>
+            </a:fontRef>
+          </p:style>
+          <p:txBody>
+            <a:bodyPr rtlCol="0" anchor="ctr"/>
+            <a:lstStyle/>
+            <a:p>
+              <a:pPr algn="ctr"/>
+              <a:endParaRPr lang="it-IT"/>
+            </a:p>
+          </p:txBody>
+        </p:sp>
+      </p:grpSp>
+      <p:sp>
+        <p:nvSpPr>
+          <p:cNvPr id="115" name="CasellaDiTesto 114">
+            <a:extLst>
+              <a:ext uri="{FF2B5EF4-FFF2-40B4-BE49-F238E27FC236}">
+                <a16:creationId xmlns:a16="http://schemas.microsoft.com/office/drawing/2014/main" id="{D0F1A865-85E7-4565-887F-9EC0B5339D54}"/>
+              </a:ext>
+            </a:extLst>
+          </p:cNvPr>
+          <p:cNvSpPr txBox="1"/>
+          <p:nvPr/>
+        </p:nvSpPr>
+        <p:spPr>
+          <a:xfrm>
+            <a:off x="1756613" y="2356502"/>
+            <a:ext cx="643836" cy="246221"/>
+          </a:xfrm>
+          <a:prstGeom prst="rect">
+            <a:avLst/>
+          </a:prstGeom>
+          <a:noFill/>
+        </p:spPr>
+        <p:txBody>
+          <a:bodyPr wrap="square" rtlCol="0">
+            <a:spAutoFit/>
+          </a:bodyPr>
+          <a:lstStyle/>
+          <a:p>
+            <a:r>
+              <a:rPr lang="en-US" sz="1000" dirty="0"/>
+              <a:t>blocked</a:t>
+            </a:r>
+            <a:endParaRPr lang="it-IT" sz="1100" dirty="0"/>
+          </a:p>
+        </p:txBody>
+      </p:sp>
+      <p:grpSp>
+        <p:nvGrpSpPr>
+          <p:cNvPr id="116" name="Gruppo 115">
+            <a:extLst>
+              <a:ext uri="{FF2B5EF4-FFF2-40B4-BE49-F238E27FC236}">
+                <a16:creationId xmlns:a16="http://schemas.microsoft.com/office/drawing/2014/main" id="{0A4A0180-4EFA-4A2D-8FC7-50ADBE06A969}"/>
+              </a:ext>
+            </a:extLst>
+          </p:cNvPr>
+          <p:cNvGrpSpPr/>
+          <p:nvPr/>
+        </p:nvGrpSpPr>
+        <p:grpSpPr>
+          <a:xfrm rot="16200000">
+            <a:off x="2230826" y="2169385"/>
+            <a:ext cx="390704" cy="95395"/>
+            <a:chOff x="844210" y="415639"/>
+            <a:chExt cx="390704" cy="95395"/>
+          </a:xfrm>
+        </p:grpSpPr>
+        <p:cxnSp>
+          <p:nvCxnSpPr>
+            <p:cNvPr id="117" name="Connettore diritto 116">
+              <a:extLst>
+                <a:ext uri="{FF2B5EF4-FFF2-40B4-BE49-F238E27FC236}">
+                  <a16:creationId xmlns:a16="http://schemas.microsoft.com/office/drawing/2014/main" id="{B8347174-1109-44E8-8DFF-E75B0C9D323C}"/>
+                </a:ext>
+              </a:extLst>
+            </p:cNvPr>
+            <p:cNvCxnSpPr>
+              <a:cxnSpLocks/>
+            </p:cNvCxnSpPr>
+            <p:nvPr/>
+          </p:nvCxnSpPr>
+          <p:spPr>
+            <a:xfrm>
+              <a:off x="974856" y="461961"/>
+              <a:ext cx="260058" cy="0"/>
+            </a:xfrm>
+            <a:prstGeom prst="line">
+              <a:avLst/>
+            </a:prstGeom>
+          </p:spPr>
+          <p:style>
+            <a:lnRef idx="2">
+              <a:schemeClr val="accent1"/>
+            </a:lnRef>
+            <a:fillRef idx="0">
+              <a:schemeClr val="accent1"/>
+            </a:fillRef>
+            <a:effectRef idx="1">
+              <a:schemeClr val="accent1"/>
+            </a:effectRef>
+            <a:fontRef idx="minor">
+              <a:schemeClr val="tx1"/>
+            </a:fontRef>
+          </p:style>
+        </p:cxnSp>
+        <p:sp>
+          <p:nvSpPr>
+            <p:cNvPr id="118" name="Ovale 117">
+              <a:extLst>
+                <a:ext uri="{FF2B5EF4-FFF2-40B4-BE49-F238E27FC236}">
+                  <a16:creationId xmlns:a16="http://schemas.microsoft.com/office/drawing/2014/main" id="{9BF04422-CD29-49AB-B825-18B61508F3D9}"/>
+                </a:ext>
+              </a:extLst>
+            </p:cNvPr>
+            <p:cNvSpPr/>
+            <p:nvPr/>
+          </p:nvSpPr>
+          <p:spPr>
+            <a:xfrm>
+              <a:off x="844210" y="415639"/>
+              <a:ext cx="123089" cy="95395"/>
+            </a:xfrm>
+            <a:prstGeom prst="ellipse">
+              <a:avLst/>
+            </a:prstGeom>
+            <a:solidFill>
+              <a:schemeClr val="bg1"/>
+            </a:solidFill>
+          </p:spPr>
+          <p:style>
+            <a:lnRef idx="2">
+              <a:schemeClr val="accent1">
+                <a:shade val="50000"/>
+              </a:schemeClr>
+            </a:lnRef>
+            <a:fillRef idx="1">
+              <a:schemeClr val="accent1"/>
+            </a:fillRef>
+            <a:effectRef idx="0">
+              <a:schemeClr val="accent1"/>
+            </a:effectRef>
+            <a:fontRef idx="minor">
+              <a:schemeClr val="lt1"/>
+            </a:fontRef>
+          </p:style>
+          <p:txBody>
+            <a:bodyPr rtlCol="0" anchor="ctr"/>
+            <a:lstStyle/>
+            <a:p>
+              <a:pPr algn="ctr"/>
+              <a:endParaRPr lang="it-IT"/>
+            </a:p>
+          </p:txBody>
+        </p:sp>
+      </p:grpSp>
+      <p:sp>
+        <p:nvSpPr>
+          <p:cNvPr id="119" name="CasellaDiTesto 118">
+            <a:extLst>
+              <a:ext uri="{FF2B5EF4-FFF2-40B4-BE49-F238E27FC236}">
+                <a16:creationId xmlns:a16="http://schemas.microsoft.com/office/drawing/2014/main" id="{F18FB17A-CBF4-4867-B04C-744DF296FC05}"/>
+              </a:ext>
+            </a:extLst>
+          </p:cNvPr>
+          <p:cNvSpPr txBox="1"/>
+          <p:nvPr/>
+        </p:nvSpPr>
+        <p:spPr>
+          <a:xfrm>
+            <a:off x="2222349" y="2365251"/>
+            <a:ext cx="643836" cy="246221"/>
+          </a:xfrm>
+          <a:prstGeom prst="rect">
+            <a:avLst/>
+          </a:prstGeom>
+          <a:noFill/>
+        </p:spPr>
+        <p:txBody>
+          <a:bodyPr wrap="square" rtlCol="0">
+            <a:spAutoFit/>
+          </a:bodyPr>
+          <a:lstStyle/>
+          <a:p>
+            <a:r>
+              <a:rPr lang="en-US" sz="1000" dirty="0"/>
+              <a:t>role</a:t>
+            </a:r>
+            <a:endParaRPr lang="it-IT" sz="1100" dirty="0"/>
+          </a:p>
+        </p:txBody>
+      </p:sp>
+      <p:grpSp>
+        <p:nvGrpSpPr>
+          <p:cNvPr id="9" name="Gruppo 8">
+            <a:extLst>
+              <a:ext uri="{FF2B5EF4-FFF2-40B4-BE49-F238E27FC236}">
+                <a16:creationId xmlns:a16="http://schemas.microsoft.com/office/drawing/2014/main" id="{F32F4A16-A471-4F6B-A12E-FA431D894112}"/>
+              </a:ext>
+            </a:extLst>
+          </p:cNvPr>
+          <p:cNvGrpSpPr/>
+          <p:nvPr/>
+        </p:nvGrpSpPr>
+        <p:grpSpPr>
+          <a:xfrm>
+            <a:off x="3511548" y="2563007"/>
+            <a:ext cx="645030" cy="246221"/>
+            <a:chOff x="5506765" y="677703"/>
+            <a:chExt cx="645030" cy="246221"/>
+          </a:xfrm>
+        </p:grpSpPr>
+        <p:grpSp>
+          <p:nvGrpSpPr>
+            <p:cNvPr id="127" name="Gruppo 126">
+              <a:extLst>
+                <a:ext uri="{FF2B5EF4-FFF2-40B4-BE49-F238E27FC236}">
+                  <a16:creationId xmlns:a16="http://schemas.microsoft.com/office/drawing/2014/main" id="{58480BEF-7406-41D2-AFE3-4B80A30B4D25}"/>
+                </a:ext>
+              </a:extLst>
+            </p:cNvPr>
+            <p:cNvGrpSpPr/>
+            <p:nvPr/>
+          </p:nvGrpSpPr>
+          <p:grpSpPr>
+            <a:xfrm>
+              <a:off x="5761091" y="757513"/>
+              <a:ext cx="390704" cy="95395"/>
+              <a:chOff x="844210" y="415639"/>
+              <a:chExt cx="390704" cy="95395"/>
+            </a:xfrm>
+            <a:solidFill>
+              <a:schemeClr val="accent1">
+                <a:lumMod val="60000"/>
+                <a:lumOff val="40000"/>
+              </a:schemeClr>
+            </a:solidFill>
+          </p:grpSpPr>
+          <p:cxnSp>
+            <p:nvCxnSpPr>
+              <p:cNvPr id="128" name="Connettore diritto 127">
+                <a:extLst>
+                  <a:ext uri="{FF2B5EF4-FFF2-40B4-BE49-F238E27FC236}">
+                    <a16:creationId xmlns:a16="http://schemas.microsoft.com/office/drawing/2014/main" id="{AB448305-EF11-4036-99F1-63A531B6FB7D}"/>
+                  </a:ext>
+                </a:extLst>
+              </p:cNvPr>
+              <p:cNvCxnSpPr>
+                <a:cxnSpLocks/>
+              </p:cNvCxnSpPr>
+              <p:nvPr/>
+            </p:nvCxnSpPr>
+            <p:spPr>
+              <a:xfrm>
+                <a:off x="974856" y="461961"/>
+                <a:ext cx="260058" cy="0"/>
+              </a:xfrm>
+              <a:prstGeom prst="line">
+                <a:avLst/>
+              </a:prstGeom>
+              <a:grpFill/>
+            </p:spPr>
+            <p:style>
+              <a:lnRef idx="2">
+                <a:schemeClr val="accent1"/>
+              </a:lnRef>
+              <a:fillRef idx="0">
+                <a:schemeClr val="accent1"/>
+              </a:fillRef>
+              <a:effectRef idx="1">
+                <a:schemeClr val="accent1"/>
+              </a:effectRef>
+              <a:fontRef idx="minor">
+                <a:schemeClr val="tx1"/>
+              </a:fontRef>
+            </p:style>
+          </p:cxnSp>
+          <p:sp>
+            <p:nvSpPr>
+              <p:cNvPr id="129" name="Ovale 128">
+                <a:extLst>
+                  <a:ext uri="{FF2B5EF4-FFF2-40B4-BE49-F238E27FC236}">
+                    <a16:creationId xmlns:a16="http://schemas.microsoft.com/office/drawing/2014/main" id="{8B74192E-129F-4548-A5F2-8613FA68A92F}"/>
+                  </a:ext>
+                </a:extLst>
+              </p:cNvPr>
+              <p:cNvSpPr/>
+              <p:nvPr/>
+            </p:nvSpPr>
+            <p:spPr>
+              <a:xfrm>
+                <a:off x="844210" y="415639"/>
+                <a:ext cx="123089" cy="95395"/>
+              </a:xfrm>
+              <a:prstGeom prst="ellipse">
+                <a:avLst/>
+              </a:prstGeom>
+              <a:grpFill/>
+            </p:spPr>
+            <p:style>
+              <a:lnRef idx="2">
+                <a:schemeClr val="accent1">
+                  <a:shade val="50000"/>
+                </a:schemeClr>
+              </a:lnRef>
+              <a:fillRef idx="1">
+                <a:schemeClr val="accent1"/>
+              </a:fillRef>
+              <a:effectRef idx="0">
+                <a:schemeClr val="accent1"/>
+              </a:effectRef>
+              <a:fontRef idx="minor">
+                <a:schemeClr val="lt1"/>
+              </a:fontRef>
+            </p:style>
+            <p:txBody>
+              <a:bodyPr rtlCol="0" anchor="ctr"/>
+              <a:lstStyle/>
+              <a:p>
+                <a:pPr algn="ctr"/>
+                <a:endParaRPr lang="it-IT"/>
+              </a:p>
+            </p:txBody>
+          </p:sp>
+        </p:grpSp>
+        <p:sp>
+          <p:nvSpPr>
+            <p:cNvPr id="132" name="CasellaDiTesto 131">
+              <a:extLst>
+                <a:ext uri="{FF2B5EF4-FFF2-40B4-BE49-F238E27FC236}">
+                  <a16:creationId xmlns:a16="http://schemas.microsoft.com/office/drawing/2014/main" id="{5E9FA251-6015-434A-BD52-D08322BBA3AF}"/>
+                </a:ext>
+              </a:extLst>
+            </p:cNvPr>
+            <p:cNvSpPr txBox="1"/>
+            <p:nvPr/>
+          </p:nvSpPr>
+          <p:spPr>
+            <a:xfrm>
+              <a:off x="5506765" y="677703"/>
+              <a:ext cx="384972" cy="246221"/>
+            </a:xfrm>
+            <a:prstGeom prst="rect">
+              <a:avLst/>
+            </a:prstGeom>
+            <a:noFill/>
+          </p:spPr>
+          <p:txBody>
+            <a:bodyPr wrap="square" rtlCol="0">
+              <a:spAutoFit/>
+            </a:bodyPr>
+            <a:lstStyle/>
+            <a:p>
+              <a:r>
+                <a:rPr lang="en-US" sz="1000" dirty="0"/>
+                <a:t>Id</a:t>
+              </a:r>
+              <a:endParaRPr lang="it-IT" sz="1100" dirty="0"/>
+            </a:p>
+          </p:txBody>
+        </p:sp>
+      </p:grpSp>
+      <p:grpSp>
+        <p:nvGrpSpPr>
+          <p:cNvPr id="136" name="Gruppo 135">
+            <a:extLst>
+              <a:ext uri="{FF2B5EF4-FFF2-40B4-BE49-F238E27FC236}">
+                <a16:creationId xmlns:a16="http://schemas.microsoft.com/office/drawing/2014/main" id="{9F8424BD-133F-4803-BC2B-160BFA27CDB5}"/>
+              </a:ext>
+            </a:extLst>
+          </p:cNvPr>
+          <p:cNvGrpSpPr/>
+          <p:nvPr/>
+        </p:nvGrpSpPr>
+        <p:grpSpPr>
+          <a:xfrm>
+            <a:off x="5749848" y="1013841"/>
+            <a:ext cx="390704" cy="95395"/>
+            <a:chOff x="844210" y="415639"/>
+            <a:chExt cx="390704" cy="95395"/>
+          </a:xfrm>
+        </p:grpSpPr>
+        <p:cxnSp>
+          <p:nvCxnSpPr>
+            <p:cNvPr id="137" name="Connettore diritto 136">
+              <a:extLst>
+                <a:ext uri="{FF2B5EF4-FFF2-40B4-BE49-F238E27FC236}">
+                  <a16:creationId xmlns:a16="http://schemas.microsoft.com/office/drawing/2014/main" id="{FBA43A07-177E-4037-85B4-AF283249C2C9}"/>
+                </a:ext>
+              </a:extLst>
+            </p:cNvPr>
+            <p:cNvCxnSpPr>
+              <a:cxnSpLocks/>
+            </p:cNvCxnSpPr>
+            <p:nvPr/>
+          </p:nvCxnSpPr>
+          <p:spPr>
+            <a:xfrm>
+              <a:off x="974856" y="461961"/>
+              <a:ext cx="260058" cy="0"/>
+            </a:xfrm>
+            <a:prstGeom prst="line">
+              <a:avLst/>
+            </a:prstGeom>
+          </p:spPr>
+          <p:style>
+            <a:lnRef idx="2">
+              <a:schemeClr val="accent1"/>
+            </a:lnRef>
+            <a:fillRef idx="0">
+              <a:schemeClr val="accent1"/>
+            </a:fillRef>
+            <a:effectRef idx="1">
+              <a:schemeClr val="accent1"/>
+            </a:effectRef>
+            <a:fontRef idx="minor">
+              <a:schemeClr val="tx1"/>
+            </a:fontRef>
+          </p:style>
+        </p:cxnSp>
+        <p:sp>
+          <p:nvSpPr>
+            <p:cNvPr id="138" name="Ovale 137">
+              <a:extLst>
+                <a:ext uri="{FF2B5EF4-FFF2-40B4-BE49-F238E27FC236}">
+                  <a16:creationId xmlns:a16="http://schemas.microsoft.com/office/drawing/2014/main" id="{D6EC5932-9BF1-4BC6-AFB6-42FA839D73B8}"/>
+                </a:ext>
+              </a:extLst>
+            </p:cNvPr>
+            <p:cNvSpPr/>
+            <p:nvPr/>
+          </p:nvSpPr>
+          <p:spPr>
+            <a:xfrm>
+              <a:off x="844210" y="415639"/>
+              <a:ext cx="123089" cy="95395"/>
+            </a:xfrm>
+            <a:prstGeom prst="ellipse">
+              <a:avLst/>
+            </a:prstGeom>
+            <a:solidFill>
+              <a:schemeClr val="bg1"/>
+            </a:solidFill>
+          </p:spPr>
+          <p:style>
+            <a:lnRef idx="2">
+              <a:schemeClr val="accent1">
+                <a:shade val="50000"/>
+              </a:schemeClr>
+            </a:lnRef>
+            <a:fillRef idx="1">
+              <a:schemeClr val="accent1"/>
+            </a:fillRef>
+            <a:effectRef idx="0">
+              <a:schemeClr val="accent1"/>
+            </a:effectRef>
+            <a:fontRef idx="minor">
+              <a:schemeClr val="lt1"/>
+            </a:fontRef>
+          </p:style>
+          <p:txBody>
+            <a:bodyPr rtlCol="0" anchor="ctr"/>
+            <a:lstStyle/>
+            <a:p>
+              <a:pPr algn="ctr"/>
+              <a:endParaRPr lang="it-IT"/>
+            </a:p>
+          </p:txBody>
+        </p:sp>
+      </p:grpSp>
+      <p:sp>
+        <p:nvSpPr>
+          <p:cNvPr id="139" name="CasellaDiTesto 138">
+            <a:extLst>
+              <a:ext uri="{FF2B5EF4-FFF2-40B4-BE49-F238E27FC236}">
+                <a16:creationId xmlns:a16="http://schemas.microsoft.com/office/drawing/2014/main" id="{B09EB401-7E76-4363-9BA3-256144FEAEC4}"/>
+              </a:ext>
+            </a:extLst>
+          </p:cNvPr>
+          <p:cNvSpPr txBox="1"/>
+          <p:nvPr/>
+        </p:nvSpPr>
+        <p:spPr>
+          <a:xfrm>
+            <a:off x="5342816" y="935669"/>
+            <a:ext cx="602383" cy="246221"/>
+          </a:xfrm>
+          <a:prstGeom prst="rect">
+            <a:avLst/>
+          </a:prstGeom>
+          <a:noFill/>
+        </p:spPr>
+        <p:txBody>
+          <a:bodyPr wrap="square" rtlCol="0">
+            <a:spAutoFit/>
+          </a:bodyPr>
+          <a:lstStyle/>
+          <a:p>
+            <a:r>
+              <a:rPr lang="en-US" sz="1000" dirty="0"/>
+              <a:t>word</a:t>
+            </a:r>
+            <a:endParaRPr lang="it-IT" sz="1100" dirty="0"/>
+          </a:p>
+        </p:txBody>
+      </p:sp>
+      <p:grpSp>
+        <p:nvGrpSpPr>
+          <p:cNvPr id="140" name="Gruppo 139">
+            <a:extLst>
+              <a:ext uri="{FF2B5EF4-FFF2-40B4-BE49-F238E27FC236}">
+                <a16:creationId xmlns:a16="http://schemas.microsoft.com/office/drawing/2014/main" id="{803F337A-1DAD-46D6-ACB1-579D7A9F02A8}"/>
+              </a:ext>
+            </a:extLst>
+          </p:cNvPr>
+          <p:cNvGrpSpPr/>
+          <p:nvPr/>
+        </p:nvGrpSpPr>
+        <p:grpSpPr>
+          <a:xfrm>
+            <a:off x="3744869" y="2813856"/>
+            <a:ext cx="390704" cy="95395"/>
+            <a:chOff x="844210" y="415639"/>
+            <a:chExt cx="390704" cy="95395"/>
+          </a:xfrm>
+        </p:grpSpPr>
+        <p:cxnSp>
+          <p:nvCxnSpPr>
+            <p:cNvPr id="141" name="Connettore diritto 140">
+              <a:extLst>
+                <a:ext uri="{FF2B5EF4-FFF2-40B4-BE49-F238E27FC236}">
+                  <a16:creationId xmlns:a16="http://schemas.microsoft.com/office/drawing/2014/main" id="{FB66F021-F10E-4D3B-9971-4B8191D01F6C}"/>
+                </a:ext>
+              </a:extLst>
+            </p:cNvPr>
+            <p:cNvCxnSpPr>
+              <a:cxnSpLocks/>
+            </p:cNvCxnSpPr>
+            <p:nvPr/>
+          </p:nvCxnSpPr>
+          <p:spPr>
+            <a:xfrm>
+              <a:off x="974856" y="461961"/>
+              <a:ext cx="260058" cy="0"/>
+            </a:xfrm>
+            <a:prstGeom prst="line">
+              <a:avLst/>
+            </a:prstGeom>
+          </p:spPr>
+          <p:style>
+            <a:lnRef idx="2">
+              <a:schemeClr val="accent1"/>
+            </a:lnRef>
+            <a:fillRef idx="0">
+              <a:schemeClr val="accent1"/>
+            </a:fillRef>
+            <a:effectRef idx="1">
+              <a:schemeClr val="accent1"/>
+            </a:effectRef>
+            <a:fontRef idx="minor">
+              <a:schemeClr val="tx1"/>
+            </a:fontRef>
+          </p:style>
+        </p:cxnSp>
+        <p:sp>
+          <p:nvSpPr>
+            <p:cNvPr id="142" name="Ovale 141">
+              <a:extLst>
+                <a:ext uri="{FF2B5EF4-FFF2-40B4-BE49-F238E27FC236}">
+                  <a16:creationId xmlns:a16="http://schemas.microsoft.com/office/drawing/2014/main" id="{40F7B54A-0093-451E-BCC7-1452CBD1E636}"/>
+                </a:ext>
+              </a:extLst>
+            </p:cNvPr>
+            <p:cNvSpPr/>
+            <p:nvPr/>
+          </p:nvSpPr>
+          <p:spPr>
+            <a:xfrm>
+              <a:off x="844210" y="415639"/>
+              <a:ext cx="123089" cy="95395"/>
+            </a:xfrm>
+            <a:prstGeom prst="ellipse">
+              <a:avLst/>
+            </a:prstGeom>
+            <a:solidFill>
+              <a:schemeClr val="bg1"/>
+            </a:solidFill>
+          </p:spPr>
+          <p:style>
+            <a:lnRef idx="2">
+              <a:schemeClr val="accent1">
+                <a:shade val="50000"/>
+              </a:schemeClr>
+            </a:lnRef>
+            <a:fillRef idx="1">
+              <a:schemeClr val="accent1"/>
+            </a:fillRef>
+            <a:effectRef idx="0">
+              <a:schemeClr val="accent1"/>
+            </a:effectRef>
+            <a:fontRef idx="minor">
+              <a:schemeClr val="lt1"/>
+            </a:fontRef>
+          </p:style>
+          <p:txBody>
+            <a:bodyPr rtlCol="0" anchor="ctr"/>
+            <a:lstStyle/>
+            <a:p>
+              <a:pPr algn="ctr"/>
+              <a:endParaRPr lang="it-IT"/>
+            </a:p>
+          </p:txBody>
+        </p:sp>
+      </p:grpSp>
+      <p:sp>
+        <p:nvSpPr>
+          <p:cNvPr id="143" name="CasellaDiTesto 142">
+            <a:extLst>
+              <a:ext uri="{FF2B5EF4-FFF2-40B4-BE49-F238E27FC236}">
+                <a16:creationId xmlns:a16="http://schemas.microsoft.com/office/drawing/2014/main" id="{B56025AB-70F1-4960-9F8D-880A87E1F6B1}"/>
+              </a:ext>
+            </a:extLst>
+          </p:cNvPr>
+          <p:cNvSpPr txBox="1"/>
+          <p:nvPr/>
+        </p:nvSpPr>
+        <p:spPr>
+          <a:xfrm>
+            <a:off x="3188420" y="2725740"/>
+            <a:ext cx="781218" cy="246221"/>
+          </a:xfrm>
+          <a:prstGeom prst="rect">
+            <a:avLst/>
+          </a:prstGeom>
+          <a:noFill/>
+        </p:spPr>
+        <p:txBody>
+          <a:bodyPr wrap="square" rtlCol="0">
+            <a:spAutoFit/>
+          </a:bodyPr>
+          <a:lstStyle/>
+          <a:p>
+            <a:r>
+              <a:rPr lang="en-US" sz="1000" dirty="0"/>
+              <a:t>answer1</a:t>
+            </a:r>
+            <a:endParaRPr lang="it-IT" sz="1100" dirty="0"/>
+          </a:p>
+        </p:txBody>
+      </p:sp>
+      <p:grpSp>
+        <p:nvGrpSpPr>
+          <p:cNvPr id="144" name="Gruppo 143">
+            <a:extLst>
+              <a:ext uri="{FF2B5EF4-FFF2-40B4-BE49-F238E27FC236}">
+                <a16:creationId xmlns:a16="http://schemas.microsoft.com/office/drawing/2014/main" id="{630F9AC4-4254-46F8-9D1A-2A53D3CE06E2}"/>
+              </a:ext>
+            </a:extLst>
+          </p:cNvPr>
+          <p:cNvGrpSpPr/>
+          <p:nvPr/>
+        </p:nvGrpSpPr>
+        <p:grpSpPr>
+          <a:xfrm>
+            <a:off x="3744869" y="2981705"/>
+            <a:ext cx="390704" cy="95395"/>
+            <a:chOff x="844210" y="415639"/>
+            <a:chExt cx="390704" cy="95395"/>
+          </a:xfrm>
+        </p:grpSpPr>
+        <p:cxnSp>
+          <p:nvCxnSpPr>
+            <p:cNvPr id="145" name="Connettore diritto 144">
+              <a:extLst>
+                <a:ext uri="{FF2B5EF4-FFF2-40B4-BE49-F238E27FC236}">
+                  <a16:creationId xmlns:a16="http://schemas.microsoft.com/office/drawing/2014/main" id="{122D8BF2-1AA7-4E6A-A6AB-5B3114659844}"/>
+                </a:ext>
+              </a:extLst>
+            </p:cNvPr>
+            <p:cNvCxnSpPr>
+              <a:cxnSpLocks/>
+            </p:cNvCxnSpPr>
+            <p:nvPr/>
+          </p:nvCxnSpPr>
+          <p:spPr>
+            <a:xfrm>
+              <a:off x="974856" y="461961"/>
+              <a:ext cx="260058" cy="0"/>
+            </a:xfrm>
+            <a:prstGeom prst="line">
+              <a:avLst/>
+            </a:prstGeom>
+          </p:spPr>
+          <p:style>
+            <a:lnRef idx="2">
+              <a:schemeClr val="accent1"/>
+            </a:lnRef>
+            <a:fillRef idx="0">
+              <a:schemeClr val="accent1"/>
+            </a:fillRef>
+            <a:effectRef idx="1">
+              <a:schemeClr val="accent1"/>
+            </a:effectRef>
+            <a:fontRef idx="minor">
+              <a:schemeClr val="tx1"/>
+            </a:fontRef>
+          </p:style>
+        </p:cxnSp>
+        <p:sp>
+          <p:nvSpPr>
+            <p:cNvPr id="146" name="Ovale 145">
+              <a:extLst>
+                <a:ext uri="{FF2B5EF4-FFF2-40B4-BE49-F238E27FC236}">
+                  <a16:creationId xmlns:a16="http://schemas.microsoft.com/office/drawing/2014/main" id="{4D15730D-5496-499E-8FFA-AE8B1C8AD6F5}"/>
+                </a:ext>
+              </a:extLst>
+            </p:cNvPr>
+            <p:cNvSpPr/>
+            <p:nvPr/>
+          </p:nvSpPr>
+          <p:spPr>
+            <a:xfrm>
+              <a:off x="844210" y="415639"/>
+              <a:ext cx="123089" cy="95395"/>
+            </a:xfrm>
+            <a:prstGeom prst="ellipse">
+              <a:avLst/>
+            </a:prstGeom>
+            <a:solidFill>
+              <a:schemeClr val="bg1"/>
+            </a:solidFill>
+          </p:spPr>
+          <p:style>
+            <a:lnRef idx="2">
+              <a:schemeClr val="accent1">
+                <a:shade val="50000"/>
+              </a:schemeClr>
+            </a:lnRef>
+            <a:fillRef idx="1">
+              <a:schemeClr val="accent1"/>
+            </a:fillRef>
+            <a:effectRef idx="0">
+              <a:schemeClr val="accent1"/>
+            </a:effectRef>
+            <a:fontRef idx="minor">
+              <a:schemeClr val="lt1"/>
+            </a:fontRef>
+          </p:style>
+          <p:txBody>
+            <a:bodyPr rtlCol="0" anchor="ctr"/>
+            <a:lstStyle/>
+            <a:p>
+              <a:pPr algn="ctr"/>
+              <a:endParaRPr lang="it-IT"/>
+            </a:p>
+          </p:txBody>
+        </p:sp>
+      </p:grpSp>
+      <p:grpSp>
+        <p:nvGrpSpPr>
+          <p:cNvPr id="147" name="Gruppo 146">
+            <a:extLst>
+              <a:ext uri="{FF2B5EF4-FFF2-40B4-BE49-F238E27FC236}">
+                <a16:creationId xmlns:a16="http://schemas.microsoft.com/office/drawing/2014/main" id="{9BF9ABDE-3CB5-482A-93FC-F2392330651B}"/>
+              </a:ext>
+            </a:extLst>
+          </p:cNvPr>
+          <p:cNvGrpSpPr/>
+          <p:nvPr/>
+        </p:nvGrpSpPr>
+        <p:grpSpPr>
+          <a:xfrm>
+            <a:off x="3744869" y="3133197"/>
+            <a:ext cx="390704" cy="95395"/>
+            <a:chOff x="844210" y="415639"/>
+            <a:chExt cx="390704" cy="95395"/>
+          </a:xfrm>
+        </p:grpSpPr>
+        <p:cxnSp>
+          <p:nvCxnSpPr>
+            <p:cNvPr id="148" name="Connettore diritto 147">
+              <a:extLst>
+                <a:ext uri="{FF2B5EF4-FFF2-40B4-BE49-F238E27FC236}">
+                  <a16:creationId xmlns:a16="http://schemas.microsoft.com/office/drawing/2014/main" id="{197F419D-6EBC-47D3-AE5F-F04A7D524460}"/>
+                </a:ext>
+              </a:extLst>
+            </p:cNvPr>
+            <p:cNvCxnSpPr>
+              <a:cxnSpLocks/>
+            </p:cNvCxnSpPr>
+            <p:nvPr/>
+          </p:nvCxnSpPr>
+          <p:spPr>
+            <a:xfrm>
+              <a:off x="974856" y="461961"/>
+              <a:ext cx="260058" cy="0"/>
+            </a:xfrm>
+            <a:prstGeom prst="line">
+              <a:avLst/>
+            </a:prstGeom>
+          </p:spPr>
+          <p:style>
+            <a:lnRef idx="2">
+              <a:schemeClr val="accent1"/>
+            </a:lnRef>
+            <a:fillRef idx="0">
+              <a:schemeClr val="accent1"/>
+            </a:fillRef>
+            <a:effectRef idx="1">
+              <a:schemeClr val="accent1"/>
+            </a:effectRef>
+            <a:fontRef idx="minor">
+              <a:schemeClr val="tx1"/>
+            </a:fontRef>
+          </p:style>
+        </p:cxnSp>
+        <p:sp>
+          <p:nvSpPr>
+            <p:cNvPr id="149" name="Ovale 148">
+              <a:extLst>
+                <a:ext uri="{FF2B5EF4-FFF2-40B4-BE49-F238E27FC236}">
+                  <a16:creationId xmlns:a16="http://schemas.microsoft.com/office/drawing/2014/main" id="{F5023DE3-F8EE-4A40-BBF5-B0A39B37706C}"/>
+                </a:ext>
+              </a:extLst>
+            </p:cNvPr>
+            <p:cNvSpPr/>
+            <p:nvPr/>
+          </p:nvSpPr>
+          <p:spPr>
+            <a:xfrm>
+              <a:off x="844210" y="415639"/>
+              <a:ext cx="123089" cy="95395"/>
+            </a:xfrm>
+            <a:prstGeom prst="ellipse">
+              <a:avLst/>
+            </a:prstGeom>
+            <a:solidFill>
+              <a:schemeClr val="bg1"/>
+            </a:solidFill>
+          </p:spPr>
+          <p:style>
+            <a:lnRef idx="2">
+              <a:schemeClr val="accent1">
+                <a:shade val="50000"/>
+              </a:schemeClr>
+            </a:lnRef>
+            <a:fillRef idx="1">
+              <a:schemeClr val="accent1"/>
+            </a:fillRef>
+            <a:effectRef idx="0">
+              <a:schemeClr val="accent1"/>
+            </a:effectRef>
+            <a:fontRef idx="minor">
+              <a:schemeClr val="lt1"/>
+            </a:fontRef>
+          </p:style>
+          <p:txBody>
+            <a:bodyPr rtlCol="0" anchor="ctr"/>
+            <a:lstStyle/>
+            <a:p>
+              <a:pPr algn="ctr"/>
+              <a:endParaRPr lang="it-IT"/>
+            </a:p>
+          </p:txBody>
+        </p:sp>
+      </p:grpSp>
+      <p:sp>
+        <p:nvSpPr>
+          <p:cNvPr id="150" name="CasellaDiTesto 149">
+            <a:extLst>
+              <a:ext uri="{FF2B5EF4-FFF2-40B4-BE49-F238E27FC236}">
+                <a16:creationId xmlns:a16="http://schemas.microsoft.com/office/drawing/2014/main" id="{37985D2E-43BC-4365-8AD8-77A5197089E0}"/>
+              </a:ext>
+            </a:extLst>
+          </p:cNvPr>
+          <p:cNvSpPr txBox="1"/>
+          <p:nvPr/>
+        </p:nvSpPr>
+        <p:spPr>
+          <a:xfrm>
+            <a:off x="3197914" y="2900542"/>
+            <a:ext cx="781218" cy="246221"/>
+          </a:xfrm>
+          <a:prstGeom prst="rect">
+            <a:avLst/>
+          </a:prstGeom>
+          <a:noFill/>
+        </p:spPr>
+        <p:txBody>
+          <a:bodyPr wrap="square" rtlCol="0">
+            <a:spAutoFit/>
+          </a:bodyPr>
+          <a:lstStyle/>
+          <a:p>
+            <a:r>
+              <a:rPr lang="en-US" sz="1000" dirty="0"/>
+              <a:t>answer2</a:t>
+            </a:r>
+            <a:endParaRPr lang="it-IT" sz="1100" dirty="0"/>
+          </a:p>
+        </p:txBody>
+      </p:sp>
+      <p:sp>
+        <p:nvSpPr>
+          <p:cNvPr id="151" name="CasellaDiTesto 150">
+            <a:extLst>
+              <a:ext uri="{FF2B5EF4-FFF2-40B4-BE49-F238E27FC236}">
+                <a16:creationId xmlns:a16="http://schemas.microsoft.com/office/drawing/2014/main" id="{CDFA96EC-1A17-4963-B786-95156B5FA30E}"/>
+              </a:ext>
+            </a:extLst>
+          </p:cNvPr>
+          <p:cNvSpPr txBox="1"/>
+          <p:nvPr/>
+        </p:nvSpPr>
+        <p:spPr>
+          <a:xfrm>
+            <a:off x="3197735" y="3060235"/>
+            <a:ext cx="781218" cy="246221"/>
+          </a:xfrm>
+          <a:prstGeom prst="rect">
+            <a:avLst/>
+          </a:prstGeom>
+          <a:noFill/>
+        </p:spPr>
+        <p:txBody>
+          <a:bodyPr wrap="square" rtlCol="0">
+            <a:spAutoFit/>
+          </a:bodyPr>
+          <a:lstStyle/>
+          <a:p>
+            <a:r>
+              <a:rPr lang="en-US" sz="1000" dirty="0"/>
+              <a:t>answer3</a:t>
+            </a:r>
+            <a:endParaRPr lang="it-IT" sz="1100" dirty="0"/>
+          </a:p>
+        </p:txBody>
+      </p:sp>
+      <p:grpSp>
+        <p:nvGrpSpPr>
+          <p:cNvPr id="158" name="Gruppo 157">
+            <a:extLst>
+              <a:ext uri="{FF2B5EF4-FFF2-40B4-BE49-F238E27FC236}">
+                <a16:creationId xmlns:a16="http://schemas.microsoft.com/office/drawing/2014/main" id="{C632792E-A385-44A7-965E-1E96770C910D}"/>
+              </a:ext>
+            </a:extLst>
+          </p:cNvPr>
+          <p:cNvGrpSpPr/>
+          <p:nvPr/>
+        </p:nvGrpSpPr>
+        <p:grpSpPr>
+          <a:xfrm rot="10800000">
+            <a:off x="5448655" y="3073585"/>
+            <a:ext cx="390704" cy="95395"/>
+            <a:chOff x="844210" y="415639"/>
+            <a:chExt cx="390704" cy="95395"/>
+          </a:xfrm>
+        </p:grpSpPr>
+        <p:cxnSp>
+          <p:nvCxnSpPr>
+            <p:cNvPr id="159" name="Connettore diritto 158">
+              <a:extLst>
+                <a:ext uri="{FF2B5EF4-FFF2-40B4-BE49-F238E27FC236}">
+                  <a16:creationId xmlns:a16="http://schemas.microsoft.com/office/drawing/2014/main" id="{1A6990D7-590B-480F-8834-2BF448264300}"/>
+                </a:ext>
+              </a:extLst>
+            </p:cNvPr>
+            <p:cNvCxnSpPr>
+              <a:cxnSpLocks/>
+            </p:cNvCxnSpPr>
+            <p:nvPr/>
+          </p:nvCxnSpPr>
+          <p:spPr>
+            <a:xfrm>
+              <a:off x="974856" y="461961"/>
+              <a:ext cx="260058" cy="0"/>
+            </a:xfrm>
+            <a:prstGeom prst="line">
+              <a:avLst/>
+            </a:prstGeom>
+          </p:spPr>
+          <p:style>
+            <a:lnRef idx="2">
+              <a:schemeClr val="accent1"/>
+            </a:lnRef>
+            <a:fillRef idx="0">
+              <a:schemeClr val="accent1"/>
+            </a:fillRef>
+            <a:effectRef idx="1">
+              <a:schemeClr val="accent1"/>
+            </a:effectRef>
+            <a:fontRef idx="minor">
+              <a:schemeClr val="tx1"/>
+            </a:fontRef>
+          </p:style>
+        </p:cxnSp>
+        <p:sp>
+          <p:nvSpPr>
+            <p:cNvPr id="160" name="Ovale 159">
+              <a:extLst>
+                <a:ext uri="{FF2B5EF4-FFF2-40B4-BE49-F238E27FC236}">
+                  <a16:creationId xmlns:a16="http://schemas.microsoft.com/office/drawing/2014/main" id="{1969A328-A3BD-4886-B674-37E754B417B5}"/>
+                </a:ext>
+              </a:extLst>
+            </p:cNvPr>
+            <p:cNvSpPr/>
+            <p:nvPr/>
+          </p:nvSpPr>
+          <p:spPr>
+            <a:xfrm>
+              <a:off x="844210" y="415639"/>
+              <a:ext cx="123089" cy="95395"/>
+            </a:xfrm>
+            <a:prstGeom prst="ellipse">
+              <a:avLst/>
+            </a:prstGeom>
+            <a:solidFill>
+              <a:schemeClr val="bg1"/>
+            </a:solidFill>
+          </p:spPr>
+          <p:style>
+            <a:lnRef idx="2">
+              <a:schemeClr val="accent1">
+                <a:shade val="50000"/>
+              </a:schemeClr>
+            </a:lnRef>
+            <a:fillRef idx="1">
+              <a:schemeClr val="accent1"/>
+            </a:fillRef>
+            <a:effectRef idx="0">
+              <a:schemeClr val="accent1"/>
+            </a:effectRef>
+            <a:fontRef idx="minor">
+              <a:schemeClr val="lt1"/>
+            </a:fontRef>
+          </p:style>
+          <p:txBody>
+            <a:bodyPr rtlCol="0" anchor="ctr"/>
+            <a:lstStyle/>
+            <a:p>
+              <a:pPr algn="ctr"/>
+              <a:endParaRPr lang="it-IT"/>
+            </a:p>
+          </p:txBody>
+        </p:sp>
+      </p:grpSp>
+      <p:sp>
+        <p:nvSpPr>
+          <p:cNvPr id="161" name="CasellaDiTesto 160">
+            <a:extLst>
+              <a:ext uri="{FF2B5EF4-FFF2-40B4-BE49-F238E27FC236}">
+                <a16:creationId xmlns:a16="http://schemas.microsoft.com/office/drawing/2014/main" id="{1723C5EC-6F62-4D1F-9B3D-865BFA1B358F}"/>
+              </a:ext>
+            </a:extLst>
+          </p:cNvPr>
+          <p:cNvSpPr txBox="1"/>
+          <p:nvPr/>
+        </p:nvSpPr>
+        <p:spPr>
+          <a:xfrm>
+            <a:off x="5678437" y="3105556"/>
+            <a:ext cx="781218" cy="246221"/>
+          </a:xfrm>
+          <a:prstGeom prst="rect">
+            <a:avLst/>
+          </a:prstGeom>
+          <a:noFill/>
+        </p:spPr>
+        <p:txBody>
+          <a:bodyPr wrap="square" rtlCol="0">
+            <a:spAutoFit/>
+          </a:bodyPr>
+          <a:lstStyle/>
+          <a:p>
+            <a:r>
+              <a:rPr lang="en-US" sz="1000" dirty="0"/>
+              <a:t>deleted</a:t>
+            </a:r>
+            <a:endParaRPr lang="it-IT" sz="1100" dirty="0"/>
+          </a:p>
+        </p:txBody>
+      </p:sp>
+      <p:grpSp>
+        <p:nvGrpSpPr>
+          <p:cNvPr id="162" name="Gruppo 161">
+            <a:extLst>
+              <a:ext uri="{FF2B5EF4-FFF2-40B4-BE49-F238E27FC236}">
+                <a16:creationId xmlns:a16="http://schemas.microsoft.com/office/drawing/2014/main" id="{F9485BF1-4DA4-4CBF-9357-ECDB9C33BB2A}"/>
+              </a:ext>
+            </a:extLst>
+          </p:cNvPr>
+          <p:cNvGrpSpPr/>
+          <p:nvPr/>
+        </p:nvGrpSpPr>
+        <p:grpSpPr>
+          <a:xfrm>
+            <a:off x="5502390" y="759069"/>
+            <a:ext cx="645030" cy="246221"/>
+            <a:chOff x="5506765" y="677703"/>
+            <a:chExt cx="645030" cy="246221"/>
+          </a:xfrm>
+        </p:grpSpPr>
+        <p:grpSp>
+          <p:nvGrpSpPr>
+            <p:cNvPr id="163" name="Gruppo 162">
+              <a:extLst>
+                <a:ext uri="{FF2B5EF4-FFF2-40B4-BE49-F238E27FC236}">
+                  <a16:creationId xmlns:a16="http://schemas.microsoft.com/office/drawing/2014/main" id="{55668C2A-1B45-4A91-858A-F82ED3EF52BE}"/>
+                </a:ext>
+              </a:extLst>
+            </p:cNvPr>
+            <p:cNvGrpSpPr/>
+            <p:nvPr/>
+          </p:nvGrpSpPr>
+          <p:grpSpPr>
+            <a:xfrm>
+              <a:off x="5761091" y="757513"/>
+              <a:ext cx="390704" cy="95395"/>
+              <a:chOff x="844210" y="415639"/>
+              <a:chExt cx="390704" cy="95395"/>
+            </a:xfrm>
+            <a:solidFill>
+              <a:schemeClr val="accent1">
+                <a:lumMod val="60000"/>
+                <a:lumOff val="40000"/>
+              </a:schemeClr>
+            </a:solidFill>
+          </p:grpSpPr>
+          <p:cxnSp>
+            <p:nvCxnSpPr>
+              <p:cNvPr id="165" name="Connettore diritto 164">
+                <a:extLst>
+                  <a:ext uri="{FF2B5EF4-FFF2-40B4-BE49-F238E27FC236}">
+                    <a16:creationId xmlns:a16="http://schemas.microsoft.com/office/drawing/2014/main" id="{F03A2639-A87A-4B1F-9E31-16F842572FE1}"/>
+                  </a:ext>
+                </a:extLst>
+              </p:cNvPr>
+              <p:cNvCxnSpPr>
+                <a:cxnSpLocks/>
+              </p:cNvCxnSpPr>
+              <p:nvPr/>
+            </p:nvCxnSpPr>
+            <p:spPr>
+              <a:xfrm>
+                <a:off x="974856" y="461961"/>
+                <a:ext cx="260058" cy="0"/>
+              </a:xfrm>
+              <a:prstGeom prst="line">
+                <a:avLst/>
+              </a:prstGeom>
+              <a:grpFill/>
+            </p:spPr>
+            <p:style>
+              <a:lnRef idx="2">
+                <a:schemeClr val="accent1"/>
+              </a:lnRef>
+              <a:fillRef idx="0">
+                <a:schemeClr val="accent1"/>
+              </a:fillRef>
+              <a:effectRef idx="1">
+                <a:schemeClr val="accent1"/>
+              </a:effectRef>
+              <a:fontRef idx="minor">
+                <a:schemeClr val="tx1"/>
+              </a:fontRef>
+            </p:style>
+          </p:cxnSp>
+          <p:sp>
+            <p:nvSpPr>
+              <p:cNvPr id="166" name="Ovale 165">
+                <a:extLst>
+                  <a:ext uri="{FF2B5EF4-FFF2-40B4-BE49-F238E27FC236}">
+                    <a16:creationId xmlns:a16="http://schemas.microsoft.com/office/drawing/2014/main" id="{58045C50-CB64-4A31-B14B-0349DEF40B9F}"/>
+                  </a:ext>
+                </a:extLst>
+              </p:cNvPr>
+              <p:cNvSpPr/>
+              <p:nvPr/>
+            </p:nvSpPr>
+            <p:spPr>
+              <a:xfrm>
+                <a:off x="844210" y="415639"/>
+                <a:ext cx="123089" cy="95395"/>
+              </a:xfrm>
+              <a:prstGeom prst="ellipse">
+                <a:avLst/>
+              </a:prstGeom>
+              <a:grpFill/>
+            </p:spPr>
+            <p:style>
+              <a:lnRef idx="2">
+                <a:schemeClr val="accent1">
+                  <a:shade val="50000"/>
+                </a:schemeClr>
+              </a:lnRef>
+              <a:fillRef idx="1">
+                <a:schemeClr val="accent1"/>
+              </a:fillRef>
+              <a:effectRef idx="0">
+                <a:schemeClr val="accent1"/>
+              </a:effectRef>
+              <a:fontRef idx="minor">
+                <a:schemeClr val="lt1"/>
+              </a:fontRef>
+            </p:style>
+            <p:txBody>
+              <a:bodyPr rtlCol="0" anchor="ctr"/>
+              <a:lstStyle/>
+              <a:p>
+                <a:pPr algn="ctr"/>
+                <a:endParaRPr lang="it-IT"/>
+              </a:p>
+            </p:txBody>
+          </p:sp>
+        </p:grpSp>
+        <p:sp>
+          <p:nvSpPr>
+            <p:cNvPr id="164" name="CasellaDiTesto 163">
+              <a:extLst>
+                <a:ext uri="{FF2B5EF4-FFF2-40B4-BE49-F238E27FC236}">
+                  <a16:creationId xmlns:a16="http://schemas.microsoft.com/office/drawing/2014/main" id="{A67D8476-250F-4D2B-9B39-672161C4259F}"/>
+                </a:ext>
+              </a:extLst>
+            </p:cNvPr>
+            <p:cNvSpPr txBox="1"/>
+            <p:nvPr/>
+          </p:nvSpPr>
+          <p:spPr>
+            <a:xfrm>
+              <a:off x="5506765" y="677703"/>
+              <a:ext cx="384972" cy="246221"/>
+            </a:xfrm>
+            <a:prstGeom prst="rect">
+              <a:avLst/>
+            </a:prstGeom>
+            <a:noFill/>
+          </p:spPr>
+          <p:txBody>
+            <a:bodyPr wrap="square" rtlCol="0">
+              <a:spAutoFit/>
+            </a:bodyPr>
+            <a:lstStyle/>
+            <a:p>
+              <a:r>
+                <a:rPr lang="en-US" sz="1000" dirty="0"/>
+                <a:t>Id</a:t>
+              </a:r>
+              <a:endParaRPr lang="it-IT" sz="1100" dirty="0"/>
+            </a:p>
+          </p:txBody>
+        </p:sp>
+      </p:grpSp>
+      <p:grpSp>
+        <p:nvGrpSpPr>
+          <p:cNvPr id="167" name="Gruppo 166">
+            <a:extLst>
+              <a:ext uri="{FF2B5EF4-FFF2-40B4-BE49-F238E27FC236}">
+                <a16:creationId xmlns:a16="http://schemas.microsoft.com/office/drawing/2014/main" id="{E8EA7CDB-3482-4766-9213-30D7F13C7E50}"/>
+              </a:ext>
+            </a:extLst>
+          </p:cNvPr>
+          <p:cNvGrpSpPr/>
+          <p:nvPr/>
+        </p:nvGrpSpPr>
+        <p:grpSpPr>
+          <a:xfrm>
+            <a:off x="907285" y="3646420"/>
+            <a:ext cx="645030" cy="246221"/>
+            <a:chOff x="5506765" y="677703"/>
+            <a:chExt cx="645030" cy="246221"/>
+          </a:xfrm>
+        </p:grpSpPr>
+        <p:grpSp>
+          <p:nvGrpSpPr>
+            <p:cNvPr id="168" name="Gruppo 167">
+              <a:extLst>
+                <a:ext uri="{FF2B5EF4-FFF2-40B4-BE49-F238E27FC236}">
+                  <a16:creationId xmlns:a16="http://schemas.microsoft.com/office/drawing/2014/main" id="{30498476-6ACC-414A-B159-FD2D2CC9B7E2}"/>
+                </a:ext>
+              </a:extLst>
+            </p:cNvPr>
+            <p:cNvGrpSpPr/>
+            <p:nvPr/>
+          </p:nvGrpSpPr>
+          <p:grpSpPr>
+            <a:xfrm>
+              <a:off x="5761091" y="757513"/>
+              <a:ext cx="390704" cy="95395"/>
+              <a:chOff x="844210" y="415639"/>
+              <a:chExt cx="390704" cy="95395"/>
+            </a:xfrm>
+            <a:solidFill>
+              <a:schemeClr val="accent1">
+                <a:lumMod val="60000"/>
+                <a:lumOff val="40000"/>
+              </a:schemeClr>
+            </a:solidFill>
+          </p:grpSpPr>
+          <p:cxnSp>
+            <p:nvCxnSpPr>
+              <p:cNvPr id="170" name="Connettore diritto 169">
+                <a:extLst>
+                  <a:ext uri="{FF2B5EF4-FFF2-40B4-BE49-F238E27FC236}">
+                    <a16:creationId xmlns:a16="http://schemas.microsoft.com/office/drawing/2014/main" id="{99F0CD96-B234-4CD5-9CEF-E1B247857E4B}"/>
+                  </a:ext>
+                </a:extLst>
+              </p:cNvPr>
+              <p:cNvCxnSpPr>
+                <a:cxnSpLocks/>
+              </p:cNvCxnSpPr>
+              <p:nvPr/>
+            </p:nvCxnSpPr>
+            <p:spPr>
+              <a:xfrm>
+                <a:off x="974856" y="461961"/>
+                <a:ext cx="260058" cy="0"/>
+              </a:xfrm>
+              <a:prstGeom prst="line">
+                <a:avLst/>
+              </a:prstGeom>
+              <a:grpFill/>
+            </p:spPr>
+            <p:style>
+              <a:lnRef idx="2">
+                <a:schemeClr val="accent1"/>
+              </a:lnRef>
+              <a:fillRef idx="0">
+                <a:schemeClr val="accent1"/>
+              </a:fillRef>
+              <a:effectRef idx="1">
+                <a:schemeClr val="accent1"/>
+              </a:effectRef>
+              <a:fontRef idx="minor">
+                <a:schemeClr val="tx1"/>
+              </a:fontRef>
+            </p:style>
+          </p:cxnSp>
+          <p:sp>
+            <p:nvSpPr>
+              <p:cNvPr id="171" name="Ovale 170">
+                <a:extLst>
+                  <a:ext uri="{FF2B5EF4-FFF2-40B4-BE49-F238E27FC236}">
+                    <a16:creationId xmlns:a16="http://schemas.microsoft.com/office/drawing/2014/main" id="{43988272-4F9A-43B5-A095-6887B9A01363}"/>
+                  </a:ext>
+                </a:extLst>
+              </p:cNvPr>
+              <p:cNvSpPr/>
+              <p:nvPr/>
+            </p:nvSpPr>
+            <p:spPr>
+              <a:xfrm>
+                <a:off x="844210" y="415639"/>
+                <a:ext cx="123089" cy="95395"/>
+              </a:xfrm>
+              <a:prstGeom prst="ellipse">
+                <a:avLst/>
+              </a:prstGeom>
+              <a:grpFill/>
+            </p:spPr>
+            <p:style>
+              <a:lnRef idx="2">
+                <a:schemeClr val="accent1">
+                  <a:shade val="50000"/>
+                </a:schemeClr>
+              </a:lnRef>
+              <a:fillRef idx="1">
+                <a:schemeClr val="accent1"/>
+              </a:fillRef>
+              <a:effectRef idx="0">
+                <a:schemeClr val="accent1"/>
+              </a:effectRef>
+              <a:fontRef idx="minor">
+                <a:schemeClr val="lt1"/>
+              </a:fontRef>
+            </p:style>
+            <p:txBody>
+              <a:bodyPr rtlCol="0" anchor="ctr"/>
+              <a:lstStyle/>
+              <a:p>
+                <a:pPr algn="ctr"/>
+                <a:endParaRPr lang="it-IT"/>
+              </a:p>
+            </p:txBody>
+          </p:sp>
+        </p:grpSp>
+        <p:sp>
+          <p:nvSpPr>
+            <p:cNvPr id="169" name="CasellaDiTesto 168">
+              <a:extLst>
+                <a:ext uri="{FF2B5EF4-FFF2-40B4-BE49-F238E27FC236}">
+                  <a16:creationId xmlns:a16="http://schemas.microsoft.com/office/drawing/2014/main" id="{7A38643B-A031-4034-9576-B9FFE39BEE8C}"/>
+                </a:ext>
+              </a:extLst>
+            </p:cNvPr>
+            <p:cNvSpPr txBox="1"/>
+            <p:nvPr/>
+          </p:nvSpPr>
+          <p:spPr>
+            <a:xfrm>
+              <a:off x="5506765" y="677703"/>
+              <a:ext cx="384972" cy="246221"/>
+            </a:xfrm>
+            <a:prstGeom prst="rect">
+              <a:avLst/>
+            </a:prstGeom>
+            <a:noFill/>
+          </p:spPr>
+          <p:txBody>
+            <a:bodyPr wrap="square" rtlCol="0">
+              <a:spAutoFit/>
+            </a:bodyPr>
+            <a:lstStyle/>
+            <a:p>
+              <a:r>
+                <a:rPr lang="en-US" sz="1000" dirty="0"/>
+                <a:t>Id</a:t>
+              </a:r>
+              <a:endParaRPr lang="it-IT" sz="1100" dirty="0"/>
+            </a:p>
+          </p:txBody>
+        </p:sp>
+      </p:grpSp>
+      <p:grpSp>
+        <p:nvGrpSpPr>
+          <p:cNvPr id="172" name="Gruppo 171">
+            <a:extLst>
+              <a:ext uri="{FF2B5EF4-FFF2-40B4-BE49-F238E27FC236}">
+                <a16:creationId xmlns:a16="http://schemas.microsoft.com/office/drawing/2014/main" id="{4C756CC5-D5AB-4E58-83DC-12934FAE0C09}"/>
+              </a:ext>
+            </a:extLst>
+          </p:cNvPr>
+          <p:cNvGrpSpPr/>
+          <p:nvPr/>
+        </p:nvGrpSpPr>
+        <p:grpSpPr>
+          <a:xfrm>
+            <a:off x="1143835" y="3900059"/>
+            <a:ext cx="390704" cy="95395"/>
+            <a:chOff x="844210" y="415639"/>
+            <a:chExt cx="390704" cy="95395"/>
+          </a:xfrm>
+        </p:grpSpPr>
+        <p:cxnSp>
+          <p:nvCxnSpPr>
+            <p:cNvPr id="173" name="Connettore diritto 172">
+              <a:extLst>
+                <a:ext uri="{FF2B5EF4-FFF2-40B4-BE49-F238E27FC236}">
+                  <a16:creationId xmlns:a16="http://schemas.microsoft.com/office/drawing/2014/main" id="{D633F376-6518-4B10-9AFA-1B2A9E0D109A}"/>
+                </a:ext>
+              </a:extLst>
+            </p:cNvPr>
+            <p:cNvCxnSpPr>
+              <a:cxnSpLocks/>
+            </p:cNvCxnSpPr>
+            <p:nvPr/>
+          </p:nvCxnSpPr>
+          <p:spPr>
+            <a:xfrm>
+              <a:off x="974856" y="461961"/>
+              <a:ext cx="260058" cy="0"/>
+            </a:xfrm>
+            <a:prstGeom prst="line">
+              <a:avLst/>
+            </a:prstGeom>
+          </p:spPr>
+          <p:style>
+            <a:lnRef idx="2">
+              <a:schemeClr val="accent1"/>
+            </a:lnRef>
+            <a:fillRef idx="0">
+              <a:schemeClr val="accent1"/>
+            </a:fillRef>
+            <a:effectRef idx="1">
+              <a:schemeClr val="accent1"/>
+            </a:effectRef>
+            <a:fontRef idx="minor">
+              <a:schemeClr val="tx1"/>
+            </a:fontRef>
+          </p:style>
+        </p:cxnSp>
+        <p:sp>
+          <p:nvSpPr>
+            <p:cNvPr id="174" name="Ovale 173">
+              <a:extLst>
+                <a:ext uri="{FF2B5EF4-FFF2-40B4-BE49-F238E27FC236}">
+                  <a16:creationId xmlns:a16="http://schemas.microsoft.com/office/drawing/2014/main" id="{4BBBE6F3-937C-4E76-8A0A-2004179683B3}"/>
+                </a:ext>
+              </a:extLst>
+            </p:cNvPr>
+            <p:cNvSpPr/>
+            <p:nvPr/>
+          </p:nvSpPr>
+          <p:spPr>
+            <a:xfrm>
+              <a:off x="844210" y="415639"/>
+              <a:ext cx="123089" cy="95395"/>
+            </a:xfrm>
+            <a:prstGeom prst="ellipse">
+              <a:avLst/>
+            </a:prstGeom>
+            <a:solidFill>
+              <a:schemeClr val="bg1"/>
+            </a:solidFill>
+          </p:spPr>
+          <p:style>
+            <a:lnRef idx="2">
+              <a:schemeClr val="accent1">
+                <a:shade val="50000"/>
+              </a:schemeClr>
+            </a:lnRef>
+            <a:fillRef idx="1">
+              <a:schemeClr val="accent1"/>
+            </a:fillRef>
+            <a:effectRef idx="0">
+              <a:schemeClr val="accent1"/>
+            </a:effectRef>
+            <a:fontRef idx="minor">
+              <a:schemeClr val="lt1"/>
+            </a:fontRef>
+          </p:style>
+          <p:txBody>
+            <a:bodyPr rtlCol="0" anchor="ctr"/>
+            <a:lstStyle/>
+            <a:p>
+              <a:pPr algn="ctr"/>
+              <a:endParaRPr lang="it-IT"/>
+            </a:p>
+          </p:txBody>
+        </p:sp>
+      </p:grpSp>
+      <p:sp>
+        <p:nvSpPr>
+          <p:cNvPr id="175" name="CasellaDiTesto 174">
+            <a:extLst>
+              <a:ext uri="{FF2B5EF4-FFF2-40B4-BE49-F238E27FC236}">
+                <a16:creationId xmlns:a16="http://schemas.microsoft.com/office/drawing/2014/main" id="{53EF0311-D456-42A6-80D9-9E34F0348566}"/>
+              </a:ext>
+            </a:extLst>
+          </p:cNvPr>
+          <p:cNvSpPr txBox="1"/>
+          <p:nvPr/>
+        </p:nvSpPr>
+        <p:spPr>
+          <a:xfrm>
+            <a:off x="726686" y="3806128"/>
+            <a:ext cx="672557" cy="246221"/>
+          </a:xfrm>
+          <a:prstGeom prst="rect">
+            <a:avLst/>
+          </a:prstGeom>
+          <a:noFill/>
+        </p:spPr>
+        <p:txBody>
+          <a:bodyPr wrap="square" rtlCol="0">
+            <a:spAutoFit/>
+          </a:bodyPr>
+          <a:lstStyle/>
+          <a:p>
+            <a:r>
+              <a:rPr lang="en-US" sz="1000" dirty="0"/>
+              <a:t>name</a:t>
+            </a:r>
+            <a:endParaRPr lang="it-IT" sz="1100" dirty="0"/>
+          </a:p>
+        </p:txBody>
+      </p:sp>
+      <p:grpSp>
+        <p:nvGrpSpPr>
+          <p:cNvPr id="176" name="Gruppo 175">
+            <a:extLst>
+              <a:ext uri="{FF2B5EF4-FFF2-40B4-BE49-F238E27FC236}">
+                <a16:creationId xmlns:a16="http://schemas.microsoft.com/office/drawing/2014/main" id="{FDC224D3-0785-4123-8B8C-F669AF56F53D}"/>
+              </a:ext>
+            </a:extLst>
+          </p:cNvPr>
+          <p:cNvGrpSpPr/>
+          <p:nvPr/>
+        </p:nvGrpSpPr>
+        <p:grpSpPr>
+          <a:xfrm>
+            <a:off x="1126748" y="4080651"/>
+            <a:ext cx="390704" cy="95395"/>
+            <a:chOff x="844210" y="415639"/>
+            <a:chExt cx="390704" cy="95395"/>
+          </a:xfrm>
+        </p:grpSpPr>
+        <p:cxnSp>
+          <p:nvCxnSpPr>
+            <p:cNvPr id="177" name="Connettore diritto 176">
+              <a:extLst>
+                <a:ext uri="{FF2B5EF4-FFF2-40B4-BE49-F238E27FC236}">
+                  <a16:creationId xmlns:a16="http://schemas.microsoft.com/office/drawing/2014/main" id="{FC6FB91C-7443-406D-948A-30269B379251}"/>
+                </a:ext>
+              </a:extLst>
+            </p:cNvPr>
+            <p:cNvCxnSpPr>
+              <a:cxnSpLocks/>
+            </p:cNvCxnSpPr>
+            <p:nvPr/>
+          </p:nvCxnSpPr>
+          <p:spPr>
+            <a:xfrm>
+              <a:off x="974856" y="461961"/>
+              <a:ext cx="260058" cy="0"/>
+            </a:xfrm>
+            <a:prstGeom prst="line">
+              <a:avLst/>
+            </a:prstGeom>
+          </p:spPr>
+          <p:style>
+            <a:lnRef idx="2">
+              <a:schemeClr val="accent1"/>
+            </a:lnRef>
+            <a:fillRef idx="0">
+              <a:schemeClr val="accent1"/>
+            </a:fillRef>
+            <a:effectRef idx="1">
+              <a:schemeClr val="accent1"/>
+            </a:effectRef>
+            <a:fontRef idx="minor">
+              <a:schemeClr val="tx1"/>
+            </a:fontRef>
+          </p:style>
+        </p:cxnSp>
+        <p:sp>
+          <p:nvSpPr>
+            <p:cNvPr id="178" name="Ovale 177">
+              <a:extLst>
+                <a:ext uri="{FF2B5EF4-FFF2-40B4-BE49-F238E27FC236}">
+                  <a16:creationId xmlns:a16="http://schemas.microsoft.com/office/drawing/2014/main" id="{5173516D-E0D9-4A73-A870-A990578DACCF}"/>
+                </a:ext>
+              </a:extLst>
+            </p:cNvPr>
+            <p:cNvSpPr/>
+            <p:nvPr/>
+          </p:nvSpPr>
+          <p:spPr>
+            <a:xfrm>
+              <a:off x="844210" y="415639"/>
+              <a:ext cx="123089" cy="95395"/>
+            </a:xfrm>
+            <a:prstGeom prst="ellipse">
+              <a:avLst/>
+            </a:prstGeom>
+            <a:solidFill>
+              <a:schemeClr val="bg1"/>
+            </a:solidFill>
+          </p:spPr>
+          <p:style>
+            <a:lnRef idx="2">
+              <a:schemeClr val="accent1">
+                <a:shade val="50000"/>
+              </a:schemeClr>
+            </a:lnRef>
+            <a:fillRef idx="1">
+              <a:schemeClr val="accent1"/>
+            </a:fillRef>
+            <a:effectRef idx="0">
+              <a:schemeClr val="accent1"/>
+            </a:effectRef>
+            <a:fontRef idx="minor">
+              <a:schemeClr val="lt1"/>
+            </a:fontRef>
+          </p:style>
+          <p:txBody>
+            <a:bodyPr rtlCol="0" anchor="ctr"/>
+            <a:lstStyle/>
+            <a:p>
+              <a:pPr algn="ctr"/>
+              <a:endParaRPr lang="it-IT"/>
+            </a:p>
+          </p:txBody>
+        </p:sp>
+      </p:grpSp>
+      <p:sp>
+        <p:nvSpPr>
+          <p:cNvPr id="179" name="CasellaDiTesto 178">
+            <a:extLst>
+              <a:ext uri="{FF2B5EF4-FFF2-40B4-BE49-F238E27FC236}">
+                <a16:creationId xmlns:a16="http://schemas.microsoft.com/office/drawing/2014/main" id="{F9CD72F2-2D9F-4BCC-9905-04BC1693FA77}"/>
+              </a:ext>
+            </a:extLst>
+          </p:cNvPr>
+          <p:cNvSpPr txBox="1"/>
+          <p:nvPr/>
+        </p:nvSpPr>
+        <p:spPr>
+          <a:xfrm>
+            <a:off x="751032" y="3980384"/>
+            <a:ext cx="672557" cy="246221"/>
+          </a:xfrm>
+          <a:prstGeom prst="rect">
+            <a:avLst/>
+          </a:prstGeom>
+          <a:noFill/>
+        </p:spPr>
+        <p:txBody>
+          <a:bodyPr wrap="square" rtlCol="0">
+            <a:spAutoFit/>
+          </a:bodyPr>
+          <a:lstStyle/>
+          <a:p>
+            <a:r>
+              <a:rPr lang="en-US" sz="1000" dirty="0"/>
+              <a:t>date</a:t>
+            </a:r>
+            <a:endParaRPr lang="it-IT" sz="1100" dirty="0"/>
+          </a:p>
+        </p:txBody>
+      </p:sp>
+      <p:grpSp>
+        <p:nvGrpSpPr>
+          <p:cNvPr id="180" name="Gruppo 179">
+            <a:extLst>
+              <a:ext uri="{FF2B5EF4-FFF2-40B4-BE49-F238E27FC236}">
+                <a16:creationId xmlns:a16="http://schemas.microsoft.com/office/drawing/2014/main" id="{F584626B-0066-4174-A33B-E554AC56ED23}"/>
+              </a:ext>
+            </a:extLst>
+          </p:cNvPr>
+          <p:cNvGrpSpPr/>
+          <p:nvPr/>
+        </p:nvGrpSpPr>
+        <p:grpSpPr>
+          <a:xfrm rot="5400000">
+            <a:off x="1577538" y="3484252"/>
+            <a:ext cx="390704" cy="95395"/>
+            <a:chOff x="844210" y="415639"/>
+            <a:chExt cx="390704" cy="95395"/>
+          </a:xfrm>
+        </p:grpSpPr>
+        <p:cxnSp>
+          <p:nvCxnSpPr>
+            <p:cNvPr id="181" name="Connettore diritto 180">
+              <a:extLst>
+                <a:ext uri="{FF2B5EF4-FFF2-40B4-BE49-F238E27FC236}">
+                  <a16:creationId xmlns:a16="http://schemas.microsoft.com/office/drawing/2014/main" id="{A109DE68-7BFD-4BF6-97EE-E2E79C59CFEF}"/>
+                </a:ext>
+              </a:extLst>
+            </p:cNvPr>
+            <p:cNvCxnSpPr>
+              <a:cxnSpLocks/>
+            </p:cNvCxnSpPr>
+            <p:nvPr/>
+          </p:nvCxnSpPr>
+          <p:spPr>
+            <a:xfrm>
+              <a:off x="974856" y="461961"/>
+              <a:ext cx="260058" cy="0"/>
+            </a:xfrm>
+            <a:prstGeom prst="line">
+              <a:avLst/>
+            </a:prstGeom>
+          </p:spPr>
+          <p:style>
+            <a:lnRef idx="2">
+              <a:schemeClr val="accent1"/>
+            </a:lnRef>
+            <a:fillRef idx="0">
+              <a:schemeClr val="accent1"/>
+            </a:fillRef>
+            <a:effectRef idx="1">
+              <a:schemeClr val="accent1"/>
+            </a:effectRef>
+            <a:fontRef idx="minor">
+              <a:schemeClr val="tx1"/>
+            </a:fontRef>
+          </p:style>
+        </p:cxnSp>
+        <p:sp>
+          <p:nvSpPr>
+            <p:cNvPr id="182" name="Ovale 181">
+              <a:extLst>
+                <a:ext uri="{FF2B5EF4-FFF2-40B4-BE49-F238E27FC236}">
+                  <a16:creationId xmlns:a16="http://schemas.microsoft.com/office/drawing/2014/main" id="{F8C37213-02F7-4890-9B04-49E215274233}"/>
+                </a:ext>
+              </a:extLst>
+            </p:cNvPr>
+            <p:cNvSpPr/>
+            <p:nvPr/>
+          </p:nvSpPr>
+          <p:spPr>
+            <a:xfrm>
+              <a:off x="844210" y="415639"/>
+              <a:ext cx="123089" cy="95395"/>
+            </a:xfrm>
+            <a:prstGeom prst="ellipse">
+              <a:avLst/>
+            </a:prstGeom>
+            <a:solidFill>
+              <a:schemeClr val="bg1"/>
+            </a:solidFill>
+          </p:spPr>
+          <p:style>
+            <a:lnRef idx="2">
+              <a:schemeClr val="accent1">
+                <a:shade val="50000"/>
+              </a:schemeClr>
+            </a:lnRef>
+            <a:fillRef idx="1">
+              <a:schemeClr val="accent1"/>
+            </a:fillRef>
+            <a:effectRef idx="0">
+              <a:schemeClr val="accent1"/>
+            </a:effectRef>
+            <a:fontRef idx="minor">
+              <a:schemeClr val="lt1"/>
+            </a:fontRef>
+          </p:style>
+          <p:txBody>
+            <a:bodyPr rtlCol="0" anchor="ctr"/>
+            <a:lstStyle/>
+            <a:p>
+              <a:pPr algn="ctr"/>
+              <a:endParaRPr lang="it-IT"/>
+            </a:p>
+          </p:txBody>
+        </p:sp>
+      </p:grpSp>
+      <p:sp>
+        <p:nvSpPr>
+          <p:cNvPr id="183" name="CasellaDiTesto 182">
+            <a:extLst>
+              <a:ext uri="{FF2B5EF4-FFF2-40B4-BE49-F238E27FC236}">
+                <a16:creationId xmlns:a16="http://schemas.microsoft.com/office/drawing/2014/main" id="{47ECE32E-E0CC-4669-8919-0A34D58D19DA}"/>
+              </a:ext>
+            </a:extLst>
+          </p:cNvPr>
+          <p:cNvSpPr txBox="1"/>
+          <p:nvPr/>
+        </p:nvSpPr>
+        <p:spPr>
+          <a:xfrm>
+            <a:off x="1517452" y="3105481"/>
+            <a:ext cx="672557" cy="246221"/>
+          </a:xfrm>
+          <a:prstGeom prst="rect">
+            <a:avLst/>
+          </a:prstGeom>
+          <a:noFill/>
+        </p:spPr>
+        <p:txBody>
+          <a:bodyPr wrap="square" rtlCol="0">
+            <a:spAutoFit/>
+          </a:bodyPr>
+          <a:lstStyle/>
+          <a:p>
+            <a:r>
+              <a:rPr lang="en-US" sz="1000" dirty="0"/>
+              <a:t>image</a:t>
+            </a:r>
+            <a:endParaRPr lang="it-IT" sz="1100" dirty="0"/>
+          </a:p>
+        </p:txBody>
+      </p:sp>
+      <p:grpSp>
+        <p:nvGrpSpPr>
+          <p:cNvPr id="184" name="Gruppo 183">
+            <a:extLst>
+              <a:ext uri="{FF2B5EF4-FFF2-40B4-BE49-F238E27FC236}">
+                <a16:creationId xmlns:a16="http://schemas.microsoft.com/office/drawing/2014/main" id="{35B7B7F9-CEE5-437C-A1A3-FE692BACD507}"/>
+              </a:ext>
+            </a:extLst>
+          </p:cNvPr>
+          <p:cNvGrpSpPr/>
+          <p:nvPr/>
+        </p:nvGrpSpPr>
+        <p:grpSpPr>
+          <a:xfrm>
+            <a:off x="76864" y="5911660"/>
+            <a:ext cx="645030" cy="246221"/>
+            <a:chOff x="5506765" y="677703"/>
+            <a:chExt cx="645030" cy="246221"/>
+          </a:xfrm>
+        </p:grpSpPr>
+        <p:grpSp>
+          <p:nvGrpSpPr>
+            <p:cNvPr id="185" name="Gruppo 184">
+              <a:extLst>
+                <a:ext uri="{FF2B5EF4-FFF2-40B4-BE49-F238E27FC236}">
+                  <a16:creationId xmlns:a16="http://schemas.microsoft.com/office/drawing/2014/main" id="{3789A04A-966B-4372-963E-0816DC7AC7B7}"/>
+                </a:ext>
+              </a:extLst>
+            </p:cNvPr>
+            <p:cNvGrpSpPr/>
+            <p:nvPr/>
+          </p:nvGrpSpPr>
+          <p:grpSpPr>
+            <a:xfrm>
+              <a:off x="5761091" y="757513"/>
+              <a:ext cx="390704" cy="95395"/>
+              <a:chOff x="844210" y="415639"/>
+              <a:chExt cx="390704" cy="95395"/>
+            </a:xfrm>
+            <a:solidFill>
+              <a:schemeClr val="accent1">
+                <a:lumMod val="60000"/>
+                <a:lumOff val="40000"/>
+              </a:schemeClr>
+            </a:solidFill>
+          </p:grpSpPr>
+          <p:cxnSp>
+            <p:nvCxnSpPr>
+              <p:cNvPr id="187" name="Connettore diritto 186">
+                <a:extLst>
+                  <a:ext uri="{FF2B5EF4-FFF2-40B4-BE49-F238E27FC236}">
+                    <a16:creationId xmlns:a16="http://schemas.microsoft.com/office/drawing/2014/main" id="{55A2CB73-9C9E-4908-A84E-A4CE8F60B382}"/>
+                  </a:ext>
+                </a:extLst>
+              </p:cNvPr>
+              <p:cNvCxnSpPr>
+                <a:cxnSpLocks/>
+              </p:cNvCxnSpPr>
+              <p:nvPr/>
+            </p:nvCxnSpPr>
+            <p:spPr>
+              <a:xfrm>
+                <a:off x="974856" y="461961"/>
+                <a:ext cx="260058" cy="0"/>
+              </a:xfrm>
+              <a:prstGeom prst="line">
+                <a:avLst/>
+              </a:prstGeom>
+              <a:grpFill/>
+            </p:spPr>
+            <p:style>
+              <a:lnRef idx="2">
+                <a:schemeClr val="accent1"/>
+              </a:lnRef>
+              <a:fillRef idx="0">
+                <a:schemeClr val="accent1"/>
+              </a:fillRef>
+              <a:effectRef idx="1">
+                <a:schemeClr val="accent1"/>
+              </a:effectRef>
+              <a:fontRef idx="minor">
+                <a:schemeClr val="tx1"/>
+              </a:fontRef>
+            </p:style>
+          </p:cxnSp>
+          <p:sp>
+            <p:nvSpPr>
+              <p:cNvPr id="188" name="Ovale 187">
+                <a:extLst>
+                  <a:ext uri="{FF2B5EF4-FFF2-40B4-BE49-F238E27FC236}">
+                    <a16:creationId xmlns:a16="http://schemas.microsoft.com/office/drawing/2014/main" id="{F18920BF-491C-4159-BB2B-584657A5204C}"/>
+                  </a:ext>
+                </a:extLst>
+              </p:cNvPr>
+              <p:cNvSpPr/>
+              <p:nvPr/>
+            </p:nvSpPr>
+            <p:spPr>
+              <a:xfrm>
+                <a:off x="844210" y="415639"/>
+                <a:ext cx="123089" cy="95395"/>
+              </a:xfrm>
+              <a:prstGeom prst="ellipse">
+                <a:avLst/>
+              </a:prstGeom>
+              <a:grpFill/>
+            </p:spPr>
+            <p:style>
+              <a:lnRef idx="2">
+                <a:schemeClr val="accent1">
+                  <a:shade val="50000"/>
+                </a:schemeClr>
+              </a:lnRef>
+              <a:fillRef idx="1">
+                <a:schemeClr val="accent1"/>
+              </a:fillRef>
+              <a:effectRef idx="0">
+                <a:schemeClr val="accent1"/>
+              </a:effectRef>
+              <a:fontRef idx="minor">
+                <a:schemeClr val="lt1"/>
+              </a:fontRef>
+            </p:style>
+            <p:txBody>
+              <a:bodyPr rtlCol="0" anchor="ctr"/>
+              <a:lstStyle/>
+              <a:p>
+                <a:pPr algn="ctr"/>
+                <a:endParaRPr lang="it-IT"/>
+              </a:p>
+            </p:txBody>
+          </p:sp>
+        </p:grpSp>
+        <p:sp>
+          <p:nvSpPr>
+            <p:cNvPr id="186" name="CasellaDiTesto 185">
+              <a:extLst>
+                <a:ext uri="{FF2B5EF4-FFF2-40B4-BE49-F238E27FC236}">
+                  <a16:creationId xmlns:a16="http://schemas.microsoft.com/office/drawing/2014/main" id="{A03C9161-F889-4CD2-BA6A-0E0BB34E51D2}"/>
+                </a:ext>
+              </a:extLst>
+            </p:cNvPr>
+            <p:cNvSpPr txBox="1"/>
+            <p:nvPr/>
+          </p:nvSpPr>
+          <p:spPr>
+            <a:xfrm>
+              <a:off x="5506765" y="677703"/>
+              <a:ext cx="384972" cy="246221"/>
+            </a:xfrm>
+            <a:prstGeom prst="rect">
+              <a:avLst/>
+            </a:prstGeom>
+            <a:noFill/>
+          </p:spPr>
+          <p:txBody>
+            <a:bodyPr wrap="square" rtlCol="0">
+              <a:spAutoFit/>
+            </a:bodyPr>
+            <a:lstStyle/>
+            <a:p>
+              <a:r>
+                <a:rPr lang="en-US" sz="1000" dirty="0"/>
+                <a:t>Id</a:t>
+              </a:r>
+              <a:endParaRPr lang="it-IT" sz="1100" dirty="0"/>
+            </a:p>
+          </p:txBody>
+        </p:sp>
+      </p:grpSp>
+      <p:grpSp>
+        <p:nvGrpSpPr>
+          <p:cNvPr id="189" name="Gruppo 188">
+            <a:extLst>
+              <a:ext uri="{FF2B5EF4-FFF2-40B4-BE49-F238E27FC236}">
+                <a16:creationId xmlns:a16="http://schemas.microsoft.com/office/drawing/2014/main" id="{B93DE894-9BCE-40B7-9E83-633F45D8BBF9}"/>
+              </a:ext>
+            </a:extLst>
+          </p:cNvPr>
+          <p:cNvGrpSpPr/>
+          <p:nvPr/>
+        </p:nvGrpSpPr>
+        <p:grpSpPr>
+          <a:xfrm>
+            <a:off x="318978" y="6235637"/>
+            <a:ext cx="390704" cy="95395"/>
+            <a:chOff x="844210" y="415639"/>
+            <a:chExt cx="390704" cy="95395"/>
+          </a:xfrm>
+        </p:grpSpPr>
+        <p:cxnSp>
+          <p:nvCxnSpPr>
+            <p:cNvPr id="190" name="Connettore diritto 189">
+              <a:extLst>
+                <a:ext uri="{FF2B5EF4-FFF2-40B4-BE49-F238E27FC236}">
+                  <a16:creationId xmlns:a16="http://schemas.microsoft.com/office/drawing/2014/main" id="{679A47BC-4D23-41B7-866D-88366AB8F223}"/>
+                </a:ext>
+              </a:extLst>
+            </p:cNvPr>
+            <p:cNvCxnSpPr>
+              <a:cxnSpLocks/>
+            </p:cNvCxnSpPr>
+            <p:nvPr/>
+          </p:nvCxnSpPr>
+          <p:spPr>
+            <a:xfrm>
+              <a:off x="974856" y="461961"/>
+              <a:ext cx="260058" cy="0"/>
+            </a:xfrm>
+            <a:prstGeom prst="line">
+              <a:avLst/>
+            </a:prstGeom>
+          </p:spPr>
+          <p:style>
+            <a:lnRef idx="2">
+              <a:schemeClr val="accent1"/>
+            </a:lnRef>
+            <a:fillRef idx="0">
+              <a:schemeClr val="accent1"/>
+            </a:fillRef>
+            <a:effectRef idx="1">
+              <a:schemeClr val="accent1"/>
+            </a:effectRef>
+            <a:fontRef idx="minor">
+              <a:schemeClr val="tx1"/>
+            </a:fontRef>
+          </p:style>
+        </p:cxnSp>
+        <p:sp>
+          <p:nvSpPr>
+            <p:cNvPr id="191" name="Ovale 190">
+              <a:extLst>
+                <a:ext uri="{FF2B5EF4-FFF2-40B4-BE49-F238E27FC236}">
+                  <a16:creationId xmlns:a16="http://schemas.microsoft.com/office/drawing/2014/main" id="{92330947-56EF-42D5-81AA-CCE1D4C52513}"/>
+                </a:ext>
+              </a:extLst>
+            </p:cNvPr>
+            <p:cNvSpPr/>
+            <p:nvPr/>
+          </p:nvSpPr>
+          <p:spPr>
+            <a:xfrm>
+              <a:off x="844210" y="415639"/>
+              <a:ext cx="123089" cy="95395"/>
+            </a:xfrm>
+            <a:prstGeom prst="ellipse">
+              <a:avLst/>
+            </a:prstGeom>
+            <a:solidFill>
+              <a:schemeClr val="bg1"/>
+            </a:solidFill>
+          </p:spPr>
+          <p:style>
+            <a:lnRef idx="2">
+              <a:schemeClr val="accent1">
+                <a:shade val="50000"/>
+              </a:schemeClr>
+            </a:lnRef>
+            <a:fillRef idx="1">
+              <a:schemeClr val="accent1"/>
+            </a:fillRef>
+            <a:effectRef idx="0">
+              <a:schemeClr val="accent1"/>
+            </a:effectRef>
+            <a:fontRef idx="minor">
+              <a:schemeClr val="lt1"/>
+            </a:fontRef>
+          </p:style>
+          <p:txBody>
+            <a:bodyPr rtlCol="0" anchor="ctr"/>
+            <a:lstStyle/>
+            <a:p>
+              <a:pPr algn="ctr"/>
+              <a:endParaRPr lang="it-IT"/>
+            </a:p>
+          </p:txBody>
+        </p:sp>
+      </p:grpSp>
+      <p:sp>
+        <p:nvSpPr>
+          <p:cNvPr id="192" name="CasellaDiTesto 191">
+            <a:extLst>
+              <a:ext uri="{FF2B5EF4-FFF2-40B4-BE49-F238E27FC236}">
+                <a16:creationId xmlns:a16="http://schemas.microsoft.com/office/drawing/2014/main" id="{FA4C4AD4-75C4-483F-AA44-85EE1A1817F5}"/>
+              </a:ext>
+            </a:extLst>
+          </p:cNvPr>
+          <p:cNvSpPr txBox="1"/>
+          <p:nvPr/>
+        </p:nvSpPr>
+        <p:spPr>
+          <a:xfrm>
+            <a:off x="0" y="6150819"/>
+            <a:ext cx="609073" cy="246221"/>
+          </a:xfrm>
+          <a:prstGeom prst="rect">
+            <a:avLst/>
+          </a:prstGeom>
+          <a:noFill/>
+        </p:spPr>
+        <p:txBody>
+          <a:bodyPr wrap="square" rtlCol="0">
+            <a:spAutoFit/>
+          </a:bodyPr>
+          <a:lstStyle/>
+          <a:p>
+            <a:r>
+              <a:rPr lang="en-US" sz="1000" dirty="0"/>
+              <a:t>text</a:t>
+            </a:r>
+            <a:endParaRPr lang="it-IT" sz="1100" dirty="0"/>
+          </a:p>
+        </p:txBody>
+      </p:sp>
+      <p:grpSp>
+        <p:nvGrpSpPr>
+          <p:cNvPr id="193" name="Gruppo 192">
+            <a:extLst>
+              <a:ext uri="{FF2B5EF4-FFF2-40B4-BE49-F238E27FC236}">
+                <a16:creationId xmlns:a16="http://schemas.microsoft.com/office/drawing/2014/main" id="{441A13BB-AA7C-4E27-BF89-018865B12F13}"/>
+              </a:ext>
+            </a:extLst>
+          </p:cNvPr>
+          <p:cNvGrpSpPr/>
+          <p:nvPr/>
+        </p:nvGrpSpPr>
+        <p:grpSpPr>
+          <a:xfrm>
+            <a:off x="1862958" y="5998551"/>
+            <a:ext cx="583190" cy="246692"/>
+            <a:chOff x="5568605" y="757513"/>
+            <a:chExt cx="583190" cy="246692"/>
+          </a:xfrm>
+        </p:grpSpPr>
+        <p:grpSp>
+          <p:nvGrpSpPr>
+            <p:cNvPr id="194" name="Gruppo 193">
+              <a:extLst>
+                <a:ext uri="{FF2B5EF4-FFF2-40B4-BE49-F238E27FC236}">
+                  <a16:creationId xmlns:a16="http://schemas.microsoft.com/office/drawing/2014/main" id="{629F38FA-F46E-4F2A-A916-43F512FBBCFC}"/>
+                </a:ext>
+              </a:extLst>
+            </p:cNvPr>
+            <p:cNvGrpSpPr/>
+            <p:nvPr/>
+          </p:nvGrpSpPr>
+          <p:grpSpPr>
+            <a:xfrm>
+              <a:off x="5761091" y="757513"/>
+              <a:ext cx="390704" cy="95395"/>
+              <a:chOff x="844210" y="415639"/>
+              <a:chExt cx="390704" cy="95395"/>
+            </a:xfrm>
+            <a:solidFill>
+              <a:schemeClr val="accent1">
+                <a:lumMod val="60000"/>
+                <a:lumOff val="40000"/>
+              </a:schemeClr>
+            </a:solidFill>
+          </p:grpSpPr>
+          <p:cxnSp>
+            <p:nvCxnSpPr>
+              <p:cNvPr id="196" name="Connettore diritto 195">
+                <a:extLst>
+                  <a:ext uri="{FF2B5EF4-FFF2-40B4-BE49-F238E27FC236}">
+                    <a16:creationId xmlns:a16="http://schemas.microsoft.com/office/drawing/2014/main" id="{E5B59682-AC3A-41C8-8F36-A10BDD1224C4}"/>
+                  </a:ext>
+                </a:extLst>
+              </p:cNvPr>
+              <p:cNvCxnSpPr>
+                <a:cxnSpLocks/>
+              </p:cNvCxnSpPr>
+              <p:nvPr/>
+            </p:nvCxnSpPr>
+            <p:spPr>
+              <a:xfrm>
+                <a:off x="974856" y="461961"/>
+                <a:ext cx="260058" cy="0"/>
+              </a:xfrm>
+              <a:prstGeom prst="line">
+                <a:avLst/>
+              </a:prstGeom>
+              <a:grpFill/>
+            </p:spPr>
+            <p:style>
+              <a:lnRef idx="2">
+                <a:schemeClr val="accent1"/>
+              </a:lnRef>
+              <a:fillRef idx="0">
+                <a:schemeClr val="accent1"/>
+              </a:fillRef>
+              <a:effectRef idx="1">
+                <a:schemeClr val="accent1"/>
+              </a:effectRef>
+              <a:fontRef idx="minor">
+                <a:schemeClr val="tx1"/>
+              </a:fontRef>
+            </p:style>
+          </p:cxnSp>
+          <p:sp>
+            <p:nvSpPr>
+              <p:cNvPr id="197" name="Ovale 196">
+                <a:extLst>
+                  <a:ext uri="{FF2B5EF4-FFF2-40B4-BE49-F238E27FC236}">
+                    <a16:creationId xmlns:a16="http://schemas.microsoft.com/office/drawing/2014/main" id="{8BEC0FD1-695A-4B95-BE2B-E6F3B8F8FB97}"/>
+                  </a:ext>
+                </a:extLst>
+              </p:cNvPr>
+              <p:cNvSpPr/>
+              <p:nvPr/>
+            </p:nvSpPr>
+            <p:spPr>
+              <a:xfrm>
+                <a:off x="844210" y="415639"/>
+                <a:ext cx="123089" cy="95395"/>
+              </a:xfrm>
+              <a:prstGeom prst="ellipse">
+                <a:avLst/>
+              </a:prstGeom>
+              <a:grpFill/>
+            </p:spPr>
+            <p:style>
+              <a:lnRef idx="2">
+                <a:schemeClr val="accent1">
+                  <a:shade val="50000"/>
+                </a:schemeClr>
+              </a:lnRef>
+              <a:fillRef idx="1">
+                <a:schemeClr val="accent1"/>
+              </a:fillRef>
+              <a:effectRef idx="0">
+                <a:schemeClr val="accent1"/>
+              </a:effectRef>
+              <a:fontRef idx="minor">
+                <a:schemeClr val="lt1"/>
+              </a:fontRef>
+            </p:style>
+            <p:txBody>
+              <a:bodyPr rtlCol="0" anchor="ctr"/>
+              <a:lstStyle/>
+              <a:p>
+                <a:pPr algn="ctr"/>
+                <a:endParaRPr lang="it-IT"/>
+              </a:p>
+            </p:txBody>
+          </p:sp>
+        </p:grpSp>
+        <p:sp>
+          <p:nvSpPr>
+            <p:cNvPr id="195" name="CasellaDiTesto 194">
+              <a:extLst>
+                <a:ext uri="{FF2B5EF4-FFF2-40B4-BE49-F238E27FC236}">
+                  <a16:creationId xmlns:a16="http://schemas.microsoft.com/office/drawing/2014/main" id="{B22A97D9-B833-4330-A0D9-6FD8731FE432}"/>
+                </a:ext>
+              </a:extLst>
+            </p:cNvPr>
+            <p:cNvSpPr txBox="1"/>
+            <p:nvPr/>
+          </p:nvSpPr>
+          <p:spPr>
+            <a:xfrm>
+              <a:off x="5568605" y="757984"/>
+              <a:ext cx="384972" cy="246221"/>
+            </a:xfrm>
+            <a:prstGeom prst="rect">
+              <a:avLst/>
+            </a:prstGeom>
+            <a:noFill/>
+          </p:spPr>
+          <p:txBody>
+            <a:bodyPr wrap="square" rtlCol="0">
+              <a:spAutoFit/>
+            </a:bodyPr>
+            <a:lstStyle/>
+            <a:p>
+              <a:r>
+                <a:rPr lang="en-US" sz="1000" dirty="0"/>
+                <a:t>Id</a:t>
+              </a:r>
+              <a:endParaRPr lang="it-IT" sz="1100" dirty="0"/>
+            </a:p>
+          </p:txBody>
+        </p:sp>
+      </p:grpSp>
+      <p:grpSp>
+        <p:nvGrpSpPr>
+          <p:cNvPr id="198" name="Gruppo 197">
+            <a:extLst>
+              <a:ext uri="{FF2B5EF4-FFF2-40B4-BE49-F238E27FC236}">
+                <a16:creationId xmlns:a16="http://schemas.microsoft.com/office/drawing/2014/main" id="{BE720CDE-0BCF-4BDC-9BA3-FFFFA8652EA5}"/>
+              </a:ext>
+            </a:extLst>
+          </p:cNvPr>
+          <p:cNvGrpSpPr/>
+          <p:nvPr/>
+        </p:nvGrpSpPr>
+        <p:grpSpPr>
+          <a:xfrm>
+            <a:off x="2050140" y="6238013"/>
+            <a:ext cx="390704" cy="95395"/>
+            <a:chOff x="844210" y="415639"/>
+            <a:chExt cx="390704" cy="95395"/>
+          </a:xfrm>
+        </p:grpSpPr>
+        <p:cxnSp>
+          <p:nvCxnSpPr>
+            <p:cNvPr id="199" name="Connettore diritto 198">
+              <a:extLst>
+                <a:ext uri="{FF2B5EF4-FFF2-40B4-BE49-F238E27FC236}">
+                  <a16:creationId xmlns:a16="http://schemas.microsoft.com/office/drawing/2014/main" id="{1778AA50-B702-4662-B355-9F1A4DEE8777}"/>
+                </a:ext>
+              </a:extLst>
+            </p:cNvPr>
+            <p:cNvCxnSpPr>
+              <a:cxnSpLocks/>
+            </p:cNvCxnSpPr>
+            <p:nvPr/>
+          </p:nvCxnSpPr>
+          <p:spPr>
+            <a:xfrm>
+              <a:off x="974856" y="461961"/>
+              <a:ext cx="260058" cy="0"/>
+            </a:xfrm>
+            <a:prstGeom prst="line">
+              <a:avLst/>
+            </a:prstGeom>
+          </p:spPr>
+          <p:style>
+            <a:lnRef idx="2">
+              <a:schemeClr val="accent1"/>
+            </a:lnRef>
+            <a:fillRef idx="0">
+              <a:schemeClr val="accent1"/>
+            </a:fillRef>
+            <a:effectRef idx="1">
+              <a:schemeClr val="accent1"/>
+            </a:effectRef>
+            <a:fontRef idx="minor">
+              <a:schemeClr val="tx1"/>
+            </a:fontRef>
+          </p:style>
+        </p:cxnSp>
+        <p:sp>
+          <p:nvSpPr>
+            <p:cNvPr id="200" name="Ovale 199">
+              <a:extLst>
+                <a:ext uri="{FF2B5EF4-FFF2-40B4-BE49-F238E27FC236}">
+                  <a16:creationId xmlns:a16="http://schemas.microsoft.com/office/drawing/2014/main" id="{A04EA5E8-2FFB-4395-AEF1-D52BB5DC0F3C}"/>
+                </a:ext>
+              </a:extLst>
+            </p:cNvPr>
+            <p:cNvSpPr/>
+            <p:nvPr/>
+          </p:nvSpPr>
+          <p:spPr>
+            <a:xfrm>
+              <a:off x="844210" y="415639"/>
+              <a:ext cx="123089" cy="95395"/>
+            </a:xfrm>
+            <a:prstGeom prst="ellipse">
+              <a:avLst/>
+            </a:prstGeom>
+            <a:solidFill>
+              <a:schemeClr val="bg1"/>
+            </a:solidFill>
+          </p:spPr>
+          <p:style>
+            <a:lnRef idx="2">
+              <a:schemeClr val="accent1">
+                <a:shade val="50000"/>
+              </a:schemeClr>
+            </a:lnRef>
+            <a:fillRef idx="1">
+              <a:schemeClr val="accent1"/>
+            </a:fillRef>
+            <a:effectRef idx="0">
+              <a:schemeClr val="accent1"/>
+            </a:effectRef>
+            <a:fontRef idx="minor">
+              <a:schemeClr val="lt1"/>
+            </a:fontRef>
+          </p:style>
+          <p:txBody>
+            <a:bodyPr rtlCol="0" anchor="ctr"/>
+            <a:lstStyle/>
+            <a:p>
+              <a:pPr algn="ctr"/>
+              <a:endParaRPr lang="it-IT"/>
+            </a:p>
+          </p:txBody>
+        </p:sp>
+      </p:grpSp>
+      <p:sp>
+        <p:nvSpPr>
+          <p:cNvPr id="201" name="CasellaDiTesto 200">
+            <a:extLst>
+              <a:ext uri="{FF2B5EF4-FFF2-40B4-BE49-F238E27FC236}">
+                <a16:creationId xmlns:a16="http://schemas.microsoft.com/office/drawing/2014/main" id="{56554B4F-CFE9-45F6-A83D-3836D51A495A}"/>
+              </a:ext>
+            </a:extLst>
+          </p:cNvPr>
+          <p:cNvSpPr txBox="1"/>
+          <p:nvPr/>
+        </p:nvSpPr>
+        <p:spPr>
+          <a:xfrm>
+            <a:off x="1853730" y="6273929"/>
+            <a:ext cx="609073" cy="246221"/>
+          </a:xfrm>
+          <a:prstGeom prst="rect">
+            <a:avLst/>
+          </a:prstGeom>
+          <a:noFill/>
+        </p:spPr>
+        <p:txBody>
+          <a:bodyPr wrap="square" rtlCol="0">
+            <a:spAutoFit/>
+          </a:bodyPr>
+          <a:lstStyle/>
+          <a:p>
+            <a:r>
+              <a:rPr lang="en-US" sz="1000" dirty="0"/>
+              <a:t>text</a:t>
+            </a:r>
+            <a:endParaRPr lang="it-IT" sz="1100" dirty="0"/>
+          </a:p>
+        </p:txBody>
+      </p:sp>
+      <p:sp>
+        <p:nvSpPr>
+          <p:cNvPr id="202" name="CasellaDiTesto 201">
+            <a:extLst>
+              <a:ext uri="{FF2B5EF4-FFF2-40B4-BE49-F238E27FC236}">
+                <a16:creationId xmlns:a16="http://schemas.microsoft.com/office/drawing/2014/main" id="{4DF60A55-BB8B-4D9C-B3C1-03B4A8C20EEA}"/>
+              </a:ext>
+            </a:extLst>
+          </p:cNvPr>
+          <p:cNvSpPr txBox="1"/>
+          <p:nvPr/>
+        </p:nvSpPr>
+        <p:spPr>
+          <a:xfrm>
+            <a:off x="5811392" y="4410429"/>
+            <a:ext cx="609073" cy="246221"/>
+          </a:xfrm>
+          <a:prstGeom prst="rect">
+            <a:avLst/>
+          </a:prstGeom>
+          <a:noFill/>
+        </p:spPr>
+        <p:txBody>
+          <a:bodyPr wrap="square" rtlCol="0">
+            <a:spAutoFit/>
+          </a:bodyPr>
+          <a:lstStyle/>
+          <a:p>
+            <a:r>
+              <a:rPr lang="en-US" sz="1000" dirty="0"/>
+              <a:t>answer</a:t>
+            </a:r>
+            <a:endParaRPr lang="it-IT" sz="1100" dirty="0"/>
+          </a:p>
+        </p:txBody>
+      </p:sp>
+      <p:grpSp>
+        <p:nvGrpSpPr>
+          <p:cNvPr id="203" name="Gruppo 202">
+            <a:extLst>
+              <a:ext uri="{FF2B5EF4-FFF2-40B4-BE49-F238E27FC236}">
+                <a16:creationId xmlns:a16="http://schemas.microsoft.com/office/drawing/2014/main" id="{6EC7EED8-6D2D-4067-9F37-CB060BAEAD1A}"/>
+              </a:ext>
+            </a:extLst>
+          </p:cNvPr>
+          <p:cNvGrpSpPr/>
+          <p:nvPr/>
+        </p:nvGrpSpPr>
+        <p:grpSpPr>
+          <a:xfrm>
+            <a:off x="6329992" y="4517475"/>
+            <a:ext cx="390704" cy="95395"/>
+            <a:chOff x="844210" y="415639"/>
+            <a:chExt cx="390704" cy="95395"/>
+          </a:xfrm>
+        </p:grpSpPr>
+        <p:cxnSp>
+          <p:nvCxnSpPr>
+            <p:cNvPr id="204" name="Connettore diritto 203">
+              <a:extLst>
+                <a:ext uri="{FF2B5EF4-FFF2-40B4-BE49-F238E27FC236}">
+                  <a16:creationId xmlns:a16="http://schemas.microsoft.com/office/drawing/2014/main" id="{EC2D7941-F84E-4180-BC6B-5B6FC105708C}"/>
+                </a:ext>
+              </a:extLst>
+            </p:cNvPr>
+            <p:cNvCxnSpPr>
+              <a:cxnSpLocks/>
+            </p:cNvCxnSpPr>
+            <p:nvPr/>
+          </p:nvCxnSpPr>
+          <p:spPr>
+            <a:xfrm>
+              <a:off x="974856" y="461961"/>
+              <a:ext cx="260058" cy="0"/>
+            </a:xfrm>
+            <a:prstGeom prst="line">
+              <a:avLst/>
+            </a:prstGeom>
+          </p:spPr>
+          <p:style>
+            <a:lnRef idx="2">
+              <a:schemeClr val="accent1"/>
+            </a:lnRef>
+            <a:fillRef idx="0">
+              <a:schemeClr val="accent1"/>
+            </a:fillRef>
+            <a:effectRef idx="1">
+              <a:schemeClr val="accent1"/>
+            </a:effectRef>
+            <a:fontRef idx="minor">
+              <a:schemeClr val="tx1"/>
+            </a:fontRef>
+          </p:style>
+        </p:cxnSp>
+        <p:sp>
+          <p:nvSpPr>
+            <p:cNvPr id="205" name="Ovale 204">
+              <a:extLst>
+                <a:ext uri="{FF2B5EF4-FFF2-40B4-BE49-F238E27FC236}">
+                  <a16:creationId xmlns:a16="http://schemas.microsoft.com/office/drawing/2014/main" id="{A58720DE-E467-4A45-A675-1B2FA90A05F2}"/>
+                </a:ext>
+              </a:extLst>
+            </p:cNvPr>
+            <p:cNvSpPr/>
+            <p:nvPr/>
+          </p:nvSpPr>
+          <p:spPr>
+            <a:xfrm>
+              <a:off x="844210" y="415639"/>
+              <a:ext cx="123089" cy="95395"/>
+            </a:xfrm>
+            <a:prstGeom prst="ellipse">
+              <a:avLst/>
+            </a:prstGeom>
+            <a:solidFill>
+              <a:schemeClr val="bg1"/>
+            </a:solidFill>
+          </p:spPr>
+          <p:style>
+            <a:lnRef idx="2">
+              <a:schemeClr val="accent1">
+                <a:shade val="50000"/>
+              </a:schemeClr>
+            </a:lnRef>
+            <a:fillRef idx="1">
+              <a:schemeClr val="accent1"/>
+            </a:fillRef>
+            <a:effectRef idx="0">
+              <a:schemeClr val="accent1"/>
+            </a:effectRef>
+            <a:fontRef idx="minor">
+              <a:schemeClr val="lt1"/>
+            </a:fontRef>
+          </p:style>
+          <p:txBody>
+            <a:bodyPr rtlCol="0" anchor="ctr"/>
+            <a:lstStyle/>
+            <a:p>
+              <a:pPr algn="ctr"/>
+              <a:endParaRPr lang="it-IT"/>
+            </a:p>
+          </p:txBody>
+        </p:sp>
+      </p:grpSp>
     </p:spTree>
     <p:extLst>
       <p:ext uri="{BB962C8B-B14F-4D97-AF65-F5344CB8AC3E}">
@@ -14454,6 +17800,34 @@
             <a:pPr marL="0" indent="0">
               <a:buNone/>
             </a:pPr>
+            <a:r>
+              <a:rPr lang="en-GB" sz="1600" dirty="0" err="1"/>
+              <a:t>OffensiveWord</a:t>
+            </a:r>
+            <a:r>
+              <a:rPr lang="en-GB" sz="1600" dirty="0"/>
+              <a:t>(</a:t>
+            </a:r>
+            <a:r>
+              <a:rPr lang="en-GB" sz="1600" u="sng" dirty="0"/>
+              <a:t>Id</a:t>
+            </a:r>
+            <a:r>
+              <a:rPr lang="en-GB" sz="1600" dirty="0"/>
+              <a:t>, word)</a:t>
+            </a:r>
+            <a:endParaRPr lang="en-GB" sz="1600" u="sng" dirty="0"/>
+          </a:p>
+          <a:p>
+            <a:pPr marL="0" indent="0">
+              <a:buNone/>
+            </a:pPr>
+            <a:endParaRPr lang="en-GB" sz="1600" dirty="0"/>
+          </a:p>
+          <a:p>
+            <a:pPr marL="0" indent="0">
+              <a:buNone/>
+            </a:pPr>
             <a:endParaRPr lang="en-GB" sz="1600" dirty="0"/>
           </a:p>
           <a:p>
@@ -14526,9 +17900,9 @@
           <p:nvPr/>
         </p:nvCxnSpPr>
         <p:spPr>
-          <a:xfrm>
-            <a:off x="1164431" y="1535906"/>
-            <a:ext cx="64294" cy="464344"/>
+          <a:xfrm flipH="1">
+            <a:off x="1228725" y="1541633"/>
+            <a:ext cx="264319" cy="458617"/>
           </a:xfrm>
           <a:prstGeom prst="straightConnector1">
             <a:avLst/>
@@ -14793,8 +18167,8 @@
         </p:nvSpPr>
         <p:spPr>
           <a:xfrm>
-            <a:off x="294724" y="1859028"/>
-            <a:ext cx="8652793" cy="4770537"/>
+            <a:off x="355180" y="2297336"/>
+            <a:ext cx="8652793" cy="3416320"/>
           </a:xfrm>
           <a:prstGeom prst="rect">
             <a:avLst/>
@@ -15191,263 +18565,6 @@
           </a:p>
           <a:p>
             <a:endParaRPr lang="it-IT" sz="2200" dirty="0">
-              <a:sym typeface="Wingdings" panose="05000000000000000000" pitchFamily="2" charset="2"/>
-            </a:endParaRPr>
-          </a:p>
-          <a:p>
-            <a:r>
-              <a:rPr lang="it-IT" sz="2200" b="1" dirty="0" err="1">
-                <a:sym typeface="Wingdings" panose="05000000000000000000" pitchFamily="2" charset="2"/>
-              </a:rPr>
-              <a:t>Variable</a:t>
-            </a:r>
-            <a:r>
-              <a:rPr lang="it-IT" sz="2200" b="1" dirty="0">
-                <a:sym typeface="Wingdings" panose="05000000000000000000" pitchFamily="2" charset="2"/>
-              </a:rPr>
-              <a:t> </a:t>
-            </a:r>
-            <a:r>
-              <a:rPr lang="it-IT" sz="2200" b="1" dirty="0" err="1">
-                <a:sym typeface="Wingdings" panose="05000000000000000000" pitchFamily="2" charset="2"/>
-              </a:rPr>
-              <a:t>Answer</a:t>
-            </a:r>
-            <a:r>
-              <a:rPr lang="it-IT" sz="2200" dirty="0">
-                <a:sym typeface="Wingdings" panose="05000000000000000000" pitchFamily="2" charset="2"/>
-              </a:rPr>
-              <a:t> </a:t>
-            </a:r>
-            <a:r>
-              <a:rPr lang="it-IT" sz="2200" dirty="0" err="1">
-                <a:sym typeface="Wingdings" panose="05000000000000000000" pitchFamily="2" charset="2"/>
-              </a:rPr>
-              <a:t>table</a:t>
-            </a:r>
-            <a:r>
-              <a:rPr lang="it-IT" sz="2200" dirty="0">
-                <a:sym typeface="Wingdings" panose="05000000000000000000" pitchFamily="2" charset="2"/>
-              </a:rPr>
-              <a:t> </a:t>
-            </a:r>
-            <a:r>
-              <a:rPr lang="it-IT" sz="2200" dirty="0" err="1">
-                <a:sym typeface="Wingdings" panose="05000000000000000000" pitchFamily="2" charset="2"/>
-              </a:rPr>
-              <a:t>associates</a:t>
-            </a:r>
-            <a:r>
-              <a:rPr lang="it-IT" sz="2200" dirty="0">
-                <a:sym typeface="Wingdings" panose="05000000000000000000" pitchFamily="2" charset="2"/>
-              </a:rPr>
-              <a:t> to </a:t>
-            </a:r>
-            <a:r>
-              <a:rPr lang="it-IT" sz="2200" dirty="0" err="1">
-                <a:sym typeface="Wingdings" panose="05000000000000000000" pitchFamily="2" charset="2"/>
-              </a:rPr>
-              <a:t>each</a:t>
-            </a:r>
-            <a:r>
-              <a:rPr lang="it-IT" sz="2200" dirty="0">
-                <a:sym typeface="Wingdings" panose="05000000000000000000" pitchFamily="2" charset="2"/>
-              </a:rPr>
-              <a:t> </a:t>
-            </a:r>
-            <a:r>
-              <a:rPr lang="it-IT" sz="2200" dirty="0" err="1">
-                <a:sym typeface="Wingdings" panose="05000000000000000000" pitchFamily="2" charset="2"/>
-              </a:rPr>
-              <a:t>variable</a:t>
-            </a:r>
-            <a:r>
-              <a:rPr lang="it-IT" sz="2200" dirty="0">
-                <a:sym typeface="Wingdings" panose="05000000000000000000" pitchFamily="2" charset="2"/>
-              </a:rPr>
-              <a:t> </a:t>
-            </a:r>
-            <a:r>
-              <a:rPr lang="it-IT" sz="2200" dirty="0" err="1">
-                <a:sym typeface="Wingdings" panose="05000000000000000000" pitchFamily="2" charset="2"/>
-              </a:rPr>
-              <a:t>question</a:t>
-            </a:r>
-            <a:r>
-              <a:rPr lang="it-IT" sz="2200" dirty="0">
-                <a:sym typeface="Wingdings" panose="05000000000000000000" pitchFamily="2" charset="2"/>
-              </a:rPr>
-              <a:t> the </a:t>
-            </a:r>
-            <a:r>
-              <a:rPr lang="it-IT" sz="2200" dirty="0" err="1">
-                <a:sym typeface="Wingdings" panose="05000000000000000000" pitchFamily="2" charset="2"/>
-              </a:rPr>
-              <a:t>corresponding</a:t>
-            </a:r>
-            <a:r>
-              <a:rPr lang="it-IT" sz="2200" dirty="0">
-                <a:sym typeface="Wingdings" panose="05000000000000000000" pitchFamily="2" charset="2"/>
-              </a:rPr>
-              <a:t> </a:t>
-            </a:r>
-            <a:r>
-              <a:rPr lang="it-IT" sz="2200" dirty="0" err="1">
-                <a:sym typeface="Wingdings" panose="05000000000000000000" pitchFamily="2" charset="2"/>
-              </a:rPr>
-              <a:t>answer</a:t>
-            </a:r>
-            <a:r>
-              <a:rPr lang="it-IT" sz="2200" dirty="0">
-                <a:sym typeface="Wingdings" panose="05000000000000000000" pitchFamily="2" charset="2"/>
-              </a:rPr>
-              <a:t> </a:t>
-            </a:r>
-            <a:r>
-              <a:rPr lang="it-IT" sz="2200" dirty="0" err="1">
-                <a:sym typeface="Wingdings" panose="05000000000000000000" pitchFamily="2" charset="2"/>
-              </a:rPr>
-              <a:t>given</a:t>
-            </a:r>
-            <a:r>
-              <a:rPr lang="it-IT" sz="2200" dirty="0">
-                <a:sym typeface="Wingdings" panose="05000000000000000000" pitchFamily="2" charset="2"/>
-              </a:rPr>
-              <a:t> from a user </a:t>
-            </a:r>
-            <a:r>
-              <a:rPr lang="it-IT" sz="2200" dirty="0" err="1">
-                <a:sym typeface="Wingdings" panose="05000000000000000000" pitchFamily="2" charset="2"/>
-              </a:rPr>
-              <a:t>that</a:t>
-            </a:r>
-            <a:r>
-              <a:rPr lang="it-IT" sz="2200" dirty="0">
-                <a:sym typeface="Wingdings" panose="05000000000000000000" pitchFamily="2" charset="2"/>
-              </a:rPr>
-              <a:t> </a:t>
-            </a:r>
-            <a:r>
-              <a:rPr lang="it-IT" sz="2200" dirty="0" err="1">
-                <a:sym typeface="Wingdings" panose="05000000000000000000" pitchFamily="2" charset="2"/>
-              </a:rPr>
-              <a:t>has</a:t>
-            </a:r>
-            <a:r>
-              <a:rPr lang="it-IT" sz="2200" dirty="0">
-                <a:sym typeface="Wingdings" panose="05000000000000000000" pitchFamily="2" charset="2"/>
-              </a:rPr>
-              <a:t> </a:t>
-            </a:r>
-            <a:r>
-              <a:rPr lang="it-IT" sz="2200" dirty="0" err="1">
-                <a:sym typeface="Wingdings" panose="05000000000000000000" pitchFamily="2" charset="2"/>
-              </a:rPr>
-              <a:t>completed</a:t>
-            </a:r>
-            <a:r>
-              <a:rPr lang="it-IT" sz="2200" dirty="0">
-                <a:sym typeface="Wingdings" panose="05000000000000000000" pitchFamily="2" charset="2"/>
-              </a:rPr>
-              <a:t> the </a:t>
-            </a:r>
-            <a:r>
-              <a:rPr lang="it-IT" sz="2200" dirty="0" err="1">
-                <a:sym typeface="Wingdings" panose="05000000000000000000" pitchFamily="2" charset="2"/>
-              </a:rPr>
-              <a:t>questionnaire</a:t>
-            </a:r>
-            <a:r>
-              <a:rPr lang="it-IT" sz="2200" dirty="0">
-                <a:sym typeface="Wingdings" panose="05000000000000000000" pitchFamily="2" charset="2"/>
-              </a:rPr>
-              <a:t> (i.e. </a:t>
-            </a:r>
-            <a:r>
-              <a:rPr lang="it-IT" sz="2200" dirty="0" err="1">
-                <a:sym typeface="Wingdings" panose="05000000000000000000" pitchFamily="2" charset="2"/>
-              </a:rPr>
-              <a:t>has</a:t>
-            </a:r>
-            <a:r>
-              <a:rPr lang="it-IT" sz="2200" dirty="0">
-                <a:sym typeface="Wingdings" panose="05000000000000000000" pitchFamily="2" charset="2"/>
-              </a:rPr>
-              <a:t> a </a:t>
-            </a:r>
-            <a:r>
-              <a:rPr lang="it-IT" sz="2200" dirty="0" err="1">
-                <a:sym typeface="Wingdings" panose="05000000000000000000" pitchFamily="2" charset="2"/>
-              </a:rPr>
-              <a:t>questionnaire</a:t>
-            </a:r>
-            <a:r>
-              <a:rPr lang="it-IT" sz="2200" dirty="0">
-                <a:sym typeface="Wingdings" panose="05000000000000000000" pitchFamily="2" charset="2"/>
-              </a:rPr>
-              <a:t> </a:t>
-            </a:r>
-            <a:r>
-              <a:rPr lang="it-IT" sz="2200" dirty="0" err="1">
-                <a:sym typeface="Wingdings" panose="05000000000000000000" pitchFamily="2" charset="2"/>
-              </a:rPr>
-              <a:t>answer</a:t>
-            </a:r>
-            <a:r>
-              <a:rPr lang="it-IT" sz="2200" dirty="0">
-                <a:sym typeface="Wingdings" panose="05000000000000000000" pitchFamily="2" charset="2"/>
-              </a:rPr>
-              <a:t> </a:t>
-            </a:r>
-            <a:r>
-              <a:rPr lang="it-IT" sz="2200" dirty="0" err="1">
-                <a:sym typeface="Wingdings" panose="05000000000000000000" pitchFamily="2" charset="2"/>
-              </a:rPr>
-              <a:t>tuple</a:t>
-            </a:r>
-            <a:r>
-              <a:rPr lang="it-IT" sz="2200" dirty="0">
-                <a:sym typeface="Wingdings" panose="05000000000000000000" pitchFamily="2" charset="2"/>
-              </a:rPr>
-              <a:t> for </a:t>
-            </a:r>
-            <a:r>
-              <a:rPr lang="it-IT" sz="2200" dirty="0" err="1">
-                <a:sym typeface="Wingdings" panose="05000000000000000000" pitchFamily="2" charset="2"/>
-              </a:rPr>
-              <a:t>that</a:t>
-            </a:r>
-            <a:r>
-              <a:rPr lang="it-IT" sz="2200" dirty="0">
-                <a:sym typeface="Wingdings" panose="05000000000000000000" pitchFamily="2" charset="2"/>
-              </a:rPr>
-              <a:t> product </a:t>
-            </a:r>
-            <a:r>
-              <a:rPr lang="it-IT" sz="2200" dirty="0" err="1">
-                <a:sym typeface="Wingdings" panose="05000000000000000000" pitchFamily="2" charset="2"/>
-              </a:rPr>
-              <a:t>associated</a:t>
-            </a:r>
-            <a:r>
-              <a:rPr lang="it-IT" sz="2200" dirty="0">
-                <a:sym typeface="Wingdings" panose="05000000000000000000" pitchFamily="2" charset="2"/>
-              </a:rPr>
-              <a:t> to </a:t>
-            </a:r>
-            <a:r>
-              <a:rPr lang="it-IT" sz="2200" dirty="0" err="1">
-                <a:sym typeface="Wingdings" panose="05000000000000000000" pitchFamily="2" charset="2"/>
-              </a:rPr>
-              <a:t>him</a:t>
-            </a:r>
-            <a:r>
-              <a:rPr lang="it-IT" sz="2200" dirty="0">
-                <a:sym typeface="Wingdings" panose="05000000000000000000" pitchFamily="2" charset="2"/>
-              </a:rPr>
-              <a:t>)</a:t>
-            </a:r>
-            <a:endParaRPr lang="it-IT" sz="2200" b="1" dirty="0">
               <a:sym typeface="Wingdings" panose="05000000000000000000" pitchFamily="2" charset="2"/>
             </a:endParaRPr>
           </a:p>
